--- a/cours/Guide - obtenir des cartes.pptx
+++ b/cours/Guide - obtenir des cartes.pptx
@@ -5,34 +5,37 @@
     <p:sldMasterId id="2147483667" r:id="rId1"/>
   </p:sldMasterIdLst>
   <p:notesMasterIdLst>
-    <p:notesMasterId r:id="rId27"/>
+    <p:notesMasterId r:id="rId30"/>
   </p:notesMasterIdLst>
   <p:sldIdLst>
     <p:sldId id="276" r:id="rId2"/>
-    <p:sldId id="279" r:id="rId3"/>
-    <p:sldId id="282" r:id="rId4"/>
-    <p:sldId id="281" r:id="rId5"/>
-    <p:sldId id="286" r:id="rId6"/>
-    <p:sldId id="287" r:id="rId7"/>
-    <p:sldId id="291" r:id="rId8"/>
-    <p:sldId id="290" r:id="rId9"/>
-    <p:sldId id="289" r:id="rId10"/>
-    <p:sldId id="278" r:id="rId11"/>
-    <p:sldId id="280" r:id="rId12"/>
-    <p:sldId id="283" r:id="rId13"/>
-    <p:sldId id="284" r:id="rId14"/>
-    <p:sldId id="257" r:id="rId15"/>
-    <p:sldId id="258" r:id="rId16"/>
-    <p:sldId id="259" r:id="rId17"/>
-    <p:sldId id="260" r:id="rId18"/>
-    <p:sldId id="261" r:id="rId19"/>
-    <p:sldId id="262" r:id="rId20"/>
-    <p:sldId id="263" r:id="rId21"/>
-    <p:sldId id="264" r:id="rId22"/>
-    <p:sldId id="265" r:id="rId23"/>
-    <p:sldId id="266" r:id="rId24"/>
-    <p:sldId id="267" r:id="rId25"/>
-    <p:sldId id="268" r:id="rId26"/>
+    <p:sldId id="293" r:id="rId3"/>
+    <p:sldId id="279" r:id="rId4"/>
+    <p:sldId id="282" r:id="rId5"/>
+    <p:sldId id="281" r:id="rId6"/>
+    <p:sldId id="286" r:id="rId7"/>
+    <p:sldId id="287" r:id="rId8"/>
+    <p:sldId id="291" r:id="rId9"/>
+    <p:sldId id="290" r:id="rId10"/>
+    <p:sldId id="289" r:id="rId11"/>
+    <p:sldId id="278" r:id="rId12"/>
+    <p:sldId id="280" r:id="rId13"/>
+    <p:sldId id="283" r:id="rId14"/>
+    <p:sldId id="284" r:id="rId15"/>
+    <p:sldId id="294" r:id="rId16"/>
+    <p:sldId id="257" r:id="rId17"/>
+    <p:sldId id="258" r:id="rId18"/>
+    <p:sldId id="259" r:id="rId19"/>
+    <p:sldId id="260" r:id="rId20"/>
+    <p:sldId id="261" r:id="rId21"/>
+    <p:sldId id="262" r:id="rId22"/>
+    <p:sldId id="263" r:id="rId23"/>
+    <p:sldId id="295" r:id="rId24"/>
+    <p:sldId id="265" r:id="rId25"/>
+    <p:sldId id="266" r:id="rId26"/>
+    <p:sldId id="267" r:id="rId27"/>
+    <p:sldId id="268" r:id="rId28"/>
+    <p:sldId id="292" r:id="rId29"/>
   </p:sldIdLst>
   <p:sldSz cx="9144000" cy="6858000" type="screen4x3"/>
   <p:notesSz cx="6858000" cy="9144000"/>
@@ -221,7 +224,7 @@
           <a:p>
             <a:fld id="{5C348F8D-022D-404F-B7E9-2A064090EDFB}" type="datetimeFigureOut">
               <a:rPr lang="fr-FR" smtClean="0"/>
-              <a:t>08/05/2021</a:t>
+              <a:t>10/05/2021</a:t>
             </a:fld>
             <a:endParaRPr lang="fr-FR"/>
           </a:p>
@@ -563,7 +566,7 @@
           <a:p>
             <a:fld id="{1321DB9F-BB1B-4B09-A1A4-736F1DCF5FB6}" type="slidenum">
               <a:rPr lang="fr-FR" smtClean="0"/>
-              <a:t>4</a:t>
+              <a:t>5</a:t>
             </a:fld>
             <a:endParaRPr lang="fr-FR"/>
           </a:p>
@@ -601,261 +604,6 @@
       </p:grpSpPr>
       <p:sp>
         <p:nvSpPr>
-          <p:cNvPr id="124930" name="Espace réservé de l'image des diapositives 1"/>
-          <p:cNvSpPr>
-            <a:spLocks noGrp="1" noRot="1" noChangeAspect="1"/>
-          </p:cNvSpPr>
-          <p:nvPr>
-            <p:ph type="sldImg"/>
-          </p:nvPr>
-        </p:nvSpPr>
-        <p:spPr bwMode="auto">
-          <a:xfrm>
-            <a:off x="917575" y="744538"/>
-            <a:ext cx="4962525" cy="3722687"/>
-          </a:xfrm>
-          <a:prstGeom prst="rect">
-            <a:avLst/>
-          </a:prstGeom>
-          <a:noFill/>
-          <a:ln w="12700">
-            <a:solidFill>
-              <a:srgbClr val="000000"/>
-            </a:solidFill>
-            <a:miter lim="800000"/>
-            <a:headEnd/>
-            <a:tailEnd/>
-          </a:ln>
-          <a:extLst>
-            <a:ext uri="{909E8E84-426E-40DD-AFC4-6F175D3DCCD1}">
-              <a14:hiddenFill xmlns:a14="http://schemas.microsoft.com/office/drawing/2010/main">
-                <a:solidFill>
-                  <a:srgbClr val="FFFFFF"/>
-                </a:solidFill>
-              </a14:hiddenFill>
-            </a:ext>
-          </a:extLst>
-        </p:spPr>
-      </p:sp>
-      <p:sp>
-        <p:nvSpPr>
-          <p:cNvPr id="124931" name="Espace réservé des commentaires 2"/>
-          <p:cNvSpPr>
-            <a:spLocks noGrp="1"/>
-          </p:cNvSpPr>
-          <p:nvPr>
-            <p:ph type="body" idx="1"/>
-          </p:nvPr>
-        </p:nvSpPr>
-        <p:spPr>
-          <a:noFill/>
-          <a:extLst>
-            <a:ext uri="{909E8E84-426E-40DD-AFC4-6F175D3DCCD1}">
-              <a14:hiddenFill xmlns:a14="http://schemas.microsoft.com/office/drawing/2010/main">
-                <a:solidFill>
-                  <a:srgbClr val="FFFFFF"/>
-                </a:solidFill>
-              </a14:hiddenFill>
-            </a:ext>
-            <a:ext uri="{91240B29-F687-4F45-9708-019B960494DF}">
-              <a14:hiddenLine xmlns:a14="http://schemas.microsoft.com/office/drawing/2010/main" w="9525">
-                <a:solidFill>
-                  <a:srgbClr val="000000"/>
-                </a:solidFill>
-                <a:miter lim="800000"/>
-                <a:headEnd/>
-                <a:tailEnd/>
-              </a14:hiddenLine>
-            </a:ext>
-          </a:extLst>
-        </p:spPr>
-        <p:txBody>
-          <a:bodyPr/>
-          <a:lstStyle/>
-          <a:p>
-            <a:r>
-              <a:rPr lang="fr-FR" altLang="fr-FR">
-                <a:latin typeface="Arial" panose="020B0604020202020204" pitchFamily="34" charset="0"/>
-              </a:rPr>
-              <a:t>Cartographie réalisée sur le théatre (MGCP) téléchargeable sur le site du 28GG </a:t>
-            </a:r>
-          </a:p>
-        </p:txBody>
-      </p:sp>
-      <p:sp>
-        <p:nvSpPr>
-          <p:cNvPr id="124932" name="Espace réservé du numéro de diapositive 3"/>
-          <p:cNvSpPr>
-            <a:spLocks noGrp="1"/>
-          </p:cNvSpPr>
-          <p:nvPr>
-            <p:ph type="sldNum" sz="quarter" idx="5"/>
-          </p:nvPr>
-        </p:nvSpPr>
-        <p:spPr>
-          <a:noFill/>
-          <a:extLst>
-            <a:ext uri="{909E8E84-426E-40DD-AFC4-6F175D3DCCD1}">
-              <a14:hiddenFill xmlns:a14="http://schemas.microsoft.com/office/drawing/2010/main">
-                <a:solidFill>
-                  <a:srgbClr val="FFFFFF"/>
-                </a:solidFill>
-              </a14:hiddenFill>
-            </a:ext>
-            <a:ext uri="{91240B29-F687-4F45-9708-019B960494DF}">
-              <a14:hiddenLine xmlns:a14="http://schemas.microsoft.com/office/drawing/2010/main" w="9525">
-                <a:solidFill>
-                  <a:srgbClr val="000000"/>
-                </a:solidFill>
-                <a:miter lim="800000"/>
-                <a:headEnd/>
-                <a:tailEnd/>
-              </a14:hiddenLine>
-            </a:ext>
-          </a:extLst>
-        </p:spPr>
-        <p:txBody>
-          <a:bodyPr/>
-          <a:lstStyle>
-            <a:lvl1pPr defTabSz="920750">
-              <a:defRPr>
-                <a:solidFill>
-                  <a:schemeClr val="tx1"/>
-                </a:solidFill>
-                <a:latin typeface="Arial" panose="020B0604020202020204" pitchFamily="34" charset="0"/>
-              </a:defRPr>
-            </a:lvl1pPr>
-            <a:lvl2pPr marL="742950" indent="-285750" defTabSz="920750">
-              <a:defRPr>
-                <a:solidFill>
-                  <a:schemeClr val="tx1"/>
-                </a:solidFill>
-                <a:latin typeface="Arial" panose="020B0604020202020204" pitchFamily="34" charset="0"/>
-              </a:defRPr>
-            </a:lvl2pPr>
-            <a:lvl3pPr marL="1143000" indent="-228600" defTabSz="920750">
-              <a:defRPr>
-                <a:solidFill>
-                  <a:schemeClr val="tx1"/>
-                </a:solidFill>
-                <a:latin typeface="Arial" panose="020B0604020202020204" pitchFamily="34" charset="0"/>
-              </a:defRPr>
-            </a:lvl3pPr>
-            <a:lvl4pPr marL="1600200" indent="-228600" defTabSz="920750">
-              <a:defRPr>
-                <a:solidFill>
-                  <a:schemeClr val="tx1"/>
-                </a:solidFill>
-                <a:latin typeface="Arial" panose="020B0604020202020204" pitchFamily="34" charset="0"/>
-              </a:defRPr>
-            </a:lvl4pPr>
-            <a:lvl5pPr marL="2057400" indent="-228600" defTabSz="920750">
-              <a:defRPr>
-                <a:solidFill>
-                  <a:schemeClr val="tx1"/>
-                </a:solidFill>
-                <a:latin typeface="Arial" panose="020B0604020202020204" pitchFamily="34" charset="0"/>
-              </a:defRPr>
-            </a:lvl5pPr>
-            <a:lvl6pPr marL="2514600" indent="-228600" defTabSz="920750" eaLnBrk="0" fontAlgn="base" hangingPunct="0">
-              <a:spcBef>
-                <a:spcPct val="0"/>
-              </a:spcBef>
-              <a:spcAft>
-                <a:spcPct val="0"/>
-              </a:spcAft>
-              <a:defRPr>
-                <a:solidFill>
-                  <a:schemeClr val="tx1"/>
-                </a:solidFill>
-                <a:latin typeface="Arial" panose="020B0604020202020204" pitchFamily="34" charset="0"/>
-              </a:defRPr>
-            </a:lvl6pPr>
-            <a:lvl7pPr marL="2971800" indent="-228600" defTabSz="920750" eaLnBrk="0" fontAlgn="base" hangingPunct="0">
-              <a:spcBef>
-                <a:spcPct val="0"/>
-              </a:spcBef>
-              <a:spcAft>
-                <a:spcPct val="0"/>
-              </a:spcAft>
-              <a:defRPr>
-                <a:solidFill>
-                  <a:schemeClr val="tx1"/>
-                </a:solidFill>
-                <a:latin typeface="Arial" panose="020B0604020202020204" pitchFamily="34" charset="0"/>
-              </a:defRPr>
-            </a:lvl7pPr>
-            <a:lvl8pPr marL="3429000" indent="-228600" defTabSz="920750" eaLnBrk="0" fontAlgn="base" hangingPunct="0">
-              <a:spcBef>
-                <a:spcPct val="0"/>
-              </a:spcBef>
-              <a:spcAft>
-                <a:spcPct val="0"/>
-              </a:spcAft>
-              <a:defRPr>
-                <a:solidFill>
-                  <a:schemeClr val="tx1"/>
-                </a:solidFill>
-                <a:latin typeface="Arial" panose="020B0604020202020204" pitchFamily="34" charset="0"/>
-              </a:defRPr>
-            </a:lvl8pPr>
-            <a:lvl9pPr marL="3886200" indent="-228600" defTabSz="920750" eaLnBrk="0" fontAlgn="base" hangingPunct="0">
-              <a:spcBef>
-                <a:spcPct val="0"/>
-              </a:spcBef>
-              <a:spcAft>
-                <a:spcPct val="0"/>
-              </a:spcAft>
-              <a:defRPr>
-                <a:solidFill>
-                  <a:schemeClr val="tx1"/>
-                </a:solidFill>
-                <a:latin typeface="Arial" panose="020B0604020202020204" pitchFamily="34" charset="0"/>
-              </a:defRPr>
-            </a:lvl9pPr>
-          </a:lstStyle>
-          <a:p>
-            <a:fld id="{024FE29A-0FFA-4EAC-A640-10268E671FEF}" type="slidenum">
-              <a:rPr lang="fr-FR" altLang="fr-FR"/>
-              <a:pPr/>
-              <a:t>23</a:t>
-            </a:fld>
-            <a:endParaRPr lang="fr-FR" altLang="fr-FR"/>
-          </a:p>
-        </p:txBody>
-      </p:sp>
-    </p:spTree>
-    <p:extLst>
-      <p:ext uri="{BB962C8B-B14F-4D97-AF65-F5344CB8AC3E}">
-        <p14:creationId xmlns:p14="http://schemas.microsoft.com/office/powerpoint/2010/main" val="486725490"/>
-      </p:ext>
-    </p:extLst>
-  </p:cSld>
-  <p:clrMapOvr>
-    <a:masterClrMapping/>
-  </p:clrMapOvr>
-</p:notes>
-</file>
-
-<file path=ppt/notesSlides/notesSlide11.xml><?xml version="1.0" encoding="utf-8"?>
-<p:notes xmlns:a="http://schemas.openxmlformats.org/drawingml/2006/main" xmlns:r="http://schemas.openxmlformats.org/officeDocument/2006/relationships" xmlns:p="http://schemas.openxmlformats.org/presentationml/2006/main">
-  <p:cSld>
-    <p:spTree>
-      <p:nvGrpSpPr>
-        <p:cNvPr id="1" name=""/>
-        <p:cNvGrpSpPr/>
-        <p:nvPr/>
-      </p:nvGrpSpPr>
-      <p:grpSpPr>
-        <a:xfrm>
-          <a:off x="0" y="0"/>
-          <a:ext cx="0" cy="0"/>
-          <a:chOff x="0" y="0"/>
-          <a:chExt cx="0" cy="0"/>
-        </a:xfrm>
-      </p:grpSpPr>
-      <p:sp>
-        <p:nvSpPr>
           <p:cNvPr id="117762" name="Espace réservé de l'image des diapositives 1"/>
           <p:cNvSpPr>
             <a:spLocks noGrp="1" noRot="1" noChangeAspect="1" noTextEdit="1"/>
@@ -1076,7 +824,7 @@
             <a:fld id="{10ACC852-FC97-4FDE-92C8-D0F63EDFB18C}" type="slidenum">
               <a:rPr lang="fr-FR" altLang="fr-FR"/>
               <a:pPr/>
-              <a:t>24</a:t>
+              <a:t>26</a:t>
             </a:fld>
             <a:endParaRPr lang="fr-FR" altLang="fr-FR"/>
           </a:p>
@@ -1095,7 +843,7 @@
 </p:notes>
 </file>
 
-<file path=ppt/notesSlides/notesSlide12.xml><?xml version="1.0" encoding="utf-8"?>
+<file path=ppt/notesSlides/notesSlide11.xml><?xml version="1.0" encoding="utf-8"?>
 <p:notes xmlns:a="http://schemas.openxmlformats.org/drawingml/2006/main" xmlns:r="http://schemas.openxmlformats.org/officeDocument/2006/relationships" xmlns:p="http://schemas.openxmlformats.org/presentationml/2006/main">
   <p:cSld>
     <p:spTree>
@@ -1346,7 +1094,7 @@
             <a:fld id="{1F64F7EC-DB9F-46A5-B64A-DBB9FFB03107}" type="slidenum">
               <a:rPr lang="fr-FR" altLang="fr-FR"/>
               <a:pPr/>
-              <a:t>25</a:t>
+              <a:t>27</a:t>
             </a:fld>
             <a:endParaRPr lang="fr-FR" altLang="fr-FR"/>
           </a:p>
@@ -1602,7 +1350,7 @@
             <a:fld id="{FFA2A086-7015-4C97-BA6D-D976F45991F9}" type="slidenum">
               <a:rPr lang="fr-FR" altLang="fr-FR" smtClean="0"/>
               <a:pPr/>
-              <a:t>14</a:t>
+              <a:t>16</a:t>
             </a:fld>
             <a:endParaRPr lang="fr-FR" altLang="fr-FR"/>
           </a:p>
@@ -1855,7 +1603,7 @@
             <a:fld id="{01957912-63F7-4A8E-AE6F-FA2BEB0C3766}" type="slidenum">
               <a:rPr lang="fr-FR" altLang="fr-FR" smtClean="0"/>
               <a:pPr/>
-              <a:t>15</a:t>
+              <a:t>17</a:t>
             </a:fld>
             <a:endParaRPr lang="fr-FR" altLang="fr-FR"/>
           </a:p>
@@ -2036,7 +1784,7 @@
             <a:fld id="{F03B3D9B-304E-4593-8A8D-5C27BDC7C2FE}" type="slidenum">
               <a:rPr lang="fr-FR" altLang="fr-FR" sz="1200"/>
               <a:pPr algn="r" eaLnBrk="1" hangingPunct="1"/>
-              <a:t>17</a:t>
+              <a:t>19</a:t>
             </a:fld>
             <a:endParaRPr lang="fr-FR" altLang="fr-FR" sz="1200"/>
           </a:p>
@@ -2187,7 +1935,7 @@
             <a:fld id="{484FC898-948F-4235-BA58-329820EBA4AE}" type="slidenum">
               <a:rPr lang="fr-FR" altLang="fr-FR" sz="1200"/>
               <a:pPr algn="r" eaLnBrk="1" hangingPunct="1"/>
-              <a:t>17</a:t>
+              <a:t>19</a:t>
             </a:fld>
             <a:endParaRPr lang="fr-FR" altLang="fr-FR" sz="1200"/>
           </a:p>
@@ -2746,7 +2494,7 @@
             <a:fld id="{D4C598FC-A51A-4C10-BC7E-08C80E287FDA}" type="slidenum">
               <a:rPr lang="fr-FR" altLang="fr-FR" smtClean="0"/>
               <a:pPr/>
-              <a:t>20</a:t>
+              <a:t>22</a:t>
             </a:fld>
             <a:endParaRPr lang="fr-FR" altLang="fr-FR"/>
           </a:p>
@@ -2784,167 +2532,7 @@
       </p:grpSpPr>
       <p:sp>
         <p:nvSpPr>
-          <p:cNvPr id="93187" name="Rectangle 7"/>
-          <p:cNvSpPr txBox="1">
-            <a:spLocks noGrp="1" noChangeArrowheads="1"/>
-          </p:cNvSpPr>
-          <p:nvPr/>
-        </p:nvSpPr>
-        <p:spPr bwMode="auto">
-          <a:xfrm>
-            <a:off x="3849690" y="9428165"/>
-            <a:ext cx="2946400" cy="496887"/>
-          </a:xfrm>
-          <a:prstGeom prst="rect">
-            <a:avLst/>
-          </a:prstGeom>
-          <a:noFill/>
-          <a:ln>
-            <a:noFill/>
-          </a:ln>
-          <a:extLst>
-            <a:ext uri="{909E8E84-426E-40DD-AFC4-6F175D3DCCD1}">
-              <a14:hiddenFill xmlns:a14="http://schemas.microsoft.com/office/drawing/2010/main">
-                <a:solidFill>
-                  <a:srgbClr val="FFFFFF"/>
-                </a:solidFill>
-              </a14:hiddenFill>
-            </a:ext>
-            <a:ext uri="{91240B29-F687-4F45-9708-019B960494DF}">
-              <a14:hiddenLine xmlns:a14="http://schemas.microsoft.com/office/drawing/2010/main" w="9525">
-                <a:solidFill>
-                  <a:srgbClr val="000000"/>
-                </a:solidFill>
-                <a:miter lim="800000"/>
-                <a:headEnd/>
-                <a:tailEnd/>
-              </a14:hiddenLine>
-            </a:ext>
-          </a:extLst>
-        </p:spPr>
-        <p:txBody>
-          <a:bodyPr anchor="b"/>
-          <a:lstStyle>
-            <a:lvl1pPr eaLnBrk="0" hangingPunct="0">
-              <a:defRPr>
-                <a:solidFill>
-                  <a:schemeClr val="tx1"/>
-                </a:solidFill>
-                <a:latin typeface="Arial" charset="0"/>
-                <a:cs typeface="Arial" charset="0"/>
-              </a:defRPr>
-            </a:lvl1pPr>
-            <a:lvl2pPr marL="742950" indent="-285750" eaLnBrk="0" hangingPunct="0">
-              <a:defRPr>
-                <a:solidFill>
-                  <a:schemeClr val="tx1"/>
-                </a:solidFill>
-                <a:latin typeface="Arial" charset="0"/>
-                <a:cs typeface="Arial" charset="0"/>
-              </a:defRPr>
-            </a:lvl2pPr>
-            <a:lvl3pPr marL="1143000" indent="-228600" eaLnBrk="0" hangingPunct="0">
-              <a:defRPr>
-                <a:solidFill>
-                  <a:schemeClr val="tx1"/>
-                </a:solidFill>
-                <a:latin typeface="Arial" charset="0"/>
-                <a:cs typeface="Arial" charset="0"/>
-              </a:defRPr>
-            </a:lvl3pPr>
-            <a:lvl4pPr marL="1600200" indent="-228600" eaLnBrk="0" hangingPunct="0">
-              <a:defRPr>
-                <a:solidFill>
-                  <a:schemeClr val="tx1"/>
-                </a:solidFill>
-                <a:latin typeface="Arial" charset="0"/>
-                <a:cs typeface="Arial" charset="0"/>
-              </a:defRPr>
-            </a:lvl4pPr>
-            <a:lvl5pPr marL="2057400" indent="-228600" eaLnBrk="0" hangingPunct="0">
-              <a:defRPr>
-                <a:solidFill>
-                  <a:schemeClr val="tx1"/>
-                </a:solidFill>
-                <a:latin typeface="Arial" charset="0"/>
-                <a:cs typeface="Arial" charset="0"/>
-              </a:defRPr>
-            </a:lvl5pPr>
-            <a:lvl6pPr marL="2514600" indent="-228600" eaLnBrk="0" fontAlgn="base" hangingPunct="0">
-              <a:spcBef>
-                <a:spcPct val="0"/>
-              </a:spcBef>
-              <a:spcAft>
-                <a:spcPct val="0"/>
-              </a:spcAft>
-              <a:defRPr>
-                <a:solidFill>
-                  <a:schemeClr val="tx1"/>
-                </a:solidFill>
-                <a:latin typeface="Arial" charset="0"/>
-                <a:cs typeface="Arial" charset="0"/>
-              </a:defRPr>
-            </a:lvl6pPr>
-            <a:lvl7pPr marL="2971800" indent="-228600" eaLnBrk="0" fontAlgn="base" hangingPunct="0">
-              <a:spcBef>
-                <a:spcPct val="0"/>
-              </a:spcBef>
-              <a:spcAft>
-                <a:spcPct val="0"/>
-              </a:spcAft>
-              <a:defRPr>
-                <a:solidFill>
-                  <a:schemeClr val="tx1"/>
-                </a:solidFill>
-                <a:latin typeface="Arial" charset="0"/>
-                <a:cs typeface="Arial" charset="0"/>
-              </a:defRPr>
-            </a:lvl7pPr>
-            <a:lvl8pPr marL="3429000" indent="-228600" eaLnBrk="0" fontAlgn="base" hangingPunct="0">
-              <a:spcBef>
-                <a:spcPct val="0"/>
-              </a:spcBef>
-              <a:spcAft>
-                <a:spcPct val="0"/>
-              </a:spcAft>
-              <a:defRPr>
-                <a:solidFill>
-                  <a:schemeClr val="tx1"/>
-                </a:solidFill>
-                <a:latin typeface="Arial" charset="0"/>
-                <a:cs typeface="Arial" charset="0"/>
-              </a:defRPr>
-            </a:lvl8pPr>
-            <a:lvl9pPr marL="3886200" indent="-228600" eaLnBrk="0" fontAlgn="base" hangingPunct="0">
-              <a:spcBef>
-                <a:spcPct val="0"/>
-              </a:spcBef>
-              <a:spcAft>
-                <a:spcPct val="0"/>
-              </a:spcAft>
-              <a:defRPr>
-                <a:solidFill>
-                  <a:schemeClr val="tx1"/>
-                </a:solidFill>
-                <a:latin typeface="Arial" charset="0"/>
-                <a:cs typeface="Arial" charset="0"/>
-              </a:defRPr>
-            </a:lvl9pPr>
-          </a:lstStyle>
-          <a:p>
-            <a:pPr algn="r" eaLnBrk="1" hangingPunct="1"/>
-            <a:fld id="{9F7A9190-1492-4736-BB7C-46DF705BAF2D}" type="slidenum">
-              <a:rPr lang="fr-FR" sz="1200"/>
-              <a:pPr algn="r" eaLnBrk="1" hangingPunct="1"/>
-              <a:t>21</a:t>
-            </a:fld>
-            <a:endParaRPr lang="fr-FR" sz="1200"/>
-          </a:p>
-        </p:txBody>
-      </p:sp>
-      <p:sp>
-        <p:nvSpPr>
-          <p:cNvPr id="93188" name="Rectangle 2"/>
+          <p:cNvPr id="117762" name="Espace réservé de l'image des diapositives 1"/>
           <p:cNvSpPr>
             <a:spLocks noGrp="1" noRot="1" noChangeAspect="1" noTextEdit="1"/>
           </p:cNvSpPr>
@@ -2952,17 +2540,40 @@
             <p:ph type="sldImg"/>
           </p:nvPr>
         </p:nvSpPr>
-        <p:spPr>
+        <p:spPr bwMode="auto">
           <a:xfrm>
             <a:off x="917575" y="744538"/>
-            <a:ext cx="4962525" cy="3722687"/>
-          </a:xfrm>
+            <a:ext cx="4964113" cy="3722687"/>
+          </a:xfrm>
+          <a:prstGeom prst="rect">
+            <a:avLst/>
+          </a:prstGeom>
+          <a:noFill/>
           <a:ln/>
+          <a:extLst>
+            <a:ext uri="{909E8E84-426E-40DD-AFC4-6F175D3DCCD1}">
+              <a14:hiddenFill xmlns:a14="http://schemas.microsoft.com/office/drawing/2010/main">
+                <a:solidFill>
+                  <a:srgbClr val="FFFFFF"/>
+                </a:solidFill>
+              </a14:hiddenFill>
+            </a:ext>
+            <a:ext uri="{91240B29-F687-4F45-9708-019B960494DF}">
+              <a14:hiddenLine xmlns:a14="http://schemas.microsoft.com/office/drawing/2010/main" w="9525">
+                <a:solidFill>
+                  <a:srgbClr val="000000"/>
+                </a:solidFill>
+                <a:miter lim="800000"/>
+                <a:headEnd/>
+                <a:tailEnd/>
+              </a14:hiddenLine>
+            </a:ext>
+          </a:extLst>
         </p:spPr>
       </p:sp>
       <p:sp>
         <p:nvSpPr>
-          <p:cNvPr id="93189" name="Rectangle 3"/>
+          <p:cNvPr id="117763" name="Espace réservé des commentaires 2"/>
           <p:cNvSpPr>
             <a:spLocks noGrp="1"/>
           </p:cNvSpPr>
@@ -2972,7 +2583,6 @@
         </p:nvSpPr>
         <p:spPr>
           <a:noFill/>
-          <a:ln/>
           <a:extLst>
             <a:ext uri="{909E8E84-426E-40DD-AFC4-6F175D3DCCD1}">
               <a14:hiddenFill xmlns:a14="http://schemas.microsoft.com/office/drawing/2010/main">
@@ -2997,15 +2607,161 @@
           <a:bodyPr/>
           <a:lstStyle/>
           <a:p>
-            <a:pPr eaLnBrk="1" hangingPunct="1"/>
-            <a:endParaRPr lang="en-US"/>
+            <a:r>
+              <a:rPr lang="fr-FR" altLang="fr-FR">
+                <a:latin typeface="Arial" panose="020B0604020202020204" pitchFamily="34" charset="0"/>
+              </a:rPr>
+              <a:t>Vous pouvez télécharger ce type de produits sur le site Intradef du 28GG pour les plus récents, les autres sur le catalogue de l’EGI.</a:t>
+            </a:r>
+          </a:p>
+        </p:txBody>
+      </p:sp>
+      <p:sp>
+        <p:nvSpPr>
+          <p:cNvPr id="117764" name="Espace réservé du numéro de diapositive 3"/>
+          <p:cNvSpPr>
+            <a:spLocks noGrp="1"/>
+          </p:cNvSpPr>
+          <p:nvPr>
+            <p:ph type="sldNum" sz="quarter" idx="5"/>
+          </p:nvPr>
+        </p:nvSpPr>
+        <p:spPr>
+          <a:noFill/>
+          <a:extLst>
+            <a:ext uri="{909E8E84-426E-40DD-AFC4-6F175D3DCCD1}">
+              <a14:hiddenFill xmlns:a14="http://schemas.microsoft.com/office/drawing/2010/main">
+                <a:solidFill>
+                  <a:srgbClr val="FFFFFF"/>
+                </a:solidFill>
+              </a14:hiddenFill>
+            </a:ext>
+            <a:ext uri="{91240B29-F687-4F45-9708-019B960494DF}">
+              <a14:hiddenLine xmlns:a14="http://schemas.microsoft.com/office/drawing/2010/main" w="9525">
+                <a:solidFill>
+                  <a:srgbClr val="000000"/>
+                </a:solidFill>
+                <a:miter lim="800000"/>
+                <a:headEnd/>
+                <a:tailEnd/>
+              </a14:hiddenLine>
+            </a:ext>
+          </a:extLst>
+        </p:spPr>
+        <p:txBody>
+          <a:bodyPr/>
+          <a:lstStyle>
+            <a:lvl1pPr defTabSz="920750">
+              <a:defRPr>
+                <a:solidFill>
+                  <a:schemeClr val="tx1"/>
+                </a:solidFill>
+                <a:latin typeface="Arial" panose="020B0604020202020204" pitchFamily="34" charset="0"/>
+              </a:defRPr>
+            </a:lvl1pPr>
+            <a:lvl2pPr marL="742950" indent="-285750" defTabSz="920750">
+              <a:defRPr>
+                <a:solidFill>
+                  <a:schemeClr val="tx1"/>
+                </a:solidFill>
+                <a:latin typeface="Arial" panose="020B0604020202020204" pitchFamily="34" charset="0"/>
+              </a:defRPr>
+            </a:lvl2pPr>
+            <a:lvl3pPr marL="1143000" indent="-228600" defTabSz="920750">
+              <a:defRPr>
+                <a:solidFill>
+                  <a:schemeClr val="tx1"/>
+                </a:solidFill>
+                <a:latin typeface="Arial" panose="020B0604020202020204" pitchFamily="34" charset="0"/>
+              </a:defRPr>
+            </a:lvl3pPr>
+            <a:lvl4pPr marL="1600200" indent="-228600" defTabSz="920750">
+              <a:defRPr>
+                <a:solidFill>
+                  <a:schemeClr val="tx1"/>
+                </a:solidFill>
+                <a:latin typeface="Arial" panose="020B0604020202020204" pitchFamily="34" charset="0"/>
+              </a:defRPr>
+            </a:lvl4pPr>
+            <a:lvl5pPr marL="2057400" indent="-228600" defTabSz="920750">
+              <a:defRPr>
+                <a:solidFill>
+                  <a:schemeClr val="tx1"/>
+                </a:solidFill>
+                <a:latin typeface="Arial" panose="020B0604020202020204" pitchFamily="34" charset="0"/>
+              </a:defRPr>
+            </a:lvl5pPr>
+            <a:lvl6pPr marL="2514600" indent="-228600" defTabSz="920750" eaLnBrk="0" fontAlgn="base" hangingPunct="0">
+              <a:spcBef>
+                <a:spcPct val="0"/>
+              </a:spcBef>
+              <a:spcAft>
+                <a:spcPct val="0"/>
+              </a:spcAft>
+              <a:defRPr>
+                <a:solidFill>
+                  <a:schemeClr val="tx1"/>
+                </a:solidFill>
+                <a:latin typeface="Arial" panose="020B0604020202020204" pitchFamily="34" charset="0"/>
+              </a:defRPr>
+            </a:lvl6pPr>
+            <a:lvl7pPr marL="2971800" indent="-228600" defTabSz="920750" eaLnBrk="0" fontAlgn="base" hangingPunct="0">
+              <a:spcBef>
+                <a:spcPct val="0"/>
+              </a:spcBef>
+              <a:spcAft>
+                <a:spcPct val="0"/>
+              </a:spcAft>
+              <a:defRPr>
+                <a:solidFill>
+                  <a:schemeClr val="tx1"/>
+                </a:solidFill>
+                <a:latin typeface="Arial" panose="020B0604020202020204" pitchFamily="34" charset="0"/>
+              </a:defRPr>
+            </a:lvl7pPr>
+            <a:lvl8pPr marL="3429000" indent="-228600" defTabSz="920750" eaLnBrk="0" fontAlgn="base" hangingPunct="0">
+              <a:spcBef>
+                <a:spcPct val="0"/>
+              </a:spcBef>
+              <a:spcAft>
+                <a:spcPct val="0"/>
+              </a:spcAft>
+              <a:defRPr>
+                <a:solidFill>
+                  <a:schemeClr val="tx1"/>
+                </a:solidFill>
+                <a:latin typeface="Arial" panose="020B0604020202020204" pitchFamily="34" charset="0"/>
+              </a:defRPr>
+            </a:lvl8pPr>
+            <a:lvl9pPr marL="3886200" indent="-228600" defTabSz="920750" eaLnBrk="0" fontAlgn="base" hangingPunct="0">
+              <a:spcBef>
+                <a:spcPct val="0"/>
+              </a:spcBef>
+              <a:spcAft>
+                <a:spcPct val="0"/>
+              </a:spcAft>
+              <a:defRPr>
+                <a:solidFill>
+                  <a:schemeClr val="tx1"/>
+                </a:solidFill>
+                <a:latin typeface="Arial" panose="020B0604020202020204" pitchFamily="34" charset="0"/>
+              </a:defRPr>
+            </a:lvl9pPr>
+          </a:lstStyle>
+          <a:p>
+            <a:fld id="{10ACC852-FC97-4FDE-92C8-D0F63EDFB18C}" type="slidenum">
+              <a:rPr lang="fr-FR" altLang="fr-FR"/>
+              <a:pPr/>
+              <a:t>24</a:t>
+            </a:fld>
+            <a:endParaRPr lang="fr-FR" altLang="fr-FR"/>
           </a:p>
         </p:txBody>
       </p:sp>
     </p:spTree>
     <p:extLst>
       <p:ext uri="{BB962C8B-B14F-4D97-AF65-F5344CB8AC3E}">
-        <p14:creationId xmlns:p14="http://schemas.microsoft.com/office/powerpoint/2010/main" val="707072441"/>
+        <p14:creationId xmlns:p14="http://schemas.microsoft.com/office/powerpoint/2010/main" val="1053240287"/>
       </p:ext>
     </p:extLst>
   </p:cSld>
@@ -3034,9 +2790,9 @@
       </p:grpSpPr>
       <p:sp>
         <p:nvSpPr>
-          <p:cNvPr id="117762" name="Espace réservé de l'image des diapositives 1"/>
+          <p:cNvPr id="124930" name="Espace réservé de l'image des diapositives 1"/>
           <p:cNvSpPr>
-            <a:spLocks noGrp="1" noRot="1" noChangeAspect="1" noTextEdit="1"/>
+            <a:spLocks noGrp="1" noRot="1" noChangeAspect="1"/>
           </p:cNvSpPr>
           <p:nvPr>
             <p:ph type="sldImg"/>
@@ -3045,13 +2801,20 @@
         <p:spPr bwMode="auto">
           <a:xfrm>
             <a:off x="917575" y="744538"/>
-            <a:ext cx="4964113" cy="3722687"/>
+            <a:ext cx="4962525" cy="3722687"/>
           </a:xfrm>
           <a:prstGeom prst="rect">
             <a:avLst/>
           </a:prstGeom>
           <a:noFill/>
-          <a:ln/>
+          <a:ln w="12700">
+            <a:solidFill>
+              <a:srgbClr val="000000"/>
+            </a:solidFill>
+            <a:miter lim="800000"/>
+            <a:headEnd/>
+            <a:tailEnd/>
+          </a:ln>
           <a:extLst>
             <a:ext uri="{909E8E84-426E-40DD-AFC4-6F175D3DCCD1}">
               <a14:hiddenFill xmlns:a14="http://schemas.microsoft.com/office/drawing/2010/main">
@@ -3060,22 +2823,12 @@
                 </a:solidFill>
               </a14:hiddenFill>
             </a:ext>
-            <a:ext uri="{91240B29-F687-4F45-9708-019B960494DF}">
-              <a14:hiddenLine xmlns:a14="http://schemas.microsoft.com/office/drawing/2010/main" w="9525">
-                <a:solidFill>
-                  <a:srgbClr val="000000"/>
-                </a:solidFill>
-                <a:miter lim="800000"/>
-                <a:headEnd/>
-                <a:tailEnd/>
-              </a14:hiddenLine>
-            </a:ext>
           </a:extLst>
         </p:spPr>
       </p:sp>
       <p:sp>
         <p:nvSpPr>
-          <p:cNvPr id="117763" name="Espace réservé des commentaires 2"/>
+          <p:cNvPr id="124931" name="Espace réservé des commentaires 2"/>
           <p:cNvSpPr>
             <a:spLocks noGrp="1"/>
           </p:cNvSpPr>
@@ -3113,14 +2866,14 @@
               <a:rPr lang="fr-FR" altLang="fr-FR">
                 <a:latin typeface="Arial" panose="020B0604020202020204" pitchFamily="34" charset="0"/>
               </a:rPr>
-              <a:t>Vous pouvez télécharger ce type de produits sur le site Intradef du 28GG pour les plus récents, les autres sur le catalogue de l’EGI.</a:t>
+              <a:t>Cartographie réalisée sur le théatre (MGCP) téléchargeable sur le site du 28GG </a:t>
             </a:r>
           </a:p>
         </p:txBody>
       </p:sp>
       <p:sp>
         <p:nvSpPr>
-          <p:cNvPr id="117764" name="Espace réservé du numéro de diapositive 3"/>
+          <p:cNvPr id="124932" name="Espace réservé du numéro de diapositive 3"/>
           <p:cNvSpPr>
             <a:spLocks noGrp="1"/>
           </p:cNvSpPr>
@@ -3251,10 +3004,10 @@
             </a:lvl9pPr>
           </a:lstStyle>
           <a:p>
-            <a:fld id="{10ACC852-FC97-4FDE-92C8-D0F63EDFB18C}" type="slidenum">
+            <a:fld id="{024FE29A-0FFA-4EAC-A640-10268E671FEF}" type="slidenum">
               <a:rPr lang="fr-FR" altLang="fr-FR"/>
               <a:pPr/>
-              <a:t>22</a:t>
+              <a:t>25</a:t>
             </a:fld>
             <a:endParaRPr lang="fr-FR" altLang="fr-FR"/>
           </a:p>
@@ -3263,7 +3016,7 @@
     </p:spTree>
     <p:extLst>
       <p:ext uri="{BB962C8B-B14F-4D97-AF65-F5344CB8AC3E}">
-        <p14:creationId xmlns:p14="http://schemas.microsoft.com/office/powerpoint/2010/main" val="1053240287"/>
+        <p14:creationId xmlns:p14="http://schemas.microsoft.com/office/powerpoint/2010/main" val="486725490"/>
       </p:ext>
     </p:extLst>
   </p:cSld>
@@ -3307,7 +3060,7 @@
           <a:p>
             <a:fld id="{60184FBF-4AF8-4639-B60E-CD3D72474494}" type="datetimeFigureOut">
               <a:rPr lang="fr-FR" smtClean="0"/>
-              <a:t>08/05/2021</a:t>
+              <a:t>10/05/2021</a:t>
             </a:fld>
             <a:endParaRPr lang="fr-FR"/>
           </a:p>
@@ -3520,7 +3273,7 @@
           <a:p>
             <a:fld id="{60184FBF-4AF8-4639-B60E-CD3D72474494}" type="datetimeFigureOut">
               <a:rPr lang="fr-FR" smtClean="0"/>
-              <a:t>08/05/2021</a:t>
+              <a:t>10/05/2021</a:t>
             </a:fld>
             <a:endParaRPr lang="fr-FR"/>
           </a:p>
@@ -4118,6 +3871,130 @@
       </p:grpSpPr>
       <p:sp>
         <p:nvSpPr>
+          <p:cNvPr id="3" name="ZoneTexte 2"/>
+          <p:cNvSpPr txBox="1"/>
+          <p:nvPr/>
+        </p:nvSpPr>
+        <p:spPr>
+          <a:xfrm>
+            <a:off x="0" y="402955"/>
+            <a:ext cx="9144000" cy="584775"/>
+          </a:xfrm>
+          <a:prstGeom prst="rect">
+            <a:avLst/>
+          </a:prstGeom>
+          <a:noFill/>
+        </p:spPr>
+        <p:txBody>
+          <a:bodyPr wrap="square" rtlCol="0">
+            <a:spAutoFit/>
+          </a:bodyPr>
+          <a:lstStyle/>
+          <a:p>
+            <a:pPr algn="ctr"/>
+            <a:r>
+              <a:rPr lang="fr-FR" sz="3200" dirty="0" smtClean="0"/>
+              <a:t>Exporter depuis SAS </a:t>
+            </a:r>
+            <a:r>
+              <a:rPr lang="fr-FR" sz="3200" dirty="0" err="1" smtClean="0"/>
+              <a:t>Planet</a:t>
+            </a:r>
+            <a:endParaRPr lang="fr-FR" sz="3200" dirty="0"/>
+          </a:p>
+        </p:txBody>
+      </p:sp>
+      <p:sp>
+        <p:nvSpPr>
+          <p:cNvPr id="6" name="ZoneTexte 5"/>
+          <p:cNvSpPr txBox="1"/>
+          <p:nvPr/>
+        </p:nvSpPr>
+        <p:spPr>
+          <a:xfrm>
+            <a:off x="243400" y="6220918"/>
+            <a:ext cx="3462871" cy="369332"/>
+          </a:xfrm>
+          <a:prstGeom prst="rect">
+            <a:avLst/>
+          </a:prstGeom>
+          <a:noFill/>
+        </p:spPr>
+        <p:txBody>
+          <a:bodyPr wrap="none" rtlCol="0">
+            <a:spAutoFit/>
+          </a:bodyPr>
+          <a:lstStyle/>
+          <a:p>
+            <a:r>
+              <a:rPr lang="fr-FR" dirty="0" smtClean="0"/>
+              <a:t>Résultat avec le niveau de zoom 17</a:t>
+            </a:r>
+            <a:endParaRPr lang="fr-FR" dirty="0"/>
+          </a:p>
+        </p:txBody>
+      </p:sp>
+      <p:pic>
+        <p:nvPicPr>
+          <p:cNvPr id="4" name="Image 3"/>
+          <p:cNvPicPr>
+            <a:picLocks noChangeAspect="1"/>
+          </p:cNvPicPr>
+          <p:nvPr/>
+        </p:nvPicPr>
+        <p:blipFill>
+          <a:blip r:embed="rId2"/>
+          <a:stretch>
+            <a:fillRect/>
+          </a:stretch>
+        </p:blipFill>
+        <p:spPr>
+          <a:xfrm>
+            <a:off x="1104796" y="1250049"/>
+            <a:ext cx="6934408" cy="4708549"/>
+          </a:xfrm>
+          <a:prstGeom prst="rect">
+            <a:avLst/>
+          </a:prstGeom>
+          <a:ln>
+            <a:solidFill>
+              <a:schemeClr val="tx1"/>
+            </a:solidFill>
+          </a:ln>
+        </p:spPr>
+      </p:pic>
+    </p:spTree>
+    <p:extLst>
+      <p:ext uri="{BB962C8B-B14F-4D97-AF65-F5344CB8AC3E}">
+        <p14:creationId xmlns:p14="http://schemas.microsoft.com/office/powerpoint/2010/main" val="632001234"/>
+      </p:ext>
+    </p:extLst>
+  </p:cSld>
+  <p:clrMapOvr>
+    <a:masterClrMapping/>
+  </p:clrMapOvr>
+</p:sld>
+</file>
+
+<file path=ppt/slides/slide11.xml><?xml version="1.0" encoding="utf-8"?>
+<p:sld xmlns:a="http://schemas.openxmlformats.org/drawingml/2006/main" xmlns:r="http://schemas.openxmlformats.org/officeDocument/2006/relationships" xmlns:p="http://schemas.openxmlformats.org/presentationml/2006/main">
+  <p:cSld>
+    <p:spTree>
+      <p:nvGrpSpPr>
+        <p:cNvPr id="1" name=""/>
+        <p:cNvGrpSpPr/>
+        <p:nvPr/>
+      </p:nvGrpSpPr>
+      <p:grpSpPr>
+        <a:xfrm>
+          <a:off x="0" y="0"/>
+          <a:ext cx="0" cy="0"/>
+          <a:chOff x="0" y="0"/>
+          <a:chExt cx="0" cy="0"/>
+        </a:xfrm>
+      </p:grpSpPr>
+      <p:sp>
+        <p:nvSpPr>
           <p:cNvPr id="2" name="Rectangle 1"/>
           <p:cNvSpPr/>
           <p:nvPr/>
@@ -4125,7 +4002,7 @@
         <p:spPr>
           <a:xfrm>
             <a:off x="244098" y="1362000"/>
-            <a:ext cx="8655804" cy="4247317"/>
+            <a:ext cx="8655804" cy="4524315"/>
           </a:xfrm>
           <a:prstGeom prst="rect">
             <a:avLst/>
@@ -4137,6 +4014,12 @@
           </a:bodyPr>
           <a:lstStyle/>
           <a:p>
+            <a:endParaRPr lang="fr-FR" dirty="0" smtClean="0"/>
+          </a:p>
+          <a:p>
+            <a:endParaRPr lang="fr-FR" dirty="0"/>
+          </a:p>
+          <a:p>
             <a:endParaRPr lang="fr-FR" dirty="0"/>
           </a:p>
           <a:p>
@@ -4207,10 +4090,12 @@
           <a:p>
             <a:r>
               <a:rPr lang="fr-FR" dirty="0"/>
-              <a:t>http://maps.stamen.com/terrain/#14/48.8057/7.8598</a:t>
-            </a:r>
-          </a:p>
-          <a:p>
+              <a:t>http://maps.stamen.com/terrain/#</a:t>
+            </a:r>
+            <a:r>
+              <a:rPr lang="fr-FR" dirty="0" smtClean="0"/>
+              <a:t>14/48.8057/7.8598</a:t>
+            </a:r>
             <a:endParaRPr lang="fr-FR" dirty="0"/>
           </a:p>
         </p:txBody>
@@ -4267,7 +4152,7 @@
 </p:sld>
 </file>
 
-<file path=ppt/slides/slide11.xml><?xml version="1.0" encoding="utf-8"?>
+<file path=ppt/slides/slide12.xml><?xml version="1.0" encoding="utf-8"?>
 <p:sld xmlns:a="http://schemas.openxmlformats.org/drawingml/2006/main" xmlns:r="http://schemas.openxmlformats.org/officeDocument/2006/relationships" xmlns:p="http://schemas.openxmlformats.org/presentationml/2006/main">
   <p:cSld>
     <p:spTree>
@@ -4306,6 +4191,11 @@
           <a:prstGeom prst="rect">
             <a:avLst/>
           </a:prstGeom>
+          <a:ln>
+            <a:solidFill>
+              <a:schemeClr val="tx1"/>
+            </a:solidFill>
+          </a:ln>
         </p:spPr>
       </p:pic>
       <p:sp>
@@ -4435,91 +4325,6 @@
     <p:extLst>
       <p:ext uri="{BB962C8B-B14F-4D97-AF65-F5344CB8AC3E}">
         <p14:creationId xmlns:p14="http://schemas.microsoft.com/office/powerpoint/2010/main" val="3619947853"/>
-      </p:ext>
-    </p:extLst>
-  </p:cSld>
-  <p:clrMapOvr>
-    <a:masterClrMapping/>
-  </p:clrMapOvr>
-</p:sld>
-</file>
-
-<file path=ppt/slides/slide12.xml><?xml version="1.0" encoding="utf-8"?>
-<p:sld xmlns:a="http://schemas.openxmlformats.org/drawingml/2006/main" xmlns:r="http://schemas.openxmlformats.org/officeDocument/2006/relationships" xmlns:p="http://schemas.openxmlformats.org/presentationml/2006/main">
-  <p:cSld>
-    <p:spTree>
-      <p:nvGrpSpPr>
-        <p:cNvPr id="1" name=""/>
-        <p:cNvGrpSpPr/>
-        <p:nvPr/>
-      </p:nvGrpSpPr>
-      <p:grpSpPr>
-        <a:xfrm>
-          <a:off x="0" y="0"/>
-          <a:ext cx="0" cy="0"/>
-          <a:chOff x="0" y="0"/>
-          <a:chExt cx="0" cy="0"/>
-        </a:xfrm>
-      </p:grpSpPr>
-      <p:sp>
-        <p:nvSpPr>
-          <p:cNvPr id="3" name="ZoneTexte 2"/>
-          <p:cNvSpPr txBox="1"/>
-          <p:nvPr/>
-        </p:nvSpPr>
-        <p:spPr>
-          <a:xfrm>
-            <a:off x="0" y="402955"/>
-            <a:ext cx="9144000" cy="584775"/>
-          </a:xfrm>
-          <a:prstGeom prst="rect">
-            <a:avLst/>
-          </a:prstGeom>
-          <a:noFill/>
-        </p:spPr>
-        <p:txBody>
-          <a:bodyPr wrap="square" rtlCol="0">
-            <a:spAutoFit/>
-          </a:bodyPr>
-          <a:lstStyle/>
-          <a:p>
-            <a:pPr algn="ctr"/>
-            <a:r>
-              <a:rPr lang="fr-FR" sz="3200" dirty="0" smtClean="0"/>
-              <a:t>Exporter depuis un serveur de cartes</a:t>
-            </a:r>
-            <a:endParaRPr lang="fr-FR" sz="3200" dirty="0"/>
-          </a:p>
-        </p:txBody>
-      </p:sp>
-      <p:pic>
-        <p:nvPicPr>
-          <p:cNvPr id="4" name="Image 3"/>
-          <p:cNvPicPr>
-            <a:picLocks noChangeAspect="1"/>
-          </p:cNvPicPr>
-          <p:nvPr/>
-        </p:nvPicPr>
-        <p:blipFill>
-          <a:blip r:embed="rId2"/>
-          <a:stretch>
-            <a:fillRect/>
-          </a:stretch>
-        </p:blipFill>
-        <p:spPr>
-          <a:xfrm>
-            <a:off x="2428875" y="1590675"/>
-            <a:ext cx="4286250" cy="3676650"/>
-          </a:xfrm>
-          <a:prstGeom prst="rect">
-            <a:avLst/>
-          </a:prstGeom>
-        </p:spPr>
-      </p:pic>
-    </p:spTree>
-    <p:extLst>
-      <p:ext uri="{BB962C8B-B14F-4D97-AF65-F5344CB8AC3E}">
-        <p14:creationId xmlns:p14="http://schemas.microsoft.com/office/powerpoint/2010/main" val="1615496566"/>
       </p:ext>
     </p:extLst>
   </p:cSld>
@@ -4554,8 +4359,8 @@
         </p:nvSpPr>
         <p:spPr>
           <a:xfrm>
-            <a:off x="632232" y="1528550"/>
-            <a:ext cx="7879535" cy="1477328"/>
+            <a:off x="0" y="402955"/>
+            <a:ext cx="9144000" cy="584775"/>
           </a:xfrm>
           <a:prstGeom prst="rect">
             <a:avLst/>
@@ -4568,20 +4373,110 @@
           </a:bodyPr>
           <a:lstStyle/>
           <a:p>
+            <a:pPr algn="ctr"/>
+            <a:r>
+              <a:rPr lang="fr-FR" sz="3200" dirty="0" smtClean="0"/>
+              <a:t>Exporter depuis un serveur de cartes</a:t>
+            </a:r>
+            <a:endParaRPr lang="fr-FR" sz="3200" dirty="0"/>
+          </a:p>
+        </p:txBody>
+      </p:sp>
+      <p:pic>
+        <p:nvPicPr>
+          <p:cNvPr id="4" name="Image 3"/>
+          <p:cNvPicPr>
+            <a:picLocks noChangeAspect="1"/>
+          </p:cNvPicPr>
+          <p:nvPr/>
+        </p:nvPicPr>
+        <p:blipFill>
+          <a:blip r:embed="rId2"/>
+          <a:stretch>
+            <a:fillRect/>
+          </a:stretch>
+        </p:blipFill>
+        <p:spPr>
+          <a:xfrm>
+            <a:off x="2428875" y="1590675"/>
+            <a:ext cx="4286250" cy="3676650"/>
+          </a:xfrm>
+          <a:prstGeom prst="rect">
+            <a:avLst/>
+          </a:prstGeom>
+          <a:ln>
+            <a:solidFill>
+              <a:schemeClr val="tx1"/>
+            </a:solidFill>
+          </a:ln>
+        </p:spPr>
+      </p:pic>
+    </p:spTree>
+    <p:extLst>
+      <p:ext uri="{BB962C8B-B14F-4D97-AF65-F5344CB8AC3E}">
+        <p14:creationId xmlns:p14="http://schemas.microsoft.com/office/powerpoint/2010/main" val="1615496566"/>
+      </p:ext>
+    </p:extLst>
+  </p:cSld>
+  <p:clrMapOvr>
+    <a:masterClrMapping/>
+  </p:clrMapOvr>
+</p:sld>
+</file>
+
+<file path=ppt/slides/slide14.xml><?xml version="1.0" encoding="utf-8"?>
+<p:sld xmlns:a="http://schemas.openxmlformats.org/drawingml/2006/main" xmlns:r="http://schemas.openxmlformats.org/officeDocument/2006/relationships" xmlns:p="http://schemas.openxmlformats.org/presentationml/2006/main">
+  <p:cSld>
+    <p:spTree>
+      <p:nvGrpSpPr>
+        <p:cNvPr id="1" name=""/>
+        <p:cNvGrpSpPr/>
+        <p:nvPr/>
+      </p:nvGrpSpPr>
+      <p:grpSpPr>
+        <a:xfrm>
+          <a:off x="0" y="0"/>
+          <a:ext cx="0" cy="0"/>
+          <a:chOff x="0" y="0"/>
+          <a:chExt cx="0" cy="0"/>
+        </a:xfrm>
+      </p:grpSpPr>
+      <p:sp>
+        <p:nvSpPr>
+          <p:cNvPr id="3" name="ZoneTexte 2"/>
+          <p:cNvSpPr txBox="1"/>
+          <p:nvPr/>
+        </p:nvSpPr>
+        <p:spPr>
+          <a:xfrm>
+            <a:off x="632232" y="1528550"/>
+            <a:ext cx="8156168" cy="1631216"/>
+          </a:xfrm>
+          <a:prstGeom prst="rect">
+            <a:avLst/>
+          </a:prstGeom>
+          <a:noFill/>
+        </p:spPr>
+        <p:txBody>
+          <a:bodyPr wrap="square" rtlCol="0">
+            <a:spAutoFit/>
+          </a:bodyPr>
+          <a:lstStyle/>
+          <a:p>
             <a:pPr marL="285750" indent="-285750">
               <a:buFontTx/>
               <a:buChar char="-"/>
             </a:pPr>
             <a:r>
-              <a:rPr lang="fr-FR" dirty="0" smtClean="0"/>
+              <a:rPr lang="fr-FR" sz="2000" dirty="0" smtClean="0"/>
               <a:t>Afficher dans </a:t>
             </a:r>
             <a:r>
-              <a:rPr lang="fr-FR" dirty="0" err="1" smtClean="0"/>
+              <a:rPr lang="fr-FR" sz="2000" dirty="0" err="1" smtClean="0"/>
               <a:t>GlobalMapper</a:t>
             </a:r>
             <a:r>
-              <a:rPr lang="fr-FR" dirty="0" smtClean="0"/>
+              <a:rPr lang="fr-FR" sz="2000" dirty="0" smtClean="0"/>
               <a:t> la zone voulue</a:t>
             </a:r>
           </a:p>
@@ -4591,7 +4486,7 @@
               <a:buChar char="-"/>
             </a:pPr>
             <a:r>
-              <a:rPr lang="fr-FR" dirty="0" smtClean="0"/>
+              <a:rPr lang="fr-FR" sz="2000" dirty="0" smtClean="0"/>
               <a:t>Clic droit sur la couche -&gt; Couche -&gt; Exporter</a:t>
             </a:r>
           </a:p>
@@ -4601,19 +4496,19 @@
               <a:buChar char="-"/>
             </a:pPr>
             <a:r>
-              <a:rPr lang="fr-FR" dirty="0" smtClean="0"/>
+              <a:rPr lang="fr-FR" sz="2000" dirty="0" smtClean="0"/>
               <a:t>Choisir </a:t>
             </a:r>
             <a:r>
-              <a:rPr lang="fr-FR" dirty="0"/>
+              <a:rPr lang="fr-FR" sz="2000" dirty="0"/>
               <a:t>le format </a:t>
             </a:r>
             <a:r>
-              <a:rPr lang="fr-FR" dirty="0" err="1" smtClean="0"/>
+              <a:rPr lang="fr-FR" sz="2000" dirty="0" err="1" smtClean="0"/>
               <a:t>GeoTiff</a:t>
             </a:r>
             <a:r>
-              <a:rPr lang="fr-FR" dirty="0" smtClean="0"/>
+              <a:rPr lang="fr-FR" sz="2000" dirty="0" smtClean="0"/>
               <a:t> ou ECW</a:t>
             </a:r>
           </a:p>
@@ -4623,12 +4518,8 @@
               <a:buChar char="-"/>
             </a:pPr>
             <a:r>
-              <a:rPr lang="fr-FR" dirty="0" smtClean="0"/>
-              <a:t>Dans « limites d’export », cocher « exporter les données visibles à </a:t>
-            </a:r>
-            <a:r>
-              <a:rPr lang="fr-FR" smtClean="0"/>
-              <a:t>l’écran !</a:t>
+              <a:rPr lang="fr-FR" sz="2000" dirty="0" smtClean="0"/>
+              <a:t>Dans « limites d’export », cocher « exporter les données visibles à l’écran !</a:t>
             </a:r>
           </a:p>
           <a:p>
@@ -4637,14 +4528,10 @@
               <a:buChar char="-"/>
             </a:pPr>
             <a:r>
-              <a:rPr lang="fr-FR" smtClean="0"/>
-              <a:t>L’export </a:t>
-            </a:r>
-            <a:r>
-              <a:rPr lang="fr-FR" dirty="0" smtClean="0"/>
-              <a:t>peut prendre facilement 30min voire plusieurs heures</a:t>
-            </a:r>
-            <a:endParaRPr lang="fr-FR" dirty="0"/>
+              <a:rPr lang="fr-FR" sz="2000" dirty="0" smtClean="0"/>
+              <a:t>L’export peut prendre facilement 30min voire plusieurs heures</a:t>
+            </a:r>
+            <a:endParaRPr lang="fr-FR" sz="2000" dirty="0"/>
           </a:p>
         </p:txBody>
       </p:sp>
@@ -4692,7 +4579,126 @@
 </p:sld>
 </file>
 
-<file path=ppt/slides/slide14.xml><?xml version="1.0" encoding="utf-8"?>
+<file path=ppt/slides/slide15.xml><?xml version="1.0" encoding="utf-8"?>
+<p:sld xmlns:a="http://schemas.openxmlformats.org/drawingml/2006/main" xmlns:r="http://schemas.openxmlformats.org/officeDocument/2006/relationships" xmlns:p="http://schemas.openxmlformats.org/presentationml/2006/main">
+  <p:cSld>
+    <p:spTree>
+      <p:nvGrpSpPr>
+        <p:cNvPr id="1" name=""/>
+        <p:cNvGrpSpPr/>
+        <p:nvPr/>
+      </p:nvGrpSpPr>
+      <p:grpSpPr>
+        <a:xfrm>
+          <a:off x="0" y="0"/>
+          <a:ext cx="0" cy="0"/>
+          <a:chOff x="0" y="0"/>
+          <a:chExt cx="0" cy="0"/>
+        </a:xfrm>
+      </p:grpSpPr>
+      <p:sp>
+        <p:nvSpPr>
+          <p:cNvPr id="2" name="ZoneTexte 1"/>
+          <p:cNvSpPr txBox="1"/>
+          <p:nvPr/>
+        </p:nvSpPr>
+        <p:spPr>
+          <a:xfrm>
+            <a:off x="0" y="402955"/>
+            <a:ext cx="9144000" cy="584775"/>
+          </a:xfrm>
+          <a:prstGeom prst="rect">
+            <a:avLst/>
+          </a:prstGeom>
+          <a:noFill/>
+        </p:spPr>
+        <p:txBody>
+          <a:bodyPr wrap="square" rtlCol="0">
+            <a:spAutoFit/>
+          </a:bodyPr>
+          <a:lstStyle/>
+          <a:p>
+            <a:pPr algn="ctr"/>
+            <a:r>
+              <a:rPr lang="fr-FR" sz="3200" dirty="0" smtClean="0"/>
+              <a:t>Commande auprès de l’EGI</a:t>
+            </a:r>
+            <a:endParaRPr lang="fr-FR" sz="3200" dirty="0"/>
+          </a:p>
+        </p:txBody>
+      </p:sp>
+      <p:sp>
+        <p:nvSpPr>
+          <p:cNvPr id="3" name="ZoneTexte 2"/>
+          <p:cNvSpPr txBox="1"/>
+          <p:nvPr/>
+        </p:nvSpPr>
+        <p:spPr>
+          <a:xfrm>
+            <a:off x="319297" y="1214651"/>
+            <a:ext cx="8483509" cy="1877437"/>
+          </a:xfrm>
+          <a:prstGeom prst="rect">
+            <a:avLst/>
+          </a:prstGeom>
+          <a:noFill/>
+        </p:spPr>
+        <p:txBody>
+          <a:bodyPr wrap="square" rtlCol="0">
+            <a:spAutoFit/>
+          </a:bodyPr>
+          <a:lstStyle/>
+          <a:p>
+            <a:r>
+              <a:rPr lang="fr-FR" sz="2000" b="1" u="sng" dirty="0" err="1" smtClean="0"/>
+              <a:t>Carto</a:t>
+            </a:r>
+            <a:r>
+              <a:rPr lang="fr-FR" sz="2000" b="1" u="sng" dirty="0" smtClean="0"/>
+              <a:t> numérique</a:t>
+            </a:r>
+          </a:p>
+          <a:p>
+            <a:endParaRPr lang="fr-FR" sz="2000" b="1" u="sng" dirty="0" smtClean="0"/>
+          </a:p>
+          <a:p>
+            <a:endParaRPr lang="fr-FR" sz="2000" b="1" u="sng" dirty="0"/>
+          </a:p>
+          <a:p>
+            <a:r>
+              <a:rPr lang="fr-FR" sz="2000" b="1" u="sng" dirty="0" smtClean="0"/>
+              <a:t>Cartes papier</a:t>
+            </a:r>
+          </a:p>
+          <a:p>
+            <a:endParaRPr lang="fr-FR" dirty="0"/>
+          </a:p>
+          <a:p>
+            <a:endParaRPr lang="fr-FR" dirty="0" smtClean="0"/>
+          </a:p>
+        </p:txBody>
+      </p:sp>
+    </p:spTree>
+    <p:extLst>
+      <p:ext uri="{BB962C8B-B14F-4D97-AF65-F5344CB8AC3E}">
+        <p14:creationId xmlns:p14="http://schemas.microsoft.com/office/powerpoint/2010/main" val="1084332751"/>
+      </p:ext>
+    </p:extLst>
+  </p:cSld>
+  <p:clrMapOvr>
+    <a:masterClrMapping/>
+  </p:clrMapOvr>
+  <p:timing>
+    <p:tnLst>
+      <p:par>
+        <p:cTn id="1" dur="indefinite" restart="never" nodeType="tmRoot"/>
+      </p:par>
+    </p:tnLst>
+  </p:timing>
+</p:sld>
+</file>
+
+<file path=ppt/slides/slide16.xml><?xml version="1.0" encoding="utf-8"?>
 <p:sld xmlns:a="http://schemas.openxmlformats.org/drawingml/2006/main" xmlns:r="http://schemas.openxmlformats.org/officeDocument/2006/relationships" xmlns:p="http://schemas.openxmlformats.org/presentationml/2006/main">
   <p:cSld>
     <p:spTree>
@@ -4884,235 +4890,6 @@
       </p:sp>
       <p:sp>
         <p:nvSpPr>
-          <p:cNvPr id="5" name="Titre 1"/>
-          <p:cNvSpPr txBox="1">
-            <a:spLocks/>
-          </p:cNvSpPr>
-          <p:nvPr/>
-        </p:nvSpPr>
-        <p:spPr>
-          <a:xfrm>
-            <a:off x="1143000" y="907854"/>
-            <a:ext cx="6858000" cy="630936"/>
-          </a:xfrm>
-          <a:prstGeom prst="rect">
-            <a:avLst/>
-          </a:prstGeom>
-        </p:spPr>
-        <p:txBody>
-          <a:bodyPr vert="horz" anchor="ctr">
-            <a:noAutofit/>
-          </a:bodyPr>
-          <a:lstStyle>
-            <a:lvl1pPr algn="l" rtl="0" eaLnBrk="0" fontAlgn="base" hangingPunct="0">
-              <a:spcBef>
-                <a:spcPct val="0"/>
-              </a:spcBef>
-              <a:spcAft>
-                <a:spcPct val="0"/>
-              </a:spcAft>
-              <a:defRPr sz="3600" kern="1200" cap="all">
-                <a:solidFill>
-                  <a:schemeClr val="tx2"/>
-                </a:solidFill>
-                <a:effectLst>
-                  <a:reflection blurRad="12700" stA="48000" endA="300" endPos="55000" dir="5400000" sy="-90000" algn="bl" rotWithShape="0"/>
-                </a:effectLst>
-                <a:latin typeface="+mj-lt"/>
-                <a:ea typeface="+mj-ea"/>
-                <a:cs typeface="+mj-cs"/>
-              </a:defRPr>
-            </a:lvl1pPr>
-            <a:lvl2pPr algn="l" rtl="0" eaLnBrk="0" fontAlgn="base" hangingPunct="0">
-              <a:spcBef>
-                <a:spcPct val="0"/>
-              </a:spcBef>
-              <a:spcAft>
-                <a:spcPct val="0"/>
-              </a:spcAft>
-              <a:defRPr sz="3600">
-                <a:solidFill>
-                  <a:schemeClr val="tx2"/>
-                </a:solidFill>
-                <a:latin typeface="Franklin Gothic Medium" pitchFamily="34" charset="0"/>
-              </a:defRPr>
-            </a:lvl2pPr>
-            <a:lvl3pPr algn="l" rtl="0" eaLnBrk="0" fontAlgn="base" hangingPunct="0">
-              <a:spcBef>
-                <a:spcPct val="0"/>
-              </a:spcBef>
-              <a:spcAft>
-                <a:spcPct val="0"/>
-              </a:spcAft>
-              <a:defRPr sz="3600">
-                <a:solidFill>
-                  <a:schemeClr val="tx2"/>
-                </a:solidFill>
-                <a:latin typeface="Franklin Gothic Medium" pitchFamily="34" charset="0"/>
-              </a:defRPr>
-            </a:lvl3pPr>
-            <a:lvl4pPr algn="l" rtl="0" eaLnBrk="0" fontAlgn="base" hangingPunct="0">
-              <a:spcBef>
-                <a:spcPct val="0"/>
-              </a:spcBef>
-              <a:spcAft>
-                <a:spcPct val="0"/>
-              </a:spcAft>
-              <a:defRPr sz="3600">
-                <a:solidFill>
-                  <a:schemeClr val="tx2"/>
-                </a:solidFill>
-                <a:latin typeface="Franklin Gothic Medium" pitchFamily="34" charset="0"/>
-              </a:defRPr>
-            </a:lvl4pPr>
-            <a:lvl5pPr algn="l" rtl="0" eaLnBrk="0" fontAlgn="base" hangingPunct="0">
-              <a:spcBef>
-                <a:spcPct val="0"/>
-              </a:spcBef>
-              <a:spcAft>
-                <a:spcPct val="0"/>
-              </a:spcAft>
-              <a:defRPr sz="3600">
-                <a:solidFill>
-                  <a:schemeClr val="tx2"/>
-                </a:solidFill>
-                <a:latin typeface="Franklin Gothic Medium" pitchFamily="34" charset="0"/>
-              </a:defRPr>
-            </a:lvl5pPr>
-            <a:lvl6pPr marL="457200" algn="l" rtl="0" fontAlgn="base">
-              <a:spcBef>
-                <a:spcPct val="0"/>
-              </a:spcBef>
-              <a:spcAft>
-                <a:spcPct val="0"/>
-              </a:spcAft>
-              <a:defRPr sz="3600">
-                <a:solidFill>
-                  <a:schemeClr val="tx2"/>
-                </a:solidFill>
-                <a:latin typeface="Franklin Gothic Medium" pitchFamily="34" charset="0"/>
-              </a:defRPr>
-            </a:lvl6pPr>
-            <a:lvl7pPr marL="914400" algn="l" rtl="0" fontAlgn="base">
-              <a:spcBef>
-                <a:spcPct val="0"/>
-              </a:spcBef>
-              <a:spcAft>
-                <a:spcPct val="0"/>
-              </a:spcAft>
-              <a:defRPr sz="3600">
-                <a:solidFill>
-                  <a:schemeClr val="tx2"/>
-                </a:solidFill>
-                <a:latin typeface="Franklin Gothic Medium" pitchFamily="34" charset="0"/>
-              </a:defRPr>
-            </a:lvl7pPr>
-            <a:lvl8pPr marL="1371600" algn="l" rtl="0" fontAlgn="base">
-              <a:spcBef>
-                <a:spcPct val="0"/>
-              </a:spcBef>
-              <a:spcAft>
-                <a:spcPct val="0"/>
-              </a:spcAft>
-              <a:defRPr sz="3600">
-                <a:solidFill>
-                  <a:schemeClr val="tx2"/>
-                </a:solidFill>
-                <a:latin typeface="Franklin Gothic Medium" pitchFamily="34" charset="0"/>
-              </a:defRPr>
-            </a:lvl8pPr>
-            <a:lvl9pPr marL="1828800" algn="l" rtl="0" fontAlgn="base">
-              <a:spcBef>
-                <a:spcPct val="0"/>
-              </a:spcBef>
-              <a:spcAft>
-                <a:spcPct val="0"/>
-              </a:spcAft>
-              <a:defRPr sz="3600">
-                <a:solidFill>
-                  <a:schemeClr val="tx2"/>
-                </a:solidFill>
-                <a:latin typeface="Franklin Gothic Medium" pitchFamily="34" charset="0"/>
-              </a:defRPr>
-            </a:lvl9pPr>
-          </a:lstStyle>
-          <a:p>
-            <a:pPr algn="ctr" eaLnBrk="1" hangingPunct="1">
-              <a:defRPr/>
-            </a:pPr>
-            <a:r>
-              <a:rPr lang="fr-FR" sz="2100" b="1" i="1" u="sng" dirty="0">
-                <a:solidFill>
-                  <a:schemeClr val="accent6">
-                    <a:lumMod val="50000"/>
-                  </a:schemeClr>
-                </a:solidFill>
-                <a:latin typeface="Arial" panose="020B0604020202020204" pitchFamily="34" charset="0"/>
-                <a:cs typeface="Arial" panose="020B0604020202020204" pitchFamily="34" charset="0"/>
-              </a:rPr>
-              <a:t>Comment COMMANDER</a:t>
-            </a:r>
-            <a:br>
-              <a:rPr lang="fr-FR" sz="2100" b="1" i="1" u="sng" dirty="0">
-                <a:solidFill>
-                  <a:schemeClr val="accent6">
-                    <a:lumMod val="50000"/>
-                  </a:schemeClr>
-                </a:solidFill>
-                <a:latin typeface="Arial" panose="020B0604020202020204" pitchFamily="34" charset="0"/>
-                <a:cs typeface="Arial" panose="020B0604020202020204" pitchFamily="34" charset="0"/>
-              </a:rPr>
-            </a:br>
-            <a:r>
-              <a:rPr lang="fr-FR" sz="2100" b="1" i="1" u="sng" dirty="0">
-                <a:solidFill>
-                  <a:schemeClr val="accent6">
-                    <a:lumMod val="50000"/>
-                  </a:schemeClr>
-                </a:solidFill>
-                <a:latin typeface="Arial" panose="020B0604020202020204" pitchFamily="34" charset="0"/>
-                <a:cs typeface="Arial" panose="020B0604020202020204" pitchFamily="34" charset="0"/>
-              </a:rPr>
-              <a:t>DE LA CARTOGRAPHIE AUPRES DE l’</a:t>
-            </a:r>
-            <a:r>
-              <a:rPr lang="fr-FR" sz="2100" b="1" i="1" u="sng" dirty="0" err="1">
-                <a:solidFill>
-                  <a:schemeClr val="accent6">
-                    <a:lumMod val="50000"/>
-                  </a:schemeClr>
-                </a:solidFill>
-                <a:latin typeface="Arial" panose="020B0604020202020204" pitchFamily="34" charset="0"/>
-                <a:cs typeface="Arial" panose="020B0604020202020204" pitchFamily="34" charset="0"/>
-              </a:rPr>
-              <a:t>egi</a:t>
-            </a:r>
-            <a:r>
-              <a:rPr lang="fr-FR" sz="2100" b="1" i="1" u="sng" dirty="0">
-                <a:solidFill>
-                  <a:schemeClr val="accent6">
-                    <a:lumMod val="50000"/>
-                  </a:schemeClr>
-                </a:solidFill>
-                <a:latin typeface="Arial" panose="020B0604020202020204" pitchFamily="34" charset="0"/>
-                <a:cs typeface="Arial" panose="020B0604020202020204" pitchFamily="34" charset="0"/>
-              </a:rPr>
-              <a:t> ?</a:t>
-            </a:r>
-            <a:endParaRPr lang="fr-FR" sz="2100" dirty="0">
-              <a:solidFill>
-                <a:schemeClr val="accent6">
-                  <a:lumMod val="50000"/>
-                </a:schemeClr>
-              </a:solidFill>
-              <a:latin typeface="Arial" panose="020B0604020202020204" pitchFamily="34" charset="0"/>
-              <a:cs typeface="Arial" panose="020B0604020202020204" pitchFamily="34" charset="0"/>
-            </a:endParaRPr>
-          </a:p>
-        </p:txBody>
-      </p:sp>
-      <p:sp>
-        <p:nvSpPr>
           <p:cNvPr id="9" name="Ellipse 8"/>
           <p:cNvSpPr/>
           <p:nvPr/>
@@ -5205,6 +4982,195 @@
           </a:p>
         </p:txBody>
       </p:sp>
+      <p:sp>
+        <p:nvSpPr>
+          <p:cNvPr id="7" name="ZoneTexte 6"/>
+          <p:cNvSpPr txBox="1"/>
+          <p:nvPr/>
+        </p:nvSpPr>
+        <p:spPr>
+          <a:xfrm>
+            <a:off x="0" y="402955"/>
+            <a:ext cx="9144000" cy="584775"/>
+          </a:xfrm>
+          <a:prstGeom prst="rect">
+            <a:avLst/>
+          </a:prstGeom>
+          <a:noFill/>
+        </p:spPr>
+        <p:txBody>
+          <a:bodyPr wrap="square" rtlCol="0">
+            <a:spAutoFit/>
+          </a:bodyPr>
+          <a:lstStyle/>
+          <a:p>
+            <a:pPr algn="ctr"/>
+            <a:r>
+              <a:rPr lang="fr-FR" sz="3200" dirty="0" smtClean="0"/>
+              <a:t>Commander auprès de l’EGI</a:t>
+            </a:r>
+            <a:endParaRPr lang="fr-FR" sz="3200" dirty="0"/>
+          </a:p>
+        </p:txBody>
+      </p:sp>
+      <p:sp>
+        <p:nvSpPr>
+          <p:cNvPr id="10" name="ZoneTexte 2"/>
+          <p:cNvSpPr txBox="1">
+            <a:spLocks noChangeArrowheads="1"/>
+          </p:cNvSpPr>
+          <p:nvPr/>
+        </p:nvSpPr>
+        <p:spPr bwMode="auto">
+          <a:xfrm>
+            <a:off x="2766954" y="1233503"/>
+            <a:ext cx="3610091" cy="380873"/>
+          </a:xfrm>
+          <a:prstGeom prst="rect">
+            <a:avLst/>
+          </a:prstGeom>
+          <a:solidFill>
+            <a:schemeClr val="bg1"/>
+          </a:solidFill>
+          <a:ln w="9525">
+            <a:solidFill>
+              <a:schemeClr val="tx1"/>
+            </a:solidFill>
+            <a:miter lim="800000"/>
+            <a:headEnd/>
+            <a:tailEnd/>
+          </a:ln>
+        </p:spPr>
+        <p:txBody>
+          <a:bodyPr wrap="none">
+            <a:spAutoFit/>
+          </a:bodyPr>
+          <a:lstStyle>
+            <a:lvl1pPr>
+              <a:defRPr>
+                <a:solidFill>
+                  <a:schemeClr val="tx1"/>
+                </a:solidFill>
+                <a:latin typeface="Arial" charset="0"/>
+              </a:defRPr>
+            </a:lvl1pPr>
+            <a:lvl2pPr marL="742950" indent="-285750">
+              <a:defRPr>
+                <a:solidFill>
+                  <a:schemeClr val="tx1"/>
+                </a:solidFill>
+                <a:latin typeface="Arial" charset="0"/>
+              </a:defRPr>
+            </a:lvl2pPr>
+            <a:lvl3pPr marL="1143000" indent="-228600">
+              <a:defRPr>
+                <a:solidFill>
+                  <a:schemeClr val="tx1"/>
+                </a:solidFill>
+                <a:latin typeface="Arial" charset="0"/>
+              </a:defRPr>
+            </a:lvl3pPr>
+            <a:lvl4pPr marL="1600200" indent="-228600">
+              <a:defRPr>
+                <a:solidFill>
+                  <a:schemeClr val="tx1"/>
+                </a:solidFill>
+                <a:latin typeface="Arial" charset="0"/>
+              </a:defRPr>
+            </a:lvl4pPr>
+            <a:lvl5pPr marL="2057400" indent="-228600">
+              <a:defRPr>
+                <a:solidFill>
+                  <a:schemeClr val="tx1"/>
+                </a:solidFill>
+                <a:latin typeface="Arial" charset="0"/>
+              </a:defRPr>
+            </a:lvl5pPr>
+            <a:lvl6pPr marL="2514600" indent="-228600" eaLnBrk="0" fontAlgn="base" hangingPunct="0">
+              <a:spcBef>
+                <a:spcPct val="0"/>
+              </a:spcBef>
+              <a:spcAft>
+                <a:spcPct val="0"/>
+              </a:spcAft>
+              <a:defRPr>
+                <a:solidFill>
+                  <a:schemeClr val="tx1"/>
+                </a:solidFill>
+                <a:latin typeface="Arial" charset="0"/>
+              </a:defRPr>
+            </a:lvl6pPr>
+            <a:lvl7pPr marL="2971800" indent="-228600" eaLnBrk="0" fontAlgn="base" hangingPunct="0">
+              <a:spcBef>
+                <a:spcPct val="0"/>
+              </a:spcBef>
+              <a:spcAft>
+                <a:spcPct val="0"/>
+              </a:spcAft>
+              <a:defRPr>
+                <a:solidFill>
+                  <a:schemeClr val="tx1"/>
+                </a:solidFill>
+                <a:latin typeface="Arial" charset="0"/>
+              </a:defRPr>
+            </a:lvl7pPr>
+            <a:lvl8pPr marL="3429000" indent="-228600" eaLnBrk="0" fontAlgn="base" hangingPunct="0">
+              <a:spcBef>
+                <a:spcPct val="0"/>
+              </a:spcBef>
+              <a:spcAft>
+                <a:spcPct val="0"/>
+              </a:spcAft>
+              <a:defRPr>
+                <a:solidFill>
+                  <a:schemeClr val="tx1"/>
+                </a:solidFill>
+                <a:latin typeface="Arial" charset="0"/>
+              </a:defRPr>
+            </a:lvl8pPr>
+            <a:lvl9pPr marL="3886200" indent="-228600" eaLnBrk="0" fontAlgn="base" hangingPunct="0">
+              <a:spcBef>
+                <a:spcPct val="0"/>
+              </a:spcBef>
+              <a:spcAft>
+                <a:spcPct val="0"/>
+              </a:spcAft>
+              <a:defRPr>
+                <a:solidFill>
+                  <a:schemeClr val="tx1"/>
+                </a:solidFill>
+                <a:latin typeface="Arial" charset="0"/>
+              </a:defRPr>
+            </a:lvl9pPr>
+          </a:lstStyle>
+          <a:p>
+            <a:pPr eaLnBrk="1" hangingPunct="1"/>
+            <a:r>
+              <a:rPr lang="fr-FR" altLang="fr-FR" sz="1875" dirty="0">
+                <a:solidFill>
+                  <a:srgbClr val="0070C0"/>
+                </a:solidFill>
+                <a:hlinkClick r:id="rId5"/>
+              </a:rPr>
+              <a:t>https</a:t>
+            </a:r>
+            <a:r>
+              <a:rPr lang="fr-FR" altLang="fr-FR" sz="1875" dirty="0" smtClean="0">
+                <a:solidFill>
+                  <a:srgbClr val="0070C0"/>
+                </a:solidFill>
+                <a:hlinkClick r:id="rId5"/>
+              </a:rPr>
+              <a:t>://portail-egi.intradef.gouv.fr</a:t>
+            </a:r>
+            <a:endParaRPr lang="fr-FR" altLang="fr-FR" sz="1875" dirty="0">
+              <a:solidFill>
+                <a:srgbClr val="0070C0"/>
+              </a:solidFill>
+            </a:endParaRPr>
+          </a:p>
+        </p:txBody>
+      </p:sp>
     </p:spTree>
     <p:extLst>
       <p:ext uri="{BB962C8B-B14F-4D97-AF65-F5344CB8AC3E}">
@@ -5218,7 +5184,7 @@
 </p:sld>
 </file>
 
-<file path=ppt/slides/slide15.xml><?xml version="1.0" encoding="utf-8"?>
+<file path=ppt/slides/slide17.xml><?xml version="1.0" encoding="utf-8"?>
 <p:sld xmlns:a="http://schemas.openxmlformats.org/drawingml/2006/main" xmlns:r="http://schemas.openxmlformats.org/officeDocument/2006/relationships" xmlns:p="http://schemas.openxmlformats.org/presentationml/2006/main">
   <p:cSld>
     <p:spTree>
@@ -5382,7 +5348,7 @@
 </p:sld>
 </file>
 
-<file path=ppt/slides/slide16.xml><?xml version="1.0" encoding="utf-8"?>
+<file path=ppt/slides/slide18.xml><?xml version="1.0" encoding="utf-8"?>
 <p:sld xmlns:a="http://schemas.openxmlformats.org/drawingml/2006/main" xmlns:r="http://schemas.openxmlformats.org/officeDocument/2006/relationships" xmlns:p="http://schemas.openxmlformats.org/presentationml/2006/main">
   <p:cSld>
     <p:spTree>
@@ -5426,6 +5392,11 @@
           <a:prstGeom prst="rect">
             <a:avLst/>
           </a:prstGeom>
+          <a:ln>
+            <a:solidFill>
+              <a:schemeClr val="tx1"/>
+            </a:solidFill>
+          </a:ln>
         </p:spPr>
       </p:pic>
       <p:sp>
@@ -5535,7 +5506,7 @@
 </p:sld>
 </file>
 
-<file path=ppt/slides/slide17.xml><?xml version="1.0" encoding="utf-8"?>
+<file path=ppt/slides/slide19.xml><?xml version="1.0" encoding="utf-8"?>
 <p:sld xmlns:a="http://schemas.openxmlformats.org/drawingml/2006/main" xmlns:r="http://schemas.openxmlformats.org/officeDocument/2006/relationships" xmlns:p="http://schemas.openxmlformats.org/presentationml/2006/main">
   <p:cSld>
     <p:spTree>
@@ -5686,7 +5657,172 @@
 </p:sld>
 </file>
 
-<file path=ppt/slides/slide18.xml><?xml version="1.0" encoding="utf-8"?>
+<file path=ppt/slides/slide2.xml><?xml version="1.0" encoding="utf-8"?>
+<p:sld xmlns:a="http://schemas.openxmlformats.org/drawingml/2006/main" xmlns:r="http://schemas.openxmlformats.org/officeDocument/2006/relationships" xmlns:p="http://schemas.openxmlformats.org/presentationml/2006/main">
+  <p:cSld>
+    <p:spTree>
+      <p:nvGrpSpPr>
+        <p:cNvPr id="1" name=""/>
+        <p:cNvGrpSpPr/>
+        <p:nvPr/>
+      </p:nvGrpSpPr>
+      <p:grpSpPr>
+        <a:xfrm>
+          <a:off x="0" y="0"/>
+          <a:ext cx="0" cy="0"/>
+          <a:chOff x="0" y="0"/>
+          <a:chExt cx="0" cy="0"/>
+        </a:xfrm>
+      </p:grpSpPr>
+      <p:sp>
+        <p:nvSpPr>
+          <p:cNvPr id="2" name="ZoneTexte 1"/>
+          <p:cNvSpPr txBox="1"/>
+          <p:nvPr/>
+        </p:nvSpPr>
+        <p:spPr>
+          <a:xfrm>
+            <a:off x="0" y="402955"/>
+            <a:ext cx="9144000" cy="584775"/>
+          </a:xfrm>
+          <a:prstGeom prst="rect">
+            <a:avLst/>
+          </a:prstGeom>
+          <a:noFill/>
+        </p:spPr>
+        <p:txBody>
+          <a:bodyPr wrap="square" rtlCol="0">
+            <a:spAutoFit/>
+          </a:bodyPr>
+          <a:lstStyle/>
+          <a:p>
+            <a:pPr algn="ctr"/>
+            <a:r>
+              <a:rPr lang="fr-FR" sz="3200" dirty="0" smtClean="0"/>
+              <a:t>Via Internet</a:t>
+            </a:r>
+            <a:endParaRPr lang="fr-FR" sz="3200" dirty="0"/>
+          </a:p>
+        </p:txBody>
+      </p:sp>
+      <p:sp>
+        <p:nvSpPr>
+          <p:cNvPr id="3" name="ZoneTexte 2"/>
+          <p:cNvSpPr txBox="1"/>
+          <p:nvPr/>
+        </p:nvSpPr>
+        <p:spPr>
+          <a:xfrm>
+            <a:off x="319297" y="1214651"/>
+            <a:ext cx="8483509" cy="3785652"/>
+          </a:xfrm>
+          <a:prstGeom prst="rect">
+            <a:avLst/>
+          </a:prstGeom>
+          <a:noFill/>
+        </p:spPr>
+        <p:txBody>
+          <a:bodyPr wrap="square" rtlCol="0">
+            <a:spAutoFit/>
+          </a:bodyPr>
+          <a:lstStyle/>
+          <a:p>
+            <a:r>
+              <a:rPr lang="fr-FR" sz="2000" b="1" u="sng" dirty="0" smtClean="0"/>
+              <a:t>Données </a:t>
+            </a:r>
+            <a:r>
+              <a:rPr lang="fr-FR" sz="2000" b="1" u="sng" dirty="0" err="1" smtClean="0"/>
+              <a:t>carto</a:t>
+            </a:r>
+            <a:r>
+              <a:rPr lang="fr-FR" sz="2000" b="1" u="sng" dirty="0" smtClean="0"/>
+              <a:t> France</a:t>
+            </a:r>
+          </a:p>
+          <a:p>
+            <a:endParaRPr lang="fr-FR" sz="2000" b="1" u="sng" dirty="0" smtClean="0"/>
+          </a:p>
+          <a:p>
+            <a:endParaRPr lang="fr-FR" sz="2000" b="1" u="sng" dirty="0"/>
+          </a:p>
+          <a:p>
+            <a:r>
+              <a:rPr lang="fr-FR" sz="2000" b="1" u="sng" dirty="0"/>
+              <a:t>Données </a:t>
+            </a:r>
+            <a:r>
+              <a:rPr lang="fr-FR" sz="2000" b="1" u="sng" dirty="0" err="1"/>
+              <a:t>carto</a:t>
+            </a:r>
+            <a:r>
+              <a:rPr lang="fr-FR" sz="2000" b="1" u="sng" dirty="0"/>
+              <a:t> </a:t>
+            </a:r>
+            <a:r>
+              <a:rPr lang="fr-FR" sz="2000" b="1" u="sng" dirty="0" smtClean="0"/>
+              <a:t>Monde</a:t>
+            </a:r>
+          </a:p>
+          <a:p>
+            <a:endParaRPr lang="fr-FR" sz="2000" b="1" u="sng" dirty="0" smtClean="0"/>
+          </a:p>
+          <a:p>
+            <a:endParaRPr lang="fr-FR" sz="2000" b="1" u="sng" dirty="0" smtClean="0"/>
+          </a:p>
+          <a:p>
+            <a:r>
+              <a:rPr lang="fr-FR" sz="2000" b="1" u="sng" dirty="0" smtClean="0"/>
+              <a:t>Utilisation SAS </a:t>
+            </a:r>
+            <a:r>
+              <a:rPr lang="fr-FR" sz="2000" b="1" u="sng" dirty="0" err="1" smtClean="0"/>
+              <a:t>Planet</a:t>
+            </a:r>
+            <a:endParaRPr lang="fr-FR" sz="2000" b="1" u="sng" dirty="0"/>
+          </a:p>
+          <a:p>
+            <a:endParaRPr lang="fr-FR" sz="2000" b="1" u="sng" dirty="0" smtClean="0"/>
+          </a:p>
+          <a:p>
+            <a:endParaRPr lang="fr-FR" sz="2000" b="1" u="sng" dirty="0"/>
+          </a:p>
+          <a:p>
+            <a:r>
+              <a:rPr lang="fr-FR" sz="2000" b="1" u="sng" dirty="0" smtClean="0"/>
+              <a:t>Serveurs de cartes</a:t>
+            </a:r>
+            <a:endParaRPr lang="fr-FR" sz="2000" b="1" u="sng" dirty="0"/>
+          </a:p>
+          <a:p>
+            <a:endParaRPr lang="fr-FR" sz="2000" dirty="0"/>
+          </a:p>
+          <a:p>
+            <a:endParaRPr lang="fr-FR" sz="2000" dirty="0" smtClean="0"/>
+          </a:p>
+        </p:txBody>
+      </p:sp>
+    </p:spTree>
+    <p:extLst>
+      <p:ext uri="{BB962C8B-B14F-4D97-AF65-F5344CB8AC3E}">
+        <p14:creationId xmlns:p14="http://schemas.microsoft.com/office/powerpoint/2010/main" val="3586088280"/>
+      </p:ext>
+    </p:extLst>
+  </p:cSld>
+  <p:clrMapOvr>
+    <a:masterClrMapping/>
+  </p:clrMapOvr>
+  <p:timing>
+    <p:tnLst>
+      <p:par>
+        <p:cTn id="1" dur="indefinite" restart="never" nodeType="tmRoot"/>
+      </p:par>
+    </p:tnLst>
+  </p:timing>
+</p:sld>
+</file>
+
+<file path=ppt/slides/slide20.xml><?xml version="1.0" encoding="utf-8"?>
 <p:sld xmlns:a="http://schemas.openxmlformats.org/drawingml/2006/main" xmlns:r="http://schemas.openxmlformats.org/officeDocument/2006/relationships" xmlns:p="http://schemas.openxmlformats.org/presentationml/2006/main">
   <p:cSld>
     <p:spTree>
@@ -7136,7 +7272,7 @@
 </p:sld>
 </file>
 
-<file path=ppt/slides/slide19.xml><?xml version="1.0" encoding="utf-8"?>
+<file path=ppt/slides/slide21.xml><?xml version="1.0" encoding="utf-8"?>
 <p:sld xmlns:a="http://schemas.openxmlformats.org/drawingml/2006/main" xmlns:r="http://schemas.openxmlformats.org/officeDocument/2006/relationships" xmlns:p="http://schemas.openxmlformats.org/presentationml/2006/main">
   <p:cSld>
     <p:spTree>
@@ -7743,239 +7879,6 @@
   <p:clrMapOvr>
     <a:masterClrMapping/>
   </p:clrMapOvr>
-</p:sld>
-</file>
-
-<file path=ppt/slides/slide2.xml><?xml version="1.0" encoding="utf-8"?>
-<p:sld xmlns:a="http://schemas.openxmlformats.org/drawingml/2006/main" xmlns:r="http://schemas.openxmlformats.org/officeDocument/2006/relationships" xmlns:p="http://schemas.openxmlformats.org/presentationml/2006/main">
-  <p:cSld>
-    <p:spTree>
-      <p:nvGrpSpPr>
-        <p:cNvPr id="1" name=""/>
-        <p:cNvGrpSpPr/>
-        <p:nvPr/>
-      </p:nvGrpSpPr>
-      <p:grpSpPr>
-        <a:xfrm>
-          <a:off x="0" y="0"/>
-          <a:ext cx="0" cy="0"/>
-          <a:chOff x="0" y="0"/>
-          <a:chExt cx="0" cy="0"/>
-        </a:xfrm>
-      </p:grpSpPr>
-      <p:sp>
-        <p:nvSpPr>
-          <p:cNvPr id="2" name="ZoneTexte 1"/>
-          <p:cNvSpPr txBox="1"/>
-          <p:nvPr/>
-        </p:nvSpPr>
-        <p:spPr>
-          <a:xfrm>
-            <a:off x="0" y="402955"/>
-            <a:ext cx="9144000" cy="584775"/>
-          </a:xfrm>
-          <a:prstGeom prst="rect">
-            <a:avLst/>
-          </a:prstGeom>
-          <a:noFill/>
-        </p:spPr>
-        <p:txBody>
-          <a:bodyPr wrap="square" rtlCol="0">
-            <a:spAutoFit/>
-          </a:bodyPr>
-          <a:lstStyle/>
-          <a:p>
-            <a:pPr algn="ctr"/>
-            <a:r>
-              <a:rPr lang="fr-FR" sz="3200" dirty="0" smtClean="0"/>
-              <a:t>Via Internet</a:t>
-            </a:r>
-            <a:endParaRPr lang="fr-FR" sz="3200" dirty="0"/>
-          </a:p>
-        </p:txBody>
-      </p:sp>
-      <p:sp>
-        <p:nvSpPr>
-          <p:cNvPr id="3" name="ZoneTexte 2"/>
-          <p:cNvSpPr txBox="1"/>
-          <p:nvPr/>
-        </p:nvSpPr>
-        <p:spPr>
-          <a:xfrm>
-            <a:off x="319297" y="1214651"/>
-            <a:ext cx="8483509" cy="4832092"/>
-          </a:xfrm>
-          <a:prstGeom prst="rect">
-            <a:avLst/>
-          </a:prstGeom>
-          <a:noFill/>
-        </p:spPr>
-        <p:txBody>
-          <a:bodyPr wrap="square" rtlCol="0">
-            <a:spAutoFit/>
-          </a:bodyPr>
-          <a:lstStyle/>
-          <a:p>
-            <a:r>
-              <a:rPr lang="fr-FR" sz="2000" b="1" u="sng" dirty="0" smtClean="0"/>
-              <a:t>Données </a:t>
-            </a:r>
-            <a:r>
-              <a:rPr lang="fr-FR" sz="2000" b="1" u="sng" dirty="0" err="1" smtClean="0"/>
-              <a:t>carto</a:t>
-            </a:r>
-            <a:r>
-              <a:rPr lang="fr-FR" sz="2000" b="1" u="sng" dirty="0" smtClean="0"/>
-              <a:t> France</a:t>
-            </a:r>
-          </a:p>
-          <a:p>
-            <a:endParaRPr lang="fr-FR" dirty="0"/>
-          </a:p>
-          <a:p>
-            <a:r>
-              <a:rPr lang="fr-FR" dirty="0" smtClean="0"/>
-              <a:t>IGN – Institut National de l’information </a:t>
-            </a:r>
-            <a:r>
-              <a:rPr lang="fr-FR" dirty="0" err="1" smtClean="0"/>
-              <a:t>Geographique</a:t>
-            </a:r>
-            <a:endParaRPr lang="fr-FR" dirty="0" smtClean="0"/>
-          </a:p>
-          <a:p>
-            <a:r>
-              <a:rPr lang="fr-FR" dirty="0" smtClean="0"/>
-              <a:t>Site : </a:t>
-            </a:r>
-            <a:r>
-              <a:rPr lang="fr-FR" dirty="0" smtClean="0">
-                <a:hlinkClick r:id="rId2"/>
-              </a:rPr>
-              <a:t>https</a:t>
-            </a:r>
-            <a:r>
-              <a:rPr lang="fr-FR" dirty="0">
-                <a:hlinkClick r:id="rId2"/>
-              </a:rPr>
-              <a:t>://</a:t>
-            </a:r>
-            <a:r>
-              <a:rPr lang="fr-FR" dirty="0" smtClean="0">
-                <a:hlinkClick r:id="rId2"/>
-              </a:rPr>
-              <a:t>geoservices.ign.fr/documentation/diffusion/telechargement-donnees-libres.html</a:t>
-            </a:r>
-            <a:endParaRPr lang="fr-FR" dirty="0" smtClean="0"/>
-          </a:p>
-          <a:p>
-            <a:r>
-              <a:rPr lang="fr-FR" dirty="0" smtClean="0"/>
-              <a:t>Miroir : </a:t>
-            </a:r>
-            <a:r>
-              <a:rPr lang="fr-FR" dirty="0" smtClean="0">
-                <a:hlinkClick r:id="rId3"/>
-              </a:rPr>
-              <a:t>http</a:t>
-            </a:r>
-            <a:r>
-              <a:rPr lang="fr-FR" dirty="0">
-                <a:hlinkClick r:id="rId3"/>
-              </a:rPr>
-              <a:t>://files.opendatarchives.fr/professionnels.ign.fr</a:t>
-            </a:r>
-            <a:r>
-              <a:rPr lang="fr-FR" dirty="0" smtClean="0">
-                <a:hlinkClick r:id="rId3"/>
-              </a:rPr>
-              <a:t>/</a:t>
-            </a:r>
-            <a:endParaRPr lang="fr-FR" dirty="0" smtClean="0"/>
-          </a:p>
-          <a:p>
-            <a:endParaRPr lang="fr-FR" dirty="0" smtClean="0"/>
-          </a:p>
-          <a:p>
-            <a:endParaRPr lang="fr-FR" dirty="0" smtClean="0"/>
-          </a:p>
-          <a:p>
-            <a:r>
-              <a:rPr lang="fr-FR" dirty="0">
-                <a:hlinkClick r:id="rId4"/>
-              </a:rPr>
-              <a:t>https://</a:t>
-            </a:r>
-            <a:r>
-              <a:rPr lang="fr-FR" dirty="0" smtClean="0">
-                <a:hlinkClick r:id="rId4"/>
-              </a:rPr>
-              <a:t>geo.data.gouv.fr</a:t>
-            </a:r>
-            <a:endParaRPr lang="fr-FR" dirty="0" smtClean="0"/>
-          </a:p>
-          <a:p>
-            <a:r>
-              <a:rPr lang="fr-FR" dirty="0" smtClean="0"/>
-              <a:t>Moteur de recherche qui recense la </a:t>
-            </a:r>
-            <a:r>
-              <a:rPr lang="fr-FR" dirty="0" err="1" smtClean="0"/>
-              <a:t>carto</a:t>
-            </a:r>
-            <a:r>
-              <a:rPr lang="fr-FR" dirty="0" smtClean="0"/>
-              <a:t> « open data » des départements/régions</a:t>
-            </a:r>
-          </a:p>
-          <a:p>
-            <a:r>
-              <a:rPr lang="fr-FR" dirty="0" smtClean="0"/>
-              <a:t>L’accessibilité des données dépend de chaque région</a:t>
-            </a:r>
-          </a:p>
-          <a:p>
-            <a:endParaRPr lang="fr-FR" dirty="0" smtClean="0"/>
-          </a:p>
-          <a:p>
-            <a:endParaRPr lang="fr-FR" dirty="0" smtClean="0"/>
-          </a:p>
-          <a:p>
-            <a:r>
-              <a:rPr lang="fr-FR" dirty="0" smtClean="0"/>
-              <a:t>Emetteurs de plus de 5W</a:t>
-            </a:r>
-          </a:p>
-          <a:p>
-            <a:r>
-              <a:rPr lang="fr-FR" dirty="0">
-                <a:hlinkClick r:id="rId5"/>
-              </a:rPr>
-              <a:t>https://www.data.gouv.fr/fr/datasets/donnees-sur-les-installations-radioelectriques-de-plus-de-5-watts-1</a:t>
-            </a:r>
-            <a:r>
-              <a:rPr lang="fr-FR" dirty="0" smtClean="0">
-                <a:hlinkClick r:id="rId5"/>
-              </a:rPr>
-              <a:t>/</a:t>
-            </a:r>
-            <a:endParaRPr lang="fr-FR" dirty="0" smtClean="0"/>
-          </a:p>
-          <a:p>
-            <a:endParaRPr lang="fr-FR" dirty="0" smtClean="0"/>
-          </a:p>
-        </p:txBody>
-      </p:sp>
-    </p:spTree>
-    <p:extLst>
-      <p:ext uri="{BB962C8B-B14F-4D97-AF65-F5344CB8AC3E}">
-        <p14:creationId xmlns:p14="http://schemas.microsoft.com/office/powerpoint/2010/main" val="3891604573"/>
-      </p:ext>
-    </p:extLst>
-  </p:cSld>
-  <p:clrMapOvr>
-    <a:masterClrMapping/>
-  </p:clrMapOvr>
   <p:timing>
     <p:tnLst>
       <p:par>
@@ -7986,7 +7889,7 @@
 </p:sld>
 </file>
 
-<file path=ppt/slides/slide20.xml><?xml version="1.0" encoding="utf-8"?>
+<file path=ppt/slides/slide22.xml><?xml version="1.0" encoding="utf-8"?>
 <p:sld xmlns:a="http://schemas.openxmlformats.org/drawingml/2006/main" xmlns:r="http://schemas.openxmlformats.org/officeDocument/2006/relationships" xmlns:p="http://schemas.openxmlformats.org/presentationml/2006/main">
   <p:cSld>
     <p:spTree>
@@ -8031,6 +7934,11 @@
           <a:prstGeom prst="rect">
             <a:avLst/>
           </a:prstGeom>
+          <a:ln>
+            <a:solidFill>
+              <a:schemeClr val="tx1"/>
+            </a:solidFill>
+          </a:ln>
         </p:spPr>
       </p:pic>
       <p:sp>
@@ -8140,10 +8048,17 @@
     <a:masterClrMapping/>
   </p:clrMapOvr>
   <p:transition spd="slow"/>
+  <p:timing>
+    <p:tnLst>
+      <p:par>
+        <p:cTn id="1" dur="indefinite" restart="never" nodeType="tmRoot"/>
+      </p:par>
+    </p:tnLst>
+  </p:timing>
 </p:sld>
 </file>
 
-<file path=ppt/slides/slide21.xml><?xml version="1.0" encoding="utf-8"?>
+<file path=ppt/slides/slide23.xml><?xml version="1.0" encoding="utf-8"?>
 <p:sld xmlns:a="http://schemas.openxmlformats.org/drawingml/2006/main" xmlns:r="http://schemas.openxmlformats.org/officeDocument/2006/relationships" xmlns:p="http://schemas.openxmlformats.org/presentationml/2006/main">
   <p:cSld>
     <p:spTree>
@@ -8162,187 +8077,104 @@
       </p:grpSpPr>
       <p:sp>
         <p:nvSpPr>
-          <p:cNvPr id="50178" name="ZoneTexte 3"/>
-          <p:cNvSpPr txBox="1">
-            <a:spLocks noChangeArrowheads="1"/>
-          </p:cNvSpPr>
+          <p:cNvPr id="2" name="ZoneTexte 1"/>
+          <p:cNvSpPr txBox="1"/>
           <p:nvPr/>
         </p:nvSpPr>
-        <p:spPr bwMode="auto">
+        <p:spPr>
           <a:xfrm>
-            <a:off x="1331640" y="2402886"/>
-            <a:ext cx="6535341" cy="1754326"/>
+            <a:off x="0" y="402955"/>
+            <a:ext cx="9144000" cy="584775"/>
           </a:xfrm>
           <a:prstGeom prst="rect">
             <a:avLst/>
           </a:prstGeom>
           <a:noFill/>
-          <a:ln>
-            <a:noFill/>
-          </a:ln>
-          <a:extLst>
-            <a:ext uri="{909E8E84-426E-40DD-AFC4-6F175D3DCCD1}">
-              <a14:hiddenFill xmlns:a14="http://schemas.microsoft.com/office/drawing/2010/main">
-                <a:solidFill>
-                  <a:srgbClr val="FFFFFF"/>
-                </a:solidFill>
-              </a14:hiddenFill>
-            </a:ext>
-            <a:ext uri="{91240B29-F687-4F45-9708-019B960494DF}">
-              <a14:hiddenLine xmlns:a14="http://schemas.microsoft.com/office/drawing/2010/main" w="9525">
-                <a:solidFill>
-                  <a:srgbClr val="000000"/>
-                </a:solidFill>
-                <a:miter lim="800000"/>
-                <a:headEnd/>
-                <a:tailEnd/>
-              </a14:hiddenLine>
-            </a:ext>
-          </a:extLst>
         </p:spPr>
         <p:txBody>
-          <a:bodyPr wrap="square">
+          <a:bodyPr wrap="square" rtlCol="0">
             <a:spAutoFit/>
           </a:bodyPr>
-          <a:lstStyle>
-            <a:lvl1pPr eaLnBrk="0" hangingPunct="0">
-              <a:defRPr>
-                <a:solidFill>
-                  <a:schemeClr val="tx1"/>
-                </a:solidFill>
-                <a:latin typeface="Arial" charset="0"/>
-                <a:cs typeface="Arial" charset="0"/>
-              </a:defRPr>
-            </a:lvl1pPr>
-            <a:lvl2pPr marL="742950" indent="-285750" eaLnBrk="0" hangingPunct="0">
-              <a:defRPr>
-                <a:solidFill>
-                  <a:schemeClr val="tx1"/>
-                </a:solidFill>
-                <a:latin typeface="Arial" charset="0"/>
-                <a:cs typeface="Arial" charset="0"/>
-              </a:defRPr>
-            </a:lvl2pPr>
-            <a:lvl3pPr marL="1143000" indent="-228600" eaLnBrk="0" hangingPunct="0">
-              <a:defRPr>
-                <a:solidFill>
-                  <a:schemeClr val="tx1"/>
-                </a:solidFill>
-                <a:latin typeface="Arial" charset="0"/>
-                <a:cs typeface="Arial" charset="0"/>
-              </a:defRPr>
-            </a:lvl3pPr>
-            <a:lvl4pPr marL="1600200" indent="-228600" eaLnBrk="0" hangingPunct="0">
-              <a:defRPr>
-                <a:solidFill>
-                  <a:schemeClr val="tx1"/>
-                </a:solidFill>
-                <a:latin typeface="Arial" charset="0"/>
-                <a:cs typeface="Arial" charset="0"/>
-              </a:defRPr>
-            </a:lvl4pPr>
-            <a:lvl5pPr marL="2057400" indent="-228600" eaLnBrk="0" hangingPunct="0">
-              <a:defRPr>
-                <a:solidFill>
-                  <a:schemeClr val="tx1"/>
-                </a:solidFill>
-                <a:latin typeface="Arial" charset="0"/>
-                <a:cs typeface="Arial" charset="0"/>
-              </a:defRPr>
-            </a:lvl5pPr>
-            <a:lvl6pPr marL="2514600" indent="-228600" eaLnBrk="0" fontAlgn="base" hangingPunct="0">
-              <a:spcBef>
-                <a:spcPct val="0"/>
-              </a:spcBef>
-              <a:spcAft>
-                <a:spcPct val="0"/>
-              </a:spcAft>
-              <a:defRPr>
-                <a:solidFill>
-                  <a:schemeClr val="tx1"/>
-                </a:solidFill>
-                <a:latin typeface="Arial" charset="0"/>
-                <a:cs typeface="Arial" charset="0"/>
-              </a:defRPr>
-            </a:lvl6pPr>
-            <a:lvl7pPr marL="2971800" indent="-228600" eaLnBrk="0" fontAlgn="base" hangingPunct="0">
-              <a:spcBef>
-                <a:spcPct val="0"/>
-              </a:spcBef>
-              <a:spcAft>
-                <a:spcPct val="0"/>
-              </a:spcAft>
-              <a:defRPr>
-                <a:solidFill>
-                  <a:schemeClr val="tx1"/>
-                </a:solidFill>
-                <a:latin typeface="Arial" charset="0"/>
-                <a:cs typeface="Arial" charset="0"/>
-              </a:defRPr>
-            </a:lvl7pPr>
-            <a:lvl8pPr marL="3429000" indent="-228600" eaLnBrk="0" fontAlgn="base" hangingPunct="0">
-              <a:spcBef>
-                <a:spcPct val="0"/>
-              </a:spcBef>
-              <a:spcAft>
-                <a:spcPct val="0"/>
-              </a:spcAft>
-              <a:defRPr>
-                <a:solidFill>
-                  <a:schemeClr val="tx1"/>
-                </a:solidFill>
-                <a:latin typeface="Arial" charset="0"/>
-                <a:cs typeface="Arial" charset="0"/>
-              </a:defRPr>
-            </a:lvl8pPr>
-            <a:lvl9pPr marL="3886200" indent="-228600" eaLnBrk="0" fontAlgn="base" hangingPunct="0">
-              <a:spcBef>
-                <a:spcPct val="0"/>
-              </a:spcBef>
-              <a:spcAft>
-                <a:spcPct val="0"/>
-              </a:spcAft>
-              <a:defRPr>
-                <a:solidFill>
-                  <a:schemeClr val="tx1"/>
-                </a:solidFill>
-                <a:latin typeface="Arial" charset="0"/>
-                <a:cs typeface="Arial" charset="0"/>
-              </a:defRPr>
-            </a:lvl9pPr>
-          </a:lstStyle>
-          <a:p>
-            <a:pPr algn="ctr" eaLnBrk="1" hangingPunct="1"/>
-            <a:r>
-              <a:rPr lang="fr-FR" sz="5400" b="1" u="sng" dirty="0">
-                <a:latin typeface="Calibri" pitchFamily="34" charset="0"/>
-              </a:rPr>
-              <a:t>Liens utiles.</a:t>
-            </a:r>
-          </a:p>
-          <a:p>
-            <a:pPr algn="ctr" eaLnBrk="1" hangingPunct="1"/>
-            <a:endParaRPr lang="en-US" sz="5400" dirty="0">
-              <a:latin typeface="Calibri" pitchFamily="34" charset="0"/>
-            </a:endParaRPr>
+          <a:lstStyle/>
+          <a:p>
+            <a:pPr algn="ctr"/>
+            <a:r>
+              <a:rPr lang="fr-FR" sz="3200" dirty="0" smtClean="0"/>
+              <a:t>28 GG</a:t>
+            </a:r>
+            <a:endParaRPr lang="fr-FR" sz="3200" dirty="0"/>
+          </a:p>
+        </p:txBody>
+      </p:sp>
+      <p:sp>
+        <p:nvSpPr>
+          <p:cNvPr id="3" name="ZoneTexte 2"/>
+          <p:cNvSpPr txBox="1"/>
+          <p:nvPr/>
+        </p:nvSpPr>
+        <p:spPr>
+          <a:xfrm>
+            <a:off x="319297" y="1214651"/>
+            <a:ext cx="8483509" cy="1877437"/>
+          </a:xfrm>
+          <a:prstGeom prst="rect">
+            <a:avLst/>
+          </a:prstGeom>
+          <a:noFill/>
+        </p:spPr>
+        <p:txBody>
+          <a:bodyPr wrap="square" rtlCol="0">
+            <a:spAutoFit/>
+          </a:bodyPr>
+          <a:lstStyle/>
+          <a:p>
+            <a:r>
+              <a:rPr lang="fr-FR" sz="2000" b="1" u="sng" dirty="0" smtClean="0"/>
+              <a:t>Dossiers théâtres</a:t>
+            </a:r>
+          </a:p>
+          <a:p>
+            <a:endParaRPr lang="fr-FR" sz="2000" b="1" u="sng" dirty="0" smtClean="0"/>
+          </a:p>
+          <a:p>
+            <a:endParaRPr lang="fr-FR" sz="2000" b="1" u="sng" dirty="0"/>
+          </a:p>
+          <a:p>
+            <a:r>
+              <a:rPr lang="fr-FR" sz="2000" b="1" u="sng" dirty="0" smtClean="0"/>
+              <a:t>Contact CGAO</a:t>
+            </a:r>
+            <a:endParaRPr lang="fr-FR" sz="2000" b="1" u="sng" dirty="0"/>
+          </a:p>
+          <a:p>
+            <a:endParaRPr lang="fr-FR" dirty="0"/>
+          </a:p>
+          <a:p>
+            <a:endParaRPr lang="fr-FR" dirty="0" smtClean="0"/>
           </a:p>
         </p:txBody>
       </p:sp>
     </p:spTree>
     <p:extLst>
       <p:ext uri="{BB962C8B-B14F-4D97-AF65-F5344CB8AC3E}">
-        <p14:creationId xmlns:p14="http://schemas.microsoft.com/office/powerpoint/2010/main" val="760435946"/>
+        <p14:creationId xmlns:p14="http://schemas.microsoft.com/office/powerpoint/2010/main" val="515810783"/>
       </p:ext>
     </p:extLst>
   </p:cSld>
   <p:clrMapOvr>
     <a:masterClrMapping/>
   </p:clrMapOvr>
-  <p:transition spd="slow"/>
+  <p:timing>
+    <p:tnLst>
+      <p:par>
+        <p:cTn id="1" dur="indefinite" restart="never" nodeType="tmRoot"/>
+      </p:par>
+    </p:tnLst>
+  </p:timing>
 </p:sld>
 </file>
 
-<file path=ppt/slides/slide22.xml><?xml version="1.0" encoding="utf-8"?>
+<file path=ppt/slides/slide24.xml><?xml version="1.0" encoding="utf-8"?>
 <p:sld xmlns:a="http://schemas.openxmlformats.org/drawingml/2006/main" xmlns:r="http://schemas.openxmlformats.org/officeDocument/2006/relationships" xmlns:p="http://schemas.openxmlformats.org/presentationml/2006/main">
   <p:cSld>
     <p:spTree>
@@ -8369,7 +8201,7 @@
         </p:nvSpPr>
         <p:spPr>
           <a:xfrm>
-            <a:off x="1493658" y="2780928"/>
+            <a:off x="2155809" y="3427314"/>
             <a:ext cx="2430270" cy="918102"/>
           </a:xfrm>
           <a:prstGeom prst="rect">
@@ -8561,8 +8393,8 @@
         </p:nvSpPr>
         <p:spPr bwMode="auto">
           <a:xfrm>
-            <a:off x="1244205" y="5501879"/>
-            <a:ext cx="2768707" cy="300082"/>
+            <a:off x="436732" y="733935"/>
+            <a:ext cx="3438154" cy="338554"/>
           </a:xfrm>
           <a:prstGeom prst="rect">
             <a:avLst/>
@@ -8580,7 +8412,7 @@
           </a:ln>
         </p:spPr>
         <p:txBody>
-          <a:bodyPr wrap="none">
+          <a:bodyPr wrap="square">
             <a:spAutoFit/>
           </a:bodyPr>
           <a:lstStyle>
@@ -8761,7 +8593,7 @@
               <a:buNone/>
             </a:pPr>
             <a:r>
-              <a:rPr lang="fr-FR" altLang="fr-FR" sz="1350">
+              <a:rPr lang="fr-FR" altLang="fr-FR" sz="1600">
                 <a:solidFill>
                   <a:schemeClr val="tx1"/>
                 </a:solidFill>
@@ -8770,7 +8602,7 @@
               </a:rPr>
               <a:t>http://portail-gg28.intradef.gouv.fr/</a:t>
             </a:r>
-            <a:endParaRPr lang="fr-FR" altLang="fr-FR" sz="1350">
+            <a:endParaRPr lang="fr-FR" altLang="fr-FR" sz="1600">
               <a:solidFill>
                 <a:schemeClr val="tx1"/>
               </a:solidFill>
@@ -8800,7 +8632,7 @@
         </p:blipFill>
         <p:spPr>
           <a:xfrm>
-            <a:off x="1143000" y="857251"/>
+            <a:off x="1805151" y="1503637"/>
             <a:ext cx="6858000" cy="1492529"/>
           </a:xfrm>
           <a:prstGeom prst="rect">
@@ -8831,7 +8663,7 @@
         </p:blipFill>
         <p:spPr bwMode="auto">
           <a:xfrm>
-            <a:off x="4788025" y="2460890"/>
+            <a:off x="5450176" y="3107276"/>
             <a:ext cx="2484514" cy="3512902"/>
           </a:xfrm>
           <a:prstGeom prst="rect">
@@ -8865,7 +8697,7 @@
         </p:nvSpPr>
         <p:spPr>
           <a:xfrm>
-            <a:off x="5652120" y="2078851"/>
+            <a:off x="6314271" y="2725237"/>
             <a:ext cx="378161" cy="270929"/>
           </a:xfrm>
           <a:prstGeom prst="ellipse">
@@ -8917,7 +8749,7 @@
 </p:sld>
 </file>
 
-<file path=ppt/slides/slide23.xml><?xml version="1.0" encoding="utf-8"?>
+<file path=ppt/slides/slide25.xml><?xml version="1.0" encoding="utf-8"?>
 <p:sld xmlns:a="http://schemas.openxmlformats.org/drawingml/2006/main" xmlns:r="http://schemas.openxmlformats.org/officeDocument/2006/relationships" xmlns:p="http://schemas.openxmlformats.org/presentationml/2006/main">
   <p:cSld>
     <p:spTree>
@@ -9541,7 +9373,7 @@
 </p:sld>
 </file>
 
-<file path=ppt/slides/slide24.xml><?xml version="1.0" encoding="utf-8"?>
+<file path=ppt/slides/slide26.xml><?xml version="1.0" encoding="utf-8"?>
 <p:sld xmlns:a="http://schemas.openxmlformats.org/drawingml/2006/main" xmlns:r="http://schemas.openxmlformats.org/officeDocument/2006/relationships" xmlns:p="http://schemas.openxmlformats.org/presentationml/2006/main">
   <p:cSld>
     <p:spTree>
@@ -9861,7 +9693,7 @@
 </p:sld>
 </file>
 
-<file path=ppt/slides/slide25.xml><?xml version="1.0" encoding="utf-8"?>
+<file path=ppt/slides/slide27.xml><?xml version="1.0" encoding="utf-8"?>
 <p:sld xmlns:a="http://schemas.openxmlformats.org/drawingml/2006/main" xmlns:r="http://schemas.openxmlformats.org/officeDocument/2006/relationships" xmlns:p="http://schemas.openxmlformats.org/presentationml/2006/main">
   <p:cSld>
     <p:spTree>
@@ -10190,6 +10022,145 @@
 </p:sld>
 </file>
 
+<file path=ppt/slides/slide28.xml><?xml version="1.0" encoding="utf-8"?>
+<p:sld xmlns:a="http://schemas.openxmlformats.org/drawingml/2006/main" xmlns:r="http://schemas.openxmlformats.org/officeDocument/2006/relationships" xmlns:p="http://schemas.openxmlformats.org/presentationml/2006/main">
+  <p:cSld>
+    <p:spTree>
+      <p:nvGrpSpPr>
+        <p:cNvPr id="1" name=""/>
+        <p:cNvGrpSpPr/>
+        <p:nvPr/>
+      </p:nvGrpSpPr>
+      <p:grpSpPr>
+        <a:xfrm>
+          <a:off x="0" y="0"/>
+          <a:ext cx="0" cy="0"/>
+          <a:chOff x="0" y="0"/>
+          <a:chExt cx="0" cy="0"/>
+        </a:xfrm>
+      </p:grpSpPr>
+      <p:sp>
+        <p:nvSpPr>
+          <p:cNvPr id="2" name="Rectangle 1"/>
+          <p:cNvSpPr/>
+          <p:nvPr/>
+        </p:nvSpPr>
+        <p:spPr>
+          <a:xfrm>
+            <a:off x="1143000" y="2132948"/>
+            <a:ext cx="6858000" cy="2308324"/>
+          </a:xfrm>
+          <a:prstGeom prst="rect">
+            <a:avLst/>
+          </a:prstGeom>
+        </p:spPr>
+        <p:txBody>
+          <a:bodyPr wrap="square">
+            <a:spAutoFit/>
+          </a:bodyPr>
+          <a:lstStyle/>
+          <a:p>
+            <a:r>
+              <a:rPr lang="fr-FR" dirty="0"/>
+              <a:t>Commandement CGAO / Demande de production GEO :</a:t>
+            </a:r>
+          </a:p>
+          <a:p>
+            <a:r>
+              <a:rPr lang="fr-FR" dirty="0" smtClean="0">
+                <a:hlinkClick r:id="rId2"/>
+              </a:rPr>
+              <a:t>28gg.stg-chef.fct@intradef.gouv.fr</a:t>
+            </a:r>
+            <a:endParaRPr lang="fr-FR" dirty="0" smtClean="0"/>
+          </a:p>
+          <a:p>
+            <a:r>
+              <a:rPr lang="fr-FR" dirty="0" smtClean="0"/>
+              <a:t>821 </a:t>
+            </a:r>
+            <a:r>
+              <a:rPr lang="fr-FR" dirty="0"/>
+              <a:t>673 87 23 / 03 88 06 87 23</a:t>
+            </a:r>
+          </a:p>
+          <a:p>
+            <a:endParaRPr lang="fr-FR" dirty="0" smtClean="0"/>
+          </a:p>
+          <a:p>
+            <a:endParaRPr lang="fr-FR" dirty="0"/>
+          </a:p>
+          <a:p>
+            <a:r>
+              <a:rPr lang="fr-FR" dirty="0"/>
+              <a:t>Expertise / Appui technique GEO :</a:t>
+            </a:r>
+          </a:p>
+          <a:p>
+            <a:r>
+              <a:rPr lang="fr-FR" dirty="0" smtClean="0">
+                <a:hlinkClick r:id="rId3"/>
+              </a:rPr>
+              <a:t>28gg-stg.trait.fct@intradef.gouv.fr</a:t>
+            </a:r>
+            <a:endParaRPr lang="fr-FR" dirty="0" smtClean="0"/>
+          </a:p>
+          <a:p>
+            <a:r>
+              <a:rPr lang="fr-FR" dirty="0" smtClean="0"/>
+              <a:t>821 </a:t>
+            </a:r>
+            <a:r>
+              <a:rPr lang="fr-FR" dirty="0"/>
+              <a:t>673 87 94 / 03 88 06 87 94</a:t>
+            </a:r>
+          </a:p>
+        </p:txBody>
+      </p:sp>
+      <p:sp>
+        <p:nvSpPr>
+          <p:cNvPr id="3" name="ZoneTexte 2"/>
+          <p:cNvSpPr txBox="1"/>
+          <p:nvPr/>
+        </p:nvSpPr>
+        <p:spPr>
+          <a:xfrm>
+            <a:off x="0" y="402955"/>
+            <a:ext cx="9144000" cy="584775"/>
+          </a:xfrm>
+          <a:prstGeom prst="rect">
+            <a:avLst/>
+          </a:prstGeom>
+          <a:noFill/>
+        </p:spPr>
+        <p:txBody>
+          <a:bodyPr wrap="square" rtlCol="0">
+            <a:spAutoFit/>
+          </a:bodyPr>
+          <a:lstStyle/>
+          <a:p>
+            <a:pPr algn="ctr"/>
+            <a:r>
+              <a:rPr lang="fr-FR" sz="3200" dirty="0" smtClean="0"/>
+              <a:t>Contact CGAO - 28 GG</a:t>
+            </a:r>
+            <a:endParaRPr lang="fr-FR" sz="3200" dirty="0"/>
+          </a:p>
+        </p:txBody>
+      </p:sp>
+    </p:spTree>
+    <p:extLst>
+      <p:ext uri="{BB962C8B-B14F-4D97-AF65-F5344CB8AC3E}">
+        <p14:creationId xmlns:p14="http://schemas.microsoft.com/office/powerpoint/2010/main" val="1385587866"/>
+      </p:ext>
+    </p:extLst>
+  </p:cSld>
+  <p:clrMapOvr>
+    <a:masterClrMapping/>
+  </p:clrMapOvr>
+</p:sld>
+</file>
+
 <file path=ppt/slides/slide3.xml><?xml version="1.0" encoding="utf-8"?>
 <p:sld xmlns:a="http://schemas.openxmlformats.org/drawingml/2006/main" xmlns:r="http://schemas.openxmlformats.org/officeDocument/2006/relationships" xmlns:p="http://schemas.openxmlformats.org/presentationml/2006/main">
   <p:cSld>
@@ -10232,64 +10203,188 @@
             <a:pPr algn="ctr"/>
             <a:r>
               <a:rPr lang="fr-FR" sz="3200" dirty="0" smtClean="0"/>
-              <a:t>IGN</a:t>
+              <a:t>Via Internet</a:t>
             </a:r>
             <a:endParaRPr lang="fr-FR" sz="3200" dirty="0"/>
           </a:p>
         </p:txBody>
       </p:sp>
-      <p:pic>
-        <p:nvPicPr>
-          <p:cNvPr id="3" name="Image 2"/>
-          <p:cNvPicPr>
-            <a:picLocks noChangeAspect="1"/>
-          </p:cNvPicPr>
+      <p:sp>
+        <p:nvSpPr>
+          <p:cNvPr id="3" name="ZoneTexte 2"/>
+          <p:cNvSpPr txBox="1"/>
           <p:nvPr/>
-        </p:nvPicPr>
-        <p:blipFill>
-          <a:blip r:embed="rId2"/>
-          <a:stretch>
-            <a:fillRect/>
-          </a:stretch>
-        </p:blipFill>
+        </p:nvSpPr>
         <p:spPr>
           <a:xfrm>
-            <a:off x="332339" y="1298298"/>
-            <a:ext cx="1800225" cy="2114550"/>
+            <a:off x="319297" y="1214651"/>
+            <a:ext cx="8483509" cy="4832092"/>
           </a:xfrm>
           <a:prstGeom prst="rect">
             <a:avLst/>
           </a:prstGeom>
-        </p:spPr>
-      </p:pic>
-      <p:pic>
-        <p:nvPicPr>
-          <p:cNvPr id="6" name="Image 5"/>
-          <p:cNvPicPr>
-            <a:picLocks noChangeAspect="1"/>
-          </p:cNvPicPr>
-          <p:nvPr/>
-        </p:nvPicPr>
-        <p:blipFill>
-          <a:blip r:embed="rId3"/>
-          <a:stretch>
-            <a:fillRect/>
-          </a:stretch>
-        </p:blipFill>
-        <p:spPr>
-          <a:xfrm>
-            <a:off x="3192946" y="1929226"/>
-            <a:ext cx="5681200" cy="4670356"/>
-          </a:xfrm>
-          <a:prstGeom prst="rect">
-            <a:avLst/>
-          </a:prstGeom>
-        </p:spPr>
-      </p:pic>
+          <a:noFill/>
+        </p:spPr>
+        <p:txBody>
+          <a:bodyPr wrap="square" rtlCol="0">
+            <a:spAutoFit/>
+          </a:bodyPr>
+          <a:lstStyle/>
+          <a:p>
+            <a:r>
+              <a:rPr lang="fr-FR" sz="2000" b="1" u="sng" dirty="0" smtClean="0"/>
+              <a:t>Données </a:t>
+            </a:r>
+            <a:r>
+              <a:rPr lang="fr-FR" sz="2000" b="1" u="sng" dirty="0" err="1" smtClean="0"/>
+              <a:t>carto</a:t>
+            </a:r>
+            <a:r>
+              <a:rPr lang="fr-FR" sz="2000" b="1" u="sng" dirty="0" smtClean="0"/>
+              <a:t> France</a:t>
+            </a:r>
+          </a:p>
+          <a:p>
+            <a:endParaRPr lang="fr-FR" dirty="0"/>
+          </a:p>
+          <a:p>
+            <a:r>
+              <a:rPr lang="fr-FR" dirty="0" smtClean="0"/>
+              <a:t>IGN – Institut National de l’information </a:t>
+            </a:r>
+            <a:r>
+              <a:rPr lang="fr-FR" dirty="0" err="1" smtClean="0"/>
+              <a:t>Geographique</a:t>
+            </a:r>
+            <a:endParaRPr lang="fr-FR" dirty="0" smtClean="0"/>
+          </a:p>
+          <a:p>
+            <a:r>
+              <a:rPr lang="fr-FR" dirty="0" smtClean="0"/>
+              <a:t>Site : </a:t>
+            </a:r>
+            <a:r>
+              <a:rPr lang="fr-FR" dirty="0" smtClean="0">
+                <a:hlinkClick r:id="rId2"/>
+              </a:rPr>
+              <a:t>https</a:t>
+            </a:r>
+            <a:r>
+              <a:rPr lang="fr-FR" dirty="0">
+                <a:hlinkClick r:id="rId2"/>
+              </a:rPr>
+              <a:t>://</a:t>
+            </a:r>
+            <a:r>
+              <a:rPr lang="fr-FR" dirty="0" smtClean="0">
+                <a:hlinkClick r:id="rId2"/>
+              </a:rPr>
+              <a:t>geoservices.ign.fr/documentation/diffusion/telechargement-donnees-libres.html</a:t>
+            </a:r>
+            <a:endParaRPr lang="fr-FR" dirty="0" smtClean="0"/>
+          </a:p>
+          <a:p>
+            <a:r>
+              <a:rPr lang="fr-FR" dirty="0" smtClean="0"/>
+              <a:t>Miroir : </a:t>
+            </a:r>
+            <a:r>
+              <a:rPr lang="fr-FR" dirty="0" smtClean="0">
+                <a:hlinkClick r:id="rId3"/>
+              </a:rPr>
+              <a:t>http</a:t>
+            </a:r>
+            <a:r>
+              <a:rPr lang="fr-FR" dirty="0">
+                <a:hlinkClick r:id="rId3"/>
+              </a:rPr>
+              <a:t>://files.opendatarchives.fr/professionnels.ign.fr</a:t>
+            </a:r>
+            <a:r>
+              <a:rPr lang="fr-FR" dirty="0" smtClean="0">
+                <a:hlinkClick r:id="rId3"/>
+              </a:rPr>
+              <a:t>/</a:t>
+            </a:r>
+            <a:endParaRPr lang="fr-FR" dirty="0" smtClean="0"/>
+          </a:p>
+          <a:p>
+            <a:endParaRPr lang="fr-FR" dirty="0" smtClean="0"/>
+          </a:p>
+          <a:p>
+            <a:endParaRPr lang="fr-FR" dirty="0" smtClean="0"/>
+          </a:p>
+          <a:p>
+            <a:r>
+              <a:rPr lang="fr-FR" dirty="0">
+                <a:hlinkClick r:id="rId4"/>
+              </a:rPr>
+              <a:t>https://</a:t>
+            </a:r>
+            <a:r>
+              <a:rPr lang="fr-FR" dirty="0" smtClean="0">
+                <a:hlinkClick r:id="rId4"/>
+              </a:rPr>
+              <a:t>geo.data.gouv.fr</a:t>
+            </a:r>
+            <a:endParaRPr lang="fr-FR" dirty="0" smtClean="0"/>
+          </a:p>
+          <a:p>
+            <a:r>
+              <a:rPr lang="fr-FR" dirty="0" smtClean="0"/>
+              <a:t>Moteur de recherche qui recense la </a:t>
+            </a:r>
+            <a:r>
+              <a:rPr lang="fr-FR" dirty="0" err="1" smtClean="0"/>
+              <a:t>carto</a:t>
+            </a:r>
+            <a:r>
+              <a:rPr lang="fr-FR" dirty="0" smtClean="0"/>
+              <a:t> « open data » des départements/régions</a:t>
+            </a:r>
+          </a:p>
+          <a:p>
+            <a:r>
+              <a:rPr lang="fr-FR" dirty="0" smtClean="0"/>
+              <a:t>L’accessibilité des données dépend de chaque région</a:t>
+            </a:r>
+          </a:p>
+          <a:p>
+            <a:endParaRPr lang="fr-FR" dirty="0" smtClean="0"/>
+          </a:p>
+          <a:p>
+            <a:endParaRPr lang="fr-FR" dirty="0" smtClean="0"/>
+          </a:p>
+          <a:p>
+            <a:r>
+              <a:rPr lang="fr-FR" dirty="0" smtClean="0"/>
+              <a:t>Emetteurs (tous types) de plus de 5W</a:t>
+            </a:r>
+          </a:p>
+          <a:p>
+            <a:r>
+              <a:rPr lang="fr-FR" dirty="0">
+                <a:hlinkClick r:id="rId5"/>
+              </a:rPr>
+              <a:t>https://www.data.gouv.fr/fr/datasets/donnees-sur-les-installations-radioelectriques-de-plus-de-5-watts-1</a:t>
+            </a:r>
+            <a:r>
+              <a:rPr lang="fr-FR" dirty="0" smtClean="0">
+                <a:hlinkClick r:id="rId5"/>
+              </a:rPr>
+              <a:t>/</a:t>
+            </a:r>
+            <a:endParaRPr lang="fr-FR" dirty="0" smtClean="0"/>
+          </a:p>
+          <a:p>
+            <a:endParaRPr lang="fr-FR" dirty="0" smtClean="0"/>
+          </a:p>
+        </p:txBody>
+      </p:sp>
     </p:spTree>
     <p:extLst>
       <p:ext uri="{BB962C8B-B14F-4D97-AF65-F5344CB8AC3E}">
-        <p14:creationId xmlns:p14="http://schemas.microsoft.com/office/powerpoint/2010/main" val="285450020"/>
+        <p14:creationId xmlns:p14="http://schemas.microsoft.com/office/powerpoint/2010/main" val="3891604573"/>
       </p:ext>
     </p:extLst>
   </p:cSld>
@@ -10348,22 +10443,70 @@
             <a:pPr algn="ctr"/>
             <a:r>
               <a:rPr lang="fr-FR" sz="3200" dirty="0" smtClean="0"/>
-              <a:t>Via Internet</a:t>
+              <a:t>IGN</a:t>
             </a:r>
             <a:endParaRPr lang="fr-FR" sz="3200" dirty="0"/>
           </a:p>
         </p:txBody>
       </p:sp>
+      <p:pic>
+        <p:nvPicPr>
+          <p:cNvPr id="3" name="Image 2"/>
+          <p:cNvPicPr>
+            <a:picLocks noChangeAspect="1"/>
+          </p:cNvPicPr>
+          <p:nvPr/>
+        </p:nvPicPr>
+        <p:blipFill>
+          <a:blip r:embed="rId2"/>
+          <a:stretch>
+            <a:fillRect/>
+          </a:stretch>
+        </p:blipFill>
+        <p:spPr>
+          <a:xfrm>
+            <a:off x="332339" y="1298298"/>
+            <a:ext cx="1800225" cy="2114550"/>
+          </a:xfrm>
+          <a:prstGeom prst="rect">
+            <a:avLst/>
+          </a:prstGeom>
+        </p:spPr>
+      </p:pic>
+      <p:pic>
+        <p:nvPicPr>
+          <p:cNvPr id="6" name="Image 5"/>
+          <p:cNvPicPr>
+            <a:picLocks noChangeAspect="1"/>
+          </p:cNvPicPr>
+          <p:nvPr/>
+        </p:nvPicPr>
+        <p:blipFill>
+          <a:blip r:embed="rId3"/>
+          <a:stretch>
+            <a:fillRect/>
+          </a:stretch>
+        </p:blipFill>
+        <p:spPr>
+          <a:xfrm>
+            <a:off x="3312215" y="1298298"/>
+            <a:ext cx="5681200" cy="4670356"/>
+          </a:xfrm>
+          <a:prstGeom prst="rect">
+            <a:avLst/>
+          </a:prstGeom>
+        </p:spPr>
+      </p:pic>
       <p:sp>
         <p:nvSpPr>
-          <p:cNvPr id="3" name="ZoneTexte 2"/>
+          <p:cNvPr id="4" name="ZoneTexte 3"/>
           <p:cNvSpPr txBox="1"/>
           <p:nvPr/>
         </p:nvSpPr>
         <p:spPr>
           <a:xfrm>
-            <a:off x="319296" y="1214651"/>
-            <a:ext cx="8347031" cy="5386090"/>
+            <a:off x="332339" y="3633476"/>
+            <a:ext cx="4120391" cy="3139321"/>
           </a:xfrm>
           <a:prstGeom prst="rect">
             <a:avLst/>
@@ -10376,265 +10519,109 @@
           </a:bodyPr>
           <a:lstStyle/>
           <a:p>
-            <a:r>
-              <a:rPr lang="fr-FR" sz="2000" b="1" u="sng" dirty="0" smtClean="0"/>
-              <a:t>Données </a:t>
-            </a:r>
-            <a:r>
-              <a:rPr lang="fr-FR" sz="2000" b="1" u="sng" dirty="0" err="1" smtClean="0"/>
-              <a:t>carto</a:t>
-            </a:r>
-            <a:r>
-              <a:rPr lang="fr-FR" sz="2000" b="1" u="sng" dirty="0" smtClean="0"/>
-              <a:t> Monde</a:t>
-            </a:r>
-          </a:p>
-          <a:p>
-            <a:endParaRPr lang="fr-FR" dirty="0"/>
-          </a:p>
-          <a:p>
-            <a:r>
-              <a:rPr lang="fr-FR" b="1" dirty="0" smtClean="0"/>
-              <a:t>Cartes / Photos SAT :</a:t>
-            </a:r>
+            <a:pPr marL="285750" indent="-285750">
+              <a:buFontTx/>
+              <a:buChar char="-"/>
+            </a:pPr>
+            <a:r>
+              <a:rPr lang="fr-FR" dirty="0" smtClean="0"/>
+              <a:t>Images SAT </a:t>
+            </a:r>
+          </a:p>
+          <a:p>
+            <a:pPr marL="742950" lvl="1" indent="-285750">
+              <a:buFontTx/>
+              <a:buChar char="-"/>
+            </a:pPr>
+            <a:r>
+              <a:rPr lang="fr-FR" dirty="0" smtClean="0"/>
+              <a:t>0m20</a:t>
+            </a:r>
+          </a:p>
+          <a:p>
+            <a:pPr marL="742950" lvl="1" indent="-285750">
+              <a:buFontTx/>
+              <a:buChar char="-"/>
+            </a:pPr>
             <a:endParaRPr lang="fr-FR" dirty="0" smtClean="0"/>
           </a:p>
           <a:p>
+            <a:pPr marL="285750" indent="-285750">
+              <a:buFontTx/>
+              <a:buChar char="-"/>
+            </a:pPr>
             <a:r>
               <a:rPr lang="fr-FR" dirty="0" smtClean="0"/>
-              <a:t>SASGIS / SAS </a:t>
-            </a:r>
-            <a:r>
-              <a:rPr lang="fr-FR" dirty="0" err="1" smtClean="0"/>
-              <a:t>Planet</a:t>
-            </a:r>
+              <a:t>Cartes scannées </a:t>
+            </a:r>
+          </a:p>
+          <a:p>
+            <a:pPr marL="742950" lvl="1" indent="-285750">
+              <a:buFontTx/>
+              <a:buChar char="-"/>
+            </a:pPr>
             <a:r>
               <a:rPr lang="fr-FR" dirty="0" smtClean="0"/>
-              <a:t> : </a:t>
-            </a:r>
-            <a:r>
-              <a:rPr lang="fr-FR" dirty="0" smtClean="0">
-                <a:hlinkClick r:id="rId3"/>
-              </a:rPr>
-              <a:t>http</a:t>
-            </a:r>
-            <a:r>
-              <a:rPr lang="fr-FR" dirty="0">
-                <a:hlinkClick r:id="rId3"/>
-              </a:rPr>
-              <a:t>://www.sasgis.org/download</a:t>
-            </a:r>
-            <a:r>
-              <a:rPr lang="fr-FR" dirty="0" smtClean="0">
-                <a:hlinkClick r:id="rId3"/>
-              </a:rPr>
-              <a:t>/</a:t>
-            </a:r>
+              <a:t>Échelles 8 à 19</a:t>
+            </a:r>
+          </a:p>
+          <a:p>
+            <a:pPr marL="742950" lvl="1" indent="-285750">
+              <a:buFontTx/>
+              <a:buChar char="-"/>
+            </a:pPr>
             <a:endParaRPr lang="fr-FR" dirty="0" smtClean="0"/>
           </a:p>
           <a:p>
+            <a:pPr marL="285750" indent="-285750">
+              <a:buFontTx/>
+              <a:buChar char="-"/>
+            </a:pPr>
             <a:r>
               <a:rPr lang="fr-FR" dirty="0" smtClean="0"/>
-              <a:t>Logiciel de visualisation de la </a:t>
-            </a:r>
-            <a:r>
-              <a:rPr lang="fr-FR" dirty="0" err="1" smtClean="0"/>
-              <a:t>carto</a:t>
-            </a:r>
+              <a:t>Relief</a:t>
+            </a:r>
+          </a:p>
+          <a:p>
+            <a:pPr marL="742950" lvl="1" indent="-285750">
+              <a:buFontTx/>
+              <a:buChar char="-"/>
+            </a:pPr>
             <a:r>
               <a:rPr lang="fr-FR" dirty="0" smtClean="0"/>
-              <a:t> Google/Bing/OSM/</a:t>
-            </a:r>
-            <a:r>
-              <a:rPr lang="fr-FR" dirty="0" err="1" smtClean="0"/>
-              <a:t>etc</a:t>
-            </a:r>
+              <a:t>1m, 5m, 25m</a:t>
+            </a:r>
+          </a:p>
+          <a:p>
+            <a:pPr marL="742950" lvl="1" indent="-285750">
+              <a:buFontTx/>
+              <a:buChar char="-"/>
+            </a:pPr>
             <a:endParaRPr lang="fr-FR" dirty="0" smtClean="0"/>
           </a:p>
           <a:p>
+            <a:pPr marL="285750" indent="-285750">
+              <a:buFontTx/>
+              <a:buChar char="-"/>
+            </a:pPr>
             <a:r>
               <a:rPr lang="fr-FR" dirty="0" smtClean="0"/>
-              <a:t>Il est possible d’exporter la </a:t>
-            </a:r>
-            <a:r>
-              <a:rPr lang="fr-FR" dirty="0" err="1" smtClean="0"/>
-              <a:t>carto</a:t>
+              <a:t>Vecteurs</a:t>
+            </a:r>
+          </a:p>
+          <a:p>
+            <a:pPr marL="742950" lvl="1" indent="-285750">
+              <a:buFontTx/>
+              <a:buChar char="-"/>
+            </a:pPr>
+            <a:r>
+              <a:rPr lang="fr-FR" dirty="0"/>
+              <a:t>L</a:t>
             </a:r>
             <a:r>
               <a:rPr lang="fr-FR" dirty="0" smtClean="0"/>
-              <a:t> affichée</a:t>
-            </a:r>
-            <a:endParaRPr lang="fr-FR" dirty="0"/>
-          </a:p>
-          <a:p>
-            <a:endParaRPr lang="fr-FR" dirty="0" smtClean="0"/>
-          </a:p>
-          <a:p>
-            <a:endParaRPr lang="fr-FR" dirty="0"/>
-          </a:p>
-          <a:p>
-            <a:r>
-              <a:rPr lang="fr-FR" b="1" dirty="0" smtClean="0"/>
-              <a:t>Vecteur</a:t>
-            </a:r>
-          </a:p>
-          <a:p>
-            <a:r>
-              <a:rPr lang="fr-FR" dirty="0" err="1" smtClean="0"/>
-              <a:t>Geonames</a:t>
-            </a:r>
-            <a:r>
-              <a:rPr lang="fr-FR" dirty="0" smtClean="0"/>
-              <a:t> par pays : </a:t>
-            </a:r>
-            <a:r>
-              <a:rPr lang="fr-FR" dirty="0" smtClean="0">
-                <a:hlinkClick r:id="rId4"/>
-              </a:rPr>
-              <a:t>https</a:t>
-            </a:r>
-            <a:r>
-              <a:rPr lang="fr-FR" dirty="0">
-                <a:hlinkClick r:id="rId4"/>
-              </a:rPr>
-              <a:t>://</a:t>
-            </a:r>
-            <a:r>
-              <a:rPr lang="fr-FR" dirty="0" smtClean="0">
-                <a:hlinkClick r:id="rId4"/>
-              </a:rPr>
-              <a:t>geonames.nga.mil/gns/html/namefiles.html</a:t>
-            </a:r>
-            <a:endParaRPr lang="fr-FR" dirty="0" smtClean="0"/>
-          </a:p>
-          <a:p>
-            <a:r>
-              <a:rPr lang="fr-FR" dirty="0" smtClean="0"/>
-              <a:t>OSM (sélection de zone) </a:t>
-            </a:r>
-            <a:r>
-              <a:rPr lang="fr-FR" dirty="0"/>
-              <a:t>: </a:t>
-            </a:r>
-            <a:r>
-              <a:rPr lang="fr-FR" dirty="0">
-                <a:hlinkClick r:id="rId5"/>
-              </a:rPr>
-              <a:t>https://</a:t>
-            </a:r>
-            <a:r>
-              <a:rPr lang="fr-FR" dirty="0" smtClean="0">
-                <a:hlinkClick r:id="rId5"/>
-              </a:rPr>
-              <a:t>www.openstreetmap.org/export</a:t>
-            </a:r>
-            <a:endParaRPr lang="fr-FR" dirty="0" smtClean="0"/>
-          </a:p>
-          <a:p>
-            <a:r>
-              <a:rPr lang="fr-FR" dirty="0" smtClean="0"/>
-              <a:t>OSM (par pays/région/département) : </a:t>
-            </a:r>
-            <a:r>
-              <a:rPr lang="fr-FR" dirty="0" smtClean="0">
-                <a:hlinkClick r:id="rId6"/>
-              </a:rPr>
-              <a:t>http</a:t>
-            </a:r>
-            <a:r>
-              <a:rPr lang="fr-FR" dirty="0">
-                <a:hlinkClick r:id="rId6"/>
-              </a:rPr>
-              <a:t>://download.geofabrik.de</a:t>
-            </a:r>
-            <a:r>
-              <a:rPr lang="fr-FR" dirty="0" smtClean="0">
-                <a:hlinkClick r:id="rId6"/>
-              </a:rPr>
-              <a:t>/</a:t>
-            </a:r>
-            <a:endParaRPr lang="fr-FR" dirty="0" smtClean="0"/>
-          </a:p>
-          <a:p>
-            <a:endParaRPr lang="fr-FR" dirty="0" smtClean="0"/>
-          </a:p>
-          <a:p>
-            <a:r>
-              <a:rPr lang="fr-FR" dirty="0" err="1" smtClean="0"/>
-              <a:t>CellID</a:t>
-            </a:r>
-            <a:r>
-              <a:rPr lang="fr-FR" dirty="0" smtClean="0"/>
-              <a:t> sur le monde : </a:t>
-            </a:r>
-            <a:r>
-              <a:rPr lang="fr-FR" dirty="0" smtClean="0">
-                <a:hlinkClick r:id="rId7"/>
-              </a:rPr>
-              <a:t>https</a:t>
-            </a:r>
-            <a:r>
-              <a:rPr lang="fr-FR" dirty="0">
-                <a:hlinkClick r:id="rId7"/>
-              </a:rPr>
-              <a:t>://</a:t>
-            </a:r>
-            <a:r>
-              <a:rPr lang="fr-FR" dirty="0" smtClean="0">
-                <a:hlinkClick r:id="rId7"/>
-              </a:rPr>
-              <a:t>www.opencellid.org/downloads.php</a:t>
-            </a:r>
-            <a:endParaRPr lang="fr-FR" dirty="0" smtClean="0"/>
-          </a:p>
-          <a:p>
-            <a:endParaRPr lang="fr-FR" dirty="0" smtClean="0"/>
-          </a:p>
-          <a:p>
-            <a:r>
-              <a:rPr lang="fr-FR" b="1" dirty="0" smtClean="0"/>
-              <a:t>Relief</a:t>
-            </a:r>
-            <a:endParaRPr lang="fr-FR" dirty="0" smtClean="0"/>
-          </a:p>
-          <a:p>
-            <a:r>
-              <a:rPr lang="fr-FR" dirty="0" smtClean="0"/>
-              <a:t>Application APPEARS (données NASA) </a:t>
-            </a:r>
-            <a:r>
-              <a:rPr lang="fr-FR" dirty="0">
-                <a:hlinkClick r:id="rId8"/>
-              </a:rPr>
-              <a:t>https://</a:t>
-            </a:r>
-            <a:r>
-              <a:rPr lang="fr-FR" dirty="0" smtClean="0">
-                <a:hlinkClick r:id="rId8"/>
-              </a:rPr>
-              <a:t>lpdaacsvc.cr.usgs.gov/appeears</a:t>
-            </a:r>
-            <a:r>
-              <a:rPr lang="fr-FR" dirty="0" smtClean="0"/>
-              <a:t> </a:t>
-            </a:r>
-          </a:p>
-          <a:p>
-            <a:r>
-              <a:rPr lang="fr-FR" dirty="0">
-                <a:hlinkClick r:id="rId9"/>
-              </a:rPr>
-              <a:t>https://</a:t>
-            </a:r>
-            <a:r>
-              <a:rPr lang="fr-FR" dirty="0" smtClean="0">
-                <a:hlinkClick r:id="rId9"/>
-              </a:rPr>
-              <a:t>www.opendem.info/link_dem.html</a:t>
-            </a:r>
-            <a:endParaRPr lang="fr-FR" dirty="0" smtClean="0"/>
-          </a:p>
-          <a:p>
+              <a:t>ocalités, routes, cadastre, forêts</a:t>
+            </a:r>
             <a:endParaRPr lang="fr-FR" dirty="0"/>
           </a:p>
         </p:txBody>
@@ -10642,7 +10629,7 @@
     </p:spTree>
     <p:extLst>
       <p:ext uri="{BB962C8B-B14F-4D97-AF65-F5344CB8AC3E}">
-        <p14:creationId xmlns:p14="http://schemas.microsoft.com/office/powerpoint/2010/main" val="2981961361"/>
+        <p14:creationId xmlns:p14="http://schemas.microsoft.com/office/powerpoint/2010/main" val="285450020"/>
       </p:ext>
     </p:extLst>
   </p:cSld>
@@ -10678,7 +10665,7 @@
       </p:grpSpPr>
       <p:sp>
         <p:nvSpPr>
-          <p:cNvPr id="3" name="ZoneTexte 2"/>
+          <p:cNvPr id="2" name="ZoneTexte 1"/>
           <p:cNvSpPr txBox="1"/>
           <p:nvPr/>
         </p:nvSpPr>
@@ -10701,7 +10688,7 @@
             <a:pPr algn="ctr"/>
             <a:r>
               <a:rPr lang="fr-FR" sz="3200" dirty="0" smtClean="0"/>
-              <a:t>Exporter depuis SASGIS</a:t>
+              <a:t>Via Internet</a:t>
             </a:r>
             <a:endParaRPr lang="fr-FR" sz="3200" dirty="0"/>
           </a:p>
@@ -10709,14 +10696,14 @@
       </p:sp>
       <p:sp>
         <p:nvSpPr>
-          <p:cNvPr id="4" name="ZoneTexte 3"/>
+          <p:cNvPr id="3" name="ZoneTexte 2"/>
           <p:cNvSpPr txBox="1"/>
           <p:nvPr/>
         </p:nvSpPr>
         <p:spPr>
           <a:xfrm>
-            <a:off x="704916" y="1425326"/>
-            <a:ext cx="7959400" cy="646331"/>
+            <a:off x="319296" y="1214651"/>
+            <a:ext cx="8347031" cy="5386090"/>
           </a:xfrm>
           <a:prstGeom prst="rect">
             <a:avLst/>
@@ -10730,8 +10717,65 @@
           <a:lstStyle/>
           <a:p>
             <a:r>
+              <a:rPr lang="fr-FR" sz="2000" b="1" u="sng" dirty="0" smtClean="0"/>
+              <a:t>Données </a:t>
+            </a:r>
+            <a:r>
+              <a:rPr lang="fr-FR" sz="2000" b="1" u="sng" dirty="0" err="1" smtClean="0"/>
+              <a:t>carto</a:t>
+            </a:r>
+            <a:r>
+              <a:rPr lang="fr-FR" sz="2000" b="1" u="sng" dirty="0" smtClean="0"/>
+              <a:t> Monde</a:t>
+            </a:r>
+          </a:p>
+          <a:p>
+            <a:endParaRPr lang="fr-FR" dirty="0"/>
+          </a:p>
+          <a:p>
+            <a:r>
+              <a:rPr lang="fr-FR" b="1" dirty="0" smtClean="0"/>
+              <a:t>Cartes / Photos SAT :</a:t>
+            </a:r>
+            <a:endParaRPr lang="fr-FR" dirty="0" smtClean="0"/>
+          </a:p>
+          <a:p>
+            <a:r>
               <a:rPr lang="fr-FR" dirty="0" smtClean="0"/>
-              <a:t>SASGIS est un logiciel extrêmement pratique : il permet d’afficher de nombreuses sources de </a:t>
+              <a:t>SASGIS / SAS </a:t>
+            </a:r>
+            <a:r>
+              <a:rPr lang="fr-FR" dirty="0" err="1" smtClean="0"/>
+              <a:t>Planet</a:t>
+            </a:r>
+            <a:r>
+              <a:rPr lang="fr-FR" dirty="0" smtClean="0"/>
+              <a:t> : </a:t>
+            </a:r>
+            <a:r>
+              <a:rPr lang="fr-FR" dirty="0" smtClean="0">
+                <a:hlinkClick r:id="rId3"/>
+              </a:rPr>
+              <a:t>http</a:t>
+            </a:r>
+            <a:r>
+              <a:rPr lang="fr-FR" dirty="0">
+                <a:hlinkClick r:id="rId3"/>
+              </a:rPr>
+              <a:t>://www.sasgis.org/download</a:t>
+            </a:r>
+            <a:r>
+              <a:rPr lang="fr-FR" dirty="0" smtClean="0">
+                <a:hlinkClick r:id="rId3"/>
+              </a:rPr>
+              <a:t>/</a:t>
+            </a:r>
+            <a:endParaRPr lang="fr-FR" dirty="0" smtClean="0"/>
+          </a:p>
+          <a:p>
+            <a:r>
+              <a:rPr lang="fr-FR" dirty="0" smtClean="0"/>
+              <a:t>Logiciel de visualisation de la </a:t>
             </a:r>
             <a:r>
               <a:rPr lang="fr-FR" dirty="0" err="1" smtClean="0"/>
@@ -10739,46 +10783,233 @@
             </a:r>
             <a:r>
               <a:rPr lang="fr-FR" dirty="0" smtClean="0"/>
-              <a:t> et de les exporter facilement</a:t>
-            </a:r>
+              <a:t> Google/Bing/OSM/</a:t>
+            </a:r>
+            <a:r>
+              <a:rPr lang="fr-FR" dirty="0" err="1" smtClean="0"/>
+              <a:t>etc</a:t>
+            </a:r>
+            <a:endParaRPr lang="fr-FR" dirty="0" smtClean="0"/>
+          </a:p>
+          <a:p>
+            <a:r>
+              <a:rPr lang="fr-FR" dirty="0" smtClean="0"/>
+              <a:t>Export de la </a:t>
+            </a:r>
+            <a:r>
+              <a:rPr lang="fr-FR" dirty="0" err="1" smtClean="0"/>
+              <a:t>carto</a:t>
+            </a:r>
+            <a:r>
+              <a:rPr lang="fr-FR" dirty="0" smtClean="0"/>
+              <a:t> affichée</a:t>
+            </a:r>
+            <a:endParaRPr lang="fr-FR" dirty="0"/>
+          </a:p>
+          <a:p>
+            <a:endParaRPr lang="fr-FR" dirty="0" smtClean="0"/>
+          </a:p>
+          <a:p>
+            <a:endParaRPr lang="fr-FR" dirty="0"/>
+          </a:p>
+          <a:p>
+            <a:r>
+              <a:rPr lang="fr-FR" b="1" dirty="0" smtClean="0"/>
+              <a:t>Vecteur</a:t>
+            </a:r>
+          </a:p>
+          <a:p>
+            <a:r>
+              <a:rPr lang="fr-FR" dirty="0" err="1" smtClean="0"/>
+              <a:t>Geonames</a:t>
+            </a:r>
+            <a:r>
+              <a:rPr lang="fr-FR" dirty="0" smtClean="0"/>
+              <a:t> par pays : </a:t>
+            </a:r>
+            <a:r>
+              <a:rPr lang="fr-FR" dirty="0" smtClean="0">
+                <a:hlinkClick r:id="rId4"/>
+              </a:rPr>
+              <a:t>https</a:t>
+            </a:r>
+            <a:r>
+              <a:rPr lang="fr-FR" dirty="0">
+                <a:hlinkClick r:id="rId4"/>
+              </a:rPr>
+              <a:t>://</a:t>
+            </a:r>
+            <a:r>
+              <a:rPr lang="fr-FR" dirty="0" smtClean="0">
+                <a:hlinkClick r:id="rId4"/>
+              </a:rPr>
+              <a:t>geonames.nga.mil/gns/html/namefiles.html</a:t>
+            </a:r>
+            <a:endParaRPr lang="fr-FR" dirty="0" smtClean="0"/>
+          </a:p>
+          <a:p>
+            <a:r>
+              <a:rPr lang="fr-FR" dirty="0" smtClean="0"/>
+              <a:t>OSM (sélection de zone) </a:t>
+            </a:r>
+            <a:r>
+              <a:rPr lang="fr-FR" dirty="0"/>
+              <a:t>: </a:t>
+            </a:r>
+            <a:r>
+              <a:rPr lang="fr-FR" dirty="0">
+                <a:hlinkClick r:id="rId5"/>
+              </a:rPr>
+              <a:t>https://</a:t>
+            </a:r>
+            <a:r>
+              <a:rPr lang="fr-FR" dirty="0" smtClean="0">
+                <a:hlinkClick r:id="rId5"/>
+              </a:rPr>
+              <a:t>www.openstreetmap.org/export</a:t>
+            </a:r>
+            <a:endParaRPr lang="fr-FR" dirty="0" smtClean="0"/>
+          </a:p>
+          <a:p>
+            <a:r>
+              <a:rPr lang="fr-FR" dirty="0" smtClean="0"/>
+              <a:t>OSM (par pays/région/département) : </a:t>
+            </a:r>
+            <a:r>
+              <a:rPr lang="fr-FR" dirty="0" smtClean="0">
+                <a:hlinkClick r:id="rId6"/>
+              </a:rPr>
+              <a:t>http</a:t>
+            </a:r>
+            <a:r>
+              <a:rPr lang="fr-FR" dirty="0">
+                <a:hlinkClick r:id="rId6"/>
+              </a:rPr>
+              <a:t>://download.geofabrik.de</a:t>
+            </a:r>
+            <a:r>
+              <a:rPr lang="fr-FR" dirty="0" smtClean="0">
+                <a:hlinkClick r:id="rId6"/>
+              </a:rPr>
+              <a:t>/</a:t>
+            </a:r>
+            <a:endParaRPr lang="fr-FR" dirty="0" smtClean="0"/>
+          </a:p>
+          <a:p>
+            <a:r>
+              <a:rPr lang="fr-FR" dirty="0" err="1" smtClean="0"/>
+              <a:t>CellID</a:t>
+            </a:r>
+            <a:r>
+              <a:rPr lang="fr-FR" dirty="0" smtClean="0"/>
+              <a:t> sur le monde : </a:t>
+            </a:r>
+            <a:r>
+              <a:rPr lang="fr-FR" dirty="0" smtClean="0">
+                <a:hlinkClick r:id="rId7"/>
+              </a:rPr>
+              <a:t>https</a:t>
+            </a:r>
+            <a:r>
+              <a:rPr lang="fr-FR" dirty="0">
+                <a:hlinkClick r:id="rId7"/>
+              </a:rPr>
+              <a:t>://</a:t>
+            </a:r>
+            <a:r>
+              <a:rPr lang="fr-FR" dirty="0" smtClean="0">
+                <a:hlinkClick r:id="rId7"/>
+              </a:rPr>
+              <a:t>www.opencellid.org/downloads.php</a:t>
+            </a:r>
+            <a:endParaRPr lang="fr-FR" dirty="0" smtClean="0"/>
+          </a:p>
+          <a:p>
+            <a:endParaRPr lang="fr-FR" dirty="0" smtClean="0"/>
+          </a:p>
+          <a:p>
+            <a:endParaRPr lang="fr-FR" dirty="0" smtClean="0"/>
+          </a:p>
+          <a:p>
+            <a:r>
+              <a:rPr lang="fr-FR" b="1" dirty="0" smtClean="0"/>
+              <a:t>Relief</a:t>
+            </a:r>
+            <a:endParaRPr lang="fr-FR" dirty="0" smtClean="0"/>
+          </a:p>
+          <a:p>
+            <a:r>
+              <a:rPr lang="fr-FR" dirty="0" smtClean="0"/>
+              <a:t>Application APPEARS (données NASA) </a:t>
+            </a:r>
+            <a:r>
+              <a:rPr lang="fr-FR" dirty="0">
+                <a:hlinkClick r:id="rId8"/>
+              </a:rPr>
+              <a:t>https://</a:t>
+            </a:r>
+            <a:r>
+              <a:rPr lang="fr-FR" dirty="0" smtClean="0">
+                <a:hlinkClick r:id="rId8"/>
+              </a:rPr>
+              <a:t>lpdaacsvc.cr.usgs.gov/appeears</a:t>
+            </a:r>
+            <a:r>
+              <a:rPr lang="fr-FR" dirty="0" smtClean="0"/>
+              <a:t> </a:t>
+            </a:r>
+          </a:p>
+          <a:p>
+            <a:r>
+              <a:rPr lang="fr-FR" dirty="0" err="1" smtClean="0"/>
+              <a:t>OpenDEM</a:t>
+            </a:r>
+            <a:r>
+              <a:rPr lang="fr-FR" dirty="0" smtClean="0"/>
+              <a:t> : </a:t>
+            </a:r>
+            <a:r>
+              <a:rPr lang="fr-FR" dirty="0" smtClean="0">
+                <a:hlinkClick r:id="rId9"/>
+              </a:rPr>
+              <a:t>https</a:t>
+            </a:r>
+            <a:r>
+              <a:rPr lang="fr-FR" dirty="0">
+                <a:hlinkClick r:id="rId9"/>
+              </a:rPr>
+              <a:t>://</a:t>
+            </a:r>
+            <a:r>
+              <a:rPr lang="fr-FR" dirty="0" smtClean="0">
+                <a:hlinkClick r:id="rId9"/>
+              </a:rPr>
+              <a:t>www.opendem.info/link_dem.html</a:t>
+            </a:r>
+            <a:endParaRPr lang="fr-FR" dirty="0" smtClean="0"/>
+          </a:p>
+          <a:p>
             <a:endParaRPr lang="fr-FR" dirty="0"/>
           </a:p>
         </p:txBody>
       </p:sp>
-      <p:pic>
-        <p:nvPicPr>
-          <p:cNvPr id="5" name="Image 4"/>
-          <p:cNvPicPr>
-            <a:picLocks noChangeAspect="1"/>
-          </p:cNvPicPr>
-          <p:nvPr/>
-        </p:nvPicPr>
-        <p:blipFill>
-          <a:blip r:embed="rId2"/>
-          <a:stretch>
-            <a:fillRect/>
-          </a:stretch>
-        </p:blipFill>
-        <p:spPr>
-          <a:xfrm>
-            <a:off x="1676400" y="4120184"/>
-            <a:ext cx="5791200" cy="2076450"/>
-          </a:xfrm>
-          <a:prstGeom prst="rect">
-            <a:avLst/>
-          </a:prstGeom>
-        </p:spPr>
-      </p:pic>
     </p:spTree>
     <p:extLst>
       <p:ext uri="{BB962C8B-B14F-4D97-AF65-F5344CB8AC3E}">
-        <p14:creationId xmlns:p14="http://schemas.microsoft.com/office/powerpoint/2010/main" val="2812854288"/>
+        <p14:creationId xmlns:p14="http://schemas.microsoft.com/office/powerpoint/2010/main" val="2981961361"/>
       </p:ext>
     </p:extLst>
   </p:cSld>
   <p:clrMapOvr>
     <a:masterClrMapping/>
   </p:clrMapOvr>
+  <p:timing>
+    <p:tnLst>
+      <p:par>
+        <p:cTn id="1" dur="indefinite" restart="never" nodeType="tmRoot"/>
+      </p:par>
+    </p:tnLst>
+  </p:timing>
 </p:sld>
 </file>
 
@@ -10824,15 +11055,88 @@
             <a:pPr algn="ctr"/>
             <a:r>
               <a:rPr lang="fr-FR" sz="3200" dirty="0" smtClean="0"/>
-              <a:t>Exporter depuis SASGIS</a:t>
+              <a:t>Exporter depuis SAS </a:t>
+            </a:r>
+            <a:r>
+              <a:rPr lang="fr-FR" sz="3200" dirty="0" err="1" smtClean="0"/>
+              <a:t>Planet</a:t>
             </a:r>
             <a:endParaRPr lang="fr-FR" sz="3200" dirty="0"/>
+          </a:p>
+        </p:txBody>
+      </p:sp>
+      <p:sp>
+        <p:nvSpPr>
+          <p:cNvPr id="4" name="ZoneTexte 3"/>
+          <p:cNvSpPr txBox="1"/>
+          <p:nvPr/>
+        </p:nvSpPr>
+        <p:spPr>
+          <a:xfrm>
+            <a:off x="704916" y="1425326"/>
+            <a:ext cx="7959400" cy="1754326"/>
+          </a:xfrm>
+          <a:prstGeom prst="rect">
+            <a:avLst/>
+          </a:prstGeom>
+          <a:noFill/>
+        </p:spPr>
+        <p:txBody>
+          <a:bodyPr wrap="square" rtlCol="0">
+            <a:spAutoFit/>
+          </a:bodyPr>
+          <a:lstStyle/>
+          <a:p>
+            <a:r>
+              <a:rPr lang="fr-FR" dirty="0" smtClean="0"/>
+              <a:t>SAS </a:t>
+            </a:r>
+            <a:r>
+              <a:rPr lang="fr-FR" dirty="0" err="1" smtClean="0"/>
+              <a:t>Planet</a:t>
+            </a:r>
+            <a:r>
+              <a:rPr lang="fr-FR" dirty="0" smtClean="0"/>
+              <a:t> est un logiciel extrêmement pratique : il permet d’afficher de nombreuses sources de </a:t>
+            </a:r>
+            <a:r>
+              <a:rPr lang="fr-FR" dirty="0" err="1" smtClean="0"/>
+              <a:t>carto</a:t>
+            </a:r>
+            <a:r>
+              <a:rPr lang="fr-FR" dirty="0" smtClean="0"/>
+              <a:t> et de les exporter facilement</a:t>
+            </a:r>
+          </a:p>
+          <a:p>
+            <a:endParaRPr lang="fr-FR" dirty="0" smtClean="0"/>
+          </a:p>
+          <a:p>
+            <a:endParaRPr lang="fr-FR" dirty="0"/>
+          </a:p>
+          <a:p>
+            <a:r>
+              <a:rPr lang="fr-FR" dirty="0" smtClean="0"/>
+              <a:t>Passer SAS </a:t>
+            </a:r>
+            <a:r>
+              <a:rPr lang="fr-FR" dirty="0" err="1" smtClean="0"/>
+              <a:t>Planet</a:t>
+            </a:r>
+            <a:r>
+              <a:rPr lang="fr-FR" dirty="0" smtClean="0"/>
+              <a:t> en français :</a:t>
+            </a:r>
+            <a:endParaRPr lang="fr-FR" dirty="0"/>
+          </a:p>
+          <a:p>
+            <a:endParaRPr lang="fr-FR" dirty="0"/>
           </a:p>
         </p:txBody>
       </p:sp>
       <p:pic>
         <p:nvPicPr>
-          <p:cNvPr id="2" name="Image 1"/>
+          <p:cNvPr id="5" name="Image 4"/>
           <p:cNvPicPr>
             <a:picLocks noChangeAspect="1"/>
           </p:cNvPicPr>
@@ -10846,42 +11150,23 @@
         </p:blipFill>
         <p:spPr>
           <a:xfrm>
-            <a:off x="511243" y="1187933"/>
-            <a:ext cx="4543425" cy="4124325"/>
+            <a:off x="1087674" y="3617248"/>
+            <a:ext cx="7193884" cy="2579386"/>
           </a:xfrm>
           <a:prstGeom prst="rect">
             <a:avLst/>
           </a:prstGeom>
-        </p:spPr>
-      </p:pic>
-      <p:pic>
-        <p:nvPicPr>
-          <p:cNvPr id="6" name="Image 5"/>
-          <p:cNvPicPr>
-            <a:picLocks noChangeAspect="1"/>
-          </p:cNvPicPr>
-          <p:nvPr/>
-        </p:nvPicPr>
-        <p:blipFill>
-          <a:blip r:embed="rId3"/>
-          <a:stretch>
-            <a:fillRect/>
-          </a:stretch>
-        </p:blipFill>
-        <p:spPr>
-          <a:xfrm>
-            <a:off x="6375124" y="4054958"/>
-            <a:ext cx="2476500" cy="2514600"/>
-          </a:xfrm>
-          <a:prstGeom prst="rect">
-            <a:avLst/>
-          </a:prstGeom>
+          <a:ln>
+            <a:solidFill>
+              <a:schemeClr val="tx1"/>
+            </a:solidFill>
+          </a:ln>
         </p:spPr>
       </p:pic>
     </p:spTree>
     <p:extLst>
       <p:ext uri="{BB962C8B-B14F-4D97-AF65-F5344CB8AC3E}">
-        <p14:creationId xmlns:p14="http://schemas.microsoft.com/office/powerpoint/2010/main" val="2523146313"/>
+        <p14:creationId xmlns:p14="http://schemas.microsoft.com/office/powerpoint/2010/main" val="2812854288"/>
       </p:ext>
     </p:extLst>
   </p:cSld>
@@ -10933,75 +11218,13 @@
             <a:pPr algn="ctr"/>
             <a:r>
               <a:rPr lang="fr-FR" sz="3200" dirty="0" smtClean="0"/>
-              <a:t>Exporter depuis SASGIS</a:t>
+              <a:t>Exporter depuis SAS </a:t>
+            </a:r>
+            <a:r>
+              <a:rPr lang="fr-FR" sz="3200" dirty="0" err="1" smtClean="0"/>
+              <a:t>Planet</a:t>
             </a:r>
             <a:endParaRPr lang="fr-FR" sz="3200" dirty="0"/>
-          </a:p>
-        </p:txBody>
-      </p:sp>
-      <p:sp>
-        <p:nvSpPr>
-          <p:cNvPr id="5" name="ZoneTexte 4"/>
-          <p:cNvSpPr txBox="1"/>
-          <p:nvPr/>
-        </p:nvSpPr>
-        <p:spPr>
-          <a:xfrm>
-            <a:off x="494675" y="5876144"/>
-            <a:ext cx="7734169" cy="923330"/>
-          </a:xfrm>
-          <a:prstGeom prst="rect">
-            <a:avLst/>
-          </a:prstGeom>
-          <a:noFill/>
-        </p:spPr>
-        <p:txBody>
-          <a:bodyPr wrap="none" rtlCol="0">
-            <a:spAutoFit/>
-          </a:bodyPr>
-          <a:lstStyle/>
-          <a:p>
-            <a:r>
-              <a:rPr lang="fr-FR" dirty="0" smtClean="0"/>
-              <a:t>1 - Télécharger la couche voulu (photos </a:t>
-            </a:r>
-            <a:r>
-              <a:rPr lang="fr-FR" dirty="0" err="1" smtClean="0"/>
-              <a:t>sat</a:t>
-            </a:r>
-            <a:r>
-              <a:rPr lang="fr-FR" dirty="0" smtClean="0"/>
-              <a:t>, cartes scan, </a:t>
-            </a:r>
-            <a:r>
-              <a:rPr lang="fr-FR" dirty="0" err="1" smtClean="0"/>
-              <a:t>etc</a:t>
-            </a:r>
-            <a:r>
-              <a:rPr lang="fr-FR" dirty="0" smtClean="0"/>
-              <a:t>) aux niveaux voulus. </a:t>
-            </a:r>
-          </a:p>
-          <a:p>
-            <a:r>
-              <a:rPr lang="fr-FR" dirty="0" smtClean="0"/>
-              <a:t>Le zoom courant est affiché sur la gauche de la fenêtre</a:t>
-            </a:r>
-          </a:p>
-          <a:p>
-            <a:r>
-              <a:rPr lang="fr-FR" dirty="0" smtClean="0"/>
-              <a:t>Une fois téléchargé, la </a:t>
-            </a:r>
-            <a:r>
-              <a:rPr lang="fr-FR" dirty="0" err="1" smtClean="0"/>
-              <a:t>carto</a:t>
-            </a:r>
-            <a:r>
-              <a:rPr lang="fr-FR" dirty="0" smtClean="0"/>
-              <a:t> est en cache et est plus rapide à traiter</a:t>
-            </a:r>
-            <a:endParaRPr lang="fr-FR" dirty="0"/>
           </a:p>
         </p:txBody>
       </p:sp>
@@ -11021,18 +11244,112 @@
         </p:blipFill>
         <p:spPr>
           <a:xfrm>
-            <a:off x="2228850" y="1628775"/>
-            <a:ext cx="4686300" cy="3600450"/>
+            <a:off x="247716" y="2071657"/>
+            <a:ext cx="4543425" cy="4124325"/>
           </a:xfrm>
           <a:prstGeom prst="rect">
             <a:avLst/>
           </a:prstGeom>
+          <a:ln>
+            <a:solidFill>
+              <a:schemeClr val="tx1"/>
+            </a:solidFill>
+          </a:ln>
         </p:spPr>
       </p:pic>
+      <p:pic>
+        <p:nvPicPr>
+          <p:cNvPr id="6" name="Image 5"/>
+          <p:cNvPicPr>
+            <a:picLocks noChangeAspect="1"/>
+          </p:cNvPicPr>
+          <p:nvPr/>
+        </p:nvPicPr>
+        <p:blipFill>
+          <a:blip r:embed="rId3"/>
+          <a:stretch>
+            <a:fillRect/>
+          </a:stretch>
+        </p:blipFill>
+        <p:spPr>
+          <a:xfrm>
+            <a:off x="6187816" y="3681382"/>
+            <a:ext cx="2476500" cy="2514600"/>
+          </a:xfrm>
+          <a:prstGeom prst="rect">
+            <a:avLst/>
+          </a:prstGeom>
+          <a:ln>
+            <a:solidFill>
+              <a:schemeClr val="tx1"/>
+            </a:solidFill>
+          </a:ln>
+        </p:spPr>
+      </p:pic>
+      <p:sp>
+        <p:nvSpPr>
+          <p:cNvPr id="5" name="ZoneTexte 4"/>
+          <p:cNvSpPr txBox="1"/>
+          <p:nvPr/>
+        </p:nvSpPr>
+        <p:spPr>
+          <a:xfrm>
+            <a:off x="247716" y="1489865"/>
+            <a:ext cx="4701971" cy="369332"/>
+          </a:xfrm>
+          <a:prstGeom prst="rect">
+            <a:avLst/>
+          </a:prstGeom>
+          <a:noFill/>
+        </p:spPr>
+        <p:txBody>
+          <a:bodyPr wrap="square" rtlCol="0">
+            <a:spAutoFit/>
+          </a:bodyPr>
+          <a:lstStyle/>
+          <a:p>
+            <a:r>
+              <a:rPr lang="fr-FR" dirty="0" smtClean="0"/>
+              <a:t>Choix de la/des couches à afficher/exporter</a:t>
+            </a:r>
+            <a:endParaRPr lang="fr-FR" dirty="0"/>
+          </a:p>
+        </p:txBody>
+      </p:sp>
+      <p:sp>
+        <p:nvSpPr>
+          <p:cNvPr id="7" name="ZoneTexte 6"/>
+          <p:cNvSpPr txBox="1"/>
+          <p:nvPr/>
+        </p:nvSpPr>
+        <p:spPr>
+          <a:xfrm>
+            <a:off x="6187816" y="2869812"/>
+            <a:ext cx="2106614" cy="646331"/>
+          </a:xfrm>
+          <a:prstGeom prst="rect">
+            <a:avLst/>
+          </a:prstGeom>
+          <a:noFill/>
+        </p:spPr>
+        <p:txBody>
+          <a:bodyPr wrap="square" rtlCol="0">
+            <a:spAutoFit/>
+          </a:bodyPr>
+          <a:lstStyle/>
+          <a:p>
+            <a:r>
+              <a:rPr lang="fr-FR" dirty="0" smtClean="0"/>
+              <a:t>Sélection de la zone à exporter</a:t>
+            </a:r>
+            <a:endParaRPr lang="fr-FR" dirty="0"/>
+          </a:p>
+        </p:txBody>
+      </p:sp>
     </p:spTree>
     <p:extLst>
       <p:ext uri="{BB962C8B-B14F-4D97-AF65-F5344CB8AC3E}">
-        <p14:creationId xmlns:p14="http://schemas.microsoft.com/office/powerpoint/2010/main" val="2692379561"/>
+        <p14:creationId xmlns:p14="http://schemas.microsoft.com/office/powerpoint/2010/main" val="2523146313"/>
       </p:ext>
     </p:extLst>
   </p:cSld>
@@ -11084,7 +11401,11 @@
             <a:pPr algn="ctr"/>
             <a:r>
               <a:rPr lang="fr-FR" sz="3200" dirty="0" smtClean="0"/>
-              <a:t>Exporter depuis SASGIS</a:t>
+              <a:t>Exporter depuis SAS </a:t>
+            </a:r>
+            <a:r>
+              <a:rPr lang="fr-FR" sz="3200" dirty="0" err="1" smtClean="0"/>
+              <a:t>Planet</a:t>
             </a:r>
             <a:endParaRPr lang="fr-FR" sz="3200" dirty="0"/>
           </a:p>
@@ -11098,8 +11419,8 @@
         </p:nvSpPr>
         <p:spPr>
           <a:xfrm>
-            <a:off x="494675" y="5876144"/>
-            <a:ext cx="7031027" cy="923330"/>
+            <a:off x="36592" y="5498457"/>
+            <a:ext cx="9070816" cy="1200329"/>
           </a:xfrm>
           <a:prstGeom prst="rect">
             <a:avLst/>
@@ -11114,7 +11435,29 @@
           <a:p>
             <a:r>
               <a:rPr lang="fr-FR" dirty="0" smtClean="0"/>
-              <a:t>L’onglet Assembler permet d’exporter la </a:t>
+              <a:t>D’abord télécharger la couche voulu (photos </a:t>
+            </a:r>
+            <a:r>
+              <a:rPr lang="fr-FR" dirty="0" err="1" smtClean="0"/>
+              <a:t>sat</a:t>
+            </a:r>
+            <a:r>
+              <a:rPr lang="fr-FR" dirty="0" smtClean="0"/>
+              <a:t>, cartes scan, </a:t>
+            </a:r>
+            <a:r>
+              <a:rPr lang="fr-FR" dirty="0" err="1" smtClean="0"/>
+              <a:t>etc</a:t>
+            </a:r>
+            <a:r>
+              <a:rPr lang="fr-FR" dirty="0" smtClean="0"/>
+              <a:t>) aux niveaux de zoom voulus. </a:t>
+            </a:r>
+          </a:p>
+          <a:p>
+            <a:r>
+              <a:rPr lang="fr-FR" dirty="0" smtClean="0"/>
+              <a:t>Une fois téléchargé, la </a:t>
             </a:r>
             <a:r>
               <a:rPr lang="fr-FR" dirty="0" err="1" smtClean="0"/>
@@ -11122,27 +11465,20 @@
             </a:r>
             <a:r>
               <a:rPr lang="fr-FR" dirty="0" smtClean="0"/>
-              <a:t> dans un format exploitable</a:t>
-            </a:r>
-          </a:p>
-          <a:p>
-            <a:pPr marL="285750" indent="-285750">
-              <a:buFontTx/>
-              <a:buChar char="-"/>
-            </a:pPr>
+              <a:t> est en cache et est plus rapide à traiter</a:t>
+            </a:r>
+          </a:p>
+          <a:p>
+            <a:endParaRPr lang="fr-FR" dirty="0"/>
+          </a:p>
+          <a:p>
+            <a:r>
+              <a:rPr lang="fr-FR" dirty="0"/>
+              <a:t>Le zoom courant est affiché sur la gauche de la </a:t>
+            </a:r>
             <a:r>
               <a:rPr lang="fr-FR" dirty="0" smtClean="0"/>
-              <a:t>Choisir la carte, le niveau de zoom</a:t>
-            </a:r>
-          </a:p>
-          <a:p>
-            <a:pPr marL="285750" indent="-285750">
-              <a:buFontTx/>
-              <a:buChar char="-"/>
-            </a:pPr>
-            <a:r>
-              <a:rPr lang="fr-FR" dirty="0" smtClean="0"/>
-              <a:t>Il est possible de découper la carte si elle est imposante</a:t>
+              <a:t>fenêtre</a:t>
             </a:r>
             <a:endParaRPr lang="fr-FR" dirty="0"/>
           </a:p>
@@ -11164,18 +11500,23 @@
         </p:blipFill>
         <p:spPr>
           <a:xfrm>
-            <a:off x="2290762" y="1619250"/>
-            <a:ext cx="4562475" cy="3619500"/>
+            <a:off x="2228850" y="1628775"/>
+            <a:ext cx="4686300" cy="3600450"/>
           </a:xfrm>
           <a:prstGeom prst="rect">
             <a:avLst/>
           </a:prstGeom>
+          <a:ln>
+            <a:solidFill>
+              <a:schemeClr val="tx1"/>
+            </a:solidFill>
+          </a:ln>
         </p:spPr>
       </p:pic>
     </p:spTree>
     <p:extLst>
       <p:ext uri="{BB962C8B-B14F-4D97-AF65-F5344CB8AC3E}">
-        <p14:creationId xmlns:p14="http://schemas.microsoft.com/office/powerpoint/2010/main" val="3076171619"/>
+        <p14:creationId xmlns:p14="http://schemas.microsoft.com/office/powerpoint/2010/main" val="2692379561"/>
       </p:ext>
     </p:extLst>
   </p:cSld>
@@ -11227,7 +11568,11 @@
             <a:pPr algn="ctr"/>
             <a:r>
               <a:rPr lang="fr-FR" sz="3200" dirty="0" smtClean="0"/>
-              <a:t>Exporter depuis SASGIS</a:t>
+              <a:t>Exporter depuis SAS </a:t>
+            </a:r>
+            <a:r>
+              <a:rPr lang="fr-FR" sz="3200" dirty="0" err="1" smtClean="0"/>
+              <a:t>Planet</a:t>
             </a:r>
             <a:endParaRPr lang="fr-FR" sz="3200" dirty="0"/>
           </a:p>
@@ -11235,14 +11580,14 @@
       </p:sp>
       <p:sp>
         <p:nvSpPr>
-          <p:cNvPr id="6" name="ZoneTexte 5"/>
+          <p:cNvPr id="5" name="ZoneTexte 4"/>
           <p:cNvSpPr txBox="1"/>
           <p:nvPr/>
         </p:nvSpPr>
         <p:spPr>
           <a:xfrm>
-            <a:off x="243400" y="6220918"/>
-            <a:ext cx="3462871" cy="369332"/>
+            <a:off x="1056485" y="5637605"/>
+            <a:ext cx="7031027" cy="923330"/>
           </a:xfrm>
           <a:prstGeom prst="rect">
             <a:avLst/>
@@ -11257,7 +11602,35 @@
           <a:p>
             <a:r>
               <a:rPr lang="fr-FR" dirty="0" smtClean="0"/>
-              <a:t>Résultat avec le niveau de zoom 17</a:t>
+              <a:t>L’onglet Assembler permet d’exporter la </a:t>
+            </a:r>
+            <a:r>
+              <a:rPr lang="fr-FR" dirty="0" err="1" smtClean="0"/>
+              <a:t>carto</a:t>
+            </a:r>
+            <a:r>
+              <a:rPr lang="fr-FR" dirty="0" smtClean="0"/>
+              <a:t> dans un format exploitable</a:t>
+            </a:r>
+          </a:p>
+          <a:p>
+            <a:pPr marL="285750" indent="-285750">
+              <a:buFontTx/>
+              <a:buChar char="-"/>
+            </a:pPr>
+            <a:r>
+              <a:rPr lang="fr-FR" dirty="0" smtClean="0"/>
+              <a:t>Choisir la carte, le niveau de zoom</a:t>
+            </a:r>
+          </a:p>
+          <a:p>
+            <a:pPr marL="285750" indent="-285750">
+              <a:buFontTx/>
+              <a:buChar char="-"/>
+            </a:pPr>
+            <a:r>
+              <a:rPr lang="fr-FR" dirty="0" smtClean="0"/>
+              <a:t>Il est possible de découper la carte si elle est imposante</a:t>
             </a:r>
             <a:endParaRPr lang="fr-FR" dirty="0"/>
           </a:p>
@@ -11265,7 +11638,7 @@
       </p:sp>
       <p:pic>
         <p:nvPicPr>
-          <p:cNvPr id="4" name="Image 3"/>
+          <p:cNvPr id="2" name="Image 1"/>
           <p:cNvPicPr>
             <a:picLocks noChangeAspect="1"/>
           </p:cNvPicPr>
@@ -11279,18 +11652,23 @@
         </p:blipFill>
         <p:spPr>
           <a:xfrm>
-            <a:off x="1871662" y="1595437"/>
-            <a:ext cx="5400675" cy="3667125"/>
+            <a:off x="2290760" y="1502917"/>
+            <a:ext cx="4562475" cy="3619500"/>
           </a:xfrm>
           <a:prstGeom prst="rect">
             <a:avLst/>
           </a:prstGeom>
+          <a:ln>
+            <a:solidFill>
+              <a:schemeClr val="tx1"/>
+            </a:solidFill>
+          </a:ln>
         </p:spPr>
       </p:pic>
     </p:spTree>
     <p:extLst>
       <p:ext uri="{BB962C8B-B14F-4D97-AF65-F5344CB8AC3E}">
-        <p14:creationId xmlns:p14="http://schemas.microsoft.com/office/powerpoint/2010/main" val="632001234"/>
+        <p14:creationId xmlns:p14="http://schemas.microsoft.com/office/powerpoint/2010/main" val="3076171619"/>
       </p:ext>
     </p:extLst>
   </p:cSld>

--- a/cours/Guide - obtenir des cartes.pptx
+++ b/cours/Guide - obtenir des cartes.pptx
@@ -5,7 +5,7 @@
     <p:sldMasterId id="2147483667" r:id="rId1"/>
   </p:sldMasterIdLst>
   <p:notesMasterIdLst>
-    <p:notesMasterId r:id="rId30"/>
+    <p:notesMasterId r:id="rId31"/>
   </p:notesMasterIdLst>
   <p:sldIdLst>
     <p:sldId id="276" r:id="rId2"/>
@@ -13,29 +13,30 @@
     <p:sldId id="279" r:id="rId4"/>
     <p:sldId id="282" r:id="rId5"/>
     <p:sldId id="281" r:id="rId6"/>
-    <p:sldId id="286" r:id="rId7"/>
-    <p:sldId id="287" r:id="rId8"/>
-    <p:sldId id="291" r:id="rId9"/>
-    <p:sldId id="290" r:id="rId10"/>
-    <p:sldId id="289" r:id="rId11"/>
-    <p:sldId id="278" r:id="rId12"/>
-    <p:sldId id="280" r:id="rId13"/>
-    <p:sldId id="283" r:id="rId14"/>
-    <p:sldId id="284" r:id="rId15"/>
-    <p:sldId id="294" r:id="rId16"/>
-    <p:sldId id="257" r:id="rId17"/>
-    <p:sldId id="258" r:id="rId18"/>
-    <p:sldId id="259" r:id="rId19"/>
-    <p:sldId id="260" r:id="rId20"/>
-    <p:sldId id="261" r:id="rId21"/>
-    <p:sldId id="262" r:id="rId22"/>
-    <p:sldId id="263" r:id="rId23"/>
-    <p:sldId id="295" r:id="rId24"/>
-    <p:sldId id="265" r:id="rId25"/>
-    <p:sldId id="266" r:id="rId26"/>
-    <p:sldId id="267" r:id="rId27"/>
-    <p:sldId id="268" r:id="rId28"/>
-    <p:sldId id="292" r:id="rId29"/>
+    <p:sldId id="296" r:id="rId7"/>
+    <p:sldId id="286" r:id="rId8"/>
+    <p:sldId id="287" r:id="rId9"/>
+    <p:sldId id="291" r:id="rId10"/>
+    <p:sldId id="290" r:id="rId11"/>
+    <p:sldId id="289" r:id="rId12"/>
+    <p:sldId id="278" r:id="rId13"/>
+    <p:sldId id="280" r:id="rId14"/>
+    <p:sldId id="283" r:id="rId15"/>
+    <p:sldId id="284" r:id="rId16"/>
+    <p:sldId id="294" r:id="rId17"/>
+    <p:sldId id="257" r:id="rId18"/>
+    <p:sldId id="258" r:id="rId19"/>
+    <p:sldId id="259" r:id="rId20"/>
+    <p:sldId id="260" r:id="rId21"/>
+    <p:sldId id="261" r:id="rId22"/>
+    <p:sldId id="262" r:id="rId23"/>
+    <p:sldId id="263" r:id="rId24"/>
+    <p:sldId id="295" r:id="rId25"/>
+    <p:sldId id="265" r:id="rId26"/>
+    <p:sldId id="266" r:id="rId27"/>
+    <p:sldId id="267" r:id="rId28"/>
+    <p:sldId id="268" r:id="rId29"/>
+    <p:sldId id="292" r:id="rId30"/>
   </p:sldIdLst>
   <p:sldSz cx="9144000" cy="6858000" type="screen4x3"/>
   <p:notesSz cx="6858000" cy="9144000"/>
@@ -224,7 +225,7 @@
           <a:p>
             <a:fld id="{5C348F8D-022D-404F-B7E9-2A064090EDFB}" type="datetimeFigureOut">
               <a:rPr lang="fr-FR" smtClean="0"/>
-              <a:t>10/05/2021</a:t>
+              <a:t>29/05/2021</a:t>
             </a:fld>
             <a:endParaRPr lang="fr-FR"/>
           </a:p>
@@ -604,6 +605,261 @@
       </p:grpSpPr>
       <p:sp>
         <p:nvSpPr>
+          <p:cNvPr id="124930" name="Espace réservé de l'image des diapositives 1"/>
+          <p:cNvSpPr>
+            <a:spLocks noGrp="1" noRot="1" noChangeAspect="1"/>
+          </p:cNvSpPr>
+          <p:nvPr>
+            <p:ph type="sldImg"/>
+          </p:nvPr>
+        </p:nvSpPr>
+        <p:spPr bwMode="auto">
+          <a:xfrm>
+            <a:off x="917575" y="744538"/>
+            <a:ext cx="4962525" cy="3722687"/>
+          </a:xfrm>
+          <a:prstGeom prst="rect">
+            <a:avLst/>
+          </a:prstGeom>
+          <a:noFill/>
+          <a:ln w="12700">
+            <a:solidFill>
+              <a:srgbClr val="000000"/>
+            </a:solidFill>
+            <a:miter lim="800000"/>
+            <a:headEnd/>
+            <a:tailEnd/>
+          </a:ln>
+          <a:extLst>
+            <a:ext uri="{909E8E84-426E-40DD-AFC4-6F175D3DCCD1}">
+              <a14:hiddenFill xmlns:a14="http://schemas.microsoft.com/office/drawing/2010/main">
+                <a:solidFill>
+                  <a:srgbClr val="FFFFFF"/>
+                </a:solidFill>
+              </a14:hiddenFill>
+            </a:ext>
+          </a:extLst>
+        </p:spPr>
+      </p:sp>
+      <p:sp>
+        <p:nvSpPr>
+          <p:cNvPr id="124931" name="Espace réservé des commentaires 2"/>
+          <p:cNvSpPr>
+            <a:spLocks noGrp="1"/>
+          </p:cNvSpPr>
+          <p:nvPr>
+            <p:ph type="body" idx="1"/>
+          </p:nvPr>
+        </p:nvSpPr>
+        <p:spPr>
+          <a:noFill/>
+          <a:extLst>
+            <a:ext uri="{909E8E84-426E-40DD-AFC4-6F175D3DCCD1}">
+              <a14:hiddenFill xmlns:a14="http://schemas.microsoft.com/office/drawing/2010/main">
+                <a:solidFill>
+                  <a:srgbClr val="FFFFFF"/>
+                </a:solidFill>
+              </a14:hiddenFill>
+            </a:ext>
+            <a:ext uri="{91240B29-F687-4F45-9708-019B960494DF}">
+              <a14:hiddenLine xmlns:a14="http://schemas.microsoft.com/office/drawing/2010/main" w="9525">
+                <a:solidFill>
+                  <a:srgbClr val="000000"/>
+                </a:solidFill>
+                <a:miter lim="800000"/>
+                <a:headEnd/>
+                <a:tailEnd/>
+              </a14:hiddenLine>
+            </a:ext>
+          </a:extLst>
+        </p:spPr>
+        <p:txBody>
+          <a:bodyPr/>
+          <a:lstStyle/>
+          <a:p>
+            <a:r>
+              <a:rPr lang="fr-FR" altLang="fr-FR">
+                <a:latin typeface="Arial" panose="020B0604020202020204" pitchFamily="34" charset="0"/>
+              </a:rPr>
+              <a:t>Cartographie réalisée sur le théatre (MGCP) téléchargeable sur le site du 28GG </a:t>
+            </a:r>
+          </a:p>
+        </p:txBody>
+      </p:sp>
+      <p:sp>
+        <p:nvSpPr>
+          <p:cNvPr id="124932" name="Espace réservé du numéro de diapositive 3"/>
+          <p:cNvSpPr>
+            <a:spLocks noGrp="1"/>
+          </p:cNvSpPr>
+          <p:nvPr>
+            <p:ph type="sldNum" sz="quarter" idx="5"/>
+          </p:nvPr>
+        </p:nvSpPr>
+        <p:spPr>
+          <a:noFill/>
+          <a:extLst>
+            <a:ext uri="{909E8E84-426E-40DD-AFC4-6F175D3DCCD1}">
+              <a14:hiddenFill xmlns:a14="http://schemas.microsoft.com/office/drawing/2010/main">
+                <a:solidFill>
+                  <a:srgbClr val="FFFFFF"/>
+                </a:solidFill>
+              </a14:hiddenFill>
+            </a:ext>
+            <a:ext uri="{91240B29-F687-4F45-9708-019B960494DF}">
+              <a14:hiddenLine xmlns:a14="http://schemas.microsoft.com/office/drawing/2010/main" w="9525">
+                <a:solidFill>
+                  <a:srgbClr val="000000"/>
+                </a:solidFill>
+                <a:miter lim="800000"/>
+                <a:headEnd/>
+                <a:tailEnd/>
+              </a14:hiddenLine>
+            </a:ext>
+          </a:extLst>
+        </p:spPr>
+        <p:txBody>
+          <a:bodyPr/>
+          <a:lstStyle>
+            <a:lvl1pPr defTabSz="920750">
+              <a:defRPr>
+                <a:solidFill>
+                  <a:schemeClr val="tx1"/>
+                </a:solidFill>
+                <a:latin typeface="Arial" panose="020B0604020202020204" pitchFamily="34" charset="0"/>
+              </a:defRPr>
+            </a:lvl1pPr>
+            <a:lvl2pPr marL="742950" indent="-285750" defTabSz="920750">
+              <a:defRPr>
+                <a:solidFill>
+                  <a:schemeClr val="tx1"/>
+                </a:solidFill>
+                <a:latin typeface="Arial" panose="020B0604020202020204" pitchFamily="34" charset="0"/>
+              </a:defRPr>
+            </a:lvl2pPr>
+            <a:lvl3pPr marL="1143000" indent="-228600" defTabSz="920750">
+              <a:defRPr>
+                <a:solidFill>
+                  <a:schemeClr val="tx1"/>
+                </a:solidFill>
+                <a:latin typeface="Arial" panose="020B0604020202020204" pitchFamily="34" charset="0"/>
+              </a:defRPr>
+            </a:lvl3pPr>
+            <a:lvl4pPr marL="1600200" indent="-228600" defTabSz="920750">
+              <a:defRPr>
+                <a:solidFill>
+                  <a:schemeClr val="tx1"/>
+                </a:solidFill>
+                <a:latin typeface="Arial" panose="020B0604020202020204" pitchFamily="34" charset="0"/>
+              </a:defRPr>
+            </a:lvl4pPr>
+            <a:lvl5pPr marL="2057400" indent="-228600" defTabSz="920750">
+              <a:defRPr>
+                <a:solidFill>
+                  <a:schemeClr val="tx1"/>
+                </a:solidFill>
+                <a:latin typeface="Arial" panose="020B0604020202020204" pitchFamily="34" charset="0"/>
+              </a:defRPr>
+            </a:lvl5pPr>
+            <a:lvl6pPr marL="2514600" indent="-228600" defTabSz="920750" eaLnBrk="0" fontAlgn="base" hangingPunct="0">
+              <a:spcBef>
+                <a:spcPct val="0"/>
+              </a:spcBef>
+              <a:spcAft>
+                <a:spcPct val="0"/>
+              </a:spcAft>
+              <a:defRPr>
+                <a:solidFill>
+                  <a:schemeClr val="tx1"/>
+                </a:solidFill>
+                <a:latin typeface="Arial" panose="020B0604020202020204" pitchFamily="34" charset="0"/>
+              </a:defRPr>
+            </a:lvl6pPr>
+            <a:lvl7pPr marL="2971800" indent="-228600" defTabSz="920750" eaLnBrk="0" fontAlgn="base" hangingPunct="0">
+              <a:spcBef>
+                <a:spcPct val="0"/>
+              </a:spcBef>
+              <a:spcAft>
+                <a:spcPct val="0"/>
+              </a:spcAft>
+              <a:defRPr>
+                <a:solidFill>
+                  <a:schemeClr val="tx1"/>
+                </a:solidFill>
+                <a:latin typeface="Arial" panose="020B0604020202020204" pitchFamily="34" charset="0"/>
+              </a:defRPr>
+            </a:lvl7pPr>
+            <a:lvl8pPr marL="3429000" indent="-228600" defTabSz="920750" eaLnBrk="0" fontAlgn="base" hangingPunct="0">
+              <a:spcBef>
+                <a:spcPct val="0"/>
+              </a:spcBef>
+              <a:spcAft>
+                <a:spcPct val="0"/>
+              </a:spcAft>
+              <a:defRPr>
+                <a:solidFill>
+                  <a:schemeClr val="tx1"/>
+                </a:solidFill>
+                <a:latin typeface="Arial" panose="020B0604020202020204" pitchFamily="34" charset="0"/>
+              </a:defRPr>
+            </a:lvl8pPr>
+            <a:lvl9pPr marL="3886200" indent="-228600" defTabSz="920750" eaLnBrk="0" fontAlgn="base" hangingPunct="0">
+              <a:spcBef>
+                <a:spcPct val="0"/>
+              </a:spcBef>
+              <a:spcAft>
+                <a:spcPct val="0"/>
+              </a:spcAft>
+              <a:defRPr>
+                <a:solidFill>
+                  <a:schemeClr val="tx1"/>
+                </a:solidFill>
+                <a:latin typeface="Arial" panose="020B0604020202020204" pitchFamily="34" charset="0"/>
+              </a:defRPr>
+            </a:lvl9pPr>
+          </a:lstStyle>
+          <a:p>
+            <a:fld id="{024FE29A-0FFA-4EAC-A640-10268E671FEF}" type="slidenum">
+              <a:rPr lang="fr-FR" altLang="fr-FR"/>
+              <a:pPr/>
+              <a:t>26</a:t>
+            </a:fld>
+            <a:endParaRPr lang="fr-FR" altLang="fr-FR"/>
+          </a:p>
+        </p:txBody>
+      </p:sp>
+    </p:spTree>
+    <p:extLst>
+      <p:ext uri="{BB962C8B-B14F-4D97-AF65-F5344CB8AC3E}">
+        <p14:creationId xmlns:p14="http://schemas.microsoft.com/office/powerpoint/2010/main" val="486725490"/>
+      </p:ext>
+    </p:extLst>
+  </p:cSld>
+  <p:clrMapOvr>
+    <a:masterClrMapping/>
+  </p:clrMapOvr>
+</p:notes>
+</file>
+
+<file path=ppt/notesSlides/notesSlide11.xml><?xml version="1.0" encoding="utf-8"?>
+<p:notes xmlns:a="http://schemas.openxmlformats.org/drawingml/2006/main" xmlns:r="http://schemas.openxmlformats.org/officeDocument/2006/relationships" xmlns:p="http://schemas.openxmlformats.org/presentationml/2006/main">
+  <p:cSld>
+    <p:spTree>
+      <p:nvGrpSpPr>
+        <p:cNvPr id="1" name=""/>
+        <p:cNvGrpSpPr/>
+        <p:nvPr/>
+      </p:nvGrpSpPr>
+      <p:grpSpPr>
+        <a:xfrm>
+          <a:off x="0" y="0"/>
+          <a:ext cx="0" cy="0"/>
+          <a:chOff x="0" y="0"/>
+          <a:chExt cx="0" cy="0"/>
+        </a:xfrm>
+      </p:grpSpPr>
+      <p:sp>
+        <p:nvSpPr>
           <p:cNvPr id="117762" name="Espace réservé de l'image des diapositives 1"/>
           <p:cNvSpPr>
             <a:spLocks noGrp="1" noRot="1" noChangeAspect="1" noTextEdit="1"/>
@@ -824,7 +1080,7 @@
             <a:fld id="{10ACC852-FC97-4FDE-92C8-D0F63EDFB18C}" type="slidenum">
               <a:rPr lang="fr-FR" altLang="fr-FR"/>
               <a:pPr/>
-              <a:t>26</a:t>
+              <a:t>27</a:t>
             </a:fld>
             <a:endParaRPr lang="fr-FR" altLang="fr-FR"/>
           </a:p>
@@ -843,7 +1099,7 @@
 </p:notes>
 </file>
 
-<file path=ppt/notesSlides/notesSlide11.xml><?xml version="1.0" encoding="utf-8"?>
+<file path=ppt/notesSlides/notesSlide12.xml><?xml version="1.0" encoding="utf-8"?>
 <p:notes xmlns:a="http://schemas.openxmlformats.org/drawingml/2006/main" xmlns:r="http://schemas.openxmlformats.org/officeDocument/2006/relationships" xmlns:p="http://schemas.openxmlformats.org/presentationml/2006/main">
   <p:cSld>
     <p:spTree>
@@ -1094,7 +1350,7 @@
             <a:fld id="{1F64F7EC-DB9F-46A5-B64A-DBB9FFB03107}" type="slidenum">
               <a:rPr lang="fr-FR" altLang="fr-FR"/>
               <a:pPr/>
-              <a:t>27</a:t>
+              <a:t>28</a:t>
             </a:fld>
             <a:endParaRPr lang="fr-FR" altLang="fr-FR"/>
           </a:p>
@@ -1132,6 +1388,100 @@
       </p:grpSpPr>
       <p:sp>
         <p:nvSpPr>
+          <p:cNvPr id="2" name="Espace réservé de l'image des diapositives 1"/>
+          <p:cNvSpPr>
+            <a:spLocks noGrp="1" noRot="1" noChangeAspect="1"/>
+          </p:cNvSpPr>
+          <p:nvPr>
+            <p:ph type="sldImg"/>
+          </p:nvPr>
+        </p:nvSpPr>
+        <p:spPr/>
+      </p:sp>
+      <p:sp>
+        <p:nvSpPr>
+          <p:cNvPr id="3" name="Espace réservé des commentaires 2"/>
+          <p:cNvSpPr>
+            <a:spLocks noGrp="1"/>
+          </p:cNvSpPr>
+          <p:nvPr>
+            <p:ph type="body" idx="1"/>
+          </p:nvPr>
+        </p:nvSpPr>
+        <p:spPr/>
+        <p:txBody>
+          <a:bodyPr/>
+          <a:lstStyle/>
+          <a:p>
+            <a:r>
+              <a:rPr lang="fr-FR" dirty="0" smtClean="0"/>
+              <a:t>https://www.azavea.com/blog/2015/12/21/tools-for-getting-data-out-of-openstreetmap-and-into-desktop-gis/</a:t>
+            </a:r>
+          </a:p>
+          <a:p>
+            <a:r>
+              <a:rPr lang="fr-FR" smtClean="0"/>
+              <a:t>https://land.copernicus.eu/imagery-in-situ/eu-dem/eu-dem-v1.1?tab=mapview</a:t>
+            </a:r>
+            <a:endParaRPr lang="fr-FR" dirty="0"/>
+          </a:p>
+        </p:txBody>
+      </p:sp>
+      <p:sp>
+        <p:nvSpPr>
+          <p:cNvPr id="4" name="Espace réservé du numéro de diapositive 3"/>
+          <p:cNvSpPr>
+            <a:spLocks noGrp="1"/>
+          </p:cNvSpPr>
+          <p:nvPr>
+            <p:ph type="sldNum" sz="quarter" idx="10"/>
+          </p:nvPr>
+        </p:nvSpPr>
+        <p:spPr/>
+        <p:txBody>
+          <a:bodyPr/>
+          <a:lstStyle/>
+          <a:p>
+            <a:fld id="{1321DB9F-BB1B-4B09-A1A4-736F1DCF5FB6}" type="slidenum">
+              <a:rPr lang="fr-FR" smtClean="0"/>
+              <a:t>6</a:t>
+            </a:fld>
+            <a:endParaRPr lang="fr-FR"/>
+          </a:p>
+        </p:txBody>
+      </p:sp>
+    </p:spTree>
+    <p:extLst>
+      <p:ext uri="{BB962C8B-B14F-4D97-AF65-F5344CB8AC3E}">
+        <p14:creationId xmlns:p14="http://schemas.microsoft.com/office/powerpoint/2010/main" val="3822050649"/>
+      </p:ext>
+    </p:extLst>
+  </p:cSld>
+  <p:clrMapOvr>
+    <a:masterClrMapping/>
+  </p:clrMapOvr>
+</p:notes>
+</file>
+
+<file path=ppt/notesSlides/notesSlide3.xml><?xml version="1.0" encoding="utf-8"?>
+<p:notes xmlns:a="http://schemas.openxmlformats.org/drawingml/2006/main" xmlns:r="http://schemas.openxmlformats.org/officeDocument/2006/relationships" xmlns:p="http://schemas.openxmlformats.org/presentationml/2006/main">
+  <p:cSld>
+    <p:spTree>
+      <p:nvGrpSpPr>
+        <p:cNvPr id="1" name=""/>
+        <p:cNvGrpSpPr/>
+        <p:nvPr/>
+      </p:nvGrpSpPr>
+      <p:grpSpPr>
+        <a:xfrm>
+          <a:off x="0" y="0"/>
+          <a:ext cx="0" cy="0"/>
+          <a:chOff x="0" y="0"/>
+          <a:chExt cx="0" cy="0"/>
+        </a:xfrm>
+      </p:grpSpPr>
+      <p:sp>
+        <p:nvSpPr>
           <p:cNvPr id="151554" name="Espace réservé de l'image des diapositives 1"/>
           <p:cNvSpPr>
             <a:spLocks noGrp="1" noRot="1" noChangeAspect="1" noTextEdit="1"/>
@@ -1350,7 +1700,7 @@
             <a:fld id="{FFA2A086-7015-4C97-BA6D-D976F45991F9}" type="slidenum">
               <a:rPr lang="fr-FR" altLang="fr-FR" smtClean="0"/>
               <a:pPr/>
-              <a:t>16</a:t>
+              <a:t>17</a:t>
             </a:fld>
             <a:endParaRPr lang="fr-FR" altLang="fr-FR"/>
           </a:p>
@@ -1369,7 +1719,7 @@
 </p:notes>
 </file>
 
-<file path=ppt/notesSlides/notesSlide3.xml><?xml version="1.0" encoding="utf-8"?>
+<file path=ppt/notesSlides/notesSlide4.xml><?xml version="1.0" encoding="utf-8"?>
 <p:notes xmlns:a="http://schemas.openxmlformats.org/drawingml/2006/main" xmlns:r="http://schemas.openxmlformats.org/officeDocument/2006/relationships" xmlns:p="http://schemas.openxmlformats.org/presentationml/2006/main">
   <p:cSld>
     <p:spTree>
@@ -1603,7 +1953,7 @@
             <a:fld id="{01957912-63F7-4A8E-AE6F-FA2BEB0C3766}" type="slidenum">
               <a:rPr lang="fr-FR" altLang="fr-FR" smtClean="0"/>
               <a:pPr/>
-              <a:t>17</a:t>
+              <a:t>18</a:t>
             </a:fld>
             <a:endParaRPr lang="fr-FR" altLang="fr-FR"/>
           </a:p>
@@ -1622,7 +1972,7 @@
 </p:notes>
 </file>
 
-<file path=ppt/notesSlides/notesSlide4.xml><?xml version="1.0" encoding="utf-8"?>
+<file path=ppt/notesSlides/notesSlide5.xml><?xml version="1.0" encoding="utf-8"?>
 <p:notes xmlns:a="http://schemas.openxmlformats.org/drawingml/2006/main" xmlns:r="http://schemas.openxmlformats.org/officeDocument/2006/relationships" xmlns:p="http://schemas.openxmlformats.org/presentationml/2006/main">
   <p:cSld>
     <p:spTree>
@@ -1784,7 +2134,7 @@
             <a:fld id="{F03B3D9B-304E-4593-8A8D-5C27BDC7C2FE}" type="slidenum">
               <a:rPr lang="fr-FR" altLang="fr-FR" sz="1200"/>
               <a:pPr algn="r" eaLnBrk="1" hangingPunct="1"/>
-              <a:t>19</a:t>
+              <a:t>20</a:t>
             </a:fld>
             <a:endParaRPr lang="fr-FR" altLang="fr-FR" sz="1200"/>
           </a:p>
@@ -1935,7 +2285,7 @@
             <a:fld id="{484FC898-948F-4235-BA58-329820EBA4AE}" type="slidenum">
               <a:rPr lang="fr-FR" altLang="fr-FR" sz="1200"/>
               <a:pPr algn="r" eaLnBrk="1" hangingPunct="1"/>
-              <a:t>19</a:t>
+              <a:t>20</a:t>
             </a:fld>
             <a:endParaRPr lang="fr-FR" altLang="fr-FR" sz="1200"/>
           </a:p>
@@ -2036,7 +2386,7 @@
 </p:notes>
 </file>
 
-<file path=ppt/notesSlides/notesSlide5.xml><?xml version="1.0" encoding="utf-8"?>
+<file path=ppt/notesSlides/notesSlide6.xml><?xml version="1.0" encoding="utf-8"?>
 <p:notes xmlns:a="http://schemas.openxmlformats.org/drawingml/2006/main" xmlns:r="http://schemas.openxmlformats.org/officeDocument/2006/relationships" xmlns:p="http://schemas.openxmlformats.org/presentationml/2006/main">
   <p:cSld>
     <p:spTree>
@@ -2148,7 +2498,7 @@
 </p:notes>
 </file>
 
-<file path=ppt/notesSlides/notesSlide6.xml><?xml version="1.0" encoding="utf-8"?>
+<file path=ppt/notesSlides/notesSlide7.xml><?xml version="1.0" encoding="utf-8"?>
 <p:notes xmlns:a="http://schemas.openxmlformats.org/drawingml/2006/main" xmlns:r="http://schemas.openxmlformats.org/officeDocument/2006/relationships" xmlns:p="http://schemas.openxmlformats.org/presentationml/2006/main">
   <p:cSld>
     <p:spTree>
@@ -2260,7 +2610,7 @@
 </p:notes>
 </file>
 
-<file path=ppt/notesSlides/notesSlide7.xml><?xml version="1.0" encoding="utf-8"?>
+<file path=ppt/notesSlides/notesSlide8.xml><?xml version="1.0" encoding="utf-8"?>
 <p:notes xmlns:a="http://schemas.openxmlformats.org/drawingml/2006/main" xmlns:r="http://schemas.openxmlformats.org/officeDocument/2006/relationships" xmlns:p="http://schemas.openxmlformats.org/presentationml/2006/main">
   <p:cSld>
     <p:spTree>
@@ -2494,7 +2844,7 @@
             <a:fld id="{D4C598FC-A51A-4C10-BC7E-08C80E287FDA}" type="slidenum">
               <a:rPr lang="fr-FR" altLang="fr-FR" smtClean="0"/>
               <a:pPr/>
-              <a:t>22</a:t>
+              <a:t>23</a:t>
             </a:fld>
             <a:endParaRPr lang="fr-FR" altLang="fr-FR"/>
           </a:p>
@@ -2513,7 +2863,7 @@
 </p:notes>
 </file>
 
-<file path=ppt/notesSlides/notesSlide8.xml><?xml version="1.0" encoding="utf-8"?>
+<file path=ppt/notesSlides/notesSlide9.xml><?xml version="1.0" encoding="utf-8"?>
 <p:notes xmlns:a="http://schemas.openxmlformats.org/drawingml/2006/main" xmlns:r="http://schemas.openxmlformats.org/officeDocument/2006/relationships" xmlns:p="http://schemas.openxmlformats.org/presentationml/2006/main">
   <p:cSld>
     <p:spTree>
@@ -2752,7 +3102,7 @@
             <a:fld id="{10ACC852-FC97-4FDE-92C8-D0F63EDFB18C}" type="slidenum">
               <a:rPr lang="fr-FR" altLang="fr-FR"/>
               <a:pPr/>
-              <a:t>24</a:t>
+              <a:t>25</a:t>
             </a:fld>
             <a:endParaRPr lang="fr-FR" altLang="fr-FR"/>
           </a:p>
@@ -2762,261 +3112,6 @@
     <p:extLst>
       <p:ext uri="{BB962C8B-B14F-4D97-AF65-F5344CB8AC3E}">
         <p14:creationId xmlns:p14="http://schemas.microsoft.com/office/powerpoint/2010/main" val="1053240287"/>
-      </p:ext>
-    </p:extLst>
-  </p:cSld>
-  <p:clrMapOvr>
-    <a:masterClrMapping/>
-  </p:clrMapOvr>
-</p:notes>
-</file>
-
-<file path=ppt/notesSlides/notesSlide9.xml><?xml version="1.0" encoding="utf-8"?>
-<p:notes xmlns:a="http://schemas.openxmlformats.org/drawingml/2006/main" xmlns:r="http://schemas.openxmlformats.org/officeDocument/2006/relationships" xmlns:p="http://schemas.openxmlformats.org/presentationml/2006/main">
-  <p:cSld>
-    <p:spTree>
-      <p:nvGrpSpPr>
-        <p:cNvPr id="1" name=""/>
-        <p:cNvGrpSpPr/>
-        <p:nvPr/>
-      </p:nvGrpSpPr>
-      <p:grpSpPr>
-        <a:xfrm>
-          <a:off x="0" y="0"/>
-          <a:ext cx="0" cy="0"/>
-          <a:chOff x="0" y="0"/>
-          <a:chExt cx="0" cy="0"/>
-        </a:xfrm>
-      </p:grpSpPr>
-      <p:sp>
-        <p:nvSpPr>
-          <p:cNvPr id="124930" name="Espace réservé de l'image des diapositives 1"/>
-          <p:cNvSpPr>
-            <a:spLocks noGrp="1" noRot="1" noChangeAspect="1"/>
-          </p:cNvSpPr>
-          <p:nvPr>
-            <p:ph type="sldImg"/>
-          </p:nvPr>
-        </p:nvSpPr>
-        <p:spPr bwMode="auto">
-          <a:xfrm>
-            <a:off x="917575" y="744538"/>
-            <a:ext cx="4962525" cy="3722687"/>
-          </a:xfrm>
-          <a:prstGeom prst="rect">
-            <a:avLst/>
-          </a:prstGeom>
-          <a:noFill/>
-          <a:ln w="12700">
-            <a:solidFill>
-              <a:srgbClr val="000000"/>
-            </a:solidFill>
-            <a:miter lim="800000"/>
-            <a:headEnd/>
-            <a:tailEnd/>
-          </a:ln>
-          <a:extLst>
-            <a:ext uri="{909E8E84-426E-40DD-AFC4-6F175D3DCCD1}">
-              <a14:hiddenFill xmlns:a14="http://schemas.microsoft.com/office/drawing/2010/main">
-                <a:solidFill>
-                  <a:srgbClr val="FFFFFF"/>
-                </a:solidFill>
-              </a14:hiddenFill>
-            </a:ext>
-          </a:extLst>
-        </p:spPr>
-      </p:sp>
-      <p:sp>
-        <p:nvSpPr>
-          <p:cNvPr id="124931" name="Espace réservé des commentaires 2"/>
-          <p:cNvSpPr>
-            <a:spLocks noGrp="1"/>
-          </p:cNvSpPr>
-          <p:nvPr>
-            <p:ph type="body" idx="1"/>
-          </p:nvPr>
-        </p:nvSpPr>
-        <p:spPr>
-          <a:noFill/>
-          <a:extLst>
-            <a:ext uri="{909E8E84-426E-40DD-AFC4-6F175D3DCCD1}">
-              <a14:hiddenFill xmlns:a14="http://schemas.microsoft.com/office/drawing/2010/main">
-                <a:solidFill>
-                  <a:srgbClr val="FFFFFF"/>
-                </a:solidFill>
-              </a14:hiddenFill>
-            </a:ext>
-            <a:ext uri="{91240B29-F687-4F45-9708-019B960494DF}">
-              <a14:hiddenLine xmlns:a14="http://schemas.microsoft.com/office/drawing/2010/main" w="9525">
-                <a:solidFill>
-                  <a:srgbClr val="000000"/>
-                </a:solidFill>
-                <a:miter lim="800000"/>
-                <a:headEnd/>
-                <a:tailEnd/>
-              </a14:hiddenLine>
-            </a:ext>
-          </a:extLst>
-        </p:spPr>
-        <p:txBody>
-          <a:bodyPr/>
-          <a:lstStyle/>
-          <a:p>
-            <a:r>
-              <a:rPr lang="fr-FR" altLang="fr-FR">
-                <a:latin typeface="Arial" panose="020B0604020202020204" pitchFamily="34" charset="0"/>
-              </a:rPr>
-              <a:t>Cartographie réalisée sur le théatre (MGCP) téléchargeable sur le site du 28GG </a:t>
-            </a:r>
-          </a:p>
-        </p:txBody>
-      </p:sp>
-      <p:sp>
-        <p:nvSpPr>
-          <p:cNvPr id="124932" name="Espace réservé du numéro de diapositive 3"/>
-          <p:cNvSpPr>
-            <a:spLocks noGrp="1"/>
-          </p:cNvSpPr>
-          <p:nvPr>
-            <p:ph type="sldNum" sz="quarter" idx="5"/>
-          </p:nvPr>
-        </p:nvSpPr>
-        <p:spPr>
-          <a:noFill/>
-          <a:extLst>
-            <a:ext uri="{909E8E84-426E-40DD-AFC4-6F175D3DCCD1}">
-              <a14:hiddenFill xmlns:a14="http://schemas.microsoft.com/office/drawing/2010/main">
-                <a:solidFill>
-                  <a:srgbClr val="FFFFFF"/>
-                </a:solidFill>
-              </a14:hiddenFill>
-            </a:ext>
-            <a:ext uri="{91240B29-F687-4F45-9708-019B960494DF}">
-              <a14:hiddenLine xmlns:a14="http://schemas.microsoft.com/office/drawing/2010/main" w="9525">
-                <a:solidFill>
-                  <a:srgbClr val="000000"/>
-                </a:solidFill>
-                <a:miter lim="800000"/>
-                <a:headEnd/>
-                <a:tailEnd/>
-              </a14:hiddenLine>
-            </a:ext>
-          </a:extLst>
-        </p:spPr>
-        <p:txBody>
-          <a:bodyPr/>
-          <a:lstStyle>
-            <a:lvl1pPr defTabSz="920750">
-              <a:defRPr>
-                <a:solidFill>
-                  <a:schemeClr val="tx1"/>
-                </a:solidFill>
-                <a:latin typeface="Arial" panose="020B0604020202020204" pitchFamily="34" charset="0"/>
-              </a:defRPr>
-            </a:lvl1pPr>
-            <a:lvl2pPr marL="742950" indent="-285750" defTabSz="920750">
-              <a:defRPr>
-                <a:solidFill>
-                  <a:schemeClr val="tx1"/>
-                </a:solidFill>
-                <a:latin typeface="Arial" panose="020B0604020202020204" pitchFamily="34" charset="0"/>
-              </a:defRPr>
-            </a:lvl2pPr>
-            <a:lvl3pPr marL="1143000" indent="-228600" defTabSz="920750">
-              <a:defRPr>
-                <a:solidFill>
-                  <a:schemeClr val="tx1"/>
-                </a:solidFill>
-                <a:latin typeface="Arial" panose="020B0604020202020204" pitchFamily="34" charset="0"/>
-              </a:defRPr>
-            </a:lvl3pPr>
-            <a:lvl4pPr marL="1600200" indent="-228600" defTabSz="920750">
-              <a:defRPr>
-                <a:solidFill>
-                  <a:schemeClr val="tx1"/>
-                </a:solidFill>
-                <a:latin typeface="Arial" panose="020B0604020202020204" pitchFamily="34" charset="0"/>
-              </a:defRPr>
-            </a:lvl4pPr>
-            <a:lvl5pPr marL="2057400" indent="-228600" defTabSz="920750">
-              <a:defRPr>
-                <a:solidFill>
-                  <a:schemeClr val="tx1"/>
-                </a:solidFill>
-                <a:latin typeface="Arial" panose="020B0604020202020204" pitchFamily="34" charset="0"/>
-              </a:defRPr>
-            </a:lvl5pPr>
-            <a:lvl6pPr marL="2514600" indent="-228600" defTabSz="920750" eaLnBrk="0" fontAlgn="base" hangingPunct="0">
-              <a:spcBef>
-                <a:spcPct val="0"/>
-              </a:spcBef>
-              <a:spcAft>
-                <a:spcPct val="0"/>
-              </a:spcAft>
-              <a:defRPr>
-                <a:solidFill>
-                  <a:schemeClr val="tx1"/>
-                </a:solidFill>
-                <a:latin typeface="Arial" panose="020B0604020202020204" pitchFamily="34" charset="0"/>
-              </a:defRPr>
-            </a:lvl6pPr>
-            <a:lvl7pPr marL="2971800" indent="-228600" defTabSz="920750" eaLnBrk="0" fontAlgn="base" hangingPunct="0">
-              <a:spcBef>
-                <a:spcPct val="0"/>
-              </a:spcBef>
-              <a:spcAft>
-                <a:spcPct val="0"/>
-              </a:spcAft>
-              <a:defRPr>
-                <a:solidFill>
-                  <a:schemeClr val="tx1"/>
-                </a:solidFill>
-                <a:latin typeface="Arial" panose="020B0604020202020204" pitchFamily="34" charset="0"/>
-              </a:defRPr>
-            </a:lvl7pPr>
-            <a:lvl8pPr marL="3429000" indent="-228600" defTabSz="920750" eaLnBrk="0" fontAlgn="base" hangingPunct="0">
-              <a:spcBef>
-                <a:spcPct val="0"/>
-              </a:spcBef>
-              <a:spcAft>
-                <a:spcPct val="0"/>
-              </a:spcAft>
-              <a:defRPr>
-                <a:solidFill>
-                  <a:schemeClr val="tx1"/>
-                </a:solidFill>
-                <a:latin typeface="Arial" panose="020B0604020202020204" pitchFamily="34" charset="0"/>
-              </a:defRPr>
-            </a:lvl8pPr>
-            <a:lvl9pPr marL="3886200" indent="-228600" defTabSz="920750" eaLnBrk="0" fontAlgn="base" hangingPunct="0">
-              <a:spcBef>
-                <a:spcPct val="0"/>
-              </a:spcBef>
-              <a:spcAft>
-                <a:spcPct val="0"/>
-              </a:spcAft>
-              <a:defRPr>
-                <a:solidFill>
-                  <a:schemeClr val="tx1"/>
-                </a:solidFill>
-                <a:latin typeface="Arial" panose="020B0604020202020204" pitchFamily="34" charset="0"/>
-              </a:defRPr>
-            </a:lvl9pPr>
-          </a:lstStyle>
-          <a:p>
-            <a:fld id="{024FE29A-0FFA-4EAC-A640-10268E671FEF}" type="slidenum">
-              <a:rPr lang="fr-FR" altLang="fr-FR"/>
-              <a:pPr/>
-              <a:t>25</a:t>
-            </a:fld>
-            <a:endParaRPr lang="fr-FR" altLang="fr-FR"/>
-          </a:p>
-        </p:txBody>
-      </p:sp>
-    </p:spTree>
-    <p:extLst>
-      <p:ext uri="{BB962C8B-B14F-4D97-AF65-F5344CB8AC3E}">
-        <p14:creationId xmlns:p14="http://schemas.microsoft.com/office/powerpoint/2010/main" val="486725490"/>
       </p:ext>
     </p:extLst>
   </p:cSld>
@@ -3060,7 +3155,7 @@
           <a:p>
             <a:fld id="{60184FBF-4AF8-4639-B60E-CD3D72474494}" type="datetimeFigureOut">
               <a:rPr lang="fr-FR" smtClean="0"/>
-              <a:t>10/05/2021</a:t>
+              <a:t>29/05/2021</a:t>
             </a:fld>
             <a:endParaRPr lang="fr-FR"/>
           </a:p>
@@ -3273,7 +3368,7 @@
           <a:p>
             <a:fld id="{60184FBF-4AF8-4639-B60E-CD3D72474494}" type="datetimeFigureOut">
               <a:rPr lang="fr-FR" smtClean="0"/>
-              <a:t>10/05/2021</a:t>
+              <a:t>29/05/2021</a:t>
             </a:fld>
             <a:endParaRPr lang="fr-FR"/>
           </a:p>
@@ -3906,14 +4001,14 @@
       </p:sp>
       <p:sp>
         <p:nvSpPr>
-          <p:cNvPr id="6" name="ZoneTexte 5"/>
+          <p:cNvPr id="5" name="ZoneTexte 4"/>
           <p:cNvSpPr txBox="1"/>
           <p:nvPr/>
         </p:nvSpPr>
         <p:spPr>
           <a:xfrm>
-            <a:off x="243400" y="6220918"/>
-            <a:ext cx="3462871" cy="369332"/>
+            <a:off x="1056485" y="5637605"/>
+            <a:ext cx="7031027" cy="923330"/>
           </a:xfrm>
           <a:prstGeom prst="rect">
             <a:avLst/>
@@ -3928,7 +4023,35 @@
           <a:p>
             <a:r>
               <a:rPr lang="fr-FR" dirty="0" smtClean="0"/>
-              <a:t>Résultat avec le niveau de zoom 17</a:t>
+              <a:t>L’onglet Assembler permet d’exporter la </a:t>
+            </a:r>
+            <a:r>
+              <a:rPr lang="fr-FR" dirty="0" err="1" smtClean="0"/>
+              <a:t>carto</a:t>
+            </a:r>
+            <a:r>
+              <a:rPr lang="fr-FR" dirty="0" smtClean="0"/>
+              <a:t> dans un format exploitable</a:t>
+            </a:r>
+          </a:p>
+          <a:p>
+            <a:pPr marL="285750" indent="-285750">
+              <a:buFontTx/>
+              <a:buChar char="-"/>
+            </a:pPr>
+            <a:r>
+              <a:rPr lang="fr-FR" dirty="0" smtClean="0"/>
+              <a:t>Choisir la carte, le niveau de zoom</a:t>
+            </a:r>
+          </a:p>
+          <a:p>
+            <a:pPr marL="285750" indent="-285750">
+              <a:buFontTx/>
+              <a:buChar char="-"/>
+            </a:pPr>
+            <a:r>
+              <a:rPr lang="fr-FR" dirty="0" smtClean="0"/>
+              <a:t>Il est possible de découper la carte si elle est imposante</a:t>
             </a:r>
             <a:endParaRPr lang="fr-FR" dirty="0"/>
           </a:p>
@@ -3936,7 +4059,7 @@
       </p:sp>
       <p:pic>
         <p:nvPicPr>
-          <p:cNvPr id="4" name="Image 3"/>
+          <p:cNvPr id="2" name="Image 1"/>
           <p:cNvPicPr>
             <a:picLocks noChangeAspect="1"/>
           </p:cNvPicPr>
@@ -3950,8 +4073,8 @@
         </p:blipFill>
         <p:spPr>
           <a:xfrm>
-            <a:off x="1104796" y="1250049"/>
-            <a:ext cx="6934408" cy="4708549"/>
+            <a:off x="2290760" y="1502917"/>
+            <a:ext cx="4562475" cy="3619500"/>
           </a:xfrm>
           <a:prstGeom prst="rect">
             <a:avLst/>
@@ -3966,7 +4089,7 @@
     </p:spTree>
     <p:extLst>
       <p:ext uri="{BB962C8B-B14F-4D97-AF65-F5344CB8AC3E}">
-        <p14:creationId xmlns:p14="http://schemas.microsoft.com/office/powerpoint/2010/main" val="632001234"/>
+        <p14:creationId xmlns:p14="http://schemas.microsoft.com/office/powerpoint/2010/main" val="3076171619"/>
       </p:ext>
     </p:extLst>
   </p:cSld>
@@ -3995,6 +4118,130 @@
       </p:grpSpPr>
       <p:sp>
         <p:nvSpPr>
+          <p:cNvPr id="3" name="ZoneTexte 2"/>
+          <p:cNvSpPr txBox="1"/>
+          <p:nvPr/>
+        </p:nvSpPr>
+        <p:spPr>
+          <a:xfrm>
+            <a:off x="0" y="402955"/>
+            <a:ext cx="9144000" cy="584775"/>
+          </a:xfrm>
+          <a:prstGeom prst="rect">
+            <a:avLst/>
+          </a:prstGeom>
+          <a:noFill/>
+        </p:spPr>
+        <p:txBody>
+          <a:bodyPr wrap="square" rtlCol="0">
+            <a:spAutoFit/>
+          </a:bodyPr>
+          <a:lstStyle/>
+          <a:p>
+            <a:pPr algn="ctr"/>
+            <a:r>
+              <a:rPr lang="fr-FR" sz="3200" dirty="0" smtClean="0"/>
+              <a:t>Exporter depuis SAS </a:t>
+            </a:r>
+            <a:r>
+              <a:rPr lang="fr-FR" sz="3200" dirty="0" err="1" smtClean="0"/>
+              <a:t>Planet</a:t>
+            </a:r>
+            <a:endParaRPr lang="fr-FR" sz="3200" dirty="0"/>
+          </a:p>
+        </p:txBody>
+      </p:sp>
+      <p:sp>
+        <p:nvSpPr>
+          <p:cNvPr id="6" name="ZoneTexte 5"/>
+          <p:cNvSpPr txBox="1"/>
+          <p:nvPr/>
+        </p:nvSpPr>
+        <p:spPr>
+          <a:xfrm>
+            <a:off x="243400" y="6220918"/>
+            <a:ext cx="3462871" cy="369332"/>
+          </a:xfrm>
+          <a:prstGeom prst="rect">
+            <a:avLst/>
+          </a:prstGeom>
+          <a:noFill/>
+        </p:spPr>
+        <p:txBody>
+          <a:bodyPr wrap="none" rtlCol="0">
+            <a:spAutoFit/>
+          </a:bodyPr>
+          <a:lstStyle/>
+          <a:p>
+            <a:r>
+              <a:rPr lang="fr-FR" dirty="0" smtClean="0"/>
+              <a:t>Résultat avec le niveau de zoom 17</a:t>
+            </a:r>
+            <a:endParaRPr lang="fr-FR" dirty="0"/>
+          </a:p>
+        </p:txBody>
+      </p:sp>
+      <p:pic>
+        <p:nvPicPr>
+          <p:cNvPr id="4" name="Image 3"/>
+          <p:cNvPicPr>
+            <a:picLocks noChangeAspect="1"/>
+          </p:cNvPicPr>
+          <p:nvPr/>
+        </p:nvPicPr>
+        <p:blipFill>
+          <a:blip r:embed="rId2"/>
+          <a:stretch>
+            <a:fillRect/>
+          </a:stretch>
+        </p:blipFill>
+        <p:spPr>
+          <a:xfrm>
+            <a:off x="1104796" y="1250049"/>
+            <a:ext cx="6934408" cy="4708549"/>
+          </a:xfrm>
+          <a:prstGeom prst="rect">
+            <a:avLst/>
+          </a:prstGeom>
+          <a:ln>
+            <a:solidFill>
+              <a:schemeClr val="tx1"/>
+            </a:solidFill>
+          </a:ln>
+        </p:spPr>
+      </p:pic>
+    </p:spTree>
+    <p:extLst>
+      <p:ext uri="{BB962C8B-B14F-4D97-AF65-F5344CB8AC3E}">
+        <p14:creationId xmlns:p14="http://schemas.microsoft.com/office/powerpoint/2010/main" val="632001234"/>
+      </p:ext>
+    </p:extLst>
+  </p:cSld>
+  <p:clrMapOvr>
+    <a:masterClrMapping/>
+  </p:clrMapOvr>
+</p:sld>
+</file>
+
+<file path=ppt/slides/slide12.xml><?xml version="1.0" encoding="utf-8"?>
+<p:sld xmlns:a="http://schemas.openxmlformats.org/drawingml/2006/main" xmlns:r="http://schemas.openxmlformats.org/officeDocument/2006/relationships" xmlns:p="http://schemas.openxmlformats.org/presentationml/2006/main">
+  <p:cSld>
+    <p:spTree>
+      <p:nvGrpSpPr>
+        <p:cNvPr id="1" name=""/>
+        <p:cNvGrpSpPr/>
+        <p:nvPr/>
+      </p:nvGrpSpPr>
+      <p:grpSpPr>
+        <a:xfrm>
+          <a:off x="0" y="0"/>
+          <a:ext cx="0" cy="0"/>
+          <a:chOff x="0" y="0"/>
+          <a:chExt cx="0" cy="0"/>
+        </a:xfrm>
+      </p:grpSpPr>
+      <p:sp>
+        <p:nvSpPr>
           <p:cNvPr id="2" name="Rectangle 1"/>
           <p:cNvSpPr/>
           <p:nvPr/>
@@ -4152,7 +4399,7 @@
 </p:sld>
 </file>
 
-<file path=ppt/slides/slide12.xml><?xml version="1.0" encoding="utf-8"?>
+<file path=ppt/slides/slide13.xml><?xml version="1.0" encoding="utf-8"?>
 <p:sld xmlns:a="http://schemas.openxmlformats.org/drawingml/2006/main" xmlns:r="http://schemas.openxmlformats.org/officeDocument/2006/relationships" xmlns:p="http://schemas.openxmlformats.org/presentationml/2006/main">
   <p:cSld>
     <p:spTree>
@@ -4334,7 +4581,7 @@
 </p:sld>
 </file>
 
-<file path=ppt/slides/slide13.xml><?xml version="1.0" encoding="utf-8"?>
+<file path=ppt/slides/slide14.xml><?xml version="1.0" encoding="utf-8"?>
 <p:sld xmlns:a="http://schemas.openxmlformats.org/drawingml/2006/main" xmlns:r="http://schemas.openxmlformats.org/officeDocument/2006/relationships" xmlns:p="http://schemas.openxmlformats.org/presentationml/2006/main">
   <p:cSld>
     <p:spTree>
@@ -4415,161 +4662,6 @@
     <p:extLst>
       <p:ext uri="{BB962C8B-B14F-4D97-AF65-F5344CB8AC3E}">
         <p14:creationId xmlns:p14="http://schemas.microsoft.com/office/powerpoint/2010/main" val="1615496566"/>
-      </p:ext>
-    </p:extLst>
-  </p:cSld>
-  <p:clrMapOvr>
-    <a:masterClrMapping/>
-  </p:clrMapOvr>
-</p:sld>
-</file>
-
-<file path=ppt/slides/slide14.xml><?xml version="1.0" encoding="utf-8"?>
-<p:sld xmlns:a="http://schemas.openxmlformats.org/drawingml/2006/main" xmlns:r="http://schemas.openxmlformats.org/officeDocument/2006/relationships" xmlns:p="http://schemas.openxmlformats.org/presentationml/2006/main">
-  <p:cSld>
-    <p:spTree>
-      <p:nvGrpSpPr>
-        <p:cNvPr id="1" name=""/>
-        <p:cNvGrpSpPr/>
-        <p:nvPr/>
-      </p:nvGrpSpPr>
-      <p:grpSpPr>
-        <a:xfrm>
-          <a:off x="0" y="0"/>
-          <a:ext cx="0" cy="0"/>
-          <a:chOff x="0" y="0"/>
-          <a:chExt cx="0" cy="0"/>
-        </a:xfrm>
-      </p:grpSpPr>
-      <p:sp>
-        <p:nvSpPr>
-          <p:cNvPr id="3" name="ZoneTexte 2"/>
-          <p:cNvSpPr txBox="1"/>
-          <p:nvPr/>
-        </p:nvSpPr>
-        <p:spPr>
-          <a:xfrm>
-            <a:off x="632232" y="1528550"/>
-            <a:ext cx="8156168" cy="1631216"/>
-          </a:xfrm>
-          <a:prstGeom prst="rect">
-            <a:avLst/>
-          </a:prstGeom>
-          <a:noFill/>
-        </p:spPr>
-        <p:txBody>
-          <a:bodyPr wrap="square" rtlCol="0">
-            <a:spAutoFit/>
-          </a:bodyPr>
-          <a:lstStyle/>
-          <a:p>
-            <a:pPr marL="285750" indent="-285750">
-              <a:buFontTx/>
-              <a:buChar char="-"/>
-            </a:pPr>
-            <a:r>
-              <a:rPr lang="fr-FR" sz="2000" dirty="0" smtClean="0"/>
-              <a:t>Afficher dans </a:t>
-            </a:r>
-            <a:r>
-              <a:rPr lang="fr-FR" sz="2000" dirty="0" err="1" smtClean="0"/>
-              <a:t>GlobalMapper</a:t>
-            </a:r>
-            <a:r>
-              <a:rPr lang="fr-FR" sz="2000" dirty="0" smtClean="0"/>
-              <a:t> la zone voulue</a:t>
-            </a:r>
-          </a:p>
-          <a:p>
-            <a:pPr marL="285750" indent="-285750">
-              <a:buFontTx/>
-              <a:buChar char="-"/>
-            </a:pPr>
-            <a:r>
-              <a:rPr lang="fr-FR" sz="2000" dirty="0" smtClean="0"/>
-              <a:t>Clic droit sur la couche -&gt; Couche -&gt; Exporter</a:t>
-            </a:r>
-          </a:p>
-          <a:p>
-            <a:pPr marL="285750" indent="-285750">
-              <a:buFontTx/>
-              <a:buChar char="-"/>
-            </a:pPr>
-            <a:r>
-              <a:rPr lang="fr-FR" sz="2000" dirty="0" smtClean="0"/>
-              <a:t>Choisir </a:t>
-            </a:r>
-            <a:r>
-              <a:rPr lang="fr-FR" sz="2000" dirty="0"/>
-              <a:t>le format </a:t>
-            </a:r>
-            <a:r>
-              <a:rPr lang="fr-FR" sz="2000" dirty="0" err="1" smtClean="0"/>
-              <a:t>GeoTiff</a:t>
-            </a:r>
-            <a:r>
-              <a:rPr lang="fr-FR" sz="2000" dirty="0" smtClean="0"/>
-              <a:t> ou ECW</a:t>
-            </a:r>
-          </a:p>
-          <a:p>
-            <a:pPr marL="285750" indent="-285750">
-              <a:buFontTx/>
-              <a:buChar char="-"/>
-            </a:pPr>
-            <a:r>
-              <a:rPr lang="fr-FR" sz="2000" dirty="0" smtClean="0"/>
-              <a:t>Dans « limites d’export », cocher « exporter les données visibles à l’écran !</a:t>
-            </a:r>
-          </a:p>
-          <a:p>
-            <a:pPr marL="285750" indent="-285750">
-              <a:buFontTx/>
-              <a:buChar char="-"/>
-            </a:pPr>
-            <a:r>
-              <a:rPr lang="fr-FR" sz="2000" dirty="0" smtClean="0"/>
-              <a:t>L’export peut prendre facilement 30min voire plusieurs heures</a:t>
-            </a:r>
-            <a:endParaRPr lang="fr-FR" sz="2000" dirty="0"/>
-          </a:p>
-        </p:txBody>
-      </p:sp>
-      <p:sp>
-        <p:nvSpPr>
-          <p:cNvPr id="4" name="ZoneTexte 3"/>
-          <p:cNvSpPr txBox="1"/>
-          <p:nvPr/>
-        </p:nvSpPr>
-        <p:spPr>
-          <a:xfrm>
-            <a:off x="0" y="402955"/>
-            <a:ext cx="9144000" cy="584775"/>
-          </a:xfrm>
-          <a:prstGeom prst="rect">
-            <a:avLst/>
-          </a:prstGeom>
-          <a:noFill/>
-        </p:spPr>
-        <p:txBody>
-          <a:bodyPr wrap="square" rtlCol="0">
-            <a:spAutoFit/>
-          </a:bodyPr>
-          <a:lstStyle/>
-          <a:p>
-            <a:pPr algn="ctr"/>
-            <a:r>
-              <a:rPr lang="fr-FR" sz="3200" dirty="0" smtClean="0"/>
-              <a:t>Exporter depuis un serveur de cartes</a:t>
-            </a:r>
-            <a:endParaRPr lang="fr-FR" sz="3200" dirty="0"/>
-          </a:p>
-        </p:txBody>
-      </p:sp>
-    </p:spTree>
-    <p:extLst>
-      <p:ext uri="{BB962C8B-B14F-4D97-AF65-F5344CB8AC3E}">
-        <p14:creationId xmlns:p14="http://schemas.microsoft.com/office/powerpoint/2010/main" val="2032598633"/>
       </p:ext>
     </p:extLst>
   </p:cSld>
@@ -4598,6 +4690,161 @@
       </p:grpSpPr>
       <p:sp>
         <p:nvSpPr>
+          <p:cNvPr id="3" name="ZoneTexte 2"/>
+          <p:cNvSpPr txBox="1"/>
+          <p:nvPr/>
+        </p:nvSpPr>
+        <p:spPr>
+          <a:xfrm>
+            <a:off x="632232" y="1528550"/>
+            <a:ext cx="8156168" cy="1631216"/>
+          </a:xfrm>
+          <a:prstGeom prst="rect">
+            <a:avLst/>
+          </a:prstGeom>
+          <a:noFill/>
+        </p:spPr>
+        <p:txBody>
+          <a:bodyPr wrap="square" rtlCol="0">
+            <a:spAutoFit/>
+          </a:bodyPr>
+          <a:lstStyle/>
+          <a:p>
+            <a:pPr marL="285750" indent="-285750">
+              <a:buFontTx/>
+              <a:buChar char="-"/>
+            </a:pPr>
+            <a:r>
+              <a:rPr lang="fr-FR" sz="2000" dirty="0" smtClean="0"/>
+              <a:t>Afficher dans </a:t>
+            </a:r>
+            <a:r>
+              <a:rPr lang="fr-FR" sz="2000" dirty="0" err="1" smtClean="0"/>
+              <a:t>GlobalMapper</a:t>
+            </a:r>
+            <a:r>
+              <a:rPr lang="fr-FR" sz="2000" dirty="0" smtClean="0"/>
+              <a:t> la zone voulue</a:t>
+            </a:r>
+          </a:p>
+          <a:p>
+            <a:pPr marL="285750" indent="-285750">
+              <a:buFontTx/>
+              <a:buChar char="-"/>
+            </a:pPr>
+            <a:r>
+              <a:rPr lang="fr-FR" sz="2000" dirty="0" smtClean="0"/>
+              <a:t>Clic droit sur la couche -&gt; Couche -&gt; Exporter</a:t>
+            </a:r>
+          </a:p>
+          <a:p>
+            <a:pPr marL="285750" indent="-285750">
+              <a:buFontTx/>
+              <a:buChar char="-"/>
+            </a:pPr>
+            <a:r>
+              <a:rPr lang="fr-FR" sz="2000" dirty="0" smtClean="0"/>
+              <a:t>Choisir </a:t>
+            </a:r>
+            <a:r>
+              <a:rPr lang="fr-FR" sz="2000" dirty="0"/>
+              <a:t>le format </a:t>
+            </a:r>
+            <a:r>
+              <a:rPr lang="fr-FR" sz="2000" dirty="0" err="1" smtClean="0"/>
+              <a:t>GeoTiff</a:t>
+            </a:r>
+            <a:r>
+              <a:rPr lang="fr-FR" sz="2000" dirty="0" smtClean="0"/>
+              <a:t> ou ECW</a:t>
+            </a:r>
+          </a:p>
+          <a:p>
+            <a:pPr marL="285750" indent="-285750">
+              <a:buFontTx/>
+              <a:buChar char="-"/>
+            </a:pPr>
+            <a:r>
+              <a:rPr lang="fr-FR" sz="2000" dirty="0" smtClean="0"/>
+              <a:t>Dans « limites d’export », cocher « exporter les données visibles à l’écran !</a:t>
+            </a:r>
+          </a:p>
+          <a:p>
+            <a:pPr marL="285750" indent="-285750">
+              <a:buFontTx/>
+              <a:buChar char="-"/>
+            </a:pPr>
+            <a:r>
+              <a:rPr lang="fr-FR" sz="2000" dirty="0" smtClean="0"/>
+              <a:t>L’export peut prendre facilement 30min voire plusieurs heures</a:t>
+            </a:r>
+            <a:endParaRPr lang="fr-FR" sz="2000" dirty="0"/>
+          </a:p>
+        </p:txBody>
+      </p:sp>
+      <p:sp>
+        <p:nvSpPr>
+          <p:cNvPr id="4" name="ZoneTexte 3"/>
+          <p:cNvSpPr txBox="1"/>
+          <p:nvPr/>
+        </p:nvSpPr>
+        <p:spPr>
+          <a:xfrm>
+            <a:off x="0" y="402955"/>
+            <a:ext cx="9144000" cy="584775"/>
+          </a:xfrm>
+          <a:prstGeom prst="rect">
+            <a:avLst/>
+          </a:prstGeom>
+          <a:noFill/>
+        </p:spPr>
+        <p:txBody>
+          <a:bodyPr wrap="square" rtlCol="0">
+            <a:spAutoFit/>
+          </a:bodyPr>
+          <a:lstStyle/>
+          <a:p>
+            <a:pPr algn="ctr"/>
+            <a:r>
+              <a:rPr lang="fr-FR" sz="3200" dirty="0" smtClean="0"/>
+              <a:t>Exporter depuis un serveur de cartes</a:t>
+            </a:r>
+            <a:endParaRPr lang="fr-FR" sz="3200" dirty="0"/>
+          </a:p>
+        </p:txBody>
+      </p:sp>
+    </p:spTree>
+    <p:extLst>
+      <p:ext uri="{BB962C8B-B14F-4D97-AF65-F5344CB8AC3E}">
+        <p14:creationId xmlns:p14="http://schemas.microsoft.com/office/powerpoint/2010/main" val="2032598633"/>
+      </p:ext>
+    </p:extLst>
+  </p:cSld>
+  <p:clrMapOvr>
+    <a:masterClrMapping/>
+  </p:clrMapOvr>
+</p:sld>
+</file>
+
+<file path=ppt/slides/slide16.xml><?xml version="1.0" encoding="utf-8"?>
+<p:sld xmlns:a="http://schemas.openxmlformats.org/drawingml/2006/main" xmlns:r="http://schemas.openxmlformats.org/officeDocument/2006/relationships" xmlns:p="http://schemas.openxmlformats.org/presentationml/2006/main">
+  <p:cSld>
+    <p:spTree>
+      <p:nvGrpSpPr>
+        <p:cNvPr id="1" name=""/>
+        <p:cNvGrpSpPr/>
+        <p:nvPr/>
+      </p:nvGrpSpPr>
+      <p:grpSpPr>
+        <a:xfrm>
+          <a:off x="0" y="0"/>
+          <a:ext cx="0" cy="0"/>
+          <a:chOff x="0" y="0"/>
+          <a:chExt cx="0" cy="0"/>
+        </a:xfrm>
+      </p:grpSpPr>
+      <p:sp>
+        <p:nvSpPr>
           <p:cNvPr id="2" name="ZoneTexte 1"/>
           <p:cNvSpPr txBox="1"/>
           <p:nvPr/>
@@ -4698,7 +4945,7 @@
 </p:sld>
 </file>
 
-<file path=ppt/slides/slide16.xml><?xml version="1.0" encoding="utf-8"?>
+<file path=ppt/slides/slide17.xml><?xml version="1.0" encoding="utf-8"?>
 <p:sld xmlns:a="http://schemas.openxmlformats.org/drawingml/2006/main" xmlns:r="http://schemas.openxmlformats.org/officeDocument/2006/relationships" xmlns:p="http://schemas.openxmlformats.org/presentationml/2006/main">
   <p:cSld>
     <p:spTree>
@@ -5184,7 +5431,7 @@
 </p:sld>
 </file>
 
-<file path=ppt/slides/slide17.xml><?xml version="1.0" encoding="utf-8"?>
+<file path=ppt/slides/slide18.xml><?xml version="1.0" encoding="utf-8"?>
 <p:sld xmlns:a="http://schemas.openxmlformats.org/drawingml/2006/main" xmlns:r="http://schemas.openxmlformats.org/officeDocument/2006/relationships" xmlns:p="http://schemas.openxmlformats.org/presentationml/2006/main">
   <p:cSld>
     <p:spTree>
@@ -5348,7 +5595,7 @@
 </p:sld>
 </file>
 
-<file path=ppt/slides/slide18.xml><?xml version="1.0" encoding="utf-8"?>
+<file path=ppt/slides/slide19.xml><?xml version="1.0" encoding="utf-8"?>
 <p:sld xmlns:a="http://schemas.openxmlformats.org/drawingml/2006/main" xmlns:r="http://schemas.openxmlformats.org/officeDocument/2006/relationships" xmlns:p="http://schemas.openxmlformats.org/presentationml/2006/main">
   <p:cSld>
     <p:spTree>
@@ -5506,7 +5753,172 @@
 </p:sld>
 </file>
 
-<file path=ppt/slides/slide19.xml><?xml version="1.0" encoding="utf-8"?>
+<file path=ppt/slides/slide2.xml><?xml version="1.0" encoding="utf-8"?>
+<p:sld xmlns:a="http://schemas.openxmlformats.org/drawingml/2006/main" xmlns:r="http://schemas.openxmlformats.org/officeDocument/2006/relationships" xmlns:p="http://schemas.openxmlformats.org/presentationml/2006/main">
+  <p:cSld>
+    <p:spTree>
+      <p:nvGrpSpPr>
+        <p:cNvPr id="1" name=""/>
+        <p:cNvGrpSpPr/>
+        <p:nvPr/>
+      </p:nvGrpSpPr>
+      <p:grpSpPr>
+        <a:xfrm>
+          <a:off x="0" y="0"/>
+          <a:ext cx="0" cy="0"/>
+          <a:chOff x="0" y="0"/>
+          <a:chExt cx="0" cy="0"/>
+        </a:xfrm>
+      </p:grpSpPr>
+      <p:sp>
+        <p:nvSpPr>
+          <p:cNvPr id="2" name="ZoneTexte 1"/>
+          <p:cNvSpPr txBox="1"/>
+          <p:nvPr/>
+        </p:nvSpPr>
+        <p:spPr>
+          <a:xfrm>
+            <a:off x="0" y="402955"/>
+            <a:ext cx="9144000" cy="584775"/>
+          </a:xfrm>
+          <a:prstGeom prst="rect">
+            <a:avLst/>
+          </a:prstGeom>
+          <a:noFill/>
+        </p:spPr>
+        <p:txBody>
+          <a:bodyPr wrap="square" rtlCol="0">
+            <a:spAutoFit/>
+          </a:bodyPr>
+          <a:lstStyle/>
+          <a:p>
+            <a:pPr algn="ctr"/>
+            <a:r>
+              <a:rPr lang="fr-FR" sz="3200" dirty="0" smtClean="0"/>
+              <a:t>Via Internet</a:t>
+            </a:r>
+            <a:endParaRPr lang="fr-FR" sz="3200" dirty="0"/>
+          </a:p>
+        </p:txBody>
+      </p:sp>
+      <p:sp>
+        <p:nvSpPr>
+          <p:cNvPr id="3" name="ZoneTexte 2"/>
+          <p:cNvSpPr txBox="1"/>
+          <p:nvPr/>
+        </p:nvSpPr>
+        <p:spPr>
+          <a:xfrm>
+            <a:off x="319297" y="1214651"/>
+            <a:ext cx="8483509" cy="3785652"/>
+          </a:xfrm>
+          <a:prstGeom prst="rect">
+            <a:avLst/>
+          </a:prstGeom>
+          <a:noFill/>
+        </p:spPr>
+        <p:txBody>
+          <a:bodyPr wrap="square" rtlCol="0">
+            <a:spAutoFit/>
+          </a:bodyPr>
+          <a:lstStyle/>
+          <a:p>
+            <a:r>
+              <a:rPr lang="fr-FR" sz="2000" b="1" u="sng" dirty="0" smtClean="0"/>
+              <a:t>Données </a:t>
+            </a:r>
+            <a:r>
+              <a:rPr lang="fr-FR" sz="2000" b="1" u="sng" dirty="0" err="1" smtClean="0"/>
+              <a:t>carto</a:t>
+            </a:r>
+            <a:r>
+              <a:rPr lang="fr-FR" sz="2000" b="1" u="sng" dirty="0" smtClean="0"/>
+              <a:t> France</a:t>
+            </a:r>
+          </a:p>
+          <a:p>
+            <a:endParaRPr lang="fr-FR" sz="2000" b="1" u="sng" dirty="0" smtClean="0"/>
+          </a:p>
+          <a:p>
+            <a:endParaRPr lang="fr-FR" sz="2000" b="1" u="sng" dirty="0"/>
+          </a:p>
+          <a:p>
+            <a:r>
+              <a:rPr lang="fr-FR" sz="2000" b="1" u="sng" dirty="0"/>
+              <a:t>Données </a:t>
+            </a:r>
+            <a:r>
+              <a:rPr lang="fr-FR" sz="2000" b="1" u="sng" dirty="0" err="1"/>
+              <a:t>carto</a:t>
+            </a:r>
+            <a:r>
+              <a:rPr lang="fr-FR" sz="2000" b="1" u="sng" dirty="0"/>
+              <a:t> </a:t>
+            </a:r>
+            <a:r>
+              <a:rPr lang="fr-FR" sz="2000" b="1" u="sng" dirty="0" smtClean="0"/>
+              <a:t>Monde</a:t>
+            </a:r>
+          </a:p>
+          <a:p>
+            <a:endParaRPr lang="fr-FR" sz="2000" b="1" u="sng" dirty="0" smtClean="0"/>
+          </a:p>
+          <a:p>
+            <a:endParaRPr lang="fr-FR" sz="2000" b="1" u="sng" dirty="0" smtClean="0"/>
+          </a:p>
+          <a:p>
+            <a:r>
+              <a:rPr lang="fr-FR" sz="2000" b="1" u="sng" dirty="0" smtClean="0"/>
+              <a:t>Utilisation SAS </a:t>
+            </a:r>
+            <a:r>
+              <a:rPr lang="fr-FR" sz="2000" b="1" u="sng" dirty="0" err="1" smtClean="0"/>
+              <a:t>Planet</a:t>
+            </a:r>
+            <a:endParaRPr lang="fr-FR" sz="2000" b="1" u="sng" dirty="0"/>
+          </a:p>
+          <a:p>
+            <a:endParaRPr lang="fr-FR" sz="2000" b="1" u="sng" dirty="0" smtClean="0"/>
+          </a:p>
+          <a:p>
+            <a:endParaRPr lang="fr-FR" sz="2000" b="1" u="sng" dirty="0"/>
+          </a:p>
+          <a:p>
+            <a:r>
+              <a:rPr lang="fr-FR" sz="2000" b="1" u="sng" dirty="0" smtClean="0"/>
+              <a:t>Serveurs de cartes</a:t>
+            </a:r>
+            <a:endParaRPr lang="fr-FR" sz="2000" b="1" u="sng" dirty="0"/>
+          </a:p>
+          <a:p>
+            <a:endParaRPr lang="fr-FR" sz="2000" dirty="0"/>
+          </a:p>
+          <a:p>
+            <a:endParaRPr lang="fr-FR" sz="2000" dirty="0" smtClean="0"/>
+          </a:p>
+        </p:txBody>
+      </p:sp>
+    </p:spTree>
+    <p:extLst>
+      <p:ext uri="{BB962C8B-B14F-4D97-AF65-F5344CB8AC3E}">
+        <p14:creationId xmlns:p14="http://schemas.microsoft.com/office/powerpoint/2010/main" val="3586088280"/>
+      </p:ext>
+    </p:extLst>
+  </p:cSld>
+  <p:clrMapOvr>
+    <a:masterClrMapping/>
+  </p:clrMapOvr>
+  <p:timing>
+    <p:tnLst>
+      <p:par>
+        <p:cTn id="1" dur="indefinite" restart="never" nodeType="tmRoot"/>
+      </p:par>
+    </p:tnLst>
+  </p:timing>
+</p:sld>
+</file>
+
+<file path=ppt/slides/slide20.xml><?xml version="1.0" encoding="utf-8"?>
 <p:sld xmlns:a="http://schemas.openxmlformats.org/drawingml/2006/main" xmlns:r="http://schemas.openxmlformats.org/officeDocument/2006/relationships" xmlns:p="http://schemas.openxmlformats.org/presentationml/2006/main">
   <p:cSld>
     <p:spTree>
@@ -5657,172 +6069,7 @@
 </p:sld>
 </file>
 
-<file path=ppt/slides/slide2.xml><?xml version="1.0" encoding="utf-8"?>
-<p:sld xmlns:a="http://schemas.openxmlformats.org/drawingml/2006/main" xmlns:r="http://schemas.openxmlformats.org/officeDocument/2006/relationships" xmlns:p="http://schemas.openxmlformats.org/presentationml/2006/main">
-  <p:cSld>
-    <p:spTree>
-      <p:nvGrpSpPr>
-        <p:cNvPr id="1" name=""/>
-        <p:cNvGrpSpPr/>
-        <p:nvPr/>
-      </p:nvGrpSpPr>
-      <p:grpSpPr>
-        <a:xfrm>
-          <a:off x="0" y="0"/>
-          <a:ext cx="0" cy="0"/>
-          <a:chOff x="0" y="0"/>
-          <a:chExt cx="0" cy="0"/>
-        </a:xfrm>
-      </p:grpSpPr>
-      <p:sp>
-        <p:nvSpPr>
-          <p:cNvPr id="2" name="ZoneTexte 1"/>
-          <p:cNvSpPr txBox="1"/>
-          <p:nvPr/>
-        </p:nvSpPr>
-        <p:spPr>
-          <a:xfrm>
-            <a:off x="0" y="402955"/>
-            <a:ext cx="9144000" cy="584775"/>
-          </a:xfrm>
-          <a:prstGeom prst="rect">
-            <a:avLst/>
-          </a:prstGeom>
-          <a:noFill/>
-        </p:spPr>
-        <p:txBody>
-          <a:bodyPr wrap="square" rtlCol="0">
-            <a:spAutoFit/>
-          </a:bodyPr>
-          <a:lstStyle/>
-          <a:p>
-            <a:pPr algn="ctr"/>
-            <a:r>
-              <a:rPr lang="fr-FR" sz="3200" dirty="0" smtClean="0"/>
-              <a:t>Via Internet</a:t>
-            </a:r>
-            <a:endParaRPr lang="fr-FR" sz="3200" dirty="0"/>
-          </a:p>
-        </p:txBody>
-      </p:sp>
-      <p:sp>
-        <p:nvSpPr>
-          <p:cNvPr id="3" name="ZoneTexte 2"/>
-          <p:cNvSpPr txBox="1"/>
-          <p:nvPr/>
-        </p:nvSpPr>
-        <p:spPr>
-          <a:xfrm>
-            <a:off x="319297" y="1214651"/>
-            <a:ext cx="8483509" cy="3785652"/>
-          </a:xfrm>
-          <a:prstGeom prst="rect">
-            <a:avLst/>
-          </a:prstGeom>
-          <a:noFill/>
-        </p:spPr>
-        <p:txBody>
-          <a:bodyPr wrap="square" rtlCol="0">
-            <a:spAutoFit/>
-          </a:bodyPr>
-          <a:lstStyle/>
-          <a:p>
-            <a:r>
-              <a:rPr lang="fr-FR" sz="2000" b="1" u="sng" dirty="0" smtClean="0"/>
-              <a:t>Données </a:t>
-            </a:r>
-            <a:r>
-              <a:rPr lang="fr-FR" sz="2000" b="1" u="sng" dirty="0" err="1" smtClean="0"/>
-              <a:t>carto</a:t>
-            </a:r>
-            <a:r>
-              <a:rPr lang="fr-FR" sz="2000" b="1" u="sng" dirty="0" smtClean="0"/>
-              <a:t> France</a:t>
-            </a:r>
-          </a:p>
-          <a:p>
-            <a:endParaRPr lang="fr-FR" sz="2000" b="1" u="sng" dirty="0" smtClean="0"/>
-          </a:p>
-          <a:p>
-            <a:endParaRPr lang="fr-FR" sz="2000" b="1" u="sng" dirty="0"/>
-          </a:p>
-          <a:p>
-            <a:r>
-              <a:rPr lang="fr-FR" sz="2000" b="1" u="sng" dirty="0"/>
-              <a:t>Données </a:t>
-            </a:r>
-            <a:r>
-              <a:rPr lang="fr-FR" sz="2000" b="1" u="sng" dirty="0" err="1"/>
-              <a:t>carto</a:t>
-            </a:r>
-            <a:r>
-              <a:rPr lang="fr-FR" sz="2000" b="1" u="sng" dirty="0"/>
-              <a:t> </a:t>
-            </a:r>
-            <a:r>
-              <a:rPr lang="fr-FR" sz="2000" b="1" u="sng" dirty="0" smtClean="0"/>
-              <a:t>Monde</a:t>
-            </a:r>
-          </a:p>
-          <a:p>
-            <a:endParaRPr lang="fr-FR" sz="2000" b="1" u="sng" dirty="0" smtClean="0"/>
-          </a:p>
-          <a:p>
-            <a:endParaRPr lang="fr-FR" sz="2000" b="1" u="sng" dirty="0" smtClean="0"/>
-          </a:p>
-          <a:p>
-            <a:r>
-              <a:rPr lang="fr-FR" sz="2000" b="1" u="sng" dirty="0" smtClean="0"/>
-              <a:t>Utilisation SAS </a:t>
-            </a:r>
-            <a:r>
-              <a:rPr lang="fr-FR" sz="2000" b="1" u="sng" dirty="0" err="1" smtClean="0"/>
-              <a:t>Planet</a:t>
-            </a:r>
-            <a:endParaRPr lang="fr-FR" sz="2000" b="1" u="sng" dirty="0"/>
-          </a:p>
-          <a:p>
-            <a:endParaRPr lang="fr-FR" sz="2000" b="1" u="sng" dirty="0" smtClean="0"/>
-          </a:p>
-          <a:p>
-            <a:endParaRPr lang="fr-FR" sz="2000" b="1" u="sng" dirty="0"/>
-          </a:p>
-          <a:p>
-            <a:r>
-              <a:rPr lang="fr-FR" sz="2000" b="1" u="sng" dirty="0" smtClean="0"/>
-              <a:t>Serveurs de cartes</a:t>
-            </a:r>
-            <a:endParaRPr lang="fr-FR" sz="2000" b="1" u="sng" dirty="0"/>
-          </a:p>
-          <a:p>
-            <a:endParaRPr lang="fr-FR" sz="2000" dirty="0"/>
-          </a:p>
-          <a:p>
-            <a:endParaRPr lang="fr-FR" sz="2000" dirty="0" smtClean="0"/>
-          </a:p>
-        </p:txBody>
-      </p:sp>
-    </p:spTree>
-    <p:extLst>
-      <p:ext uri="{BB962C8B-B14F-4D97-AF65-F5344CB8AC3E}">
-        <p14:creationId xmlns:p14="http://schemas.microsoft.com/office/powerpoint/2010/main" val="3586088280"/>
-      </p:ext>
-    </p:extLst>
-  </p:cSld>
-  <p:clrMapOvr>
-    <a:masterClrMapping/>
-  </p:clrMapOvr>
-  <p:timing>
-    <p:tnLst>
-      <p:par>
-        <p:cTn id="1" dur="indefinite" restart="never" nodeType="tmRoot"/>
-      </p:par>
-    </p:tnLst>
-  </p:timing>
-</p:sld>
-</file>
-
-<file path=ppt/slides/slide20.xml><?xml version="1.0" encoding="utf-8"?>
+<file path=ppt/slides/slide21.xml><?xml version="1.0" encoding="utf-8"?>
 <p:sld xmlns:a="http://schemas.openxmlformats.org/drawingml/2006/main" xmlns:r="http://schemas.openxmlformats.org/officeDocument/2006/relationships" xmlns:p="http://schemas.openxmlformats.org/presentationml/2006/main">
   <p:cSld>
     <p:spTree>
@@ -7272,7 +7519,7 @@
 </p:sld>
 </file>
 
-<file path=ppt/slides/slide21.xml><?xml version="1.0" encoding="utf-8"?>
+<file path=ppt/slides/slide22.xml><?xml version="1.0" encoding="utf-8"?>
 <p:sld xmlns:a="http://schemas.openxmlformats.org/drawingml/2006/main" xmlns:r="http://schemas.openxmlformats.org/officeDocument/2006/relationships" xmlns:p="http://schemas.openxmlformats.org/presentationml/2006/main">
   <p:cSld>
     <p:spTree>
@@ -7889,7 +8136,7 @@
 </p:sld>
 </file>
 
-<file path=ppt/slides/slide22.xml><?xml version="1.0" encoding="utf-8"?>
+<file path=ppt/slides/slide23.xml><?xml version="1.0" encoding="utf-8"?>
 <p:sld xmlns:a="http://schemas.openxmlformats.org/drawingml/2006/main" xmlns:r="http://schemas.openxmlformats.org/officeDocument/2006/relationships" xmlns:p="http://schemas.openxmlformats.org/presentationml/2006/main">
   <p:cSld>
     <p:spTree>
@@ -8058,7 +8305,7 @@
 </p:sld>
 </file>
 
-<file path=ppt/slides/slide23.xml><?xml version="1.0" encoding="utf-8"?>
+<file path=ppt/slides/slide24.xml><?xml version="1.0" encoding="utf-8"?>
 <p:sld xmlns:a="http://schemas.openxmlformats.org/drawingml/2006/main" xmlns:r="http://schemas.openxmlformats.org/officeDocument/2006/relationships" xmlns:p="http://schemas.openxmlformats.org/presentationml/2006/main">
   <p:cSld>
     <p:spTree>
@@ -8174,7 +8421,7 @@
 </p:sld>
 </file>
 
-<file path=ppt/slides/slide24.xml><?xml version="1.0" encoding="utf-8"?>
+<file path=ppt/slides/slide25.xml><?xml version="1.0" encoding="utf-8"?>
 <p:sld xmlns:a="http://schemas.openxmlformats.org/drawingml/2006/main" xmlns:r="http://schemas.openxmlformats.org/officeDocument/2006/relationships" xmlns:p="http://schemas.openxmlformats.org/presentationml/2006/main">
   <p:cSld>
     <p:spTree>
@@ -8749,7 +8996,7 @@
 </p:sld>
 </file>
 
-<file path=ppt/slides/slide25.xml><?xml version="1.0" encoding="utf-8"?>
+<file path=ppt/slides/slide26.xml><?xml version="1.0" encoding="utf-8"?>
 <p:sld xmlns:a="http://schemas.openxmlformats.org/drawingml/2006/main" xmlns:r="http://schemas.openxmlformats.org/officeDocument/2006/relationships" xmlns:p="http://schemas.openxmlformats.org/presentationml/2006/main">
   <p:cSld>
     <p:spTree>
@@ -9363,326 +9610,6 @@
     <p:extLst>
       <p:ext uri="{BB962C8B-B14F-4D97-AF65-F5344CB8AC3E}">
         <p14:creationId xmlns:p14="http://schemas.microsoft.com/office/powerpoint/2010/main" val="2593450732"/>
-      </p:ext>
-    </p:extLst>
-  </p:cSld>
-  <p:clrMapOvr>
-    <a:masterClrMapping/>
-  </p:clrMapOvr>
-  <p:transition spd="slow"/>
-</p:sld>
-</file>
-
-<file path=ppt/slides/slide26.xml><?xml version="1.0" encoding="utf-8"?>
-<p:sld xmlns:a="http://schemas.openxmlformats.org/drawingml/2006/main" xmlns:r="http://schemas.openxmlformats.org/officeDocument/2006/relationships" xmlns:p="http://schemas.openxmlformats.org/presentationml/2006/main">
-  <p:cSld>
-    <p:spTree>
-      <p:nvGrpSpPr>
-        <p:cNvPr id="1" name=""/>
-        <p:cNvGrpSpPr/>
-        <p:nvPr/>
-      </p:nvGrpSpPr>
-      <p:grpSpPr>
-        <a:xfrm>
-          <a:off x="0" y="0"/>
-          <a:ext cx="0" cy="0"/>
-          <a:chOff x="0" y="0"/>
-          <a:chExt cx="0" cy="0"/>
-        </a:xfrm>
-      </p:grpSpPr>
-      <p:pic>
-        <p:nvPicPr>
-          <p:cNvPr id="5" name="Image 4"/>
-          <p:cNvPicPr>
-            <a:picLocks noChangeAspect="1"/>
-          </p:cNvPicPr>
-          <p:nvPr/>
-        </p:nvPicPr>
-        <p:blipFill rotWithShape="1">
-          <a:blip r:embed="rId3" cstate="email">
-            <a:extLst>
-              <a:ext uri="{28A0092B-C50C-407E-A947-70E740481C1C}">
-                <a14:useLocalDpi xmlns:a14="http://schemas.microsoft.com/office/drawing/2010/main"/>
-              </a:ext>
-            </a:extLst>
-          </a:blip>
-          <a:srcRect/>
-          <a:stretch/>
-        </p:blipFill>
-        <p:spPr>
-          <a:xfrm>
-            <a:off x="1143000" y="857251"/>
-            <a:ext cx="6858000" cy="1492529"/>
-          </a:xfrm>
-          <a:prstGeom prst="rect">
-            <a:avLst/>
-          </a:prstGeom>
-        </p:spPr>
-      </p:pic>
-      <p:sp>
-        <p:nvSpPr>
-          <p:cNvPr id="6" name="Ellipse 5"/>
-          <p:cNvSpPr/>
-          <p:nvPr/>
-        </p:nvSpPr>
-        <p:spPr>
-          <a:xfrm>
-            <a:off x="6678115" y="2078851"/>
-            <a:ext cx="918221" cy="270929"/>
-          </a:xfrm>
-          <a:prstGeom prst="ellipse">
-            <a:avLst/>
-          </a:prstGeom>
-          <a:noFill/>
-          <a:ln>
-            <a:solidFill>
-              <a:srgbClr val="FF0000"/>
-            </a:solidFill>
-          </a:ln>
-        </p:spPr>
-        <p:style>
-          <a:lnRef idx="2">
-            <a:schemeClr val="accent1">
-              <a:shade val="50000"/>
-            </a:schemeClr>
-          </a:lnRef>
-          <a:fillRef idx="1">
-            <a:schemeClr val="accent1"/>
-          </a:fillRef>
-          <a:effectRef idx="0">
-            <a:schemeClr val="accent1"/>
-          </a:effectRef>
-          <a:fontRef idx="minor">
-            <a:schemeClr val="lt1"/>
-          </a:fontRef>
-        </p:style>
-        <p:txBody>
-          <a:bodyPr rtlCol="0" anchor="ctr"/>
-          <a:lstStyle/>
-          <a:p>
-            <a:pPr algn="ctr"/>
-            <a:endParaRPr lang="fr-FR" sz="1350"/>
-          </a:p>
-        </p:txBody>
-      </p:sp>
-      <p:sp>
-        <p:nvSpPr>
-          <p:cNvPr id="3" name="Rectangle 18"/>
-          <p:cNvSpPr txBox="1">
-            <a:spLocks noChangeArrowheads="1"/>
-          </p:cNvSpPr>
-          <p:nvPr/>
-        </p:nvSpPr>
-        <p:spPr>
-          <a:xfrm>
-            <a:off x="2951820" y="2450511"/>
-            <a:ext cx="3240360" cy="432048"/>
-          </a:xfrm>
-          <a:prstGeom prst="rect">
-            <a:avLst/>
-          </a:prstGeom>
-          <a:solidFill>
-            <a:schemeClr val="bg1"/>
-          </a:solidFill>
-          <a:ln>
-            <a:solidFill>
-              <a:schemeClr val="tx1"/>
-            </a:solidFill>
-          </a:ln>
-        </p:spPr>
-        <p:txBody>
-          <a:bodyPr/>
-          <a:lstStyle>
-            <a:lvl1pPr algn="l" rtl="0" eaLnBrk="0" fontAlgn="base" hangingPunct="0">
-              <a:spcBef>
-                <a:spcPct val="0"/>
-              </a:spcBef>
-              <a:spcAft>
-                <a:spcPct val="0"/>
-              </a:spcAft>
-              <a:defRPr sz="3600" kern="1200" cap="all">
-                <a:solidFill>
-                  <a:schemeClr val="tx2"/>
-                </a:solidFill>
-                <a:effectLst>
-                  <a:reflection blurRad="12700" stA="48000" endA="300" endPos="55000" dir="5400000" sy="-90000" algn="bl" rotWithShape="0"/>
-                </a:effectLst>
-                <a:latin typeface="+mj-lt"/>
-                <a:ea typeface="+mj-ea"/>
-                <a:cs typeface="+mj-cs"/>
-              </a:defRPr>
-            </a:lvl1pPr>
-            <a:lvl2pPr algn="l" rtl="0" eaLnBrk="0" fontAlgn="base" hangingPunct="0">
-              <a:spcBef>
-                <a:spcPct val="0"/>
-              </a:spcBef>
-              <a:spcAft>
-                <a:spcPct val="0"/>
-              </a:spcAft>
-              <a:defRPr sz="3600">
-                <a:solidFill>
-                  <a:schemeClr val="tx2"/>
-                </a:solidFill>
-                <a:latin typeface="Franklin Gothic Medium" pitchFamily="34" charset="0"/>
-              </a:defRPr>
-            </a:lvl2pPr>
-            <a:lvl3pPr algn="l" rtl="0" eaLnBrk="0" fontAlgn="base" hangingPunct="0">
-              <a:spcBef>
-                <a:spcPct val="0"/>
-              </a:spcBef>
-              <a:spcAft>
-                <a:spcPct val="0"/>
-              </a:spcAft>
-              <a:defRPr sz="3600">
-                <a:solidFill>
-                  <a:schemeClr val="tx2"/>
-                </a:solidFill>
-                <a:latin typeface="Franklin Gothic Medium" pitchFamily="34" charset="0"/>
-              </a:defRPr>
-            </a:lvl3pPr>
-            <a:lvl4pPr algn="l" rtl="0" eaLnBrk="0" fontAlgn="base" hangingPunct="0">
-              <a:spcBef>
-                <a:spcPct val="0"/>
-              </a:spcBef>
-              <a:spcAft>
-                <a:spcPct val="0"/>
-              </a:spcAft>
-              <a:defRPr sz="3600">
-                <a:solidFill>
-                  <a:schemeClr val="tx2"/>
-                </a:solidFill>
-                <a:latin typeface="Franklin Gothic Medium" pitchFamily="34" charset="0"/>
-              </a:defRPr>
-            </a:lvl4pPr>
-            <a:lvl5pPr algn="l" rtl="0" eaLnBrk="0" fontAlgn="base" hangingPunct="0">
-              <a:spcBef>
-                <a:spcPct val="0"/>
-              </a:spcBef>
-              <a:spcAft>
-                <a:spcPct val="0"/>
-              </a:spcAft>
-              <a:defRPr sz="3600">
-                <a:solidFill>
-                  <a:schemeClr val="tx2"/>
-                </a:solidFill>
-                <a:latin typeface="Franklin Gothic Medium" pitchFamily="34" charset="0"/>
-              </a:defRPr>
-            </a:lvl5pPr>
-            <a:lvl6pPr marL="457200" algn="l" rtl="0" fontAlgn="base">
-              <a:spcBef>
-                <a:spcPct val="0"/>
-              </a:spcBef>
-              <a:spcAft>
-                <a:spcPct val="0"/>
-              </a:spcAft>
-              <a:defRPr sz="3600">
-                <a:solidFill>
-                  <a:schemeClr val="tx2"/>
-                </a:solidFill>
-                <a:latin typeface="Franklin Gothic Medium" pitchFamily="34" charset="0"/>
-              </a:defRPr>
-            </a:lvl6pPr>
-            <a:lvl7pPr marL="914400" algn="l" rtl="0" fontAlgn="base">
-              <a:spcBef>
-                <a:spcPct val="0"/>
-              </a:spcBef>
-              <a:spcAft>
-                <a:spcPct val="0"/>
-              </a:spcAft>
-              <a:defRPr sz="3600">
-                <a:solidFill>
-                  <a:schemeClr val="tx2"/>
-                </a:solidFill>
-                <a:latin typeface="Franklin Gothic Medium" pitchFamily="34" charset="0"/>
-              </a:defRPr>
-            </a:lvl7pPr>
-            <a:lvl8pPr marL="1371600" algn="l" rtl="0" fontAlgn="base">
-              <a:spcBef>
-                <a:spcPct val="0"/>
-              </a:spcBef>
-              <a:spcAft>
-                <a:spcPct val="0"/>
-              </a:spcAft>
-              <a:defRPr sz="3600">
-                <a:solidFill>
-                  <a:schemeClr val="tx2"/>
-                </a:solidFill>
-                <a:latin typeface="Franklin Gothic Medium" pitchFamily="34" charset="0"/>
-              </a:defRPr>
-            </a:lvl8pPr>
-            <a:lvl9pPr marL="1828800" algn="l" rtl="0" fontAlgn="base">
-              <a:spcBef>
-                <a:spcPct val="0"/>
-              </a:spcBef>
-              <a:spcAft>
-                <a:spcPct val="0"/>
-              </a:spcAft>
-              <a:defRPr sz="3600">
-                <a:solidFill>
-                  <a:schemeClr val="tx2"/>
-                </a:solidFill>
-                <a:latin typeface="Franklin Gothic Medium" pitchFamily="34" charset="0"/>
-              </a:defRPr>
-            </a:lvl9pPr>
-          </a:lstStyle>
-          <a:p>
-            <a:pPr algn="ctr" eaLnBrk="1" hangingPunct="1">
-              <a:defRPr/>
-            </a:pPr>
-            <a:r>
-              <a:rPr lang="fr-FR" sz="1800" b="1" i="1" u="sng" dirty="0">
-                <a:solidFill>
-                  <a:schemeClr val="accent6">
-                    <a:lumMod val="50000"/>
-                  </a:schemeClr>
-                </a:solidFill>
-                <a:latin typeface="Arial" panose="020B0604020202020204" pitchFamily="34" charset="0"/>
-                <a:cs typeface="Arial" panose="020B0604020202020204" pitchFamily="34" charset="0"/>
-              </a:rPr>
-              <a:t>CARTES SENTINELLE</a:t>
-            </a:r>
-          </a:p>
-        </p:txBody>
-      </p:sp>
-      <p:pic>
-        <p:nvPicPr>
-          <p:cNvPr id="2" name="Image 1"/>
-          <p:cNvPicPr>
-            <a:picLocks noChangeAspect="1"/>
-          </p:cNvPicPr>
-          <p:nvPr/>
-        </p:nvPicPr>
-        <p:blipFill>
-          <a:blip r:embed="rId4" cstate="email">
-            <a:extLst>
-              <a:ext uri="{28A0092B-C50C-407E-A947-70E740481C1C}">
-                <a14:useLocalDpi xmlns:a14="http://schemas.microsoft.com/office/drawing/2010/main"/>
-              </a:ext>
-            </a:extLst>
-          </a:blip>
-          <a:stretch>
-            <a:fillRect/>
-          </a:stretch>
-        </p:blipFill>
-        <p:spPr>
-          <a:xfrm>
-            <a:off x="2453989" y="2996952"/>
-            <a:ext cx="4236023" cy="2997000"/>
-          </a:xfrm>
-          <a:prstGeom prst="rect">
-            <a:avLst/>
-          </a:prstGeom>
-          <a:ln>
-            <a:solidFill>
-              <a:schemeClr val="tx1"/>
-            </a:solidFill>
-          </a:ln>
-        </p:spPr>
-      </p:pic>
-    </p:spTree>
-    <p:extLst>
-      <p:ext uri="{BB962C8B-B14F-4D97-AF65-F5344CB8AC3E}">
-        <p14:creationId xmlns:p14="http://schemas.microsoft.com/office/powerpoint/2010/main" val="1483593224"/>
       </p:ext>
     </p:extLst>
   </p:cSld>
@@ -9747,6 +9674,326 @@
         </p:nvSpPr>
         <p:spPr>
           <a:xfrm>
+            <a:off x="6678115" y="2078851"/>
+            <a:ext cx="918221" cy="270929"/>
+          </a:xfrm>
+          <a:prstGeom prst="ellipse">
+            <a:avLst/>
+          </a:prstGeom>
+          <a:noFill/>
+          <a:ln>
+            <a:solidFill>
+              <a:srgbClr val="FF0000"/>
+            </a:solidFill>
+          </a:ln>
+        </p:spPr>
+        <p:style>
+          <a:lnRef idx="2">
+            <a:schemeClr val="accent1">
+              <a:shade val="50000"/>
+            </a:schemeClr>
+          </a:lnRef>
+          <a:fillRef idx="1">
+            <a:schemeClr val="accent1"/>
+          </a:fillRef>
+          <a:effectRef idx="0">
+            <a:schemeClr val="accent1"/>
+          </a:effectRef>
+          <a:fontRef idx="minor">
+            <a:schemeClr val="lt1"/>
+          </a:fontRef>
+        </p:style>
+        <p:txBody>
+          <a:bodyPr rtlCol="0" anchor="ctr"/>
+          <a:lstStyle/>
+          <a:p>
+            <a:pPr algn="ctr"/>
+            <a:endParaRPr lang="fr-FR" sz="1350"/>
+          </a:p>
+        </p:txBody>
+      </p:sp>
+      <p:sp>
+        <p:nvSpPr>
+          <p:cNvPr id="3" name="Rectangle 18"/>
+          <p:cNvSpPr txBox="1">
+            <a:spLocks noChangeArrowheads="1"/>
+          </p:cNvSpPr>
+          <p:nvPr/>
+        </p:nvSpPr>
+        <p:spPr>
+          <a:xfrm>
+            <a:off x="2951820" y="2450511"/>
+            <a:ext cx="3240360" cy="432048"/>
+          </a:xfrm>
+          <a:prstGeom prst="rect">
+            <a:avLst/>
+          </a:prstGeom>
+          <a:solidFill>
+            <a:schemeClr val="bg1"/>
+          </a:solidFill>
+          <a:ln>
+            <a:solidFill>
+              <a:schemeClr val="tx1"/>
+            </a:solidFill>
+          </a:ln>
+        </p:spPr>
+        <p:txBody>
+          <a:bodyPr/>
+          <a:lstStyle>
+            <a:lvl1pPr algn="l" rtl="0" eaLnBrk="0" fontAlgn="base" hangingPunct="0">
+              <a:spcBef>
+                <a:spcPct val="0"/>
+              </a:spcBef>
+              <a:spcAft>
+                <a:spcPct val="0"/>
+              </a:spcAft>
+              <a:defRPr sz="3600" kern="1200" cap="all">
+                <a:solidFill>
+                  <a:schemeClr val="tx2"/>
+                </a:solidFill>
+                <a:effectLst>
+                  <a:reflection blurRad="12700" stA="48000" endA="300" endPos="55000" dir="5400000" sy="-90000" algn="bl" rotWithShape="0"/>
+                </a:effectLst>
+                <a:latin typeface="+mj-lt"/>
+                <a:ea typeface="+mj-ea"/>
+                <a:cs typeface="+mj-cs"/>
+              </a:defRPr>
+            </a:lvl1pPr>
+            <a:lvl2pPr algn="l" rtl="0" eaLnBrk="0" fontAlgn="base" hangingPunct="0">
+              <a:spcBef>
+                <a:spcPct val="0"/>
+              </a:spcBef>
+              <a:spcAft>
+                <a:spcPct val="0"/>
+              </a:spcAft>
+              <a:defRPr sz="3600">
+                <a:solidFill>
+                  <a:schemeClr val="tx2"/>
+                </a:solidFill>
+                <a:latin typeface="Franklin Gothic Medium" pitchFamily="34" charset="0"/>
+              </a:defRPr>
+            </a:lvl2pPr>
+            <a:lvl3pPr algn="l" rtl="0" eaLnBrk="0" fontAlgn="base" hangingPunct="0">
+              <a:spcBef>
+                <a:spcPct val="0"/>
+              </a:spcBef>
+              <a:spcAft>
+                <a:spcPct val="0"/>
+              </a:spcAft>
+              <a:defRPr sz="3600">
+                <a:solidFill>
+                  <a:schemeClr val="tx2"/>
+                </a:solidFill>
+                <a:latin typeface="Franklin Gothic Medium" pitchFamily="34" charset="0"/>
+              </a:defRPr>
+            </a:lvl3pPr>
+            <a:lvl4pPr algn="l" rtl="0" eaLnBrk="0" fontAlgn="base" hangingPunct="0">
+              <a:spcBef>
+                <a:spcPct val="0"/>
+              </a:spcBef>
+              <a:spcAft>
+                <a:spcPct val="0"/>
+              </a:spcAft>
+              <a:defRPr sz="3600">
+                <a:solidFill>
+                  <a:schemeClr val="tx2"/>
+                </a:solidFill>
+                <a:latin typeface="Franklin Gothic Medium" pitchFamily="34" charset="0"/>
+              </a:defRPr>
+            </a:lvl4pPr>
+            <a:lvl5pPr algn="l" rtl="0" eaLnBrk="0" fontAlgn="base" hangingPunct="0">
+              <a:spcBef>
+                <a:spcPct val="0"/>
+              </a:spcBef>
+              <a:spcAft>
+                <a:spcPct val="0"/>
+              </a:spcAft>
+              <a:defRPr sz="3600">
+                <a:solidFill>
+                  <a:schemeClr val="tx2"/>
+                </a:solidFill>
+                <a:latin typeface="Franklin Gothic Medium" pitchFamily="34" charset="0"/>
+              </a:defRPr>
+            </a:lvl5pPr>
+            <a:lvl6pPr marL="457200" algn="l" rtl="0" fontAlgn="base">
+              <a:spcBef>
+                <a:spcPct val="0"/>
+              </a:spcBef>
+              <a:spcAft>
+                <a:spcPct val="0"/>
+              </a:spcAft>
+              <a:defRPr sz="3600">
+                <a:solidFill>
+                  <a:schemeClr val="tx2"/>
+                </a:solidFill>
+                <a:latin typeface="Franklin Gothic Medium" pitchFamily="34" charset="0"/>
+              </a:defRPr>
+            </a:lvl6pPr>
+            <a:lvl7pPr marL="914400" algn="l" rtl="0" fontAlgn="base">
+              <a:spcBef>
+                <a:spcPct val="0"/>
+              </a:spcBef>
+              <a:spcAft>
+                <a:spcPct val="0"/>
+              </a:spcAft>
+              <a:defRPr sz="3600">
+                <a:solidFill>
+                  <a:schemeClr val="tx2"/>
+                </a:solidFill>
+                <a:latin typeface="Franklin Gothic Medium" pitchFamily="34" charset="0"/>
+              </a:defRPr>
+            </a:lvl7pPr>
+            <a:lvl8pPr marL="1371600" algn="l" rtl="0" fontAlgn="base">
+              <a:spcBef>
+                <a:spcPct val="0"/>
+              </a:spcBef>
+              <a:spcAft>
+                <a:spcPct val="0"/>
+              </a:spcAft>
+              <a:defRPr sz="3600">
+                <a:solidFill>
+                  <a:schemeClr val="tx2"/>
+                </a:solidFill>
+                <a:latin typeface="Franklin Gothic Medium" pitchFamily="34" charset="0"/>
+              </a:defRPr>
+            </a:lvl8pPr>
+            <a:lvl9pPr marL="1828800" algn="l" rtl="0" fontAlgn="base">
+              <a:spcBef>
+                <a:spcPct val="0"/>
+              </a:spcBef>
+              <a:spcAft>
+                <a:spcPct val="0"/>
+              </a:spcAft>
+              <a:defRPr sz="3600">
+                <a:solidFill>
+                  <a:schemeClr val="tx2"/>
+                </a:solidFill>
+                <a:latin typeface="Franklin Gothic Medium" pitchFamily="34" charset="0"/>
+              </a:defRPr>
+            </a:lvl9pPr>
+          </a:lstStyle>
+          <a:p>
+            <a:pPr algn="ctr" eaLnBrk="1" hangingPunct="1">
+              <a:defRPr/>
+            </a:pPr>
+            <a:r>
+              <a:rPr lang="fr-FR" sz="1800" b="1" i="1" u="sng" dirty="0">
+                <a:solidFill>
+                  <a:schemeClr val="accent6">
+                    <a:lumMod val="50000"/>
+                  </a:schemeClr>
+                </a:solidFill>
+                <a:latin typeface="Arial" panose="020B0604020202020204" pitchFamily="34" charset="0"/>
+                <a:cs typeface="Arial" panose="020B0604020202020204" pitchFamily="34" charset="0"/>
+              </a:rPr>
+              <a:t>CARTES SENTINELLE</a:t>
+            </a:r>
+          </a:p>
+        </p:txBody>
+      </p:sp>
+      <p:pic>
+        <p:nvPicPr>
+          <p:cNvPr id="2" name="Image 1"/>
+          <p:cNvPicPr>
+            <a:picLocks noChangeAspect="1"/>
+          </p:cNvPicPr>
+          <p:nvPr/>
+        </p:nvPicPr>
+        <p:blipFill>
+          <a:blip r:embed="rId4" cstate="email">
+            <a:extLst>
+              <a:ext uri="{28A0092B-C50C-407E-A947-70E740481C1C}">
+                <a14:useLocalDpi xmlns:a14="http://schemas.microsoft.com/office/drawing/2010/main"/>
+              </a:ext>
+            </a:extLst>
+          </a:blip>
+          <a:stretch>
+            <a:fillRect/>
+          </a:stretch>
+        </p:blipFill>
+        <p:spPr>
+          <a:xfrm>
+            <a:off x="2453989" y="2996952"/>
+            <a:ext cx="4236023" cy="2997000"/>
+          </a:xfrm>
+          <a:prstGeom prst="rect">
+            <a:avLst/>
+          </a:prstGeom>
+          <a:ln>
+            <a:solidFill>
+              <a:schemeClr val="tx1"/>
+            </a:solidFill>
+          </a:ln>
+        </p:spPr>
+      </p:pic>
+    </p:spTree>
+    <p:extLst>
+      <p:ext uri="{BB962C8B-B14F-4D97-AF65-F5344CB8AC3E}">
+        <p14:creationId xmlns:p14="http://schemas.microsoft.com/office/powerpoint/2010/main" val="1483593224"/>
+      </p:ext>
+    </p:extLst>
+  </p:cSld>
+  <p:clrMapOvr>
+    <a:masterClrMapping/>
+  </p:clrMapOvr>
+  <p:transition spd="slow"/>
+</p:sld>
+</file>
+
+<file path=ppt/slides/slide28.xml><?xml version="1.0" encoding="utf-8"?>
+<p:sld xmlns:a="http://schemas.openxmlformats.org/drawingml/2006/main" xmlns:r="http://schemas.openxmlformats.org/officeDocument/2006/relationships" xmlns:p="http://schemas.openxmlformats.org/presentationml/2006/main">
+  <p:cSld>
+    <p:spTree>
+      <p:nvGrpSpPr>
+        <p:cNvPr id="1" name=""/>
+        <p:cNvGrpSpPr/>
+        <p:nvPr/>
+      </p:nvGrpSpPr>
+      <p:grpSpPr>
+        <a:xfrm>
+          <a:off x="0" y="0"/>
+          <a:ext cx="0" cy="0"/>
+          <a:chOff x="0" y="0"/>
+          <a:chExt cx="0" cy="0"/>
+        </a:xfrm>
+      </p:grpSpPr>
+      <p:pic>
+        <p:nvPicPr>
+          <p:cNvPr id="5" name="Image 4"/>
+          <p:cNvPicPr>
+            <a:picLocks noChangeAspect="1"/>
+          </p:cNvPicPr>
+          <p:nvPr/>
+        </p:nvPicPr>
+        <p:blipFill rotWithShape="1">
+          <a:blip r:embed="rId3" cstate="email">
+            <a:extLst>
+              <a:ext uri="{28A0092B-C50C-407E-A947-70E740481C1C}">
+                <a14:useLocalDpi xmlns:a14="http://schemas.microsoft.com/office/drawing/2010/main"/>
+              </a:ext>
+            </a:extLst>
+          </a:blip>
+          <a:srcRect/>
+          <a:stretch/>
+        </p:blipFill>
+        <p:spPr>
+          <a:xfrm>
+            <a:off x="1143000" y="857251"/>
+            <a:ext cx="6858000" cy="1492529"/>
+          </a:xfrm>
+          <a:prstGeom prst="rect">
+            <a:avLst/>
+          </a:prstGeom>
+        </p:spPr>
+      </p:pic>
+      <p:sp>
+        <p:nvSpPr>
+          <p:cNvPr id="6" name="Ellipse 5"/>
+          <p:cNvSpPr/>
+          <p:nvPr/>
+        </p:nvSpPr>
+        <p:spPr>
+          <a:xfrm>
             <a:off x="1287745" y="2078851"/>
             <a:ext cx="864215" cy="270929"/>
           </a:xfrm>
@@ -10022,7 +10269,7 @@
 </p:sld>
 </file>
 
-<file path=ppt/slides/slide28.xml><?xml version="1.0" encoding="utf-8"?>
+<file path=ppt/slides/slide29.xml><?xml version="1.0" encoding="utf-8"?>
 <p:sld xmlns:a="http://schemas.openxmlformats.org/drawingml/2006/main" xmlns:r="http://schemas.openxmlformats.org/officeDocument/2006/relationships" xmlns:p="http://schemas.openxmlformats.org/presentationml/2006/main">
   <p:cSld>
     <p:spTree>
@@ -11032,7 +11279,7 @@
       </p:grpSpPr>
       <p:sp>
         <p:nvSpPr>
-          <p:cNvPr id="3" name="ZoneTexte 2"/>
+          <p:cNvPr id="2" name="ZoneTexte 1"/>
           <p:cNvSpPr txBox="1"/>
           <p:nvPr/>
         </p:nvSpPr>
@@ -11055,11 +11302,7 @@
             <a:pPr algn="ctr"/>
             <a:r>
               <a:rPr lang="fr-FR" sz="3200" dirty="0" smtClean="0"/>
-              <a:t>Exporter depuis SAS </a:t>
-            </a:r>
-            <a:r>
-              <a:rPr lang="fr-FR" sz="3200" dirty="0" err="1" smtClean="0"/>
-              <a:t>Planet</a:t>
+              <a:t>OSM</a:t>
             </a:r>
             <a:endParaRPr lang="fr-FR" sz="3200" dirty="0"/>
           </a:p>
@@ -11067,14 +11310,14 @@
       </p:sp>
       <p:sp>
         <p:nvSpPr>
-          <p:cNvPr id="4" name="ZoneTexte 3"/>
+          <p:cNvPr id="3" name="ZoneTexte 2"/>
           <p:cNvSpPr txBox="1"/>
           <p:nvPr/>
         </p:nvSpPr>
         <p:spPr>
           <a:xfrm>
-            <a:off x="704916" y="1425326"/>
-            <a:ext cx="7959400" cy="1754326"/>
+            <a:off x="319296" y="1214651"/>
+            <a:ext cx="8663339" cy="4955203"/>
           </a:xfrm>
           <a:prstGeom prst="rect">
             <a:avLst/>
@@ -11088,91 +11331,170 @@
           <a:lstStyle/>
           <a:p>
             <a:r>
+              <a:rPr lang="fr-FR" sz="2000" b="1" u="sng" dirty="0" smtClean="0"/>
+              <a:t>Exploiter des données OSM</a:t>
+            </a:r>
+          </a:p>
+          <a:p>
+            <a:endParaRPr lang="fr-FR" sz="2000" dirty="0"/>
+          </a:p>
+          <a:p>
+            <a:r>
+              <a:rPr lang="fr-FR" sz="2000" dirty="0" smtClean="0"/>
+              <a:t>Les données OSM sont souvent fournies avec l’extension .bz2 (compressée)</a:t>
+            </a:r>
+          </a:p>
+          <a:p>
+            <a:r>
+              <a:rPr lang="fr-FR" sz="2000" dirty="0" smtClean="0"/>
+              <a:t>Les fichiers .</a:t>
+            </a:r>
+            <a:r>
+              <a:rPr lang="fr-FR" sz="2000" dirty="0" err="1" smtClean="0"/>
+              <a:t>osm</a:t>
+            </a:r>
+            <a:r>
+              <a:rPr lang="fr-FR" sz="2000" dirty="0" smtClean="0"/>
+              <a:t> sont de fichiers XML directement importable.</a:t>
+            </a:r>
+          </a:p>
+          <a:p>
+            <a:endParaRPr lang="fr-FR" sz="2000" dirty="0"/>
+          </a:p>
+          <a:p>
+            <a:endParaRPr lang="fr-FR" sz="2000" dirty="0" smtClean="0"/>
+          </a:p>
+          <a:p>
+            <a:r>
+              <a:rPr lang="fr-FR" sz="2000" dirty="0" smtClean="0"/>
+              <a:t>Les données apparaissent toutes dans une couche.</a:t>
+            </a:r>
+          </a:p>
+          <a:p>
+            <a:r>
+              <a:rPr lang="fr-FR" sz="2000" dirty="0" smtClean="0"/>
+              <a:t>Pour y voir plus clair, il faut diviser la couche par thématique.</a:t>
+            </a:r>
+          </a:p>
+          <a:p>
+            <a:endParaRPr lang="fr-FR" sz="2000" dirty="0"/>
+          </a:p>
+          <a:p>
+            <a:r>
+              <a:rPr lang="fr-FR" sz="2000" dirty="0" smtClean="0"/>
+              <a:t>Sur la couche OSM, clic droit -&gt; LAYER -&gt; SPLIT</a:t>
+            </a:r>
+          </a:p>
+          <a:p>
+            <a:pPr marL="342900" indent="-342900">
+              <a:buFontTx/>
+              <a:buChar char="-"/>
+            </a:pPr>
+            <a:r>
+              <a:rPr lang="fr-FR" sz="2000" dirty="0" smtClean="0"/>
+              <a:t>Découpage classique : choisir « </a:t>
+            </a:r>
+            <a:r>
+              <a:rPr lang="fr-FR" sz="2000" dirty="0" err="1" smtClean="0"/>
+              <a:t>Feature</a:t>
+            </a:r>
+            <a:r>
+              <a:rPr lang="fr-FR" sz="2000" dirty="0" smtClean="0"/>
+              <a:t> Type »</a:t>
+            </a:r>
+          </a:p>
+          <a:p>
+            <a:pPr marL="342900" indent="-342900">
+              <a:buFontTx/>
+              <a:buChar char="-"/>
+            </a:pPr>
+            <a:r>
+              <a:rPr lang="fr-FR" sz="2000" dirty="0" smtClean="0"/>
+              <a:t>Découpage détaillé </a:t>
+            </a:r>
+            <a:r>
+              <a:rPr lang="fr-FR" sz="2000" dirty="0"/>
+              <a:t>: choisir « </a:t>
+            </a:r>
+            <a:r>
+              <a:rPr lang="fr-FR" sz="2000" dirty="0" err="1"/>
+              <a:t>Feature</a:t>
+            </a:r>
+            <a:r>
+              <a:rPr lang="fr-FR" sz="2000" dirty="0"/>
+              <a:t> </a:t>
+            </a:r>
+            <a:r>
+              <a:rPr lang="fr-FR" sz="2000" dirty="0" smtClean="0"/>
+              <a:t>Description</a:t>
+            </a:r>
+            <a:r>
+              <a:rPr lang="fr-FR" sz="2000" dirty="0"/>
+              <a:t> »</a:t>
+            </a:r>
+          </a:p>
+          <a:p>
+            <a:endParaRPr lang="fr-FR" sz="2000" dirty="0" smtClean="0"/>
+          </a:p>
+          <a:p>
+            <a:r>
+              <a:rPr lang="fr-FR" sz="2000" dirty="0" smtClean="0"/>
+              <a:t>La couche OSM est subdivisée en plusieurs couches (building, </a:t>
+            </a:r>
+            <a:r>
+              <a:rPr lang="fr-FR" sz="2000" dirty="0" err="1" smtClean="0"/>
+              <a:t>highway</a:t>
+            </a:r>
+            <a:r>
+              <a:rPr lang="fr-FR" sz="2000" dirty="0" smtClean="0"/>
+              <a:t>, shopping)</a:t>
+            </a:r>
+          </a:p>
+          <a:p>
+            <a:r>
               <a:rPr lang="fr-FR" dirty="0" smtClean="0"/>
-              <a:t>SAS </a:t>
+              <a:t>De nombreux point non classés se retrouvent dans une couche « </a:t>
             </a:r>
             <a:r>
               <a:rPr lang="fr-FR" dirty="0" err="1" smtClean="0"/>
-              <a:t>Planet</a:t>
+              <a:t>Unknown</a:t>
             </a:r>
             <a:r>
               <a:rPr lang="fr-FR" dirty="0" smtClean="0"/>
-              <a:t> est un logiciel extrêmement pratique : il permet d’afficher de nombreuses sources de </a:t>
+              <a:t> Point </a:t>
             </a:r>
             <a:r>
               <a:rPr lang="fr-FR" dirty="0" err="1" smtClean="0"/>
-              <a:t>carto</a:t>
+              <a:t>Feature</a:t>
             </a:r>
             <a:r>
               <a:rPr lang="fr-FR" dirty="0" smtClean="0"/>
-              <a:t> et de les exporter facilement</a:t>
-            </a:r>
-          </a:p>
-          <a:p>
+              <a:t> »</a:t>
+            </a:r>
             <a:endParaRPr lang="fr-FR" dirty="0" smtClean="0"/>
-          </a:p>
-          <a:p>
-            <a:endParaRPr lang="fr-FR" dirty="0"/>
-          </a:p>
-          <a:p>
-            <a:r>
-              <a:rPr lang="fr-FR" dirty="0" smtClean="0"/>
-              <a:t>Passer SAS </a:t>
-            </a:r>
-            <a:r>
-              <a:rPr lang="fr-FR" dirty="0" err="1" smtClean="0"/>
-              <a:t>Planet</a:t>
-            </a:r>
-            <a:r>
-              <a:rPr lang="fr-FR" dirty="0" smtClean="0"/>
-              <a:t> en français :</a:t>
-            </a:r>
-            <a:endParaRPr lang="fr-FR" dirty="0"/>
           </a:p>
           <a:p>
             <a:endParaRPr lang="fr-FR" dirty="0"/>
           </a:p>
         </p:txBody>
       </p:sp>
-      <p:pic>
-        <p:nvPicPr>
-          <p:cNvPr id="5" name="Image 4"/>
-          <p:cNvPicPr>
-            <a:picLocks noChangeAspect="1"/>
-          </p:cNvPicPr>
-          <p:nvPr/>
-        </p:nvPicPr>
-        <p:blipFill>
-          <a:blip r:embed="rId2"/>
-          <a:stretch>
-            <a:fillRect/>
-          </a:stretch>
-        </p:blipFill>
-        <p:spPr>
-          <a:xfrm>
-            <a:off x="1087674" y="3617248"/>
-            <a:ext cx="7193884" cy="2579386"/>
-          </a:xfrm>
-          <a:prstGeom prst="rect">
-            <a:avLst/>
-          </a:prstGeom>
-          <a:ln>
-            <a:solidFill>
-              <a:schemeClr val="tx1"/>
-            </a:solidFill>
-          </a:ln>
-        </p:spPr>
-      </p:pic>
     </p:spTree>
     <p:extLst>
       <p:ext uri="{BB962C8B-B14F-4D97-AF65-F5344CB8AC3E}">
-        <p14:creationId xmlns:p14="http://schemas.microsoft.com/office/powerpoint/2010/main" val="2812854288"/>
+        <p14:creationId xmlns:p14="http://schemas.microsoft.com/office/powerpoint/2010/main" val="624187777"/>
       </p:ext>
     </p:extLst>
   </p:cSld>
   <p:clrMapOvr>
     <a:masterClrMapping/>
   </p:clrMapOvr>
+  <p:timing>
+    <p:tnLst>
+      <p:par>
+        <p:cTn id="1" dur="indefinite" restart="never" nodeType="tmRoot"/>
+      </p:par>
+    </p:tnLst>
+  </p:timing>
 </p:sld>
 </file>
 
@@ -11228,9 +11550,78 @@
           </a:p>
         </p:txBody>
       </p:sp>
+      <p:sp>
+        <p:nvSpPr>
+          <p:cNvPr id="4" name="ZoneTexte 3"/>
+          <p:cNvSpPr txBox="1"/>
+          <p:nvPr/>
+        </p:nvSpPr>
+        <p:spPr>
+          <a:xfrm>
+            <a:off x="704916" y="1425326"/>
+            <a:ext cx="7959400" cy="1754326"/>
+          </a:xfrm>
+          <a:prstGeom prst="rect">
+            <a:avLst/>
+          </a:prstGeom>
+          <a:noFill/>
+        </p:spPr>
+        <p:txBody>
+          <a:bodyPr wrap="square" rtlCol="0">
+            <a:spAutoFit/>
+          </a:bodyPr>
+          <a:lstStyle/>
+          <a:p>
+            <a:r>
+              <a:rPr lang="fr-FR" dirty="0" smtClean="0"/>
+              <a:t>SAS </a:t>
+            </a:r>
+            <a:r>
+              <a:rPr lang="fr-FR" dirty="0" err="1" smtClean="0"/>
+              <a:t>Planet</a:t>
+            </a:r>
+            <a:r>
+              <a:rPr lang="fr-FR" dirty="0" smtClean="0"/>
+              <a:t> est un logiciel extrêmement pratique : il permet d’afficher de nombreuses sources de </a:t>
+            </a:r>
+            <a:r>
+              <a:rPr lang="fr-FR" dirty="0" err="1" smtClean="0"/>
+              <a:t>carto</a:t>
+            </a:r>
+            <a:r>
+              <a:rPr lang="fr-FR" dirty="0" smtClean="0"/>
+              <a:t> et de les exporter facilement</a:t>
+            </a:r>
+          </a:p>
+          <a:p>
+            <a:endParaRPr lang="fr-FR" dirty="0" smtClean="0"/>
+          </a:p>
+          <a:p>
+            <a:endParaRPr lang="fr-FR" dirty="0"/>
+          </a:p>
+          <a:p>
+            <a:r>
+              <a:rPr lang="fr-FR" dirty="0" smtClean="0"/>
+              <a:t>Passer SAS </a:t>
+            </a:r>
+            <a:r>
+              <a:rPr lang="fr-FR" dirty="0" err="1" smtClean="0"/>
+              <a:t>Planet</a:t>
+            </a:r>
+            <a:r>
+              <a:rPr lang="fr-FR" dirty="0" smtClean="0"/>
+              <a:t> en français :</a:t>
+            </a:r>
+            <a:endParaRPr lang="fr-FR" dirty="0"/>
+          </a:p>
+          <a:p>
+            <a:endParaRPr lang="fr-FR" dirty="0"/>
+          </a:p>
+        </p:txBody>
+      </p:sp>
       <p:pic>
         <p:nvPicPr>
-          <p:cNvPr id="2" name="Image 1"/>
+          <p:cNvPr id="5" name="Image 4"/>
           <p:cNvPicPr>
             <a:picLocks noChangeAspect="1"/>
           </p:cNvPicPr>
@@ -11244,8 +11635,8 @@
         </p:blipFill>
         <p:spPr>
           <a:xfrm>
-            <a:off x="247716" y="2071657"/>
-            <a:ext cx="4543425" cy="4124325"/>
+            <a:off x="1087674" y="3617248"/>
+            <a:ext cx="7193884" cy="2579386"/>
           </a:xfrm>
           <a:prstGeom prst="rect">
             <a:avLst/>
@@ -11257,99 +11648,10 @@
           </a:ln>
         </p:spPr>
       </p:pic>
-      <p:pic>
-        <p:nvPicPr>
-          <p:cNvPr id="6" name="Image 5"/>
-          <p:cNvPicPr>
-            <a:picLocks noChangeAspect="1"/>
-          </p:cNvPicPr>
-          <p:nvPr/>
-        </p:nvPicPr>
-        <p:blipFill>
-          <a:blip r:embed="rId3"/>
-          <a:stretch>
-            <a:fillRect/>
-          </a:stretch>
-        </p:blipFill>
-        <p:spPr>
-          <a:xfrm>
-            <a:off x="6187816" y="3681382"/>
-            <a:ext cx="2476500" cy="2514600"/>
-          </a:xfrm>
-          <a:prstGeom prst="rect">
-            <a:avLst/>
-          </a:prstGeom>
-          <a:ln>
-            <a:solidFill>
-              <a:schemeClr val="tx1"/>
-            </a:solidFill>
-          </a:ln>
-        </p:spPr>
-      </p:pic>
-      <p:sp>
-        <p:nvSpPr>
-          <p:cNvPr id="5" name="ZoneTexte 4"/>
-          <p:cNvSpPr txBox="1"/>
-          <p:nvPr/>
-        </p:nvSpPr>
-        <p:spPr>
-          <a:xfrm>
-            <a:off x="247716" y="1489865"/>
-            <a:ext cx="4701971" cy="369332"/>
-          </a:xfrm>
-          <a:prstGeom prst="rect">
-            <a:avLst/>
-          </a:prstGeom>
-          <a:noFill/>
-        </p:spPr>
-        <p:txBody>
-          <a:bodyPr wrap="square" rtlCol="0">
-            <a:spAutoFit/>
-          </a:bodyPr>
-          <a:lstStyle/>
-          <a:p>
-            <a:r>
-              <a:rPr lang="fr-FR" dirty="0" smtClean="0"/>
-              <a:t>Choix de la/des couches à afficher/exporter</a:t>
-            </a:r>
-            <a:endParaRPr lang="fr-FR" dirty="0"/>
-          </a:p>
-        </p:txBody>
-      </p:sp>
-      <p:sp>
-        <p:nvSpPr>
-          <p:cNvPr id="7" name="ZoneTexte 6"/>
-          <p:cNvSpPr txBox="1"/>
-          <p:nvPr/>
-        </p:nvSpPr>
-        <p:spPr>
-          <a:xfrm>
-            <a:off x="6187816" y="2869812"/>
-            <a:ext cx="2106614" cy="646331"/>
-          </a:xfrm>
-          <a:prstGeom prst="rect">
-            <a:avLst/>
-          </a:prstGeom>
-          <a:noFill/>
-        </p:spPr>
-        <p:txBody>
-          <a:bodyPr wrap="square" rtlCol="0">
-            <a:spAutoFit/>
-          </a:bodyPr>
-          <a:lstStyle/>
-          <a:p>
-            <a:r>
-              <a:rPr lang="fr-FR" dirty="0" smtClean="0"/>
-              <a:t>Sélection de la zone à exporter</a:t>
-            </a:r>
-            <a:endParaRPr lang="fr-FR" dirty="0"/>
-          </a:p>
-        </p:txBody>
-      </p:sp>
     </p:spTree>
     <p:extLst>
       <p:ext uri="{BB962C8B-B14F-4D97-AF65-F5344CB8AC3E}">
-        <p14:creationId xmlns:p14="http://schemas.microsoft.com/office/powerpoint/2010/main" val="2523146313"/>
+        <p14:creationId xmlns:p14="http://schemas.microsoft.com/office/powerpoint/2010/main" val="2812854288"/>
       </p:ext>
     </p:extLst>
   </p:cSld>
@@ -11411,79 +11713,6 @@
           </a:p>
         </p:txBody>
       </p:sp>
-      <p:sp>
-        <p:nvSpPr>
-          <p:cNvPr id="5" name="ZoneTexte 4"/>
-          <p:cNvSpPr txBox="1"/>
-          <p:nvPr/>
-        </p:nvSpPr>
-        <p:spPr>
-          <a:xfrm>
-            <a:off x="36592" y="5498457"/>
-            <a:ext cx="9070816" cy="1200329"/>
-          </a:xfrm>
-          <a:prstGeom prst="rect">
-            <a:avLst/>
-          </a:prstGeom>
-          <a:noFill/>
-        </p:spPr>
-        <p:txBody>
-          <a:bodyPr wrap="none" rtlCol="0">
-            <a:spAutoFit/>
-          </a:bodyPr>
-          <a:lstStyle/>
-          <a:p>
-            <a:r>
-              <a:rPr lang="fr-FR" dirty="0" smtClean="0"/>
-              <a:t>D’abord télécharger la couche voulu (photos </a:t>
-            </a:r>
-            <a:r>
-              <a:rPr lang="fr-FR" dirty="0" err="1" smtClean="0"/>
-              <a:t>sat</a:t>
-            </a:r>
-            <a:r>
-              <a:rPr lang="fr-FR" dirty="0" smtClean="0"/>
-              <a:t>, cartes scan, </a:t>
-            </a:r>
-            <a:r>
-              <a:rPr lang="fr-FR" dirty="0" err="1" smtClean="0"/>
-              <a:t>etc</a:t>
-            </a:r>
-            <a:r>
-              <a:rPr lang="fr-FR" dirty="0" smtClean="0"/>
-              <a:t>) aux niveaux de zoom voulus. </a:t>
-            </a:r>
-          </a:p>
-          <a:p>
-            <a:r>
-              <a:rPr lang="fr-FR" dirty="0" smtClean="0"/>
-              <a:t>Une fois téléchargé, la </a:t>
-            </a:r>
-            <a:r>
-              <a:rPr lang="fr-FR" dirty="0" err="1" smtClean="0"/>
-              <a:t>carto</a:t>
-            </a:r>
-            <a:r>
-              <a:rPr lang="fr-FR" dirty="0" smtClean="0"/>
-              <a:t> est en cache et est plus rapide à traiter</a:t>
-            </a:r>
-          </a:p>
-          <a:p>
-            <a:endParaRPr lang="fr-FR" dirty="0"/>
-          </a:p>
-          <a:p>
-            <a:r>
-              <a:rPr lang="fr-FR" dirty="0"/>
-              <a:t>Le zoom courant est affiché sur la gauche de la </a:t>
-            </a:r>
-            <a:r>
-              <a:rPr lang="fr-FR" dirty="0" smtClean="0"/>
-              <a:t>fenêtre</a:t>
-            </a:r>
-            <a:endParaRPr lang="fr-FR" dirty="0"/>
-          </a:p>
-        </p:txBody>
-      </p:sp>
       <p:pic>
         <p:nvPicPr>
           <p:cNvPr id="2" name="Image 1"/>
@@ -11500,8 +11729,8 @@
         </p:blipFill>
         <p:spPr>
           <a:xfrm>
-            <a:off x="2228850" y="1628775"/>
-            <a:ext cx="4686300" cy="3600450"/>
+            <a:off x="247716" y="2071657"/>
+            <a:ext cx="4543425" cy="4124325"/>
           </a:xfrm>
           <a:prstGeom prst="rect">
             <a:avLst/>
@@ -11513,10 +11742,99 @@
           </a:ln>
         </p:spPr>
       </p:pic>
+      <p:pic>
+        <p:nvPicPr>
+          <p:cNvPr id="6" name="Image 5"/>
+          <p:cNvPicPr>
+            <a:picLocks noChangeAspect="1"/>
+          </p:cNvPicPr>
+          <p:nvPr/>
+        </p:nvPicPr>
+        <p:blipFill>
+          <a:blip r:embed="rId3"/>
+          <a:stretch>
+            <a:fillRect/>
+          </a:stretch>
+        </p:blipFill>
+        <p:spPr>
+          <a:xfrm>
+            <a:off x="6187816" y="3681382"/>
+            <a:ext cx="2476500" cy="2514600"/>
+          </a:xfrm>
+          <a:prstGeom prst="rect">
+            <a:avLst/>
+          </a:prstGeom>
+          <a:ln>
+            <a:solidFill>
+              <a:schemeClr val="tx1"/>
+            </a:solidFill>
+          </a:ln>
+        </p:spPr>
+      </p:pic>
+      <p:sp>
+        <p:nvSpPr>
+          <p:cNvPr id="5" name="ZoneTexte 4"/>
+          <p:cNvSpPr txBox="1"/>
+          <p:nvPr/>
+        </p:nvSpPr>
+        <p:spPr>
+          <a:xfrm>
+            <a:off x="247716" y="1489865"/>
+            <a:ext cx="4701971" cy="369332"/>
+          </a:xfrm>
+          <a:prstGeom prst="rect">
+            <a:avLst/>
+          </a:prstGeom>
+          <a:noFill/>
+        </p:spPr>
+        <p:txBody>
+          <a:bodyPr wrap="square" rtlCol="0">
+            <a:spAutoFit/>
+          </a:bodyPr>
+          <a:lstStyle/>
+          <a:p>
+            <a:r>
+              <a:rPr lang="fr-FR" dirty="0" smtClean="0"/>
+              <a:t>Choix de la/des couches à afficher/exporter</a:t>
+            </a:r>
+            <a:endParaRPr lang="fr-FR" dirty="0"/>
+          </a:p>
+        </p:txBody>
+      </p:sp>
+      <p:sp>
+        <p:nvSpPr>
+          <p:cNvPr id="7" name="ZoneTexte 6"/>
+          <p:cNvSpPr txBox="1"/>
+          <p:nvPr/>
+        </p:nvSpPr>
+        <p:spPr>
+          <a:xfrm>
+            <a:off x="6187816" y="2869812"/>
+            <a:ext cx="2106614" cy="646331"/>
+          </a:xfrm>
+          <a:prstGeom prst="rect">
+            <a:avLst/>
+          </a:prstGeom>
+          <a:noFill/>
+        </p:spPr>
+        <p:txBody>
+          <a:bodyPr wrap="square" rtlCol="0">
+            <a:spAutoFit/>
+          </a:bodyPr>
+          <a:lstStyle/>
+          <a:p>
+            <a:r>
+              <a:rPr lang="fr-FR" dirty="0" smtClean="0"/>
+              <a:t>Sélection de la zone à exporter</a:t>
+            </a:r>
+            <a:endParaRPr lang="fr-FR" dirty="0"/>
+          </a:p>
+        </p:txBody>
+      </p:sp>
     </p:spTree>
     <p:extLst>
       <p:ext uri="{BB962C8B-B14F-4D97-AF65-F5344CB8AC3E}">
-        <p14:creationId xmlns:p14="http://schemas.microsoft.com/office/powerpoint/2010/main" val="2692379561"/>
+        <p14:creationId xmlns:p14="http://schemas.microsoft.com/office/powerpoint/2010/main" val="2523146313"/>
       </p:ext>
     </p:extLst>
   </p:cSld>
@@ -11586,8 +11904,8 @@
         </p:nvSpPr>
         <p:spPr>
           <a:xfrm>
-            <a:off x="1056485" y="5637605"/>
-            <a:ext cx="7031027" cy="923330"/>
+            <a:off x="36592" y="5498457"/>
+            <a:ext cx="9070816" cy="1200329"/>
           </a:xfrm>
           <a:prstGeom prst="rect">
             <a:avLst/>
@@ -11602,7 +11920,29 @@
           <a:p>
             <a:r>
               <a:rPr lang="fr-FR" dirty="0" smtClean="0"/>
-              <a:t>L’onglet Assembler permet d’exporter la </a:t>
+              <a:t>D’abord télécharger la couche voulu (photos </a:t>
+            </a:r>
+            <a:r>
+              <a:rPr lang="fr-FR" dirty="0" err="1" smtClean="0"/>
+              <a:t>sat</a:t>
+            </a:r>
+            <a:r>
+              <a:rPr lang="fr-FR" dirty="0" smtClean="0"/>
+              <a:t>, cartes scan, </a:t>
+            </a:r>
+            <a:r>
+              <a:rPr lang="fr-FR" dirty="0" err="1" smtClean="0"/>
+              <a:t>etc</a:t>
+            </a:r>
+            <a:r>
+              <a:rPr lang="fr-FR" dirty="0" smtClean="0"/>
+              <a:t>) aux niveaux de zoom voulus. </a:t>
+            </a:r>
+          </a:p>
+          <a:p>
+            <a:r>
+              <a:rPr lang="fr-FR" dirty="0" smtClean="0"/>
+              <a:t>Une fois téléchargé, la </a:t>
             </a:r>
             <a:r>
               <a:rPr lang="fr-FR" dirty="0" err="1" smtClean="0"/>
@@ -11610,27 +11950,20 @@
             </a:r>
             <a:r>
               <a:rPr lang="fr-FR" dirty="0" smtClean="0"/>
-              <a:t> dans un format exploitable</a:t>
-            </a:r>
-          </a:p>
-          <a:p>
-            <a:pPr marL="285750" indent="-285750">
-              <a:buFontTx/>
-              <a:buChar char="-"/>
-            </a:pPr>
+              <a:t> est en cache et est plus rapide à traiter</a:t>
+            </a:r>
+          </a:p>
+          <a:p>
+            <a:endParaRPr lang="fr-FR" dirty="0"/>
+          </a:p>
+          <a:p>
+            <a:r>
+              <a:rPr lang="fr-FR" dirty="0"/>
+              <a:t>Le zoom courant est affiché sur la gauche de la </a:t>
+            </a:r>
             <a:r>
               <a:rPr lang="fr-FR" dirty="0" smtClean="0"/>
-              <a:t>Choisir la carte, le niveau de zoom</a:t>
-            </a:r>
-          </a:p>
-          <a:p>
-            <a:pPr marL="285750" indent="-285750">
-              <a:buFontTx/>
-              <a:buChar char="-"/>
-            </a:pPr>
-            <a:r>
-              <a:rPr lang="fr-FR" dirty="0" smtClean="0"/>
-              <a:t>Il est possible de découper la carte si elle est imposante</a:t>
+              <a:t>fenêtre</a:t>
             </a:r>
             <a:endParaRPr lang="fr-FR" dirty="0"/>
           </a:p>
@@ -11652,8 +11985,8 @@
         </p:blipFill>
         <p:spPr>
           <a:xfrm>
-            <a:off x="2290760" y="1502917"/>
-            <a:ext cx="4562475" cy="3619500"/>
+            <a:off x="2228850" y="1628775"/>
+            <a:ext cx="4686300" cy="3600450"/>
           </a:xfrm>
           <a:prstGeom prst="rect">
             <a:avLst/>
@@ -11668,7 +12001,7 @@
     </p:spTree>
     <p:extLst>
       <p:ext uri="{BB962C8B-B14F-4D97-AF65-F5344CB8AC3E}">
-        <p14:creationId xmlns:p14="http://schemas.microsoft.com/office/powerpoint/2010/main" val="3076171619"/>
+        <p14:creationId xmlns:p14="http://schemas.microsoft.com/office/powerpoint/2010/main" val="2692379561"/>
       </p:ext>
     </p:extLst>
   </p:cSld>

--- a/cours/Guide - obtenir des cartes.pptx
+++ b/cours/Guide - obtenir des cartes.pptx
@@ -6,36 +6,40 @@
     <p:sldMasterId id="2147483687" r:id="rId2"/>
   </p:sldMasterIdLst>
   <p:notesMasterIdLst>
-    <p:notesMasterId r:id="rId30"/>
+    <p:notesMasterId r:id="rId34"/>
   </p:notesMasterIdLst>
   <p:sldIdLst>
     <p:sldId id="276" r:id="rId3"/>
     <p:sldId id="297" r:id="rId4"/>
-    <p:sldId id="293" r:id="rId5"/>
+    <p:sldId id="282" r:id="rId5"/>
     <p:sldId id="279" r:id="rId6"/>
-    <p:sldId id="282" r:id="rId7"/>
-    <p:sldId id="281" r:id="rId8"/>
-    <p:sldId id="296" r:id="rId9"/>
-    <p:sldId id="286" r:id="rId10"/>
-    <p:sldId id="287" r:id="rId11"/>
-    <p:sldId id="291" r:id="rId12"/>
-    <p:sldId id="289" r:id="rId13"/>
-    <p:sldId id="298" r:id="rId14"/>
-    <p:sldId id="278" r:id="rId15"/>
-    <p:sldId id="280" r:id="rId16"/>
-    <p:sldId id="283" r:id="rId17"/>
-    <p:sldId id="284" r:id="rId18"/>
-    <p:sldId id="294" r:id="rId19"/>
-    <p:sldId id="257" r:id="rId20"/>
-    <p:sldId id="258" r:id="rId21"/>
-    <p:sldId id="259" r:id="rId22"/>
-    <p:sldId id="260" r:id="rId23"/>
-    <p:sldId id="261" r:id="rId24"/>
-    <p:sldId id="262" r:id="rId25"/>
-    <p:sldId id="263" r:id="rId26"/>
-    <p:sldId id="295" r:id="rId27"/>
-    <p:sldId id="265" r:id="rId28"/>
-    <p:sldId id="292" r:id="rId29"/>
+    <p:sldId id="281" r:id="rId7"/>
+    <p:sldId id="286" r:id="rId8"/>
+    <p:sldId id="287" r:id="rId9"/>
+    <p:sldId id="291" r:id="rId10"/>
+    <p:sldId id="305" r:id="rId11"/>
+    <p:sldId id="306" r:id="rId12"/>
+    <p:sldId id="307" r:id="rId13"/>
+    <p:sldId id="300" r:id="rId14"/>
+    <p:sldId id="309" r:id="rId15"/>
+    <p:sldId id="304" r:id="rId16"/>
+    <p:sldId id="310" r:id="rId17"/>
+    <p:sldId id="312" r:id="rId18"/>
+    <p:sldId id="308" r:id="rId19"/>
+    <p:sldId id="311" r:id="rId20"/>
+    <p:sldId id="298" r:id="rId21"/>
+    <p:sldId id="278" r:id="rId22"/>
+    <p:sldId id="294" r:id="rId23"/>
+    <p:sldId id="257" r:id="rId24"/>
+    <p:sldId id="258" r:id="rId25"/>
+    <p:sldId id="259" r:id="rId26"/>
+    <p:sldId id="260" r:id="rId27"/>
+    <p:sldId id="261" r:id="rId28"/>
+    <p:sldId id="262" r:id="rId29"/>
+    <p:sldId id="263" r:id="rId30"/>
+    <p:sldId id="295" r:id="rId31"/>
+    <p:sldId id="265" r:id="rId32"/>
+    <p:sldId id="292" r:id="rId33"/>
   </p:sldIdLst>
   <p:sldSz cx="12192000" cy="6858000"/>
   <p:notesSz cx="6858000" cy="9144000"/>
@@ -224,7 +228,7 @@
           <a:p>
             <a:fld id="{5C348F8D-022D-404F-B7E9-2A064090EDFB}" type="datetimeFigureOut">
               <a:rPr lang="fr-FR" smtClean="0"/>
-              <a:t>18/06/2022</a:t>
+              <a:t>05/10/2022</a:t>
             </a:fld>
             <a:endParaRPr lang="fr-FR"/>
           </a:p>
@@ -571,7 +575,7 @@
           <a:p>
             <a:fld id="{1321DB9F-BB1B-4B09-A1A4-736F1DCF5FB6}" type="slidenum">
               <a:rPr lang="fr-FR" smtClean="0"/>
-              <a:t>6</a:t>
+              <a:t>5</a:t>
             </a:fld>
             <a:endParaRPr lang="fr-FR"/>
           </a:p>
@@ -581,6 +585,629 @@
     <p:extLst>
       <p:ext uri="{BB962C8B-B14F-4D97-AF65-F5344CB8AC3E}">
         <p14:creationId xmlns:p14="http://schemas.microsoft.com/office/powerpoint/2010/main" val="338738050"/>
+      </p:ext>
+    </p:extLst>
+  </p:cSld>
+  <p:clrMapOvr>
+    <a:masterClrMapping/>
+  </p:clrMapOvr>
+</p:notes>
+</file>
+
+<file path=ppt/notesSlides/notesSlide10.xml><?xml version="1.0" encoding="utf-8"?>
+<p:notes xmlns:a="http://schemas.openxmlformats.org/drawingml/2006/main" xmlns:r="http://schemas.openxmlformats.org/officeDocument/2006/relationships" xmlns:p="http://schemas.openxmlformats.org/presentationml/2006/main">
+  <p:cSld>
+    <p:spTree>
+      <p:nvGrpSpPr>
+        <p:cNvPr id="1" name=""/>
+        <p:cNvGrpSpPr/>
+        <p:nvPr/>
+      </p:nvGrpSpPr>
+      <p:grpSpPr>
+        <a:xfrm>
+          <a:off x="0" y="0"/>
+          <a:ext cx="0" cy="0"/>
+          <a:chOff x="0" y="0"/>
+          <a:chExt cx="0" cy="0"/>
+        </a:xfrm>
+      </p:grpSpPr>
+      <p:sp>
+        <p:nvSpPr>
+          <p:cNvPr id="150530" name="Rectangle 2"/>
+          <p:cNvSpPr>
+            <a:spLocks noGrp="1" noRot="1" noChangeAspect="1" noChangeArrowheads="1" noTextEdit="1"/>
+          </p:cNvSpPr>
+          <p:nvPr>
+            <p:ph type="sldImg"/>
+          </p:nvPr>
+        </p:nvSpPr>
+        <p:spPr bwMode="auto">
+          <a:xfrm>
+            <a:off x="92075" y="744538"/>
+            <a:ext cx="6615113" cy="3722687"/>
+          </a:xfrm>
+          <a:prstGeom prst="rect">
+            <a:avLst/>
+          </a:prstGeom>
+          <a:noFill/>
+          <a:ln/>
+          <a:extLst>
+            <a:ext uri="{909E8E84-426E-40DD-AFC4-6F175D3DCCD1}">
+              <a14:hiddenFill xmlns:a14="http://schemas.microsoft.com/office/drawing/2010/main">
+                <a:solidFill>
+                  <a:srgbClr val="FFFFFF"/>
+                </a:solidFill>
+              </a14:hiddenFill>
+            </a:ext>
+            <a:ext uri="{91240B29-F687-4F45-9708-019B960494DF}">
+              <a14:hiddenLine xmlns:a14="http://schemas.microsoft.com/office/drawing/2010/main" w="9525">
+                <a:solidFill>
+                  <a:srgbClr val="000000"/>
+                </a:solidFill>
+                <a:miter lim="800000"/>
+                <a:headEnd/>
+                <a:tailEnd/>
+              </a14:hiddenLine>
+            </a:ext>
+          </a:extLst>
+        </p:spPr>
+      </p:sp>
+      <p:sp>
+        <p:nvSpPr>
+          <p:cNvPr id="150531" name="Rectangle 3"/>
+          <p:cNvSpPr>
+            <a:spLocks noGrp="1" noChangeArrowheads="1"/>
+          </p:cNvSpPr>
+          <p:nvPr>
+            <p:ph type="body" idx="1"/>
+          </p:nvPr>
+        </p:nvSpPr>
+        <p:spPr>
+          <a:noFill/>
+          <a:extLst>
+            <a:ext uri="{909E8E84-426E-40DD-AFC4-6F175D3DCCD1}">
+              <a14:hiddenFill xmlns:a14="http://schemas.microsoft.com/office/drawing/2010/main">
+                <a:solidFill>
+                  <a:srgbClr val="FFFFFF"/>
+                </a:solidFill>
+              </a14:hiddenFill>
+            </a:ext>
+            <a:ext uri="{91240B29-F687-4F45-9708-019B960494DF}">
+              <a14:hiddenLine xmlns:a14="http://schemas.microsoft.com/office/drawing/2010/main" w="9525">
+                <a:solidFill>
+                  <a:srgbClr val="000000"/>
+                </a:solidFill>
+                <a:miter lim="800000"/>
+                <a:headEnd/>
+                <a:tailEnd/>
+              </a14:hiddenLine>
+            </a:ext>
+          </a:extLst>
+        </p:spPr>
+        <p:txBody>
+          <a:bodyPr/>
+          <a:lstStyle/>
+          <a:p>
+            <a:pPr algn="just"/>
+            <a:endParaRPr lang="fr-FR" altLang="fr-FR" sz="1600"/>
+          </a:p>
+        </p:txBody>
+      </p:sp>
+    </p:spTree>
+    <p:extLst>
+      <p:ext uri="{BB962C8B-B14F-4D97-AF65-F5344CB8AC3E}">
+        <p14:creationId xmlns:p14="http://schemas.microsoft.com/office/powerpoint/2010/main" val="2436942847"/>
+      </p:ext>
+    </p:extLst>
+  </p:cSld>
+  <p:clrMapOvr>
+    <a:masterClrMapping/>
+  </p:clrMapOvr>
+</p:notes>
+</file>
+
+<file path=ppt/notesSlides/notesSlide11.xml><?xml version="1.0" encoding="utf-8"?>
+<p:notes xmlns:a="http://schemas.openxmlformats.org/drawingml/2006/main" xmlns:r="http://schemas.openxmlformats.org/officeDocument/2006/relationships" xmlns:p="http://schemas.openxmlformats.org/presentationml/2006/main">
+  <p:cSld>
+    <p:spTree>
+      <p:nvGrpSpPr>
+        <p:cNvPr id="1" name=""/>
+        <p:cNvGrpSpPr/>
+        <p:nvPr/>
+      </p:nvGrpSpPr>
+      <p:grpSpPr>
+        <a:xfrm>
+          <a:off x="0" y="0"/>
+          <a:ext cx="0" cy="0"/>
+          <a:chOff x="0" y="0"/>
+          <a:chExt cx="0" cy="0"/>
+        </a:xfrm>
+      </p:grpSpPr>
+      <p:sp>
+        <p:nvSpPr>
+          <p:cNvPr id="169986" name="Espace réservé de l'image des diapositives 1"/>
+          <p:cNvSpPr>
+            <a:spLocks noGrp="1" noRot="1" noChangeAspect="1" noTextEdit="1"/>
+          </p:cNvSpPr>
+          <p:nvPr>
+            <p:ph type="sldImg"/>
+          </p:nvPr>
+        </p:nvSpPr>
+        <p:spPr bwMode="auto">
+          <a:xfrm>
+            <a:off x="92075" y="744538"/>
+            <a:ext cx="6615113" cy="3722687"/>
+          </a:xfrm>
+          <a:prstGeom prst="rect">
+            <a:avLst/>
+          </a:prstGeom>
+          <a:noFill/>
+          <a:ln/>
+          <a:extLst>
+            <a:ext uri="{909E8E84-426E-40DD-AFC4-6F175D3DCCD1}">
+              <a14:hiddenFill xmlns:a14="http://schemas.microsoft.com/office/drawing/2010/main">
+                <a:solidFill>
+                  <a:srgbClr val="FFFFFF"/>
+                </a:solidFill>
+              </a14:hiddenFill>
+            </a:ext>
+            <a:ext uri="{91240B29-F687-4F45-9708-019B960494DF}">
+              <a14:hiddenLine xmlns:a14="http://schemas.microsoft.com/office/drawing/2010/main" w="9525">
+                <a:solidFill>
+                  <a:srgbClr val="000000"/>
+                </a:solidFill>
+                <a:miter lim="800000"/>
+                <a:headEnd/>
+                <a:tailEnd/>
+              </a14:hiddenLine>
+            </a:ext>
+          </a:extLst>
+        </p:spPr>
+      </p:sp>
+      <p:sp>
+        <p:nvSpPr>
+          <p:cNvPr id="169987" name="Espace réservé des commentaires 2"/>
+          <p:cNvSpPr>
+            <a:spLocks noGrp="1"/>
+          </p:cNvSpPr>
+          <p:nvPr>
+            <p:ph type="body" idx="1"/>
+          </p:nvPr>
+        </p:nvSpPr>
+        <p:spPr>
+          <a:noFill/>
+          <a:extLst>
+            <a:ext uri="{909E8E84-426E-40DD-AFC4-6F175D3DCCD1}">
+              <a14:hiddenFill xmlns:a14="http://schemas.microsoft.com/office/drawing/2010/main">
+                <a:solidFill>
+                  <a:srgbClr val="FFFFFF"/>
+                </a:solidFill>
+              </a14:hiddenFill>
+            </a:ext>
+            <a:ext uri="{91240B29-F687-4F45-9708-019B960494DF}">
+              <a14:hiddenLine xmlns:a14="http://schemas.microsoft.com/office/drawing/2010/main" w="9525">
+                <a:solidFill>
+                  <a:srgbClr val="000000"/>
+                </a:solidFill>
+                <a:miter lim="800000"/>
+                <a:headEnd/>
+                <a:tailEnd/>
+              </a14:hiddenLine>
+            </a:ext>
+          </a:extLst>
+        </p:spPr>
+        <p:txBody>
+          <a:bodyPr/>
+          <a:lstStyle/>
+          <a:p>
+            <a:endParaRPr lang="fr-FR" altLang="fr-FR"/>
+          </a:p>
+        </p:txBody>
+      </p:sp>
+      <p:sp>
+        <p:nvSpPr>
+          <p:cNvPr id="169988" name="Espace réservé du numéro de diapositive 3"/>
+          <p:cNvSpPr>
+            <a:spLocks noGrp="1"/>
+          </p:cNvSpPr>
+          <p:nvPr>
+            <p:ph type="sldNum" sz="quarter" idx="5"/>
+          </p:nvPr>
+        </p:nvSpPr>
+        <p:spPr>
+          <a:noFill/>
+          <a:extLst>
+            <a:ext uri="{909E8E84-426E-40DD-AFC4-6F175D3DCCD1}">
+              <a14:hiddenFill xmlns:a14="http://schemas.microsoft.com/office/drawing/2010/main">
+                <a:solidFill>
+                  <a:srgbClr val="FFFFFF"/>
+                </a:solidFill>
+              </a14:hiddenFill>
+            </a:ext>
+            <a:ext uri="{91240B29-F687-4F45-9708-019B960494DF}">
+              <a14:hiddenLine xmlns:a14="http://schemas.microsoft.com/office/drawing/2010/main" w="9525">
+                <a:solidFill>
+                  <a:srgbClr val="000000"/>
+                </a:solidFill>
+                <a:miter lim="800000"/>
+                <a:headEnd/>
+                <a:tailEnd/>
+              </a14:hiddenLine>
+            </a:ext>
+          </a:extLst>
+        </p:spPr>
+        <p:txBody>
+          <a:bodyPr/>
+          <a:lstStyle>
+            <a:lvl1pPr defTabSz="920750">
+              <a:defRPr>
+                <a:solidFill>
+                  <a:schemeClr val="tx1"/>
+                </a:solidFill>
+                <a:latin typeface="Arial" charset="0"/>
+              </a:defRPr>
+            </a:lvl1pPr>
+            <a:lvl2pPr marL="742950" indent="-285750" defTabSz="920750">
+              <a:defRPr>
+                <a:solidFill>
+                  <a:schemeClr val="tx1"/>
+                </a:solidFill>
+                <a:latin typeface="Arial" charset="0"/>
+              </a:defRPr>
+            </a:lvl2pPr>
+            <a:lvl3pPr marL="1143000" indent="-228600" defTabSz="920750">
+              <a:defRPr>
+                <a:solidFill>
+                  <a:schemeClr val="tx1"/>
+                </a:solidFill>
+                <a:latin typeface="Arial" charset="0"/>
+              </a:defRPr>
+            </a:lvl3pPr>
+            <a:lvl4pPr marL="1600200" indent="-228600" defTabSz="920750">
+              <a:defRPr>
+                <a:solidFill>
+                  <a:schemeClr val="tx1"/>
+                </a:solidFill>
+                <a:latin typeface="Arial" charset="0"/>
+              </a:defRPr>
+            </a:lvl4pPr>
+            <a:lvl5pPr marL="2057400" indent="-228600" defTabSz="920750">
+              <a:defRPr>
+                <a:solidFill>
+                  <a:schemeClr val="tx1"/>
+                </a:solidFill>
+                <a:latin typeface="Arial" charset="0"/>
+              </a:defRPr>
+            </a:lvl5pPr>
+            <a:lvl6pPr marL="2514600" indent="-228600" defTabSz="920750" eaLnBrk="0" fontAlgn="base" hangingPunct="0">
+              <a:spcBef>
+                <a:spcPct val="0"/>
+              </a:spcBef>
+              <a:spcAft>
+                <a:spcPct val="0"/>
+              </a:spcAft>
+              <a:defRPr>
+                <a:solidFill>
+                  <a:schemeClr val="tx1"/>
+                </a:solidFill>
+                <a:latin typeface="Arial" charset="0"/>
+              </a:defRPr>
+            </a:lvl6pPr>
+            <a:lvl7pPr marL="2971800" indent="-228600" defTabSz="920750" eaLnBrk="0" fontAlgn="base" hangingPunct="0">
+              <a:spcBef>
+                <a:spcPct val="0"/>
+              </a:spcBef>
+              <a:spcAft>
+                <a:spcPct val="0"/>
+              </a:spcAft>
+              <a:defRPr>
+                <a:solidFill>
+                  <a:schemeClr val="tx1"/>
+                </a:solidFill>
+                <a:latin typeface="Arial" charset="0"/>
+              </a:defRPr>
+            </a:lvl7pPr>
+            <a:lvl8pPr marL="3429000" indent="-228600" defTabSz="920750" eaLnBrk="0" fontAlgn="base" hangingPunct="0">
+              <a:spcBef>
+                <a:spcPct val="0"/>
+              </a:spcBef>
+              <a:spcAft>
+                <a:spcPct val="0"/>
+              </a:spcAft>
+              <a:defRPr>
+                <a:solidFill>
+                  <a:schemeClr val="tx1"/>
+                </a:solidFill>
+                <a:latin typeface="Arial" charset="0"/>
+              </a:defRPr>
+            </a:lvl8pPr>
+            <a:lvl9pPr marL="3886200" indent="-228600" defTabSz="920750" eaLnBrk="0" fontAlgn="base" hangingPunct="0">
+              <a:spcBef>
+                <a:spcPct val="0"/>
+              </a:spcBef>
+              <a:spcAft>
+                <a:spcPct val="0"/>
+              </a:spcAft>
+              <a:defRPr>
+                <a:solidFill>
+                  <a:schemeClr val="tx1"/>
+                </a:solidFill>
+                <a:latin typeface="Arial" charset="0"/>
+              </a:defRPr>
+            </a:lvl9pPr>
+          </a:lstStyle>
+          <a:p>
+            <a:fld id="{D4C598FC-A51A-4C10-BC7E-08C80E287FDA}" type="slidenum">
+              <a:rPr lang="fr-FR" altLang="fr-FR" smtClean="0"/>
+              <a:pPr/>
+              <a:t>28</a:t>
+            </a:fld>
+            <a:endParaRPr lang="fr-FR" altLang="fr-FR"/>
+          </a:p>
+        </p:txBody>
+      </p:sp>
+    </p:spTree>
+    <p:extLst>
+      <p:ext uri="{BB962C8B-B14F-4D97-AF65-F5344CB8AC3E}">
+        <p14:creationId xmlns:p14="http://schemas.microsoft.com/office/powerpoint/2010/main" val="622788981"/>
+      </p:ext>
+    </p:extLst>
+  </p:cSld>
+  <p:clrMapOvr>
+    <a:masterClrMapping/>
+  </p:clrMapOvr>
+</p:notes>
+</file>
+
+<file path=ppt/notesSlides/notesSlide12.xml><?xml version="1.0" encoding="utf-8"?>
+<p:notes xmlns:a="http://schemas.openxmlformats.org/drawingml/2006/main" xmlns:r="http://schemas.openxmlformats.org/officeDocument/2006/relationships" xmlns:p="http://schemas.openxmlformats.org/presentationml/2006/main">
+  <p:cSld>
+    <p:spTree>
+      <p:nvGrpSpPr>
+        <p:cNvPr id="1" name=""/>
+        <p:cNvGrpSpPr/>
+        <p:nvPr/>
+      </p:nvGrpSpPr>
+      <p:grpSpPr>
+        <a:xfrm>
+          <a:off x="0" y="0"/>
+          <a:ext cx="0" cy="0"/>
+          <a:chOff x="0" y="0"/>
+          <a:chExt cx="0" cy="0"/>
+        </a:xfrm>
+      </p:grpSpPr>
+      <p:sp>
+        <p:nvSpPr>
+          <p:cNvPr id="117762" name="Espace réservé de l'image des diapositives 1"/>
+          <p:cNvSpPr>
+            <a:spLocks noGrp="1" noRot="1" noChangeAspect="1" noTextEdit="1"/>
+          </p:cNvSpPr>
+          <p:nvPr>
+            <p:ph type="sldImg"/>
+          </p:nvPr>
+        </p:nvSpPr>
+        <p:spPr bwMode="auto">
+          <a:xfrm>
+            <a:off x="92075" y="744538"/>
+            <a:ext cx="6615113" cy="3722687"/>
+          </a:xfrm>
+          <a:prstGeom prst="rect">
+            <a:avLst/>
+          </a:prstGeom>
+          <a:noFill/>
+          <a:ln/>
+          <a:extLst>
+            <a:ext uri="{909E8E84-426E-40DD-AFC4-6F175D3DCCD1}">
+              <a14:hiddenFill xmlns:a14="http://schemas.microsoft.com/office/drawing/2010/main">
+                <a:solidFill>
+                  <a:srgbClr val="FFFFFF"/>
+                </a:solidFill>
+              </a14:hiddenFill>
+            </a:ext>
+            <a:ext uri="{91240B29-F687-4F45-9708-019B960494DF}">
+              <a14:hiddenLine xmlns:a14="http://schemas.microsoft.com/office/drawing/2010/main" w="9525">
+                <a:solidFill>
+                  <a:srgbClr val="000000"/>
+                </a:solidFill>
+                <a:miter lim="800000"/>
+                <a:headEnd/>
+                <a:tailEnd/>
+              </a14:hiddenLine>
+            </a:ext>
+          </a:extLst>
+        </p:spPr>
+      </p:sp>
+      <p:sp>
+        <p:nvSpPr>
+          <p:cNvPr id="117763" name="Espace réservé des commentaires 2"/>
+          <p:cNvSpPr>
+            <a:spLocks noGrp="1"/>
+          </p:cNvSpPr>
+          <p:nvPr>
+            <p:ph type="body" idx="1"/>
+          </p:nvPr>
+        </p:nvSpPr>
+        <p:spPr>
+          <a:noFill/>
+          <a:extLst>
+            <a:ext uri="{909E8E84-426E-40DD-AFC4-6F175D3DCCD1}">
+              <a14:hiddenFill xmlns:a14="http://schemas.microsoft.com/office/drawing/2010/main">
+                <a:solidFill>
+                  <a:srgbClr val="FFFFFF"/>
+                </a:solidFill>
+              </a14:hiddenFill>
+            </a:ext>
+            <a:ext uri="{91240B29-F687-4F45-9708-019B960494DF}">
+              <a14:hiddenLine xmlns:a14="http://schemas.microsoft.com/office/drawing/2010/main" w="9525">
+                <a:solidFill>
+                  <a:srgbClr val="000000"/>
+                </a:solidFill>
+                <a:miter lim="800000"/>
+                <a:headEnd/>
+                <a:tailEnd/>
+              </a14:hiddenLine>
+            </a:ext>
+          </a:extLst>
+        </p:spPr>
+        <p:txBody>
+          <a:bodyPr/>
+          <a:lstStyle/>
+          <a:p>
+            <a:r>
+              <a:rPr lang="fr-FR" altLang="fr-FR">
+                <a:latin typeface="Arial" panose="020B0604020202020204" pitchFamily="34" charset="0"/>
+              </a:rPr>
+              <a:t>Vous pouvez télécharger ce type de produits sur le site Intradef du 28GG pour les plus récents, les autres sur le catalogue de l’EGI.</a:t>
+            </a:r>
+          </a:p>
+        </p:txBody>
+      </p:sp>
+      <p:sp>
+        <p:nvSpPr>
+          <p:cNvPr id="117764" name="Espace réservé du numéro de diapositive 3"/>
+          <p:cNvSpPr>
+            <a:spLocks noGrp="1"/>
+          </p:cNvSpPr>
+          <p:nvPr>
+            <p:ph type="sldNum" sz="quarter" idx="5"/>
+          </p:nvPr>
+        </p:nvSpPr>
+        <p:spPr>
+          <a:noFill/>
+          <a:extLst>
+            <a:ext uri="{909E8E84-426E-40DD-AFC4-6F175D3DCCD1}">
+              <a14:hiddenFill xmlns:a14="http://schemas.microsoft.com/office/drawing/2010/main">
+                <a:solidFill>
+                  <a:srgbClr val="FFFFFF"/>
+                </a:solidFill>
+              </a14:hiddenFill>
+            </a:ext>
+            <a:ext uri="{91240B29-F687-4F45-9708-019B960494DF}">
+              <a14:hiddenLine xmlns:a14="http://schemas.microsoft.com/office/drawing/2010/main" w="9525">
+                <a:solidFill>
+                  <a:srgbClr val="000000"/>
+                </a:solidFill>
+                <a:miter lim="800000"/>
+                <a:headEnd/>
+                <a:tailEnd/>
+              </a14:hiddenLine>
+            </a:ext>
+          </a:extLst>
+        </p:spPr>
+        <p:txBody>
+          <a:bodyPr/>
+          <a:lstStyle>
+            <a:lvl1pPr defTabSz="920750">
+              <a:defRPr>
+                <a:solidFill>
+                  <a:schemeClr val="tx1"/>
+                </a:solidFill>
+                <a:latin typeface="Arial" panose="020B0604020202020204" pitchFamily="34" charset="0"/>
+              </a:defRPr>
+            </a:lvl1pPr>
+            <a:lvl2pPr marL="742950" indent="-285750" defTabSz="920750">
+              <a:defRPr>
+                <a:solidFill>
+                  <a:schemeClr val="tx1"/>
+                </a:solidFill>
+                <a:latin typeface="Arial" panose="020B0604020202020204" pitchFamily="34" charset="0"/>
+              </a:defRPr>
+            </a:lvl2pPr>
+            <a:lvl3pPr marL="1143000" indent="-228600" defTabSz="920750">
+              <a:defRPr>
+                <a:solidFill>
+                  <a:schemeClr val="tx1"/>
+                </a:solidFill>
+                <a:latin typeface="Arial" panose="020B0604020202020204" pitchFamily="34" charset="0"/>
+              </a:defRPr>
+            </a:lvl3pPr>
+            <a:lvl4pPr marL="1600200" indent="-228600" defTabSz="920750">
+              <a:defRPr>
+                <a:solidFill>
+                  <a:schemeClr val="tx1"/>
+                </a:solidFill>
+                <a:latin typeface="Arial" panose="020B0604020202020204" pitchFamily="34" charset="0"/>
+              </a:defRPr>
+            </a:lvl4pPr>
+            <a:lvl5pPr marL="2057400" indent="-228600" defTabSz="920750">
+              <a:defRPr>
+                <a:solidFill>
+                  <a:schemeClr val="tx1"/>
+                </a:solidFill>
+                <a:latin typeface="Arial" panose="020B0604020202020204" pitchFamily="34" charset="0"/>
+              </a:defRPr>
+            </a:lvl5pPr>
+            <a:lvl6pPr marL="2514600" indent="-228600" defTabSz="920750" eaLnBrk="0" fontAlgn="base" hangingPunct="0">
+              <a:spcBef>
+                <a:spcPct val="0"/>
+              </a:spcBef>
+              <a:spcAft>
+                <a:spcPct val="0"/>
+              </a:spcAft>
+              <a:defRPr>
+                <a:solidFill>
+                  <a:schemeClr val="tx1"/>
+                </a:solidFill>
+                <a:latin typeface="Arial" panose="020B0604020202020204" pitchFamily="34" charset="0"/>
+              </a:defRPr>
+            </a:lvl6pPr>
+            <a:lvl7pPr marL="2971800" indent="-228600" defTabSz="920750" eaLnBrk="0" fontAlgn="base" hangingPunct="0">
+              <a:spcBef>
+                <a:spcPct val="0"/>
+              </a:spcBef>
+              <a:spcAft>
+                <a:spcPct val="0"/>
+              </a:spcAft>
+              <a:defRPr>
+                <a:solidFill>
+                  <a:schemeClr val="tx1"/>
+                </a:solidFill>
+                <a:latin typeface="Arial" panose="020B0604020202020204" pitchFamily="34" charset="0"/>
+              </a:defRPr>
+            </a:lvl7pPr>
+            <a:lvl8pPr marL="3429000" indent="-228600" defTabSz="920750" eaLnBrk="0" fontAlgn="base" hangingPunct="0">
+              <a:spcBef>
+                <a:spcPct val="0"/>
+              </a:spcBef>
+              <a:spcAft>
+                <a:spcPct val="0"/>
+              </a:spcAft>
+              <a:defRPr>
+                <a:solidFill>
+                  <a:schemeClr val="tx1"/>
+                </a:solidFill>
+                <a:latin typeface="Arial" panose="020B0604020202020204" pitchFamily="34" charset="0"/>
+              </a:defRPr>
+            </a:lvl8pPr>
+            <a:lvl9pPr marL="3886200" indent="-228600" defTabSz="920750" eaLnBrk="0" fontAlgn="base" hangingPunct="0">
+              <a:spcBef>
+                <a:spcPct val="0"/>
+              </a:spcBef>
+              <a:spcAft>
+                <a:spcPct val="0"/>
+              </a:spcAft>
+              <a:defRPr>
+                <a:solidFill>
+                  <a:schemeClr val="tx1"/>
+                </a:solidFill>
+                <a:latin typeface="Arial" panose="020B0604020202020204" pitchFamily="34" charset="0"/>
+              </a:defRPr>
+            </a:lvl9pPr>
+          </a:lstStyle>
+          <a:p>
+            <a:fld id="{10ACC852-FC97-4FDE-92C8-D0F63EDFB18C}" type="slidenum">
+              <a:rPr lang="fr-FR" altLang="fr-FR"/>
+              <a:pPr/>
+              <a:t>30</a:t>
+            </a:fld>
+            <a:endParaRPr lang="fr-FR" altLang="fr-FR"/>
+          </a:p>
+        </p:txBody>
+      </p:sp>
+    </p:spTree>
+    <p:extLst>
+      <p:ext uri="{BB962C8B-B14F-4D97-AF65-F5344CB8AC3E}">
+        <p14:creationId xmlns:p14="http://schemas.microsoft.com/office/powerpoint/2010/main" val="1053240287"/>
       </p:ext>
     </p:extLst>
   </p:cSld>
@@ -670,7 +1297,7 @@
           <a:p>
             <a:fld id="{1321DB9F-BB1B-4B09-A1A4-736F1DCF5FB6}" type="slidenum">
               <a:rPr lang="fr-FR" smtClean="0"/>
-              <a:t>7</a:t>
+              <a:t>9</a:t>
             </a:fld>
             <a:endParaRPr lang="fr-FR"/>
           </a:p>
@@ -679,7 +1306,7 @@
     </p:spTree>
     <p:extLst>
       <p:ext uri="{BB962C8B-B14F-4D97-AF65-F5344CB8AC3E}">
-        <p14:creationId xmlns:p14="http://schemas.microsoft.com/office/powerpoint/2010/main" val="3822050649"/>
+        <p14:creationId xmlns:p14="http://schemas.microsoft.com/office/powerpoint/2010/main" val="3260374699"/>
       </p:ext>
     </p:extLst>
   </p:cSld>
@@ -708,48 +1335,24 @@
       </p:grpSpPr>
       <p:sp>
         <p:nvSpPr>
-          <p:cNvPr id="151554" name="Espace réservé de l'image des diapositives 1"/>
-          <p:cNvSpPr>
-            <a:spLocks noGrp="1" noRot="1" noChangeAspect="1" noTextEdit="1"/>
+          <p:cNvPr id="2" name="Espace réservé de l'image des diapositives 1"/>
+          <p:cNvSpPr>
+            <a:spLocks noGrp="1" noRot="1" noChangeAspect="1"/>
           </p:cNvSpPr>
           <p:nvPr>
             <p:ph type="sldImg"/>
           </p:nvPr>
         </p:nvSpPr>
-        <p:spPr bwMode="auto">
+        <p:spPr>
           <a:xfrm>
-            <a:off x="92075" y="744538"/>
-            <a:ext cx="6615113" cy="3722687"/>
+            <a:off x="685800" y="1143000"/>
+            <a:ext cx="5486400" cy="3086100"/>
           </a:xfrm>
-          <a:prstGeom prst="rect">
-            <a:avLst/>
-          </a:prstGeom>
-          <a:noFill/>
-          <a:ln/>
-          <a:extLst>
-            <a:ext uri="{909E8E84-426E-40DD-AFC4-6F175D3DCCD1}">
-              <a14:hiddenFill xmlns:a14="http://schemas.microsoft.com/office/drawing/2010/main">
-                <a:solidFill>
-                  <a:srgbClr val="FFFFFF"/>
-                </a:solidFill>
-              </a14:hiddenFill>
-            </a:ext>
-            <a:ext uri="{91240B29-F687-4F45-9708-019B960494DF}">
-              <a14:hiddenLine xmlns:a14="http://schemas.microsoft.com/office/drawing/2010/main" w="9525">
-                <a:solidFill>
-                  <a:srgbClr val="000000"/>
-                </a:solidFill>
-                <a:miter lim="800000"/>
-                <a:headEnd/>
-                <a:tailEnd/>
-              </a14:hiddenLine>
-            </a:ext>
-          </a:extLst>
         </p:spPr>
       </p:sp>
       <p:sp>
         <p:nvSpPr>
-          <p:cNvPr id="151555" name="Espace réservé des commentaires 2"/>
+          <p:cNvPr id="3" name="Espace réservé des commentaires 2"/>
           <p:cNvSpPr>
             <a:spLocks noGrp="1"/>
           </p:cNvSpPr>
@@ -757,185 +1360,52 @@
             <p:ph type="body" idx="1"/>
           </p:nvPr>
         </p:nvSpPr>
-        <p:spPr>
-          <a:noFill/>
-          <a:extLst>
-            <a:ext uri="{909E8E84-426E-40DD-AFC4-6F175D3DCCD1}">
-              <a14:hiddenFill xmlns:a14="http://schemas.microsoft.com/office/drawing/2010/main">
-                <a:solidFill>
-                  <a:srgbClr val="FFFFFF"/>
-                </a:solidFill>
-              </a14:hiddenFill>
-            </a:ext>
-            <a:ext uri="{91240B29-F687-4F45-9708-019B960494DF}">
-              <a14:hiddenLine xmlns:a14="http://schemas.microsoft.com/office/drawing/2010/main" w="9525">
-                <a:solidFill>
-                  <a:srgbClr val="000000"/>
-                </a:solidFill>
-                <a:miter lim="800000"/>
-                <a:headEnd/>
-                <a:tailEnd/>
-              </a14:hiddenLine>
-            </a:ext>
-          </a:extLst>
-        </p:spPr>
+        <p:spPr/>
         <p:txBody>
           <a:bodyPr/>
           <a:lstStyle/>
           <a:p>
             <a:r>
-              <a:rPr lang="fr-FR" altLang="fr-FR" sz="1600" dirty="0"/>
-              <a:t>Pour accéder au site de l’EGI</a:t>
-            </a:r>
-          </a:p>
-        </p:txBody>
-      </p:sp>
-      <p:sp>
-        <p:nvSpPr>
-          <p:cNvPr id="151556" name="Espace réservé du numéro de diapositive 3"/>
-          <p:cNvSpPr>
-            <a:spLocks noGrp="1"/>
-          </p:cNvSpPr>
-          <p:nvPr>
-            <p:ph type="sldNum" sz="quarter" idx="5"/>
-          </p:nvPr>
-        </p:nvSpPr>
-        <p:spPr>
-          <a:noFill/>
-          <a:extLst>
-            <a:ext uri="{909E8E84-426E-40DD-AFC4-6F175D3DCCD1}">
-              <a14:hiddenFill xmlns:a14="http://schemas.microsoft.com/office/drawing/2010/main">
-                <a:solidFill>
-                  <a:srgbClr val="FFFFFF"/>
-                </a:solidFill>
-              </a14:hiddenFill>
-            </a:ext>
-            <a:ext uri="{91240B29-F687-4F45-9708-019B960494DF}">
-              <a14:hiddenLine xmlns:a14="http://schemas.microsoft.com/office/drawing/2010/main" w="9525">
-                <a:solidFill>
-                  <a:srgbClr val="000000"/>
-                </a:solidFill>
-                <a:miter lim="800000"/>
-                <a:headEnd/>
-                <a:tailEnd/>
-              </a14:hiddenLine>
-            </a:ext>
-          </a:extLst>
-        </p:spPr>
+              <a:rPr lang="fr-FR" dirty="0" smtClean="0"/>
+              <a:t>https://www.azavea.com/blog/2015/12/21/tools-for-getting-data-out-of-openstreetmap-and-into-desktop-gis/</a:t>
+            </a:r>
+          </a:p>
+          <a:p>
+            <a:r>
+              <a:rPr lang="fr-FR" dirty="0" smtClean="0"/>
+              <a:t>https://land.copernicus.eu/imagery-in-situ/eu-dem/eu-dem-v1.1?tab=mapview</a:t>
+            </a:r>
+            <a:endParaRPr lang="fr-FR" dirty="0"/>
+          </a:p>
+        </p:txBody>
+      </p:sp>
+      <p:sp>
+        <p:nvSpPr>
+          <p:cNvPr id="4" name="Espace réservé du numéro de diapositive 3"/>
+          <p:cNvSpPr>
+            <a:spLocks noGrp="1"/>
+          </p:cNvSpPr>
+          <p:nvPr>
+            <p:ph type="sldNum" sz="quarter" idx="10"/>
+          </p:nvPr>
+        </p:nvSpPr>
+        <p:spPr/>
         <p:txBody>
           <a:bodyPr/>
-          <a:lstStyle>
-            <a:lvl1pPr defTabSz="920750">
-              <a:defRPr>
-                <a:solidFill>
-                  <a:schemeClr val="tx1"/>
-                </a:solidFill>
-                <a:latin typeface="Arial" charset="0"/>
-              </a:defRPr>
-            </a:lvl1pPr>
-            <a:lvl2pPr marL="742950" indent="-285750" defTabSz="920750">
-              <a:defRPr>
-                <a:solidFill>
-                  <a:schemeClr val="tx1"/>
-                </a:solidFill>
-                <a:latin typeface="Arial" charset="0"/>
-              </a:defRPr>
-            </a:lvl2pPr>
-            <a:lvl3pPr marL="1143000" indent="-228600" defTabSz="920750">
-              <a:defRPr>
-                <a:solidFill>
-                  <a:schemeClr val="tx1"/>
-                </a:solidFill>
-                <a:latin typeface="Arial" charset="0"/>
-              </a:defRPr>
-            </a:lvl3pPr>
-            <a:lvl4pPr marL="1600200" indent="-228600" defTabSz="920750">
-              <a:defRPr>
-                <a:solidFill>
-                  <a:schemeClr val="tx1"/>
-                </a:solidFill>
-                <a:latin typeface="Arial" charset="0"/>
-              </a:defRPr>
-            </a:lvl4pPr>
-            <a:lvl5pPr marL="2057400" indent="-228600" defTabSz="920750">
-              <a:defRPr>
-                <a:solidFill>
-                  <a:schemeClr val="tx1"/>
-                </a:solidFill>
-                <a:latin typeface="Arial" charset="0"/>
-              </a:defRPr>
-            </a:lvl5pPr>
-            <a:lvl6pPr marL="2514600" indent="-228600" defTabSz="920750" eaLnBrk="0" fontAlgn="base" hangingPunct="0">
-              <a:spcBef>
-                <a:spcPct val="0"/>
-              </a:spcBef>
-              <a:spcAft>
-                <a:spcPct val="0"/>
-              </a:spcAft>
-              <a:defRPr>
-                <a:solidFill>
-                  <a:schemeClr val="tx1"/>
-                </a:solidFill>
-                <a:latin typeface="Arial" charset="0"/>
-              </a:defRPr>
-            </a:lvl6pPr>
-            <a:lvl7pPr marL="2971800" indent="-228600" defTabSz="920750" eaLnBrk="0" fontAlgn="base" hangingPunct="0">
-              <a:spcBef>
-                <a:spcPct val="0"/>
-              </a:spcBef>
-              <a:spcAft>
-                <a:spcPct val="0"/>
-              </a:spcAft>
-              <a:defRPr>
-                <a:solidFill>
-                  <a:schemeClr val="tx1"/>
-                </a:solidFill>
-                <a:latin typeface="Arial" charset="0"/>
-              </a:defRPr>
-            </a:lvl7pPr>
-            <a:lvl8pPr marL="3429000" indent="-228600" defTabSz="920750" eaLnBrk="0" fontAlgn="base" hangingPunct="0">
-              <a:spcBef>
-                <a:spcPct val="0"/>
-              </a:spcBef>
-              <a:spcAft>
-                <a:spcPct val="0"/>
-              </a:spcAft>
-              <a:defRPr>
-                <a:solidFill>
-                  <a:schemeClr val="tx1"/>
-                </a:solidFill>
-                <a:latin typeface="Arial" charset="0"/>
-              </a:defRPr>
-            </a:lvl8pPr>
-            <a:lvl9pPr marL="3886200" indent="-228600" defTabSz="920750" eaLnBrk="0" fontAlgn="base" hangingPunct="0">
-              <a:spcBef>
-                <a:spcPct val="0"/>
-              </a:spcBef>
-              <a:spcAft>
-                <a:spcPct val="0"/>
-              </a:spcAft>
-              <a:defRPr>
-                <a:solidFill>
-                  <a:schemeClr val="tx1"/>
-                </a:solidFill>
-                <a:latin typeface="Arial" charset="0"/>
-              </a:defRPr>
-            </a:lvl9pPr>
-          </a:lstStyle>
-          <a:p>
-            <a:fld id="{FFA2A086-7015-4C97-BA6D-D976F45991F9}" type="slidenum">
-              <a:rPr lang="fr-FR" altLang="fr-FR" smtClean="0"/>
-              <a:pPr/>
-              <a:t>18</a:t>
+          <a:lstStyle/>
+          <a:p>
+            <a:fld id="{1321DB9F-BB1B-4B09-A1A4-736F1DCF5FB6}" type="slidenum">
+              <a:rPr lang="fr-FR" smtClean="0"/>
+              <a:t>12</a:t>
             </a:fld>
-            <a:endParaRPr lang="fr-FR" altLang="fr-FR"/>
+            <a:endParaRPr lang="fr-FR"/>
           </a:p>
         </p:txBody>
       </p:sp>
     </p:spTree>
     <p:extLst>
       <p:ext uri="{BB962C8B-B14F-4D97-AF65-F5344CB8AC3E}">
-        <p14:creationId xmlns:p14="http://schemas.microsoft.com/office/powerpoint/2010/main" val="2111330464"/>
+        <p14:creationId xmlns:p14="http://schemas.microsoft.com/office/powerpoint/2010/main" val="1886188471"/>
       </p:ext>
     </p:extLst>
   </p:cSld>
@@ -964,48 +1434,24 @@
       </p:grpSpPr>
       <p:sp>
         <p:nvSpPr>
-          <p:cNvPr id="152578" name="Espace réservé de l'image des diapositives 1"/>
-          <p:cNvSpPr>
-            <a:spLocks noGrp="1" noRot="1" noChangeAspect="1" noTextEdit="1"/>
+          <p:cNvPr id="2" name="Espace réservé de l'image des diapositives 1"/>
+          <p:cNvSpPr>
+            <a:spLocks noGrp="1" noRot="1" noChangeAspect="1"/>
           </p:cNvSpPr>
           <p:nvPr>
             <p:ph type="sldImg"/>
           </p:nvPr>
         </p:nvSpPr>
-        <p:spPr bwMode="auto">
+        <p:spPr>
           <a:xfrm>
-            <a:off x="90488" y="744538"/>
-            <a:ext cx="6616700" cy="3722687"/>
+            <a:off x="685800" y="1143000"/>
+            <a:ext cx="5486400" cy="3086100"/>
           </a:xfrm>
-          <a:prstGeom prst="rect">
-            <a:avLst/>
-          </a:prstGeom>
-          <a:noFill/>
-          <a:ln/>
-          <a:extLst>
-            <a:ext uri="{909E8E84-426E-40DD-AFC4-6F175D3DCCD1}">
-              <a14:hiddenFill xmlns:a14="http://schemas.microsoft.com/office/drawing/2010/main">
-                <a:solidFill>
-                  <a:srgbClr val="FFFFFF"/>
-                </a:solidFill>
-              </a14:hiddenFill>
-            </a:ext>
-            <a:ext uri="{91240B29-F687-4F45-9708-019B960494DF}">
-              <a14:hiddenLine xmlns:a14="http://schemas.microsoft.com/office/drawing/2010/main" w="9525">
-                <a:solidFill>
-                  <a:srgbClr val="000000"/>
-                </a:solidFill>
-                <a:miter lim="800000"/>
-                <a:headEnd/>
-                <a:tailEnd/>
-              </a14:hiddenLine>
-            </a:ext>
-          </a:extLst>
         </p:spPr>
       </p:sp>
       <p:sp>
         <p:nvSpPr>
-          <p:cNvPr id="152579" name="Espace réservé des commentaires 2"/>
+          <p:cNvPr id="3" name="Espace réservé des commentaires 2"/>
           <p:cNvSpPr>
             <a:spLocks noGrp="1"/>
           </p:cNvSpPr>
@@ -1013,182 +1459,52 @@
             <p:ph type="body" idx="1"/>
           </p:nvPr>
         </p:nvSpPr>
-        <p:spPr>
-          <a:noFill/>
-          <a:extLst>
-            <a:ext uri="{909E8E84-426E-40DD-AFC4-6F175D3DCCD1}">
-              <a14:hiddenFill xmlns:a14="http://schemas.microsoft.com/office/drawing/2010/main">
-                <a:solidFill>
-                  <a:srgbClr val="FFFFFF"/>
-                </a:solidFill>
-              </a14:hiddenFill>
-            </a:ext>
-            <a:ext uri="{91240B29-F687-4F45-9708-019B960494DF}">
-              <a14:hiddenLine xmlns:a14="http://schemas.microsoft.com/office/drawing/2010/main" w="9525">
-                <a:solidFill>
-                  <a:srgbClr val="000000"/>
-                </a:solidFill>
-                <a:miter lim="800000"/>
-                <a:headEnd/>
-                <a:tailEnd/>
-              </a14:hiddenLine>
-            </a:ext>
-          </a:extLst>
-        </p:spPr>
+        <p:spPr/>
         <p:txBody>
           <a:bodyPr/>
           <a:lstStyle/>
           <a:p>
-            <a:endParaRPr lang="fr-FR" altLang="fr-FR"/>
-          </a:p>
-        </p:txBody>
-      </p:sp>
-      <p:sp>
-        <p:nvSpPr>
-          <p:cNvPr id="152580" name="Espace réservé du numéro de diapositive 3"/>
-          <p:cNvSpPr>
-            <a:spLocks noGrp="1"/>
-          </p:cNvSpPr>
-          <p:nvPr>
-            <p:ph type="sldNum" sz="quarter" idx="5"/>
-          </p:nvPr>
-        </p:nvSpPr>
-        <p:spPr>
-          <a:noFill/>
-          <a:extLst>
-            <a:ext uri="{909E8E84-426E-40DD-AFC4-6F175D3DCCD1}">
-              <a14:hiddenFill xmlns:a14="http://schemas.microsoft.com/office/drawing/2010/main">
-                <a:solidFill>
-                  <a:srgbClr val="FFFFFF"/>
-                </a:solidFill>
-              </a14:hiddenFill>
-            </a:ext>
-            <a:ext uri="{91240B29-F687-4F45-9708-019B960494DF}">
-              <a14:hiddenLine xmlns:a14="http://schemas.microsoft.com/office/drawing/2010/main" w="9525">
-                <a:solidFill>
-                  <a:srgbClr val="000000"/>
-                </a:solidFill>
-                <a:miter lim="800000"/>
-                <a:headEnd/>
-                <a:tailEnd/>
-              </a14:hiddenLine>
-            </a:ext>
-          </a:extLst>
-        </p:spPr>
+            <a:r>
+              <a:rPr lang="fr-FR" dirty="0" smtClean="0"/>
+              <a:t>https://www.azavea.com/blog/2015/12/21/tools-for-getting-data-out-of-openstreetmap-and-into-desktop-gis/</a:t>
+            </a:r>
+          </a:p>
+          <a:p>
+            <a:r>
+              <a:rPr lang="fr-FR" smtClean="0"/>
+              <a:t>https://land.copernicus.eu/imagery-in-situ/eu-dem/eu-dem-v1.1?tab=mapview</a:t>
+            </a:r>
+            <a:endParaRPr lang="fr-FR" dirty="0"/>
+          </a:p>
+        </p:txBody>
+      </p:sp>
+      <p:sp>
+        <p:nvSpPr>
+          <p:cNvPr id="4" name="Espace réservé du numéro de diapositive 3"/>
+          <p:cNvSpPr>
+            <a:spLocks noGrp="1"/>
+          </p:cNvSpPr>
+          <p:nvPr>
+            <p:ph type="sldNum" sz="quarter" idx="10"/>
+          </p:nvPr>
+        </p:nvSpPr>
+        <p:spPr/>
         <p:txBody>
           <a:bodyPr/>
-          <a:lstStyle>
-            <a:lvl1pPr defTabSz="920750">
-              <a:defRPr>
-                <a:solidFill>
-                  <a:schemeClr val="tx1"/>
-                </a:solidFill>
-                <a:latin typeface="Arial" charset="0"/>
-              </a:defRPr>
-            </a:lvl1pPr>
-            <a:lvl2pPr marL="742950" indent="-285750" defTabSz="920750">
-              <a:defRPr>
-                <a:solidFill>
-                  <a:schemeClr val="tx1"/>
-                </a:solidFill>
-                <a:latin typeface="Arial" charset="0"/>
-              </a:defRPr>
-            </a:lvl2pPr>
-            <a:lvl3pPr marL="1143000" indent="-228600" defTabSz="920750">
-              <a:defRPr>
-                <a:solidFill>
-                  <a:schemeClr val="tx1"/>
-                </a:solidFill>
-                <a:latin typeface="Arial" charset="0"/>
-              </a:defRPr>
-            </a:lvl3pPr>
-            <a:lvl4pPr marL="1600200" indent="-228600" defTabSz="920750">
-              <a:defRPr>
-                <a:solidFill>
-                  <a:schemeClr val="tx1"/>
-                </a:solidFill>
-                <a:latin typeface="Arial" charset="0"/>
-              </a:defRPr>
-            </a:lvl4pPr>
-            <a:lvl5pPr marL="2057400" indent="-228600" defTabSz="920750">
-              <a:defRPr>
-                <a:solidFill>
-                  <a:schemeClr val="tx1"/>
-                </a:solidFill>
-                <a:latin typeface="Arial" charset="0"/>
-              </a:defRPr>
-            </a:lvl5pPr>
-            <a:lvl6pPr marL="2514600" indent="-228600" defTabSz="920750" eaLnBrk="0" fontAlgn="base" hangingPunct="0">
-              <a:spcBef>
-                <a:spcPct val="0"/>
-              </a:spcBef>
-              <a:spcAft>
-                <a:spcPct val="0"/>
-              </a:spcAft>
-              <a:defRPr>
-                <a:solidFill>
-                  <a:schemeClr val="tx1"/>
-                </a:solidFill>
-                <a:latin typeface="Arial" charset="0"/>
-              </a:defRPr>
-            </a:lvl6pPr>
-            <a:lvl7pPr marL="2971800" indent="-228600" defTabSz="920750" eaLnBrk="0" fontAlgn="base" hangingPunct="0">
-              <a:spcBef>
-                <a:spcPct val="0"/>
-              </a:spcBef>
-              <a:spcAft>
-                <a:spcPct val="0"/>
-              </a:spcAft>
-              <a:defRPr>
-                <a:solidFill>
-                  <a:schemeClr val="tx1"/>
-                </a:solidFill>
-                <a:latin typeface="Arial" charset="0"/>
-              </a:defRPr>
-            </a:lvl7pPr>
-            <a:lvl8pPr marL="3429000" indent="-228600" defTabSz="920750" eaLnBrk="0" fontAlgn="base" hangingPunct="0">
-              <a:spcBef>
-                <a:spcPct val="0"/>
-              </a:spcBef>
-              <a:spcAft>
-                <a:spcPct val="0"/>
-              </a:spcAft>
-              <a:defRPr>
-                <a:solidFill>
-                  <a:schemeClr val="tx1"/>
-                </a:solidFill>
-                <a:latin typeface="Arial" charset="0"/>
-              </a:defRPr>
-            </a:lvl8pPr>
-            <a:lvl9pPr marL="3886200" indent="-228600" defTabSz="920750" eaLnBrk="0" fontAlgn="base" hangingPunct="0">
-              <a:spcBef>
-                <a:spcPct val="0"/>
-              </a:spcBef>
-              <a:spcAft>
-                <a:spcPct val="0"/>
-              </a:spcAft>
-              <a:defRPr>
-                <a:solidFill>
-                  <a:schemeClr val="tx1"/>
-                </a:solidFill>
-                <a:latin typeface="Arial" charset="0"/>
-              </a:defRPr>
-            </a:lvl9pPr>
-          </a:lstStyle>
-          <a:p>
-            <a:fld id="{01957912-63F7-4A8E-AE6F-FA2BEB0C3766}" type="slidenum">
-              <a:rPr lang="fr-FR" altLang="fr-FR" smtClean="0"/>
-              <a:pPr/>
-              <a:t>19</a:t>
+          <a:lstStyle/>
+          <a:p>
+            <a:fld id="{1321DB9F-BB1B-4B09-A1A4-736F1DCF5FB6}" type="slidenum">
+              <a:rPr lang="fr-FR" smtClean="0"/>
+              <a:t>13</a:t>
             </a:fld>
-            <a:endParaRPr lang="fr-FR" altLang="fr-FR"/>
+            <a:endParaRPr lang="fr-FR"/>
           </a:p>
         </p:txBody>
       </p:sp>
     </p:spTree>
     <p:extLst>
       <p:ext uri="{BB962C8B-B14F-4D97-AF65-F5344CB8AC3E}">
-        <p14:creationId xmlns:p14="http://schemas.microsoft.com/office/powerpoint/2010/main" val="1811070015"/>
+        <p14:creationId xmlns:p14="http://schemas.microsoft.com/office/powerpoint/2010/main" val="1989401670"/>
       </p:ext>
     </p:extLst>
   </p:cSld>
@@ -1217,392 +1533,77 @@
       </p:grpSpPr>
       <p:sp>
         <p:nvSpPr>
-          <p:cNvPr id="153602" name="Rectangle 7"/>
-          <p:cNvSpPr txBox="1">
-            <a:spLocks noGrp="1" noChangeArrowheads="1"/>
-          </p:cNvSpPr>
-          <p:nvPr/>
-        </p:nvSpPr>
-        <p:spPr bwMode="auto">
+          <p:cNvPr id="2" name="Espace réservé de l'image des diapositives 1"/>
+          <p:cNvSpPr>
+            <a:spLocks noGrp="1" noRot="1" noChangeAspect="1"/>
+          </p:cNvSpPr>
+          <p:nvPr>
+            <p:ph type="sldImg"/>
+          </p:nvPr>
+        </p:nvSpPr>
+        <p:spPr>
           <a:xfrm>
-            <a:off x="3849688" y="9428163"/>
-            <a:ext cx="2946400" cy="496887"/>
+            <a:off x="685800" y="1143000"/>
+            <a:ext cx="5486400" cy="3086100"/>
           </a:xfrm>
-          <a:prstGeom prst="rect">
-            <a:avLst/>
-          </a:prstGeom>
-          <a:noFill/>
-          <a:ln>
-            <a:noFill/>
-          </a:ln>
-          <a:extLst>
-            <a:ext uri="{909E8E84-426E-40DD-AFC4-6F175D3DCCD1}">
-              <a14:hiddenFill xmlns:a14="http://schemas.microsoft.com/office/drawing/2010/main">
-                <a:solidFill>
-                  <a:srgbClr val="FFFFFF"/>
-                </a:solidFill>
-              </a14:hiddenFill>
-            </a:ext>
-            <a:ext uri="{91240B29-F687-4F45-9708-019B960494DF}">
-              <a14:hiddenLine xmlns:a14="http://schemas.microsoft.com/office/drawing/2010/main" w="9525">
-                <a:solidFill>
-                  <a:srgbClr val="000000"/>
-                </a:solidFill>
-                <a:miter lim="800000"/>
-                <a:headEnd/>
-                <a:tailEnd/>
-              </a14:hiddenLine>
-            </a:ext>
-          </a:extLst>
         </p:spPr>
-        <p:txBody>
-          <a:bodyPr anchor="b"/>
-          <a:lstStyle>
-            <a:lvl1pPr>
-              <a:defRPr>
-                <a:solidFill>
-                  <a:schemeClr val="tx1"/>
-                </a:solidFill>
-                <a:latin typeface="Arial" charset="0"/>
-              </a:defRPr>
-            </a:lvl1pPr>
-            <a:lvl2pPr marL="742950" indent="-285750">
-              <a:defRPr>
-                <a:solidFill>
-                  <a:schemeClr val="tx1"/>
-                </a:solidFill>
-                <a:latin typeface="Arial" charset="0"/>
-              </a:defRPr>
-            </a:lvl2pPr>
-            <a:lvl3pPr marL="1143000" indent="-228600">
-              <a:defRPr>
-                <a:solidFill>
-                  <a:schemeClr val="tx1"/>
-                </a:solidFill>
-                <a:latin typeface="Arial" charset="0"/>
-              </a:defRPr>
-            </a:lvl3pPr>
-            <a:lvl4pPr marL="1600200" indent="-228600">
-              <a:defRPr>
-                <a:solidFill>
-                  <a:schemeClr val="tx1"/>
-                </a:solidFill>
-                <a:latin typeface="Arial" charset="0"/>
-              </a:defRPr>
-            </a:lvl4pPr>
-            <a:lvl5pPr marL="2057400" indent="-228600">
-              <a:defRPr>
-                <a:solidFill>
-                  <a:schemeClr val="tx1"/>
-                </a:solidFill>
-                <a:latin typeface="Arial" charset="0"/>
-              </a:defRPr>
-            </a:lvl5pPr>
-            <a:lvl6pPr marL="2514600" indent="-228600" eaLnBrk="0" fontAlgn="base" hangingPunct="0">
-              <a:spcBef>
-                <a:spcPct val="0"/>
-              </a:spcBef>
-              <a:spcAft>
-                <a:spcPct val="0"/>
-              </a:spcAft>
-              <a:defRPr>
-                <a:solidFill>
-                  <a:schemeClr val="tx1"/>
-                </a:solidFill>
-                <a:latin typeface="Arial" charset="0"/>
-              </a:defRPr>
-            </a:lvl6pPr>
-            <a:lvl7pPr marL="2971800" indent="-228600" eaLnBrk="0" fontAlgn="base" hangingPunct="0">
-              <a:spcBef>
-                <a:spcPct val="0"/>
-              </a:spcBef>
-              <a:spcAft>
-                <a:spcPct val="0"/>
-              </a:spcAft>
-              <a:defRPr>
-                <a:solidFill>
-                  <a:schemeClr val="tx1"/>
-                </a:solidFill>
-                <a:latin typeface="Arial" charset="0"/>
-              </a:defRPr>
-            </a:lvl7pPr>
-            <a:lvl8pPr marL="3429000" indent="-228600" eaLnBrk="0" fontAlgn="base" hangingPunct="0">
-              <a:spcBef>
-                <a:spcPct val="0"/>
-              </a:spcBef>
-              <a:spcAft>
-                <a:spcPct val="0"/>
-              </a:spcAft>
-              <a:defRPr>
-                <a:solidFill>
-                  <a:schemeClr val="tx1"/>
-                </a:solidFill>
-                <a:latin typeface="Arial" charset="0"/>
-              </a:defRPr>
-            </a:lvl8pPr>
-            <a:lvl9pPr marL="3886200" indent="-228600" eaLnBrk="0" fontAlgn="base" hangingPunct="0">
-              <a:spcBef>
-                <a:spcPct val="0"/>
-              </a:spcBef>
-              <a:spcAft>
-                <a:spcPct val="0"/>
-              </a:spcAft>
-              <a:defRPr>
-                <a:solidFill>
-                  <a:schemeClr val="tx1"/>
-                </a:solidFill>
-                <a:latin typeface="Arial" charset="0"/>
-              </a:defRPr>
-            </a:lvl9pPr>
-          </a:lstStyle>
-          <a:p>
-            <a:pPr algn="r" eaLnBrk="1" hangingPunct="1"/>
-            <a:fld id="{F03B3D9B-304E-4593-8A8D-5C27BDC7C2FE}" type="slidenum">
-              <a:rPr lang="fr-FR" altLang="fr-FR" sz="1200"/>
-              <a:pPr algn="r" eaLnBrk="1" hangingPunct="1"/>
-              <a:t>21</a:t>
+      </p:sp>
+      <p:sp>
+        <p:nvSpPr>
+          <p:cNvPr id="3" name="Espace réservé des commentaires 2"/>
+          <p:cNvSpPr>
+            <a:spLocks noGrp="1"/>
+          </p:cNvSpPr>
+          <p:nvPr>
+            <p:ph type="body" idx="1"/>
+          </p:nvPr>
+        </p:nvSpPr>
+        <p:spPr/>
+        <p:txBody>
+          <a:bodyPr/>
+          <a:lstStyle/>
+          <a:p>
+            <a:r>
+              <a:rPr lang="fr-FR" dirty="0" smtClean="0"/>
+              <a:t>https://www.azavea.com/blog/2015/12/21/tools-for-getting-data-out-of-openstreetmap-and-into-desktop-gis/</a:t>
+            </a:r>
+          </a:p>
+          <a:p>
+            <a:r>
+              <a:rPr lang="fr-FR" smtClean="0"/>
+              <a:t>https://land.copernicus.eu/imagery-in-situ/eu-dem/eu-dem-v1.1?tab=mapview</a:t>
+            </a:r>
+            <a:endParaRPr lang="fr-FR" dirty="0"/>
+          </a:p>
+        </p:txBody>
+      </p:sp>
+      <p:sp>
+        <p:nvSpPr>
+          <p:cNvPr id="4" name="Espace réservé du numéro de diapositive 3"/>
+          <p:cNvSpPr>
+            <a:spLocks noGrp="1"/>
+          </p:cNvSpPr>
+          <p:nvPr>
+            <p:ph type="sldNum" sz="quarter" idx="10"/>
+          </p:nvPr>
+        </p:nvSpPr>
+        <p:spPr/>
+        <p:txBody>
+          <a:bodyPr/>
+          <a:lstStyle/>
+          <a:p>
+            <a:fld id="{1321DB9F-BB1B-4B09-A1A4-736F1DCF5FB6}" type="slidenum">
+              <a:rPr lang="fr-FR" smtClean="0"/>
+              <a:t>17</a:t>
             </a:fld>
-            <a:endParaRPr lang="fr-FR" altLang="fr-FR" sz="1200"/>
-          </a:p>
-        </p:txBody>
-      </p:sp>
-      <p:sp>
-        <p:nvSpPr>
-          <p:cNvPr id="153603" name="Rectangle 7"/>
-          <p:cNvSpPr txBox="1">
-            <a:spLocks noGrp="1" noChangeArrowheads="1"/>
-          </p:cNvSpPr>
-          <p:nvPr/>
-        </p:nvSpPr>
-        <p:spPr bwMode="auto">
-          <a:xfrm>
-            <a:off x="3849688" y="9428163"/>
-            <a:ext cx="2946400" cy="496887"/>
-          </a:xfrm>
-          <a:prstGeom prst="rect">
-            <a:avLst/>
-          </a:prstGeom>
-          <a:noFill/>
-          <a:ln>
-            <a:noFill/>
-          </a:ln>
-          <a:extLst>
-            <a:ext uri="{909E8E84-426E-40DD-AFC4-6F175D3DCCD1}">
-              <a14:hiddenFill xmlns:a14="http://schemas.microsoft.com/office/drawing/2010/main">
-                <a:solidFill>
-                  <a:srgbClr val="FFFFFF"/>
-                </a:solidFill>
-              </a14:hiddenFill>
-            </a:ext>
-            <a:ext uri="{91240B29-F687-4F45-9708-019B960494DF}">
-              <a14:hiddenLine xmlns:a14="http://schemas.microsoft.com/office/drawing/2010/main" w="9525">
-                <a:solidFill>
-                  <a:srgbClr val="000000"/>
-                </a:solidFill>
-                <a:miter lim="800000"/>
-                <a:headEnd/>
-                <a:tailEnd/>
-              </a14:hiddenLine>
-            </a:ext>
-          </a:extLst>
-        </p:spPr>
-        <p:txBody>
-          <a:bodyPr anchor="b"/>
-          <a:lstStyle>
-            <a:lvl1pPr>
-              <a:defRPr>
-                <a:solidFill>
-                  <a:schemeClr val="tx1"/>
-                </a:solidFill>
-                <a:latin typeface="Arial" charset="0"/>
-              </a:defRPr>
-            </a:lvl1pPr>
-            <a:lvl2pPr marL="742950" indent="-285750">
-              <a:defRPr>
-                <a:solidFill>
-                  <a:schemeClr val="tx1"/>
-                </a:solidFill>
-                <a:latin typeface="Arial" charset="0"/>
-              </a:defRPr>
-            </a:lvl2pPr>
-            <a:lvl3pPr marL="1143000" indent="-228600">
-              <a:defRPr>
-                <a:solidFill>
-                  <a:schemeClr val="tx1"/>
-                </a:solidFill>
-                <a:latin typeface="Arial" charset="0"/>
-              </a:defRPr>
-            </a:lvl3pPr>
-            <a:lvl4pPr marL="1600200" indent="-228600">
-              <a:defRPr>
-                <a:solidFill>
-                  <a:schemeClr val="tx1"/>
-                </a:solidFill>
-                <a:latin typeface="Arial" charset="0"/>
-              </a:defRPr>
-            </a:lvl4pPr>
-            <a:lvl5pPr marL="2057400" indent="-228600">
-              <a:defRPr>
-                <a:solidFill>
-                  <a:schemeClr val="tx1"/>
-                </a:solidFill>
-                <a:latin typeface="Arial" charset="0"/>
-              </a:defRPr>
-            </a:lvl5pPr>
-            <a:lvl6pPr marL="2514600" indent="-228600" eaLnBrk="0" fontAlgn="base" hangingPunct="0">
-              <a:spcBef>
-                <a:spcPct val="0"/>
-              </a:spcBef>
-              <a:spcAft>
-                <a:spcPct val="0"/>
-              </a:spcAft>
-              <a:defRPr>
-                <a:solidFill>
-                  <a:schemeClr val="tx1"/>
-                </a:solidFill>
-                <a:latin typeface="Arial" charset="0"/>
-              </a:defRPr>
-            </a:lvl6pPr>
-            <a:lvl7pPr marL="2971800" indent="-228600" eaLnBrk="0" fontAlgn="base" hangingPunct="0">
-              <a:spcBef>
-                <a:spcPct val="0"/>
-              </a:spcBef>
-              <a:spcAft>
-                <a:spcPct val="0"/>
-              </a:spcAft>
-              <a:defRPr>
-                <a:solidFill>
-                  <a:schemeClr val="tx1"/>
-                </a:solidFill>
-                <a:latin typeface="Arial" charset="0"/>
-              </a:defRPr>
-            </a:lvl7pPr>
-            <a:lvl8pPr marL="3429000" indent="-228600" eaLnBrk="0" fontAlgn="base" hangingPunct="0">
-              <a:spcBef>
-                <a:spcPct val="0"/>
-              </a:spcBef>
-              <a:spcAft>
-                <a:spcPct val="0"/>
-              </a:spcAft>
-              <a:defRPr>
-                <a:solidFill>
-                  <a:schemeClr val="tx1"/>
-                </a:solidFill>
-                <a:latin typeface="Arial" charset="0"/>
-              </a:defRPr>
-            </a:lvl8pPr>
-            <a:lvl9pPr marL="3886200" indent="-228600" eaLnBrk="0" fontAlgn="base" hangingPunct="0">
-              <a:spcBef>
-                <a:spcPct val="0"/>
-              </a:spcBef>
-              <a:spcAft>
-                <a:spcPct val="0"/>
-              </a:spcAft>
-              <a:defRPr>
-                <a:solidFill>
-                  <a:schemeClr val="tx1"/>
-                </a:solidFill>
-                <a:latin typeface="Arial" charset="0"/>
-              </a:defRPr>
-            </a:lvl9pPr>
-          </a:lstStyle>
-          <a:p>
-            <a:pPr algn="r" eaLnBrk="1" hangingPunct="1"/>
-            <a:fld id="{484FC898-948F-4235-BA58-329820EBA4AE}" type="slidenum">
-              <a:rPr lang="fr-FR" altLang="fr-FR" sz="1200"/>
-              <a:pPr algn="r" eaLnBrk="1" hangingPunct="1"/>
-              <a:t>21</a:t>
-            </a:fld>
-            <a:endParaRPr lang="fr-FR" altLang="fr-FR" sz="1200"/>
-          </a:p>
-        </p:txBody>
-      </p:sp>
-      <p:sp>
-        <p:nvSpPr>
-          <p:cNvPr id="153604" name="Rectangle 2"/>
-          <p:cNvSpPr>
-            <a:spLocks noGrp="1" noRot="1" noChangeAspect="1" noChangeArrowheads="1" noTextEdit="1"/>
-          </p:cNvSpPr>
-          <p:nvPr>
-            <p:ph type="sldImg"/>
-          </p:nvPr>
-        </p:nvSpPr>
-        <p:spPr bwMode="auto">
-          <a:xfrm>
-            <a:off x="90488" y="744538"/>
-            <a:ext cx="6616700" cy="3722687"/>
-          </a:xfrm>
-          <a:prstGeom prst="rect">
-            <a:avLst/>
-          </a:prstGeom>
-          <a:noFill/>
-          <a:ln/>
-          <a:extLst>
-            <a:ext uri="{909E8E84-426E-40DD-AFC4-6F175D3DCCD1}">
-              <a14:hiddenFill xmlns:a14="http://schemas.microsoft.com/office/drawing/2010/main">
-                <a:solidFill>
-                  <a:srgbClr val="FFFFFF"/>
-                </a:solidFill>
-              </a14:hiddenFill>
-            </a:ext>
-            <a:ext uri="{91240B29-F687-4F45-9708-019B960494DF}">
-              <a14:hiddenLine xmlns:a14="http://schemas.microsoft.com/office/drawing/2010/main" w="9525">
-                <a:solidFill>
-                  <a:srgbClr val="000000"/>
-                </a:solidFill>
-                <a:miter lim="800000"/>
-                <a:headEnd/>
-                <a:tailEnd/>
-              </a14:hiddenLine>
-            </a:ext>
-          </a:extLst>
-        </p:spPr>
-      </p:sp>
-      <p:sp>
-        <p:nvSpPr>
-          <p:cNvPr id="153605" name="Rectangle 3"/>
-          <p:cNvSpPr>
-            <a:spLocks noGrp="1" noChangeArrowheads="1"/>
-          </p:cNvSpPr>
-          <p:nvPr>
-            <p:ph type="body" idx="1"/>
-          </p:nvPr>
-        </p:nvSpPr>
-        <p:spPr>
-          <a:noFill/>
-          <a:extLst>
-            <a:ext uri="{909E8E84-426E-40DD-AFC4-6F175D3DCCD1}">
-              <a14:hiddenFill xmlns:a14="http://schemas.microsoft.com/office/drawing/2010/main">
-                <a:solidFill>
-                  <a:srgbClr val="FFFFFF"/>
-                </a:solidFill>
-              </a14:hiddenFill>
-            </a:ext>
-            <a:ext uri="{91240B29-F687-4F45-9708-019B960494DF}">
-              <a14:hiddenLine xmlns:a14="http://schemas.microsoft.com/office/drawing/2010/main" w="9525">
-                <a:solidFill>
-                  <a:srgbClr val="000000"/>
-                </a:solidFill>
-                <a:miter lim="800000"/>
-                <a:headEnd/>
-                <a:tailEnd/>
-              </a14:hiddenLine>
-            </a:ext>
-          </a:extLst>
-        </p:spPr>
-        <p:txBody>
-          <a:bodyPr lIns="91440" tIns="45720" rIns="91440" bIns="45720"/>
-          <a:lstStyle/>
-          <a:p>
-            <a:pPr eaLnBrk="1" hangingPunct="1"/>
-            <a:endParaRPr lang="fr-FR" altLang="fr-FR"/>
+            <a:endParaRPr lang="fr-FR"/>
           </a:p>
         </p:txBody>
       </p:sp>
     </p:spTree>
     <p:extLst>
       <p:ext uri="{BB962C8B-B14F-4D97-AF65-F5344CB8AC3E}">
-        <p14:creationId xmlns:p14="http://schemas.microsoft.com/office/powerpoint/2010/main" val="1025439192"/>
+        <p14:creationId xmlns:p14="http://schemas.microsoft.com/office/powerpoint/2010/main" val="3539041481"/>
       </p:ext>
     </p:extLst>
   </p:cSld>
@@ -1631,9 +1632,9 @@
       </p:grpSpPr>
       <p:sp>
         <p:nvSpPr>
-          <p:cNvPr id="149506" name="Rectangle 2"/>
-          <p:cNvSpPr>
-            <a:spLocks noGrp="1" noRot="1" noChangeAspect="1" noChangeArrowheads="1" noTextEdit="1"/>
+          <p:cNvPr id="151554" name="Espace réservé de l'image des diapositives 1"/>
+          <p:cNvSpPr>
+            <a:spLocks noGrp="1" noRot="1" noChangeAspect="1" noTextEdit="1"/>
           </p:cNvSpPr>
           <p:nvPr>
             <p:ph type="sldImg"/>
@@ -1672,9 +1673,9 @@
       </p:sp>
       <p:sp>
         <p:nvSpPr>
-          <p:cNvPr id="149507" name="Rectangle 3"/>
-          <p:cNvSpPr>
-            <a:spLocks noGrp="1" noChangeArrowheads="1"/>
+          <p:cNvPr id="151555" name="Espace réservé des commentaires 2"/>
+          <p:cNvSpPr>
+            <a:spLocks noGrp="1"/>
           </p:cNvSpPr>
           <p:nvPr>
             <p:ph type="body" idx="1"/>
@@ -1706,15 +1707,159 @@
           <a:bodyPr/>
           <a:lstStyle/>
           <a:p>
-            <a:pPr algn="just"/>
-            <a:endParaRPr lang="fr-FR" altLang="fr-FR" sz="1600"/>
+            <a:r>
+              <a:rPr lang="fr-FR" altLang="fr-FR" sz="1600" dirty="0"/>
+              <a:t>Pour accéder au site de l’EGI</a:t>
+            </a:r>
+          </a:p>
+        </p:txBody>
+      </p:sp>
+      <p:sp>
+        <p:nvSpPr>
+          <p:cNvPr id="151556" name="Espace réservé du numéro de diapositive 3"/>
+          <p:cNvSpPr>
+            <a:spLocks noGrp="1"/>
+          </p:cNvSpPr>
+          <p:nvPr>
+            <p:ph type="sldNum" sz="quarter" idx="5"/>
+          </p:nvPr>
+        </p:nvSpPr>
+        <p:spPr>
+          <a:noFill/>
+          <a:extLst>
+            <a:ext uri="{909E8E84-426E-40DD-AFC4-6F175D3DCCD1}">
+              <a14:hiddenFill xmlns:a14="http://schemas.microsoft.com/office/drawing/2010/main">
+                <a:solidFill>
+                  <a:srgbClr val="FFFFFF"/>
+                </a:solidFill>
+              </a14:hiddenFill>
+            </a:ext>
+            <a:ext uri="{91240B29-F687-4F45-9708-019B960494DF}">
+              <a14:hiddenLine xmlns:a14="http://schemas.microsoft.com/office/drawing/2010/main" w="9525">
+                <a:solidFill>
+                  <a:srgbClr val="000000"/>
+                </a:solidFill>
+                <a:miter lim="800000"/>
+                <a:headEnd/>
+                <a:tailEnd/>
+              </a14:hiddenLine>
+            </a:ext>
+          </a:extLst>
+        </p:spPr>
+        <p:txBody>
+          <a:bodyPr/>
+          <a:lstStyle>
+            <a:lvl1pPr defTabSz="920750">
+              <a:defRPr>
+                <a:solidFill>
+                  <a:schemeClr val="tx1"/>
+                </a:solidFill>
+                <a:latin typeface="Arial" charset="0"/>
+              </a:defRPr>
+            </a:lvl1pPr>
+            <a:lvl2pPr marL="742950" indent="-285750" defTabSz="920750">
+              <a:defRPr>
+                <a:solidFill>
+                  <a:schemeClr val="tx1"/>
+                </a:solidFill>
+                <a:latin typeface="Arial" charset="0"/>
+              </a:defRPr>
+            </a:lvl2pPr>
+            <a:lvl3pPr marL="1143000" indent="-228600" defTabSz="920750">
+              <a:defRPr>
+                <a:solidFill>
+                  <a:schemeClr val="tx1"/>
+                </a:solidFill>
+                <a:latin typeface="Arial" charset="0"/>
+              </a:defRPr>
+            </a:lvl3pPr>
+            <a:lvl4pPr marL="1600200" indent="-228600" defTabSz="920750">
+              <a:defRPr>
+                <a:solidFill>
+                  <a:schemeClr val="tx1"/>
+                </a:solidFill>
+                <a:latin typeface="Arial" charset="0"/>
+              </a:defRPr>
+            </a:lvl4pPr>
+            <a:lvl5pPr marL="2057400" indent="-228600" defTabSz="920750">
+              <a:defRPr>
+                <a:solidFill>
+                  <a:schemeClr val="tx1"/>
+                </a:solidFill>
+                <a:latin typeface="Arial" charset="0"/>
+              </a:defRPr>
+            </a:lvl5pPr>
+            <a:lvl6pPr marL="2514600" indent="-228600" defTabSz="920750" eaLnBrk="0" fontAlgn="base" hangingPunct="0">
+              <a:spcBef>
+                <a:spcPct val="0"/>
+              </a:spcBef>
+              <a:spcAft>
+                <a:spcPct val="0"/>
+              </a:spcAft>
+              <a:defRPr>
+                <a:solidFill>
+                  <a:schemeClr val="tx1"/>
+                </a:solidFill>
+                <a:latin typeface="Arial" charset="0"/>
+              </a:defRPr>
+            </a:lvl6pPr>
+            <a:lvl7pPr marL="2971800" indent="-228600" defTabSz="920750" eaLnBrk="0" fontAlgn="base" hangingPunct="0">
+              <a:spcBef>
+                <a:spcPct val="0"/>
+              </a:spcBef>
+              <a:spcAft>
+                <a:spcPct val="0"/>
+              </a:spcAft>
+              <a:defRPr>
+                <a:solidFill>
+                  <a:schemeClr val="tx1"/>
+                </a:solidFill>
+                <a:latin typeface="Arial" charset="0"/>
+              </a:defRPr>
+            </a:lvl7pPr>
+            <a:lvl8pPr marL="3429000" indent="-228600" defTabSz="920750" eaLnBrk="0" fontAlgn="base" hangingPunct="0">
+              <a:spcBef>
+                <a:spcPct val="0"/>
+              </a:spcBef>
+              <a:spcAft>
+                <a:spcPct val="0"/>
+              </a:spcAft>
+              <a:defRPr>
+                <a:solidFill>
+                  <a:schemeClr val="tx1"/>
+                </a:solidFill>
+                <a:latin typeface="Arial" charset="0"/>
+              </a:defRPr>
+            </a:lvl8pPr>
+            <a:lvl9pPr marL="3886200" indent="-228600" defTabSz="920750" eaLnBrk="0" fontAlgn="base" hangingPunct="0">
+              <a:spcBef>
+                <a:spcPct val="0"/>
+              </a:spcBef>
+              <a:spcAft>
+                <a:spcPct val="0"/>
+              </a:spcAft>
+              <a:defRPr>
+                <a:solidFill>
+                  <a:schemeClr val="tx1"/>
+                </a:solidFill>
+                <a:latin typeface="Arial" charset="0"/>
+              </a:defRPr>
+            </a:lvl9pPr>
+          </a:lstStyle>
+          <a:p>
+            <a:fld id="{FFA2A086-7015-4C97-BA6D-D976F45991F9}" type="slidenum">
+              <a:rPr lang="fr-FR" altLang="fr-FR" smtClean="0"/>
+              <a:pPr/>
+              <a:t>22</a:t>
+            </a:fld>
+            <a:endParaRPr lang="fr-FR" altLang="fr-FR"/>
           </a:p>
         </p:txBody>
       </p:sp>
     </p:spTree>
     <p:extLst>
       <p:ext uri="{BB962C8B-B14F-4D97-AF65-F5344CB8AC3E}">
-        <p14:creationId xmlns:p14="http://schemas.microsoft.com/office/powerpoint/2010/main" val="3717136249"/>
+        <p14:creationId xmlns:p14="http://schemas.microsoft.com/office/powerpoint/2010/main" val="2111330464"/>
       </p:ext>
     </p:extLst>
   </p:cSld>
@@ -1743,9 +1888,9 @@
       </p:grpSpPr>
       <p:sp>
         <p:nvSpPr>
-          <p:cNvPr id="150530" name="Rectangle 2"/>
-          <p:cNvSpPr>
-            <a:spLocks noGrp="1" noRot="1" noChangeAspect="1" noChangeArrowheads="1" noTextEdit="1"/>
+          <p:cNvPr id="152578" name="Espace réservé de l'image des diapositives 1"/>
+          <p:cNvSpPr>
+            <a:spLocks noGrp="1" noRot="1" noChangeAspect="1" noTextEdit="1"/>
           </p:cNvSpPr>
           <p:nvPr>
             <p:ph type="sldImg"/>
@@ -1753,8 +1898,8 @@
         </p:nvSpPr>
         <p:spPr bwMode="auto">
           <a:xfrm>
-            <a:off x="92075" y="744538"/>
-            <a:ext cx="6615113" cy="3722687"/>
+            <a:off x="90488" y="744538"/>
+            <a:ext cx="6616700" cy="3722687"/>
           </a:xfrm>
           <a:prstGeom prst="rect">
             <a:avLst/>
@@ -1784,9 +1929,9 @@
       </p:sp>
       <p:sp>
         <p:nvSpPr>
-          <p:cNvPr id="150531" name="Rectangle 3"/>
-          <p:cNvSpPr>
-            <a:spLocks noGrp="1" noChangeArrowheads="1"/>
+          <p:cNvPr id="152579" name="Espace réservé des commentaires 2"/>
+          <p:cNvSpPr>
+            <a:spLocks noGrp="1"/>
           </p:cNvSpPr>
           <p:nvPr>
             <p:ph type="body" idx="1"/>
@@ -1818,15 +1963,156 @@
           <a:bodyPr/>
           <a:lstStyle/>
           <a:p>
-            <a:pPr algn="just"/>
-            <a:endParaRPr lang="fr-FR" altLang="fr-FR" sz="1600"/>
+            <a:endParaRPr lang="fr-FR" altLang="fr-FR"/>
+          </a:p>
+        </p:txBody>
+      </p:sp>
+      <p:sp>
+        <p:nvSpPr>
+          <p:cNvPr id="152580" name="Espace réservé du numéro de diapositive 3"/>
+          <p:cNvSpPr>
+            <a:spLocks noGrp="1"/>
+          </p:cNvSpPr>
+          <p:nvPr>
+            <p:ph type="sldNum" sz="quarter" idx="5"/>
+          </p:nvPr>
+        </p:nvSpPr>
+        <p:spPr>
+          <a:noFill/>
+          <a:extLst>
+            <a:ext uri="{909E8E84-426E-40DD-AFC4-6F175D3DCCD1}">
+              <a14:hiddenFill xmlns:a14="http://schemas.microsoft.com/office/drawing/2010/main">
+                <a:solidFill>
+                  <a:srgbClr val="FFFFFF"/>
+                </a:solidFill>
+              </a14:hiddenFill>
+            </a:ext>
+            <a:ext uri="{91240B29-F687-4F45-9708-019B960494DF}">
+              <a14:hiddenLine xmlns:a14="http://schemas.microsoft.com/office/drawing/2010/main" w="9525">
+                <a:solidFill>
+                  <a:srgbClr val="000000"/>
+                </a:solidFill>
+                <a:miter lim="800000"/>
+                <a:headEnd/>
+                <a:tailEnd/>
+              </a14:hiddenLine>
+            </a:ext>
+          </a:extLst>
+        </p:spPr>
+        <p:txBody>
+          <a:bodyPr/>
+          <a:lstStyle>
+            <a:lvl1pPr defTabSz="920750">
+              <a:defRPr>
+                <a:solidFill>
+                  <a:schemeClr val="tx1"/>
+                </a:solidFill>
+                <a:latin typeface="Arial" charset="0"/>
+              </a:defRPr>
+            </a:lvl1pPr>
+            <a:lvl2pPr marL="742950" indent="-285750" defTabSz="920750">
+              <a:defRPr>
+                <a:solidFill>
+                  <a:schemeClr val="tx1"/>
+                </a:solidFill>
+                <a:latin typeface="Arial" charset="0"/>
+              </a:defRPr>
+            </a:lvl2pPr>
+            <a:lvl3pPr marL="1143000" indent="-228600" defTabSz="920750">
+              <a:defRPr>
+                <a:solidFill>
+                  <a:schemeClr val="tx1"/>
+                </a:solidFill>
+                <a:latin typeface="Arial" charset="0"/>
+              </a:defRPr>
+            </a:lvl3pPr>
+            <a:lvl4pPr marL="1600200" indent="-228600" defTabSz="920750">
+              <a:defRPr>
+                <a:solidFill>
+                  <a:schemeClr val="tx1"/>
+                </a:solidFill>
+                <a:latin typeface="Arial" charset="0"/>
+              </a:defRPr>
+            </a:lvl4pPr>
+            <a:lvl5pPr marL="2057400" indent="-228600" defTabSz="920750">
+              <a:defRPr>
+                <a:solidFill>
+                  <a:schemeClr val="tx1"/>
+                </a:solidFill>
+                <a:latin typeface="Arial" charset="0"/>
+              </a:defRPr>
+            </a:lvl5pPr>
+            <a:lvl6pPr marL="2514600" indent="-228600" defTabSz="920750" eaLnBrk="0" fontAlgn="base" hangingPunct="0">
+              <a:spcBef>
+                <a:spcPct val="0"/>
+              </a:spcBef>
+              <a:spcAft>
+                <a:spcPct val="0"/>
+              </a:spcAft>
+              <a:defRPr>
+                <a:solidFill>
+                  <a:schemeClr val="tx1"/>
+                </a:solidFill>
+                <a:latin typeface="Arial" charset="0"/>
+              </a:defRPr>
+            </a:lvl6pPr>
+            <a:lvl7pPr marL="2971800" indent="-228600" defTabSz="920750" eaLnBrk="0" fontAlgn="base" hangingPunct="0">
+              <a:spcBef>
+                <a:spcPct val="0"/>
+              </a:spcBef>
+              <a:spcAft>
+                <a:spcPct val="0"/>
+              </a:spcAft>
+              <a:defRPr>
+                <a:solidFill>
+                  <a:schemeClr val="tx1"/>
+                </a:solidFill>
+                <a:latin typeface="Arial" charset="0"/>
+              </a:defRPr>
+            </a:lvl7pPr>
+            <a:lvl8pPr marL="3429000" indent="-228600" defTabSz="920750" eaLnBrk="0" fontAlgn="base" hangingPunct="0">
+              <a:spcBef>
+                <a:spcPct val="0"/>
+              </a:spcBef>
+              <a:spcAft>
+                <a:spcPct val="0"/>
+              </a:spcAft>
+              <a:defRPr>
+                <a:solidFill>
+                  <a:schemeClr val="tx1"/>
+                </a:solidFill>
+                <a:latin typeface="Arial" charset="0"/>
+              </a:defRPr>
+            </a:lvl8pPr>
+            <a:lvl9pPr marL="3886200" indent="-228600" defTabSz="920750" eaLnBrk="0" fontAlgn="base" hangingPunct="0">
+              <a:spcBef>
+                <a:spcPct val="0"/>
+              </a:spcBef>
+              <a:spcAft>
+                <a:spcPct val="0"/>
+              </a:spcAft>
+              <a:defRPr>
+                <a:solidFill>
+                  <a:schemeClr val="tx1"/>
+                </a:solidFill>
+                <a:latin typeface="Arial" charset="0"/>
+              </a:defRPr>
+            </a:lvl9pPr>
+          </a:lstStyle>
+          <a:p>
+            <a:fld id="{01957912-63F7-4A8E-AE6F-FA2BEB0C3766}" type="slidenum">
+              <a:rPr lang="fr-FR" altLang="fr-FR" smtClean="0"/>
+              <a:pPr/>
+              <a:t>23</a:t>
+            </a:fld>
+            <a:endParaRPr lang="fr-FR" altLang="fr-FR"/>
           </a:p>
         </p:txBody>
       </p:sp>
     </p:spTree>
     <p:extLst>
       <p:ext uri="{BB962C8B-B14F-4D97-AF65-F5344CB8AC3E}">
-        <p14:creationId xmlns:p14="http://schemas.microsoft.com/office/powerpoint/2010/main" val="2436942847"/>
+        <p14:creationId xmlns:p14="http://schemas.microsoft.com/office/powerpoint/2010/main" val="1811070015"/>
       </p:ext>
     </p:extLst>
   </p:cSld>
@@ -1855,18 +2141,320 @@
       </p:grpSpPr>
       <p:sp>
         <p:nvSpPr>
-          <p:cNvPr id="169986" name="Espace réservé de l'image des diapositives 1"/>
-          <p:cNvSpPr>
-            <a:spLocks noGrp="1" noRot="1" noChangeAspect="1" noTextEdit="1"/>
-          </p:cNvSpPr>
-          <p:nvPr>
-            <p:ph type="sldImg"/>
-          </p:nvPr>
+          <p:cNvPr id="153602" name="Rectangle 7"/>
+          <p:cNvSpPr txBox="1">
+            <a:spLocks noGrp="1" noChangeArrowheads="1"/>
+          </p:cNvSpPr>
+          <p:nvPr/>
         </p:nvSpPr>
         <p:spPr bwMode="auto">
           <a:xfrm>
-            <a:off x="92075" y="744538"/>
-            <a:ext cx="6615113" cy="3722687"/>
+            <a:off x="3849688" y="9428163"/>
+            <a:ext cx="2946400" cy="496887"/>
+          </a:xfrm>
+          <a:prstGeom prst="rect">
+            <a:avLst/>
+          </a:prstGeom>
+          <a:noFill/>
+          <a:ln>
+            <a:noFill/>
+          </a:ln>
+          <a:extLst>
+            <a:ext uri="{909E8E84-426E-40DD-AFC4-6F175D3DCCD1}">
+              <a14:hiddenFill xmlns:a14="http://schemas.microsoft.com/office/drawing/2010/main">
+                <a:solidFill>
+                  <a:srgbClr val="FFFFFF"/>
+                </a:solidFill>
+              </a14:hiddenFill>
+            </a:ext>
+            <a:ext uri="{91240B29-F687-4F45-9708-019B960494DF}">
+              <a14:hiddenLine xmlns:a14="http://schemas.microsoft.com/office/drawing/2010/main" w="9525">
+                <a:solidFill>
+                  <a:srgbClr val="000000"/>
+                </a:solidFill>
+                <a:miter lim="800000"/>
+                <a:headEnd/>
+                <a:tailEnd/>
+              </a14:hiddenLine>
+            </a:ext>
+          </a:extLst>
+        </p:spPr>
+        <p:txBody>
+          <a:bodyPr anchor="b"/>
+          <a:lstStyle>
+            <a:lvl1pPr>
+              <a:defRPr>
+                <a:solidFill>
+                  <a:schemeClr val="tx1"/>
+                </a:solidFill>
+                <a:latin typeface="Arial" charset="0"/>
+              </a:defRPr>
+            </a:lvl1pPr>
+            <a:lvl2pPr marL="742950" indent="-285750">
+              <a:defRPr>
+                <a:solidFill>
+                  <a:schemeClr val="tx1"/>
+                </a:solidFill>
+                <a:latin typeface="Arial" charset="0"/>
+              </a:defRPr>
+            </a:lvl2pPr>
+            <a:lvl3pPr marL="1143000" indent="-228600">
+              <a:defRPr>
+                <a:solidFill>
+                  <a:schemeClr val="tx1"/>
+                </a:solidFill>
+                <a:latin typeface="Arial" charset="0"/>
+              </a:defRPr>
+            </a:lvl3pPr>
+            <a:lvl4pPr marL="1600200" indent="-228600">
+              <a:defRPr>
+                <a:solidFill>
+                  <a:schemeClr val="tx1"/>
+                </a:solidFill>
+                <a:latin typeface="Arial" charset="0"/>
+              </a:defRPr>
+            </a:lvl4pPr>
+            <a:lvl5pPr marL="2057400" indent="-228600">
+              <a:defRPr>
+                <a:solidFill>
+                  <a:schemeClr val="tx1"/>
+                </a:solidFill>
+                <a:latin typeface="Arial" charset="0"/>
+              </a:defRPr>
+            </a:lvl5pPr>
+            <a:lvl6pPr marL="2514600" indent="-228600" eaLnBrk="0" fontAlgn="base" hangingPunct="0">
+              <a:spcBef>
+                <a:spcPct val="0"/>
+              </a:spcBef>
+              <a:spcAft>
+                <a:spcPct val="0"/>
+              </a:spcAft>
+              <a:defRPr>
+                <a:solidFill>
+                  <a:schemeClr val="tx1"/>
+                </a:solidFill>
+                <a:latin typeface="Arial" charset="0"/>
+              </a:defRPr>
+            </a:lvl6pPr>
+            <a:lvl7pPr marL="2971800" indent="-228600" eaLnBrk="0" fontAlgn="base" hangingPunct="0">
+              <a:spcBef>
+                <a:spcPct val="0"/>
+              </a:spcBef>
+              <a:spcAft>
+                <a:spcPct val="0"/>
+              </a:spcAft>
+              <a:defRPr>
+                <a:solidFill>
+                  <a:schemeClr val="tx1"/>
+                </a:solidFill>
+                <a:latin typeface="Arial" charset="0"/>
+              </a:defRPr>
+            </a:lvl7pPr>
+            <a:lvl8pPr marL="3429000" indent="-228600" eaLnBrk="0" fontAlgn="base" hangingPunct="0">
+              <a:spcBef>
+                <a:spcPct val="0"/>
+              </a:spcBef>
+              <a:spcAft>
+                <a:spcPct val="0"/>
+              </a:spcAft>
+              <a:defRPr>
+                <a:solidFill>
+                  <a:schemeClr val="tx1"/>
+                </a:solidFill>
+                <a:latin typeface="Arial" charset="0"/>
+              </a:defRPr>
+            </a:lvl8pPr>
+            <a:lvl9pPr marL="3886200" indent="-228600" eaLnBrk="0" fontAlgn="base" hangingPunct="0">
+              <a:spcBef>
+                <a:spcPct val="0"/>
+              </a:spcBef>
+              <a:spcAft>
+                <a:spcPct val="0"/>
+              </a:spcAft>
+              <a:defRPr>
+                <a:solidFill>
+                  <a:schemeClr val="tx1"/>
+                </a:solidFill>
+                <a:latin typeface="Arial" charset="0"/>
+              </a:defRPr>
+            </a:lvl9pPr>
+          </a:lstStyle>
+          <a:p>
+            <a:pPr algn="r" eaLnBrk="1" hangingPunct="1"/>
+            <a:fld id="{F03B3D9B-304E-4593-8A8D-5C27BDC7C2FE}" type="slidenum">
+              <a:rPr lang="fr-FR" altLang="fr-FR" sz="1200"/>
+              <a:pPr algn="r" eaLnBrk="1" hangingPunct="1"/>
+              <a:t>25</a:t>
+            </a:fld>
+            <a:endParaRPr lang="fr-FR" altLang="fr-FR" sz="1200"/>
+          </a:p>
+        </p:txBody>
+      </p:sp>
+      <p:sp>
+        <p:nvSpPr>
+          <p:cNvPr id="153603" name="Rectangle 7"/>
+          <p:cNvSpPr txBox="1">
+            <a:spLocks noGrp="1" noChangeArrowheads="1"/>
+          </p:cNvSpPr>
+          <p:nvPr/>
+        </p:nvSpPr>
+        <p:spPr bwMode="auto">
+          <a:xfrm>
+            <a:off x="3849688" y="9428163"/>
+            <a:ext cx="2946400" cy="496887"/>
+          </a:xfrm>
+          <a:prstGeom prst="rect">
+            <a:avLst/>
+          </a:prstGeom>
+          <a:noFill/>
+          <a:ln>
+            <a:noFill/>
+          </a:ln>
+          <a:extLst>
+            <a:ext uri="{909E8E84-426E-40DD-AFC4-6F175D3DCCD1}">
+              <a14:hiddenFill xmlns:a14="http://schemas.microsoft.com/office/drawing/2010/main">
+                <a:solidFill>
+                  <a:srgbClr val="FFFFFF"/>
+                </a:solidFill>
+              </a14:hiddenFill>
+            </a:ext>
+            <a:ext uri="{91240B29-F687-4F45-9708-019B960494DF}">
+              <a14:hiddenLine xmlns:a14="http://schemas.microsoft.com/office/drawing/2010/main" w="9525">
+                <a:solidFill>
+                  <a:srgbClr val="000000"/>
+                </a:solidFill>
+                <a:miter lim="800000"/>
+                <a:headEnd/>
+                <a:tailEnd/>
+              </a14:hiddenLine>
+            </a:ext>
+          </a:extLst>
+        </p:spPr>
+        <p:txBody>
+          <a:bodyPr anchor="b"/>
+          <a:lstStyle>
+            <a:lvl1pPr>
+              <a:defRPr>
+                <a:solidFill>
+                  <a:schemeClr val="tx1"/>
+                </a:solidFill>
+                <a:latin typeface="Arial" charset="0"/>
+              </a:defRPr>
+            </a:lvl1pPr>
+            <a:lvl2pPr marL="742950" indent="-285750">
+              <a:defRPr>
+                <a:solidFill>
+                  <a:schemeClr val="tx1"/>
+                </a:solidFill>
+                <a:latin typeface="Arial" charset="0"/>
+              </a:defRPr>
+            </a:lvl2pPr>
+            <a:lvl3pPr marL="1143000" indent="-228600">
+              <a:defRPr>
+                <a:solidFill>
+                  <a:schemeClr val="tx1"/>
+                </a:solidFill>
+                <a:latin typeface="Arial" charset="0"/>
+              </a:defRPr>
+            </a:lvl3pPr>
+            <a:lvl4pPr marL="1600200" indent="-228600">
+              <a:defRPr>
+                <a:solidFill>
+                  <a:schemeClr val="tx1"/>
+                </a:solidFill>
+                <a:latin typeface="Arial" charset="0"/>
+              </a:defRPr>
+            </a:lvl4pPr>
+            <a:lvl5pPr marL="2057400" indent="-228600">
+              <a:defRPr>
+                <a:solidFill>
+                  <a:schemeClr val="tx1"/>
+                </a:solidFill>
+                <a:latin typeface="Arial" charset="0"/>
+              </a:defRPr>
+            </a:lvl5pPr>
+            <a:lvl6pPr marL="2514600" indent="-228600" eaLnBrk="0" fontAlgn="base" hangingPunct="0">
+              <a:spcBef>
+                <a:spcPct val="0"/>
+              </a:spcBef>
+              <a:spcAft>
+                <a:spcPct val="0"/>
+              </a:spcAft>
+              <a:defRPr>
+                <a:solidFill>
+                  <a:schemeClr val="tx1"/>
+                </a:solidFill>
+                <a:latin typeface="Arial" charset="0"/>
+              </a:defRPr>
+            </a:lvl6pPr>
+            <a:lvl7pPr marL="2971800" indent="-228600" eaLnBrk="0" fontAlgn="base" hangingPunct="0">
+              <a:spcBef>
+                <a:spcPct val="0"/>
+              </a:spcBef>
+              <a:spcAft>
+                <a:spcPct val="0"/>
+              </a:spcAft>
+              <a:defRPr>
+                <a:solidFill>
+                  <a:schemeClr val="tx1"/>
+                </a:solidFill>
+                <a:latin typeface="Arial" charset="0"/>
+              </a:defRPr>
+            </a:lvl7pPr>
+            <a:lvl8pPr marL="3429000" indent="-228600" eaLnBrk="0" fontAlgn="base" hangingPunct="0">
+              <a:spcBef>
+                <a:spcPct val="0"/>
+              </a:spcBef>
+              <a:spcAft>
+                <a:spcPct val="0"/>
+              </a:spcAft>
+              <a:defRPr>
+                <a:solidFill>
+                  <a:schemeClr val="tx1"/>
+                </a:solidFill>
+                <a:latin typeface="Arial" charset="0"/>
+              </a:defRPr>
+            </a:lvl8pPr>
+            <a:lvl9pPr marL="3886200" indent="-228600" eaLnBrk="0" fontAlgn="base" hangingPunct="0">
+              <a:spcBef>
+                <a:spcPct val="0"/>
+              </a:spcBef>
+              <a:spcAft>
+                <a:spcPct val="0"/>
+              </a:spcAft>
+              <a:defRPr>
+                <a:solidFill>
+                  <a:schemeClr val="tx1"/>
+                </a:solidFill>
+                <a:latin typeface="Arial" charset="0"/>
+              </a:defRPr>
+            </a:lvl9pPr>
+          </a:lstStyle>
+          <a:p>
+            <a:pPr algn="r" eaLnBrk="1" hangingPunct="1"/>
+            <a:fld id="{484FC898-948F-4235-BA58-329820EBA4AE}" type="slidenum">
+              <a:rPr lang="fr-FR" altLang="fr-FR" sz="1200"/>
+              <a:pPr algn="r" eaLnBrk="1" hangingPunct="1"/>
+              <a:t>25</a:t>
+            </a:fld>
+            <a:endParaRPr lang="fr-FR" altLang="fr-FR" sz="1200"/>
+          </a:p>
+        </p:txBody>
+      </p:sp>
+      <p:sp>
+        <p:nvSpPr>
+          <p:cNvPr id="153604" name="Rectangle 2"/>
+          <p:cNvSpPr>
+            <a:spLocks noGrp="1" noRot="1" noChangeAspect="1" noChangeArrowheads="1" noTextEdit="1"/>
+          </p:cNvSpPr>
+          <p:nvPr>
+            <p:ph type="sldImg"/>
+          </p:nvPr>
+        </p:nvSpPr>
+        <p:spPr bwMode="auto">
+          <a:xfrm>
+            <a:off x="90488" y="744538"/>
+            <a:ext cx="6616700" cy="3722687"/>
           </a:xfrm>
           <a:prstGeom prst="rect">
             <a:avLst/>
@@ -1896,9 +2484,9 @@
       </p:sp>
       <p:sp>
         <p:nvSpPr>
-          <p:cNvPr id="169987" name="Espace réservé des commentaires 2"/>
-          <p:cNvSpPr>
-            <a:spLocks noGrp="1"/>
+          <p:cNvPr id="153605" name="Rectangle 3"/>
+          <p:cNvSpPr>
+            <a:spLocks noGrp="1" noChangeArrowheads="1"/>
           </p:cNvSpPr>
           <p:nvPr>
             <p:ph type="body" idx="1"/>
@@ -1927,151 +2515,10 @@
           </a:extLst>
         </p:spPr>
         <p:txBody>
-          <a:bodyPr/>
-          <a:lstStyle/>
-          <a:p>
-            <a:endParaRPr lang="fr-FR" altLang="fr-FR"/>
-          </a:p>
-        </p:txBody>
-      </p:sp>
-      <p:sp>
-        <p:nvSpPr>
-          <p:cNvPr id="169988" name="Espace réservé du numéro de diapositive 3"/>
-          <p:cNvSpPr>
-            <a:spLocks noGrp="1"/>
-          </p:cNvSpPr>
-          <p:nvPr>
-            <p:ph type="sldNum" sz="quarter" idx="5"/>
-          </p:nvPr>
-        </p:nvSpPr>
-        <p:spPr>
-          <a:noFill/>
-          <a:extLst>
-            <a:ext uri="{909E8E84-426E-40DD-AFC4-6F175D3DCCD1}">
-              <a14:hiddenFill xmlns:a14="http://schemas.microsoft.com/office/drawing/2010/main">
-                <a:solidFill>
-                  <a:srgbClr val="FFFFFF"/>
-                </a:solidFill>
-              </a14:hiddenFill>
-            </a:ext>
-            <a:ext uri="{91240B29-F687-4F45-9708-019B960494DF}">
-              <a14:hiddenLine xmlns:a14="http://schemas.microsoft.com/office/drawing/2010/main" w="9525">
-                <a:solidFill>
-                  <a:srgbClr val="000000"/>
-                </a:solidFill>
-                <a:miter lim="800000"/>
-                <a:headEnd/>
-                <a:tailEnd/>
-              </a14:hiddenLine>
-            </a:ext>
-          </a:extLst>
-        </p:spPr>
-        <p:txBody>
-          <a:bodyPr/>
-          <a:lstStyle>
-            <a:lvl1pPr defTabSz="920750">
-              <a:defRPr>
-                <a:solidFill>
-                  <a:schemeClr val="tx1"/>
-                </a:solidFill>
-                <a:latin typeface="Arial" charset="0"/>
-              </a:defRPr>
-            </a:lvl1pPr>
-            <a:lvl2pPr marL="742950" indent="-285750" defTabSz="920750">
-              <a:defRPr>
-                <a:solidFill>
-                  <a:schemeClr val="tx1"/>
-                </a:solidFill>
-                <a:latin typeface="Arial" charset="0"/>
-              </a:defRPr>
-            </a:lvl2pPr>
-            <a:lvl3pPr marL="1143000" indent="-228600" defTabSz="920750">
-              <a:defRPr>
-                <a:solidFill>
-                  <a:schemeClr val="tx1"/>
-                </a:solidFill>
-                <a:latin typeface="Arial" charset="0"/>
-              </a:defRPr>
-            </a:lvl3pPr>
-            <a:lvl4pPr marL="1600200" indent="-228600" defTabSz="920750">
-              <a:defRPr>
-                <a:solidFill>
-                  <a:schemeClr val="tx1"/>
-                </a:solidFill>
-                <a:latin typeface="Arial" charset="0"/>
-              </a:defRPr>
-            </a:lvl4pPr>
-            <a:lvl5pPr marL="2057400" indent="-228600" defTabSz="920750">
-              <a:defRPr>
-                <a:solidFill>
-                  <a:schemeClr val="tx1"/>
-                </a:solidFill>
-                <a:latin typeface="Arial" charset="0"/>
-              </a:defRPr>
-            </a:lvl5pPr>
-            <a:lvl6pPr marL="2514600" indent="-228600" defTabSz="920750" eaLnBrk="0" fontAlgn="base" hangingPunct="0">
-              <a:spcBef>
-                <a:spcPct val="0"/>
-              </a:spcBef>
-              <a:spcAft>
-                <a:spcPct val="0"/>
-              </a:spcAft>
-              <a:defRPr>
-                <a:solidFill>
-                  <a:schemeClr val="tx1"/>
-                </a:solidFill>
-                <a:latin typeface="Arial" charset="0"/>
-              </a:defRPr>
-            </a:lvl6pPr>
-            <a:lvl7pPr marL="2971800" indent="-228600" defTabSz="920750" eaLnBrk="0" fontAlgn="base" hangingPunct="0">
-              <a:spcBef>
-                <a:spcPct val="0"/>
-              </a:spcBef>
-              <a:spcAft>
-                <a:spcPct val="0"/>
-              </a:spcAft>
-              <a:defRPr>
-                <a:solidFill>
-                  <a:schemeClr val="tx1"/>
-                </a:solidFill>
-                <a:latin typeface="Arial" charset="0"/>
-              </a:defRPr>
-            </a:lvl7pPr>
-            <a:lvl8pPr marL="3429000" indent="-228600" defTabSz="920750" eaLnBrk="0" fontAlgn="base" hangingPunct="0">
-              <a:spcBef>
-                <a:spcPct val="0"/>
-              </a:spcBef>
-              <a:spcAft>
-                <a:spcPct val="0"/>
-              </a:spcAft>
-              <a:defRPr>
-                <a:solidFill>
-                  <a:schemeClr val="tx1"/>
-                </a:solidFill>
-                <a:latin typeface="Arial" charset="0"/>
-              </a:defRPr>
-            </a:lvl8pPr>
-            <a:lvl9pPr marL="3886200" indent="-228600" defTabSz="920750" eaLnBrk="0" fontAlgn="base" hangingPunct="0">
-              <a:spcBef>
-                <a:spcPct val="0"/>
-              </a:spcBef>
-              <a:spcAft>
-                <a:spcPct val="0"/>
-              </a:spcAft>
-              <a:defRPr>
-                <a:solidFill>
-                  <a:schemeClr val="tx1"/>
-                </a:solidFill>
-                <a:latin typeface="Arial" charset="0"/>
-              </a:defRPr>
-            </a:lvl9pPr>
-          </a:lstStyle>
-          <a:p>
-            <a:fld id="{D4C598FC-A51A-4C10-BC7E-08C80E287FDA}" type="slidenum">
-              <a:rPr lang="fr-FR" altLang="fr-FR" smtClean="0"/>
-              <a:pPr/>
-              <a:t>24</a:t>
-            </a:fld>
+          <a:bodyPr lIns="91440" tIns="45720" rIns="91440" bIns="45720"/>
+          <a:lstStyle/>
+          <a:p>
+            <a:pPr eaLnBrk="1" hangingPunct="1"/>
             <a:endParaRPr lang="fr-FR" altLang="fr-FR"/>
           </a:p>
         </p:txBody>
@@ -2079,7 +2526,7 @@
     </p:spTree>
     <p:extLst>
       <p:ext uri="{BB962C8B-B14F-4D97-AF65-F5344CB8AC3E}">
-        <p14:creationId xmlns:p14="http://schemas.microsoft.com/office/powerpoint/2010/main" val="622788981"/>
+        <p14:creationId xmlns:p14="http://schemas.microsoft.com/office/powerpoint/2010/main" val="1025439192"/>
       </p:ext>
     </p:extLst>
   </p:cSld>
@@ -2108,9 +2555,9 @@
       </p:grpSpPr>
       <p:sp>
         <p:nvSpPr>
-          <p:cNvPr id="117762" name="Espace réservé de l'image des diapositives 1"/>
-          <p:cNvSpPr>
-            <a:spLocks noGrp="1" noRot="1" noChangeAspect="1" noTextEdit="1"/>
+          <p:cNvPr id="149506" name="Rectangle 2"/>
+          <p:cNvSpPr>
+            <a:spLocks noGrp="1" noRot="1" noChangeAspect="1" noChangeArrowheads="1" noTextEdit="1"/>
           </p:cNvSpPr>
           <p:nvPr>
             <p:ph type="sldImg"/>
@@ -2149,9 +2596,9 @@
       </p:sp>
       <p:sp>
         <p:nvSpPr>
-          <p:cNvPr id="117763" name="Espace réservé des commentaires 2"/>
-          <p:cNvSpPr>
-            <a:spLocks noGrp="1"/>
+          <p:cNvPr id="149507" name="Rectangle 3"/>
+          <p:cNvSpPr>
+            <a:spLocks noGrp="1" noChangeArrowheads="1"/>
           </p:cNvSpPr>
           <p:nvPr>
             <p:ph type="body" idx="1"/>
@@ -2183,161 +2630,15 @@
           <a:bodyPr/>
           <a:lstStyle/>
           <a:p>
-            <a:r>
-              <a:rPr lang="fr-FR" altLang="fr-FR">
-                <a:latin typeface="Arial" panose="020B0604020202020204" pitchFamily="34" charset="0"/>
-              </a:rPr>
-              <a:t>Vous pouvez télécharger ce type de produits sur le site Intradef du 28GG pour les plus récents, les autres sur le catalogue de l’EGI.</a:t>
-            </a:r>
-          </a:p>
-        </p:txBody>
-      </p:sp>
-      <p:sp>
-        <p:nvSpPr>
-          <p:cNvPr id="117764" name="Espace réservé du numéro de diapositive 3"/>
-          <p:cNvSpPr>
-            <a:spLocks noGrp="1"/>
-          </p:cNvSpPr>
-          <p:nvPr>
-            <p:ph type="sldNum" sz="quarter" idx="5"/>
-          </p:nvPr>
-        </p:nvSpPr>
-        <p:spPr>
-          <a:noFill/>
-          <a:extLst>
-            <a:ext uri="{909E8E84-426E-40DD-AFC4-6F175D3DCCD1}">
-              <a14:hiddenFill xmlns:a14="http://schemas.microsoft.com/office/drawing/2010/main">
-                <a:solidFill>
-                  <a:srgbClr val="FFFFFF"/>
-                </a:solidFill>
-              </a14:hiddenFill>
-            </a:ext>
-            <a:ext uri="{91240B29-F687-4F45-9708-019B960494DF}">
-              <a14:hiddenLine xmlns:a14="http://schemas.microsoft.com/office/drawing/2010/main" w="9525">
-                <a:solidFill>
-                  <a:srgbClr val="000000"/>
-                </a:solidFill>
-                <a:miter lim="800000"/>
-                <a:headEnd/>
-                <a:tailEnd/>
-              </a14:hiddenLine>
-            </a:ext>
-          </a:extLst>
-        </p:spPr>
-        <p:txBody>
-          <a:bodyPr/>
-          <a:lstStyle>
-            <a:lvl1pPr defTabSz="920750">
-              <a:defRPr>
-                <a:solidFill>
-                  <a:schemeClr val="tx1"/>
-                </a:solidFill>
-                <a:latin typeface="Arial" panose="020B0604020202020204" pitchFamily="34" charset="0"/>
-              </a:defRPr>
-            </a:lvl1pPr>
-            <a:lvl2pPr marL="742950" indent="-285750" defTabSz="920750">
-              <a:defRPr>
-                <a:solidFill>
-                  <a:schemeClr val="tx1"/>
-                </a:solidFill>
-                <a:latin typeface="Arial" panose="020B0604020202020204" pitchFamily="34" charset="0"/>
-              </a:defRPr>
-            </a:lvl2pPr>
-            <a:lvl3pPr marL="1143000" indent="-228600" defTabSz="920750">
-              <a:defRPr>
-                <a:solidFill>
-                  <a:schemeClr val="tx1"/>
-                </a:solidFill>
-                <a:latin typeface="Arial" panose="020B0604020202020204" pitchFamily="34" charset="0"/>
-              </a:defRPr>
-            </a:lvl3pPr>
-            <a:lvl4pPr marL="1600200" indent="-228600" defTabSz="920750">
-              <a:defRPr>
-                <a:solidFill>
-                  <a:schemeClr val="tx1"/>
-                </a:solidFill>
-                <a:latin typeface="Arial" panose="020B0604020202020204" pitchFamily="34" charset="0"/>
-              </a:defRPr>
-            </a:lvl4pPr>
-            <a:lvl5pPr marL="2057400" indent="-228600" defTabSz="920750">
-              <a:defRPr>
-                <a:solidFill>
-                  <a:schemeClr val="tx1"/>
-                </a:solidFill>
-                <a:latin typeface="Arial" panose="020B0604020202020204" pitchFamily="34" charset="0"/>
-              </a:defRPr>
-            </a:lvl5pPr>
-            <a:lvl6pPr marL="2514600" indent="-228600" defTabSz="920750" eaLnBrk="0" fontAlgn="base" hangingPunct="0">
-              <a:spcBef>
-                <a:spcPct val="0"/>
-              </a:spcBef>
-              <a:spcAft>
-                <a:spcPct val="0"/>
-              </a:spcAft>
-              <a:defRPr>
-                <a:solidFill>
-                  <a:schemeClr val="tx1"/>
-                </a:solidFill>
-                <a:latin typeface="Arial" panose="020B0604020202020204" pitchFamily="34" charset="0"/>
-              </a:defRPr>
-            </a:lvl6pPr>
-            <a:lvl7pPr marL="2971800" indent="-228600" defTabSz="920750" eaLnBrk="0" fontAlgn="base" hangingPunct="0">
-              <a:spcBef>
-                <a:spcPct val="0"/>
-              </a:spcBef>
-              <a:spcAft>
-                <a:spcPct val="0"/>
-              </a:spcAft>
-              <a:defRPr>
-                <a:solidFill>
-                  <a:schemeClr val="tx1"/>
-                </a:solidFill>
-                <a:latin typeface="Arial" panose="020B0604020202020204" pitchFamily="34" charset="0"/>
-              </a:defRPr>
-            </a:lvl7pPr>
-            <a:lvl8pPr marL="3429000" indent="-228600" defTabSz="920750" eaLnBrk="0" fontAlgn="base" hangingPunct="0">
-              <a:spcBef>
-                <a:spcPct val="0"/>
-              </a:spcBef>
-              <a:spcAft>
-                <a:spcPct val="0"/>
-              </a:spcAft>
-              <a:defRPr>
-                <a:solidFill>
-                  <a:schemeClr val="tx1"/>
-                </a:solidFill>
-                <a:latin typeface="Arial" panose="020B0604020202020204" pitchFamily="34" charset="0"/>
-              </a:defRPr>
-            </a:lvl8pPr>
-            <a:lvl9pPr marL="3886200" indent="-228600" defTabSz="920750" eaLnBrk="0" fontAlgn="base" hangingPunct="0">
-              <a:spcBef>
-                <a:spcPct val="0"/>
-              </a:spcBef>
-              <a:spcAft>
-                <a:spcPct val="0"/>
-              </a:spcAft>
-              <a:defRPr>
-                <a:solidFill>
-                  <a:schemeClr val="tx1"/>
-                </a:solidFill>
-                <a:latin typeface="Arial" panose="020B0604020202020204" pitchFamily="34" charset="0"/>
-              </a:defRPr>
-            </a:lvl9pPr>
-          </a:lstStyle>
-          <a:p>
-            <a:fld id="{10ACC852-FC97-4FDE-92C8-D0F63EDFB18C}" type="slidenum">
-              <a:rPr lang="fr-FR" altLang="fr-FR"/>
-              <a:pPr/>
-              <a:t>26</a:t>
-            </a:fld>
-            <a:endParaRPr lang="fr-FR" altLang="fr-FR"/>
+            <a:pPr algn="just"/>
+            <a:endParaRPr lang="fr-FR" altLang="fr-FR" sz="1600"/>
           </a:p>
         </p:txBody>
       </p:sp>
     </p:spTree>
     <p:extLst>
       <p:ext uri="{BB962C8B-B14F-4D97-AF65-F5344CB8AC3E}">
-        <p14:creationId xmlns:p14="http://schemas.microsoft.com/office/powerpoint/2010/main" val="1053240287"/>
+        <p14:creationId xmlns:p14="http://schemas.microsoft.com/office/powerpoint/2010/main" val="3717136249"/>
       </p:ext>
     </p:extLst>
   </p:cSld>
@@ -2484,7 +2785,7 @@
           <a:p>
             <a:fld id="{A74F3EA5-292C-4331-BAB5-A6575F471254}" type="datetimeFigureOut">
               <a:rPr lang="fr-FR" smtClean="0"/>
-              <a:t>18/06/2022</a:t>
+              <a:t>05/10/2022</a:t>
             </a:fld>
             <a:endParaRPr lang="fr-FR"/>
           </a:p>
@@ -2670,7 +2971,7 @@
           <a:p>
             <a:fld id="{A74F3EA5-292C-4331-BAB5-A6575F471254}" type="datetimeFigureOut">
               <a:rPr lang="fr-FR" smtClean="0"/>
-              <a:t>18/06/2022</a:t>
+              <a:t>05/10/2022</a:t>
             </a:fld>
             <a:endParaRPr lang="fr-FR"/>
           </a:p>
@@ -2856,7 +3157,7 @@
           <a:p>
             <a:fld id="{A74F3EA5-292C-4331-BAB5-A6575F471254}" type="datetimeFigureOut">
               <a:rPr lang="fr-FR" smtClean="0"/>
-              <a:t>18/06/2022</a:t>
+              <a:t>05/10/2022</a:t>
             </a:fld>
             <a:endParaRPr lang="fr-FR"/>
           </a:p>
@@ -3048,7 +3349,7 @@
           <a:p>
             <a:fld id="{A74F3EA5-292C-4331-BAB5-A6575F471254}" type="datetimeFigureOut">
               <a:rPr lang="fr-FR" smtClean="0"/>
-              <a:t>18/06/2022</a:t>
+              <a:t>05/10/2022</a:t>
             </a:fld>
             <a:endParaRPr lang="fr-FR"/>
           </a:p>
@@ -3218,7 +3519,7 @@
           <a:p>
             <a:fld id="{A74F3EA5-292C-4331-BAB5-A6575F471254}" type="datetimeFigureOut">
               <a:rPr lang="fr-FR" smtClean="0"/>
-              <a:t>18/06/2022</a:t>
+              <a:t>05/10/2022</a:t>
             </a:fld>
             <a:endParaRPr lang="fr-FR"/>
           </a:p>
@@ -3464,7 +3765,7 @@
           <a:p>
             <a:fld id="{A74F3EA5-292C-4331-BAB5-A6575F471254}" type="datetimeFigureOut">
               <a:rPr lang="fr-FR" smtClean="0"/>
-              <a:t>18/06/2022</a:t>
+              <a:t>05/10/2022</a:t>
             </a:fld>
             <a:endParaRPr lang="fr-FR"/>
           </a:p>
@@ -3696,7 +3997,7 @@
           <a:p>
             <a:fld id="{A74F3EA5-292C-4331-BAB5-A6575F471254}" type="datetimeFigureOut">
               <a:rPr lang="fr-FR" smtClean="0"/>
-              <a:t>18/06/2022</a:t>
+              <a:t>05/10/2022</a:t>
             </a:fld>
             <a:endParaRPr lang="fr-FR"/>
           </a:p>
@@ -4063,7 +4364,7 @@
           <a:p>
             <a:fld id="{A74F3EA5-292C-4331-BAB5-A6575F471254}" type="datetimeFigureOut">
               <a:rPr lang="fr-FR" smtClean="0"/>
-              <a:t>18/06/2022</a:t>
+              <a:t>05/10/2022</a:t>
             </a:fld>
             <a:endParaRPr lang="fr-FR"/>
           </a:p>
@@ -4181,7 +4482,7 @@
           <a:p>
             <a:fld id="{A74F3EA5-292C-4331-BAB5-A6575F471254}" type="datetimeFigureOut">
               <a:rPr lang="fr-FR" smtClean="0"/>
-              <a:t>18/06/2022</a:t>
+              <a:t>05/10/2022</a:t>
             </a:fld>
             <a:endParaRPr lang="fr-FR"/>
           </a:p>
@@ -4276,7 +4577,7 @@
           <a:p>
             <a:fld id="{A74F3EA5-292C-4331-BAB5-A6575F471254}" type="datetimeFigureOut">
               <a:rPr lang="fr-FR" smtClean="0"/>
-              <a:t>18/06/2022</a:t>
+              <a:t>05/10/2022</a:t>
             </a:fld>
             <a:endParaRPr lang="fr-FR"/>
           </a:p>
@@ -4553,7 +4854,7 @@
           <a:p>
             <a:fld id="{A74F3EA5-292C-4331-BAB5-A6575F471254}" type="datetimeFigureOut">
               <a:rPr lang="fr-FR" smtClean="0"/>
-              <a:t>18/06/2022</a:t>
+              <a:t>05/10/2022</a:t>
             </a:fld>
             <a:endParaRPr lang="fr-FR"/>
           </a:p>
@@ -4739,7 +5040,7 @@
           <a:p>
             <a:fld id="{A74F3EA5-292C-4331-BAB5-A6575F471254}" type="datetimeFigureOut">
               <a:rPr lang="fr-FR" smtClean="0"/>
-              <a:t>18/06/2022</a:t>
+              <a:t>05/10/2022</a:t>
             </a:fld>
             <a:endParaRPr lang="fr-FR"/>
           </a:p>
@@ -4996,7 +5297,7 @@
           <a:p>
             <a:fld id="{A74F3EA5-292C-4331-BAB5-A6575F471254}" type="datetimeFigureOut">
               <a:rPr lang="fr-FR" smtClean="0"/>
-              <a:t>18/06/2022</a:t>
+              <a:t>05/10/2022</a:t>
             </a:fld>
             <a:endParaRPr lang="fr-FR"/>
           </a:p>
@@ -5166,7 +5467,7 @@
           <a:p>
             <a:fld id="{A74F3EA5-292C-4331-BAB5-A6575F471254}" type="datetimeFigureOut">
               <a:rPr lang="fr-FR" smtClean="0"/>
-              <a:t>18/06/2022</a:t>
+              <a:t>05/10/2022</a:t>
             </a:fld>
             <a:endParaRPr lang="fr-FR"/>
           </a:p>
@@ -5346,7 +5647,7 @@
           <a:p>
             <a:fld id="{A74F3EA5-292C-4331-BAB5-A6575F471254}" type="datetimeFigureOut">
               <a:rPr lang="fr-FR" smtClean="0"/>
-              <a:t>18/06/2022</a:t>
+              <a:t>05/10/2022</a:t>
             </a:fld>
             <a:endParaRPr lang="fr-FR"/>
           </a:p>
@@ -5598,7 +5899,7 @@
           <a:p>
             <a:fld id="{A74F3EA5-292C-4331-BAB5-A6575F471254}" type="datetimeFigureOut">
               <a:rPr lang="fr-FR" smtClean="0"/>
-              <a:t>18/06/2022</a:t>
+              <a:t>05/10/2022</a:t>
             </a:fld>
             <a:endParaRPr lang="fr-FR"/>
           </a:p>
@@ -5844,7 +6145,7 @@
           <a:p>
             <a:fld id="{A74F3EA5-292C-4331-BAB5-A6575F471254}" type="datetimeFigureOut">
               <a:rPr lang="fr-FR" smtClean="0"/>
-              <a:t>18/06/2022</a:t>
+              <a:t>05/10/2022</a:t>
             </a:fld>
             <a:endParaRPr lang="fr-FR"/>
           </a:p>
@@ -6226,7 +6527,7 @@
           <a:p>
             <a:fld id="{A74F3EA5-292C-4331-BAB5-A6575F471254}" type="datetimeFigureOut">
               <a:rPr lang="fr-FR" smtClean="0"/>
-              <a:t>18/06/2022</a:t>
+              <a:t>05/10/2022</a:t>
             </a:fld>
             <a:endParaRPr lang="fr-FR"/>
           </a:p>
@@ -6352,7 +6653,7 @@
           <a:p>
             <a:fld id="{A74F3EA5-292C-4331-BAB5-A6575F471254}" type="datetimeFigureOut">
               <a:rPr lang="fr-FR" smtClean="0"/>
-              <a:t>18/06/2022</a:t>
+              <a:t>05/10/2022</a:t>
             </a:fld>
             <a:endParaRPr lang="fr-FR"/>
           </a:p>
@@ -6447,7 +6748,7 @@
           <a:p>
             <a:fld id="{A74F3EA5-292C-4331-BAB5-A6575F471254}" type="datetimeFigureOut">
               <a:rPr lang="fr-FR" smtClean="0"/>
-              <a:t>18/06/2022</a:t>
+              <a:t>05/10/2022</a:t>
             </a:fld>
             <a:endParaRPr lang="fr-FR"/>
           </a:p>
@@ -6733,7 +7034,7 @@
           <a:p>
             <a:fld id="{A74F3EA5-292C-4331-BAB5-A6575F471254}" type="datetimeFigureOut">
               <a:rPr lang="fr-FR" smtClean="0"/>
-              <a:t>18/06/2022</a:t>
+              <a:t>05/10/2022</a:t>
             </a:fld>
             <a:endParaRPr lang="fr-FR"/>
           </a:p>
@@ -6995,7 +7296,7 @@
           <a:p>
             <a:fld id="{A74F3EA5-292C-4331-BAB5-A6575F471254}" type="datetimeFigureOut">
               <a:rPr lang="fr-FR" smtClean="0"/>
-              <a:t>18/06/2022</a:t>
+              <a:t>05/10/2022</a:t>
             </a:fld>
             <a:endParaRPr lang="fr-FR"/>
           </a:p>
@@ -7113,7 +7414,7 @@
           <a:p>
             <a:fld id="{A74F3EA5-292C-4331-BAB5-A6575F471254}" type="datetimeFigureOut">
               <a:rPr lang="fr-FR" smtClean="0"/>
-              <a:t>18/06/2022</a:t>
+              <a:t>05/10/2022</a:t>
             </a:fld>
             <a:endParaRPr lang="fr-FR"/>
           </a:p>
@@ -7953,7 +8254,7 @@
           <a:p>
             <a:fld id="{A74F3EA5-292C-4331-BAB5-A6575F471254}" type="datetimeFigureOut">
               <a:rPr lang="fr-FR" smtClean="0"/>
-              <a:t>18/06/2022</a:t>
+              <a:t>05/10/2022</a:t>
             </a:fld>
             <a:endParaRPr lang="fr-FR"/>
           </a:p>
@@ -8734,23 +9035,121 @@
           <a:chExt cx="0" cy="0"/>
         </a:xfrm>
       </p:grpSpPr>
+      <p:sp>
+        <p:nvSpPr>
+          <p:cNvPr id="2" name="Titre 1"/>
+          <p:cNvSpPr>
+            <a:spLocks noGrp="1"/>
+          </p:cNvSpPr>
+          <p:nvPr>
+            <p:ph type="title"/>
+          </p:nvPr>
+        </p:nvSpPr>
+        <p:spPr/>
+        <p:txBody>
+          <a:bodyPr/>
+          <a:lstStyle/>
+          <a:p>
+            <a:r>
+              <a:rPr lang="fr-FR" dirty="0" smtClean="0"/>
+              <a:t>Exporter depuis </a:t>
+            </a:r>
+            <a:r>
+              <a:rPr lang="fr-FR" dirty="0" err="1" smtClean="0"/>
+              <a:t>Maperitive</a:t>
+            </a:r>
+            <a:endParaRPr lang="fr-FR" dirty="0"/>
+          </a:p>
+        </p:txBody>
+      </p:sp>
+      <p:sp>
+        <p:nvSpPr>
+          <p:cNvPr id="3" name="Espace réservé du contenu 2"/>
+          <p:cNvSpPr>
+            <a:spLocks noGrp="1"/>
+          </p:cNvSpPr>
+          <p:nvPr>
+            <p:ph idx="1"/>
+          </p:nvPr>
+        </p:nvSpPr>
+        <p:spPr/>
+        <p:txBody>
+          <a:bodyPr/>
+          <a:lstStyle/>
+          <a:p>
+            <a:r>
+              <a:rPr lang="fr-FR" dirty="0" err="1" smtClean="0"/>
+              <a:t>Maperitive</a:t>
+            </a:r>
+            <a:r>
+              <a:rPr lang="fr-FR" dirty="0" smtClean="0"/>
+              <a:t> affiche </a:t>
+            </a:r>
+            <a:r>
+              <a:rPr lang="fr-FR" dirty="0"/>
+              <a:t>et exporte </a:t>
+            </a:r>
+            <a:r>
+              <a:rPr lang="fr-FR" dirty="0" smtClean="0"/>
+              <a:t>la </a:t>
+            </a:r>
+            <a:r>
+              <a:rPr lang="fr-FR" dirty="0" err="1" smtClean="0"/>
+              <a:t>carto</a:t>
+            </a:r>
+            <a:r>
+              <a:rPr lang="fr-FR" dirty="0" smtClean="0"/>
+              <a:t> </a:t>
+            </a:r>
+            <a:r>
+              <a:rPr lang="fr-FR" dirty="0" err="1" smtClean="0"/>
+              <a:t>OpenStreetMap</a:t>
+            </a:r>
+            <a:endParaRPr lang="fr-FR" dirty="0"/>
+          </a:p>
+          <a:p>
+            <a:endParaRPr lang="fr-FR" dirty="0" smtClean="0"/>
+          </a:p>
+          <a:p>
+            <a:r>
+              <a:rPr lang="fr-FR" dirty="0" smtClean="0"/>
+              <a:t>Export en </a:t>
+            </a:r>
+            <a:r>
+              <a:rPr lang="fr-FR" dirty="0" err="1" smtClean="0"/>
+              <a:t>MBtiles</a:t>
+            </a:r>
+            <a:endParaRPr lang="fr-FR" dirty="0" smtClean="0"/>
+          </a:p>
+          <a:p>
+            <a:endParaRPr lang="fr-FR" dirty="0"/>
+          </a:p>
+          <a:p>
+            <a:endParaRPr lang="fr-FR" dirty="0" smtClean="0"/>
+          </a:p>
+          <a:p>
+            <a:endParaRPr lang="fr-FR" dirty="0"/>
+          </a:p>
+        </p:txBody>
+      </p:sp>
       <p:pic>
         <p:nvPicPr>
-          <p:cNvPr id="2" name="Image 1"/>
+          <p:cNvPr id="4" name="Image 3"/>
           <p:cNvPicPr>
             <a:picLocks noChangeAspect="1"/>
           </p:cNvPicPr>
           <p:nvPr/>
         </p:nvPicPr>
-        <p:blipFill rotWithShape="1">
+        <p:blipFill>
           <a:blip r:embed="rId2"/>
-          <a:srcRect l="3699" t="1934" r="4458" b="1734"/>
-          <a:stretch/>
+          <a:stretch>
+            <a:fillRect/>
+          </a:stretch>
         </p:blipFill>
         <p:spPr>
           <a:xfrm>
-            <a:off x="1524001" y="3389586"/>
-            <a:ext cx="4303987" cy="3468415"/>
+            <a:off x="4903076" y="2981237"/>
+            <a:ext cx="7288924" cy="3876763"/>
           </a:xfrm>
           <a:prstGeom prst="rect">
             <a:avLst/>
@@ -8762,110 +9161,10 @@
           </a:ln>
         </p:spPr>
       </p:pic>
-      <p:pic>
-        <p:nvPicPr>
-          <p:cNvPr id="4" name="Image 3"/>
-          <p:cNvPicPr>
-            <a:picLocks noChangeAspect="1"/>
-          </p:cNvPicPr>
-          <p:nvPr/>
-        </p:nvPicPr>
-        <p:blipFill>
-          <a:blip r:embed="rId3"/>
-          <a:stretch>
-            <a:fillRect/>
-          </a:stretch>
-        </p:blipFill>
-        <p:spPr>
-          <a:xfrm>
-            <a:off x="6293069" y="3389585"/>
-            <a:ext cx="4374931" cy="3499945"/>
-          </a:xfrm>
-          <a:prstGeom prst="rect">
-            <a:avLst/>
-          </a:prstGeom>
-          <a:ln>
-            <a:solidFill>
-              <a:schemeClr val="tx1"/>
-            </a:solidFill>
-          </a:ln>
-        </p:spPr>
-      </p:pic>
-      <p:sp>
-        <p:nvSpPr>
-          <p:cNvPr id="6" name="Titre 5"/>
-          <p:cNvSpPr>
-            <a:spLocks noGrp="1"/>
-          </p:cNvSpPr>
-          <p:nvPr>
-            <p:ph type="title"/>
-          </p:nvPr>
-        </p:nvSpPr>
-        <p:spPr/>
-        <p:txBody>
-          <a:bodyPr/>
-          <a:lstStyle/>
-          <a:p>
-            <a:r>
-              <a:rPr lang="fr-FR" dirty="0" smtClean="0"/>
-              <a:t>Exporter depuis SAS </a:t>
-            </a:r>
-            <a:r>
-              <a:rPr lang="fr-FR" dirty="0" err="1" smtClean="0"/>
-              <a:t>Planet</a:t>
-            </a:r>
-            <a:endParaRPr lang="fr-FR" dirty="0"/>
-          </a:p>
-        </p:txBody>
-      </p:sp>
-      <p:sp>
-        <p:nvSpPr>
-          <p:cNvPr id="7" name="Espace réservé du contenu 6"/>
-          <p:cNvSpPr>
-            <a:spLocks noGrp="1"/>
-          </p:cNvSpPr>
-          <p:nvPr>
-            <p:ph idx="1"/>
-          </p:nvPr>
-        </p:nvSpPr>
-        <p:spPr/>
-        <p:txBody>
-          <a:bodyPr/>
-          <a:lstStyle/>
-          <a:p>
-            <a:pPr marL="285750" indent="-285750">
-              <a:buFontTx/>
-              <a:buChar char="-"/>
-            </a:pPr>
-            <a:r>
-              <a:rPr lang="fr-FR" dirty="0"/>
-              <a:t>Télécharger les dalles sur la couche et au niveau de zoom voulus</a:t>
-            </a:r>
-          </a:p>
-          <a:p>
-            <a:pPr marL="285750" indent="-285750">
-              <a:buFontTx/>
-              <a:buChar char="-"/>
-            </a:pPr>
-            <a:r>
-              <a:rPr lang="fr-FR" dirty="0"/>
-              <a:t>Assembler en sélectionnant la couche et le zoom </a:t>
-            </a:r>
-            <a:r>
-              <a:rPr lang="fr-FR" dirty="0" smtClean="0"/>
-              <a:t>sélectionnés</a:t>
-            </a:r>
-            <a:endParaRPr lang="fr-FR" dirty="0"/>
-          </a:p>
-          <a:p>
-            <a:endParaRPr lang="fr-FR" dirty="0"/>
-          </a:p>
-        </p:txBody>
-      </p:sp>
     </p:spTree>
     <p:extLst>
       <p:ext uri="{BB962C8B-B14F-4D97-AF65-F5344CB8AC3E}">
-        <p14:creationId xmlns:p14="http://schemas.microsoft.com/office/powerpoint/2010/main" val="2692379561"/>
+        <p14:creationId xmlns:p14="http://schemas.microsoft.com/office/powerpoint/2010/main" val="3188498314"/>
       </p:ext>
     </p:extLst>
   </p:cSld>
@@ -8908,37 +9207,152 @@
           <a:lstStyle/>
           <a:p>
             <a:r>
-              <a:rPr lang="fr-FR" dirty="0" smtClean="0"/>
-              <a:t>Exporter depuis SAS </a:t>
-            </a:r>
-            <a:r>
-              <a:rPr lang="fr-FR" dirty="0" err="1" smtClean="0"/>
-              <a:t>Planet</a:t>
+              <a:rPr lang="fr-FR" dirty="0"/>
+              <a:t>Exporter depuis </a:t>
+            </a:r>
+            <a:r>
+              <a:rPr lang="fr-FR" dirty="0" err="1"/>
+              <a:t>Maperitive</a:t>
             </a:r>
             <a:endParaRPr lang="fr-FR" dirty="0"/>
+          </a:p>
+        </p:txBody>
+      </p:sp>
+      <p:sp>
+        <p:nvSpPr>
+          <p:cNvPr id="3" name="Espace réservé du contenu 2"/>
+          <p:cNvSpPr>
+            <a:spLocks noGrp="1"/>
+          </p:cNvSpPr>
+          <p:nvPr>
+            <p:ph idx="1"/>
+          </p:nvPr>
+        </p:nvSpPr>
+        <p:spPr/>
+        <p:txBody>
+          <a:bodyPr>
+            <a:normAutofit/>
+          </a:bodyPr>
+          <a:lstStyle/>
+          <a:p>
+            <a:r>
+              <a:rPr lang="fr-FR" sz="2400" dirty="0" smtClean="0"/>
+              <a:t>Se déplacer/zoomer sur la zone à exporter</a:t>
+            </a:r>
+          </a:p>
+          <a:p>
+            <a:endParaRPr lang="fr-FR" sz="2400" dirty="0"/>
+          </a:p>
+          <a:p>
+            <a:r>
+              <a:rPr lang="fr-FR" sz="2400" dirty="0" smtClean="0"/>
+              <a:t>Dans la fenêtre de commande saisir les deux lignes :</a:t>
+            </a:r>
+          </a:p>
+          <a:p>
+            <a:pPr lvl="1"/>
+            <a:r>
+              <a:rPr lang="fr-FR" sz="2000" dirty="0" smtClean="0"/>
+              <a:t>set-</a:t>
+            </a:r>
+            <a:r>
+              <a:rPr lang="fr-FR" sz="2000" dirty="0" err="1" smtClean="0"/>
+              <a:t>geo</a:t>
+            </a:r>
+            <a:r>
+              <a:rPr lang="fr-FR" sz="2000" dirty="0" smtClean="0"/>
+              <a:t>-</a:t>
+            </a:r>
+            <a:r>
+              <a:rPr lang="fr-FR" sz="2000" dirty="0" err="1" smtClean="0"/>
+              <a:t>bounds</a:t>
+            </a:r>
+            <a:endParaRPr lang="fr-FR" sz="2000" dirty="0"/>
+          </a:p>
+          <a:p>
+            <a:pPr lvl="1"/>
+            <a:r>
+              <a:rPr lang="fr-FR" sz="2000" dirty="0" err="1"/>
+              <a:t>generate-mbtiles</a:t>
+            </a:r>
+            <a:r>
+              <a:rPr lang="fr-FR" sz="2000" dirty="0"/>
+              <a:t> </a:t>
+            </a:r>
+            <a:r>
+              <a:rPr lang="fr-FR" sz="2000" dirty="0" err="1"/>
+              <a:t>minzoom</a:t>
+            </a:r>
+            <a:r>
+              <a:rPr lang="fr-FR" sz="2000" dirty="0"/>
+              <a:t>=14 </a:t>
+            </a:r>
+            <a:r>
+              <a:rPr lang="fr-FR" sz="2000" dirty="0" err="1"/>
+              <a:t>maxzoom</a:t>
+            </a:r>
+            <a:r>
+              <a:rPr lang="fr-FR" sz="2000" dirty="0"/>
+              <a:t>=17</a:t>
+            </a:r>
+          </a:p>
+          <a:p>
+            <a:endParaRPr lang="fr-FR" sz="2400" dirty="0" smtClean="0"/>
+          </a:p>
+          <a:p>
+            <a:r>
+              <a:rPr lang="fr-FR" sz="2400" dirty="0"/>
+              <a:t>Le zoom varie entre 0 (vue globale) et 23 (très détaillé</a:t>
+            </a:r>
+            <a:r>
+              <a:rPr lang="fr-FR" sz="2400" dirty="0" smtClean="0"/>
+              <a:t>)</a:t>
+            </a:r>
+          </a:p>
+          <a:p>
+            <a:pPr lvl="1"/>
+            <a:r>
+              <a:rPr lang="fr-FR" sz="2000" dirty="0" smtClean="0"/>
+              <a:t>Zoom 12 – 1:144000</a:t>
+            </a:r>
+          </a:p>
+          <a:p>
+            <a:pPr lvl="1"/>
+            <a:r>
+              <a:rPr lang="fr-FR" sz="2000" dirty="0" smtClean="0"/>
+              <a:t>Zoom 15 – 1:18000</a:t>
+            </a:r>
+          </a:p>
+          <a:p>
+            <a:pPr lvl="1"/>
+            <a:r>
+              <a:rPr lang="fr-FR" sz="2000" dirty="0" smtClean="0"/>
+              <a:t>Zoom 17 – 1:4500</a:t>
+            </a:r>
+            <a:endParaRPr lang="fr-FR" sz="2000" dirty="0"/>
+          </a:p>
+          <a:p>
+            <a:endParaRPr lang="fr-FR" sz="2400" dirty="0"/>
           </a:p>
         </p:txBody>
       </p:sp>
       <p:pic>
         <p:nvPicPr>
-          <p:cNvPr id="7" name="Espace réservé du contenu 6"/>
+          <p:cNvPr id="4" name="Image 3"/>
           <p:cNvPicPr>
-            <a:picLocks noGrp="1" noChangeAspect="1"/>
+            <a:picLocks noChangeAspect="1"/>
           </p:cNvPicPr>
-          <p:nvPr>
-            <p:ph idx="1"/>
-          </p:nvPr>
+          <p:nvPr/>
         </p:nvPicPr>
-        <p:blipFill>
+        <p:blipFill rotWithShape="1">
           <a:blip r:embed="rId2"/>
-          <a:stretch>
-            <a:fillRect/>
-          </a:stretch>
+          <a:srcRect t="40627" r="20404"/>
+          <a:stretch/>
         </p:blipFill>
         <p:spPr>
           <a:xfrm>
-            <a:off x="3395662" y="2167731"/>
-            <a:ext cx="5400675" cy="3667125"/>
+            <a:off x="6747930" y="4698124"/>
+            <a:ext cx="5444070" cy="2159876"/>
           </a:xfrm>
           <a:prstGeom prst="rect">
             <a:avLst/>
@@ -8953,7 +9367,7 @@
     </p:spTree>
     <p:extLst>
       <p:ext uri="{BB962C8B-B14F-4D97-AF65-F5344CB8AC3E}">
-        <p14:creationId xmlns:p14="http://schemas.microsoft.com/office/powerpoint/2010/main" val="632001234"/>
+        <p14:creationId xmlns:p14="http://schemas.microsoft.com/office/powerpoint/2010/main" val="1751577544"/>
       </p:ext>
     </p:extLst>
   </p:cSld>
@@ -8982,7 +9396,7 @@
       </p:grpSpPr>
       <p:sp>
         <p:nvSpPr>
-          <p:cNvPr id="2" name="Titre 1"/>
+          <p:cNvPr id="4" name="Titre 3"/>
           <p:cNvSpPr>
             <a:spLocks noGrp="1"/>
           </p:cNvSpPr>
@@ -8995,13 +9409,29 @@
           <a:bodyPr/>
           <a:lstStyle/>
           <a:p>
-            <a:endParaRPr lang="fr-FR"/>
-          </a:p>
-        </p:txBody>
-      </p:sp>
-      <p:sp>
-        <p:nvSpPr>
-          <p:cNvPr id="3" name="Espace réservé du contenu 2"/>
+            <a:r>
+              <a:rPr lang="fr-FR" dirty="0"/>
+              <a:t>Sur internet – </a:t>
+            </a:r>
+            <a:r>
+              <a:rPr lang="fr-FR" dirty="0" err="1"/>
+              <a:t>carto</a:t>
+            </a:r>
+            <a:r>
+              <a:rPr lang="fr-FR" dirty="0"/>
+              <a:t> </a:t>
+            </a:r>
+            <a:r>
+              <a:rPr lang="fr-FR" dirty="0" smtClean="0"/>
+              <a:t>Monde</a:t>
+            </a:r>
+            <a:endParaRPr lang="fr-FR" dirty="0"/>
+          </a:p>
+        </p:txBody>
+      </p:sp>
+      <p:sp>
+        <p:nvSpPr>
+          <p:cNvPr id="5" name="Espace réservé du contenu 4"/>
           <p:cNvSpPr>
             <a:spLocks noGrp="1"/>
           </p:cNvSpPr>
@@ -9011,36 +9441,193 @@
         </p:nvSpPr>
         <p:spPr/>
         <p:txBody>
-          <a:bodyPr/>
-          <a:lstStyle/>
-          <a:p>
-            <a:r>
-              <a:rPr lang="fr-FR" dirty="0" smtClean="0"/>
-              <a:t>Export vecteur</a:t>
-            </a:r>
-          </a:p>
-          <a:p>
-            <a:endParaRPr lang="fr-FR" dirty="0"/>
-          </a:p>
-          <a:p>
-            <a:r>
-              <a:rPr lang="fr-FR" dirty="0" smtClean="0"/>
-              <a:t>Export DTED</a:t>
-            </a:r>
-            <a:endParaRPr lang="fr-FR" dirty="0"/>
-          </a:p>
-        </p:txBody>
-      </p:sp>
+          <a:bodyPr>
+            <a:noAutofit/>
+          </a:bodyPr>
+          <a:lstStyle/>
+          <a:p>
+            <a:pPr marL="0" indent="0">
+              <a:buNone/>
+            </a:pPr>
+            <a:r>
+              <a:rPr lang="fr-FR" sz="2400" b="1" dirty="0" smtClean="0"/>
+              <a:t>Vecteurs – </a:t>
+            </a:r>
+            <a:r>
+              <a:rPr lang="fr-FR" sz="2400" b="1" dirty="0" err="1" smtClean="0"/>
+              <a:t>Geonames</a:t>
+            </a:r>
+            <a:r>
+              <a:rPr lang="fr-FR" sz="2400" b="1" dirty="0"/>
+              <a:t> </a:t>
+            </a:r>
+            <a:r>
+              <a:rPr lang="fr-FR" sz="2400" b="1" dirty="0" smtClean="0"/>
+              <a:t>/ GAZETTER</a:t>
+            </a:r>
+          </a:p>
+          <a:p>
+            <a:r>
+              <a:rPr lang="fr-FR" sz="1800" dirty="0" smtClean="0"/>
+              <a:t>Par pays / catégories sur </a:t>
+            </a:r>
+            <a:r>
+              <a:rPr lang="fr-FR" sz="1800" dirty="0" smtClean="0">
+                <a:hlinkClick r:id="rId4"/>
+              </a:rPr>
+              <a:t>https</a:t>
+            </a:r>
+            <a:r>
+              <a:rPr lang="fr-FR" sz="1800" dirty="0">
+                <a:hlinkClick r:id="rId4"/>
+              </a:rPr>
+              <a:t>://geonames.nga.mil/geonames/GNSData</a:t>
+            </a:r>
+            <a:r>
+              <a:rPr lang="fr-FR" sz="1800" dirty="0" smtClean="0">
+                <a:hlinkClick r:id="rId4"/>
+              </a:rPr>
+              <a:t>/</a:t>
+            </a:r>
+            <a:endParaRPr lang="fr-FR" sz="1800" dirty="0"/>
+          </a:p>
+          <a:p>
+            <a:r>
+              <a:rPr lang="fr-FR" sz="1800" dirty="0" smtClean="0"/>
+              <a:t>Détail des champs et fichiers : </a:t>
+            </a:r>
+            <a:r>
+              <a:rPr lang="fr-FR" sz="1800" dirty="0" smtClean="0">
+                <a:hlinkClick r:id="rId5"/>
+              </a:rPr>
+              <a:t>https</a:t>
+            </a:r>
+            <a:r>
+              <a:rPr lang="fr-FR" sz="1800" dirty="0">
+                <a:hlinkClick r:id="rId5"/>
+              </a:rPr>
+              <a:t>://</a:t>
+            </a:r>
+            <a:r>
+              <a:rPr lang="fr-FR" sz="1800" dirty="0" smtClean="0">
+                <a:hlinkClick r:id="rId5"/>
+              </a:rPr>
+              <a:t>geonames.nga.mil/geonames/GNSHome/reference.html</a:t>
+            </a:r>
+            <a:endParaRPr lang="fr-FR" sz="1800" dirty="0" smtClean="0"/>
+          </a:p>
+          <a:p>
+            <a:endParaRPr lang="fr-FR" sz="1800" dirty="0" smtClean="0"/>
+          </a:p>
+          <a:p>
+            <a:endParaRPr lang="fr-FR" sz="1800" dirty="0"/>
+          </a:p>
+          <a:p>
+            <a:pPr marL="0" indent="0">
+              <a:buNone/>
+            </a:pPr>
+            <a:endParaRPr lang="fr-FR" sz="1800" dirty="0" smtClean="0"/>
+          </a:p>
+        </p:txBody>
+      </p:sp>
+      <p:pic>
+        <p:nvPicPr>
+          <p:cNvPr id="7" name="Image 6"/>
+          <p:cNvPicPr>
+            <a:picLocks noChangeAspect="1"/>
+          </p:cNvPicPr>
+          <p:nvPr/>
+        </p:nvPicPr>
+        <p:blipFill>
+          <a:blip r:embed="rId6"/>
+          <a:stretch>
+            <a:fillRect/>
+          </a:stretch>
+        </p:blipFill>
+        <p:spPr>
+          <a:xfrm>
+            <a:off x="628650" y="3359944"/>
+            <a:ext cx="8104023" cy="3452812"/>
+          </a:xfrm>
+          <a:prstGeom prst="rect">
+            <a:avLst/>
+          </a:prstGeom>
+        </p:spPr>
+      </p:pic>
+      <p:graphicFrame>
+        <p:nvGraphicFramePr>
+          <p:cNvPr id="8" name="Objet 7"/>
+          <p:cNvGraphicFramePr>
+            <a:graphicFrameLocks noChangeAspect="1"/>
+          </p:cNvGraphicFramePr>
+          <p:nvPr>
+            <p:extLst>
+              <p:ext uri="{D42A27DB-BD31-4B8C-83A1-F6EECF244321}">
+                <p14:modId xmlns:p14="http://schemas.microsoft.com/office/powerpoint/2010/main" val="3714082888"/>
+              </p:ext>
+            </p:extLst>
+          </p:nvPr>
+        </p:nvGraphicFramePr>
+        <p:xfrm>
+          <a:off x="9583250" y="3676650"/>
+          <a:ext cx="2209800" cy="2324100"/>
+        </p:xfrm>
+        <a:graphic>
+          <a:graphicData uri="http://schemas.openxmlformats.org/presentationml/2006/ole">
+            <mc:AlternateContent xmlns:mc="http://schemas.openxmlformats.org/markup-compatibility/2006">
+              <mc:Choice xmlns:v="urn:schemas-microsoft-com:vml" Requires="v">
+                <p:oleObj spid="_x0000_s2061" name="Image bitmap" r:id="rId7" imgW="2209680" imgH="2324160" progId="Paint.Picture">
+                  <p:embed/>
+                </p:oleObj>
+              </mc:Choice>
+              <mc:Fallback>
+                <p:oleObj name="Image bitmap" r:id="rId7" imgW="2209680" imgH="2324160" progId="Paint.Picture">
+                  <p:embed/>
+                  <p:pic>
+                    <p:nvPicPr>
+                      <p:cNvPr id="0" name=""/>
+                      <p:cNvPicPr/>
+                      <p:nvPr/>
+                    </p:nvPicPr>
+                    <p:blipFill>
+                      <a:blip r:embed="rId8"/>
+                      <a:stretch>
+                        <a:fillRect/>
+                      </a:stretch>
+                    </p:blipFill>
+                    <p:spPr>
+                      <a:xfrm>
+                        <a:off x="9583250" y="3676650"/>
+                        <a:ext cx="2209800" cy="2324100"/>
+                      </a:xfrm>
+                      <a:prstGeom prst="rect">
+                        <a:avLst/>
+                      </a:prstGeom>
+                    </p:spPr>
+                  </p:pic>
+                </p:oleObj>
+              </mc:Fallback>
+            </mc:AlternateContent>
+          </a:graphicData>
+        </a:graphic>
+      </p:graphicFrame>
     </p:spTree>
     <p:extLst>
       <p:ext uri="{BB962C8B-B14F-4D97-AF65-F5344CB8AC3E}">
-        <p14:creationId xmlns:p14="http://schemas.microsoft.com/office/powerpoint/2010/main" val="4054272454"/>
+        <p14:creationId xmlns:p14="http://schemas.microsoft.com/office/powerpoint/2010/main" val="1885329989"/>
       </p:ext>
     </p:extLst>
   </p:cSld>
   <p:clrMapOvr>
     <a:masterClrMapping/>
   </p:clrMapOvr>
+  <p:timing>
+    <p:tnLst>
+      <p:par>
+        <p:cTn id="1" dur="indefinite" restart="never" nodeType="tmRoot"/>
+      </p:par>
+    </p:tnLst>
+  </p:timing>
 </p:sld>
 </file>
 
@@ -9077,16 +9664,20 @@
           <a:lstStyle/>
           <a:p>
             <a:r>
+              <a:rPr lang="fr-FR" dirty="0"/>
+              <a:t>Sur internet – </a:t>
+            </a:r>
+            <a:r>
+              <a:rPr lang="fr-FR" dirty="0" err="1"/>
+              <a:t>carto</a:t>
+            </a:r>
+            <a:r>
+              <a:rPr lang="fr-FR" dirty="0"/>
+              <a:t> </a:t>
+            </a:r>
+            <a:r>
               <a:rPr lang="fr-FR" dirty="0" smtClean="0"/>
-              <a:t>Serveur de </a:t>
-            </a:r>
-            <a:r>
-              <a:rPr lang="fr-FR" dirty="0" err="1" smtClean="0"/>
-              <a:t>carto</a:t>
-            </a:r>
-            <a:r>
-              <a:rPr lang="fr-FR" dirty="0" smtClean="0"/>
-              <a:t> (WMS)</a:t>
+              <a:t>Monde</a:t>
             </a:r>
             <a:endParaRPr lang="fr-FR" dirty="0"/>
           </a:p>
@@ -9105,100 +9696,123 @@
         <p:spPr/>
         <p:txBody>
           <a:bodyPr>
-            <a:normAutofit fontScale="70000" lnSpcReduction="20000"/>
+            <a:noAutofit/>
           </a:bodyPr>
           <a:lstStyle/>
-          <a:p>
-            <a:r>
-              <a:rPr lang="fr-FR" dirty="0" smtClean="0"/>
-              <a:t>https</a:t>
-            </a:r>
-            <a:r>
-              <a:rPr lang="fr-FR" dirty="0"/>
-              <a:t>://</a:t>
-            </a:r>
-            <a:r>
-              <a:rPr lang="fr-FR" dirty="0" smtClean="0"/>
-              <a:t>wms.openstreetmap.fr/wms</a:t>
-            </a:r>
-            <a:endParaRPr lang="fr-FR" dirty="0"/>
-          </a:p>
-          <a:p>
-            <a:endParaRPr lang="fr-FR" dirty="0"/>
-          </a:p>
-          <a:p>
-            <a:r>
-              <a:rPr lang="fr-FR" dirty="0"/>
-              <a:t>IGN CARTO (WMTS)</a:t>
-            </a:r>
-          </a:p>
-          <a:p>
-            <a:r>
-              <a:rPr lang="fr-FR" dirty="0"/>
-              <a:t>https://wxs.ign.fr/essentiels/geoportail/wmts?SERVICE=WMTS&amp;REQUEST=GetCapabilities</a:t>
-            </a:r>
-          </a:p>
           <a:p>
             <a:pPr marL="0" indent="0">
               <a:buNone/>
             </a:pPr>
-            <a:endParaRPr lang="fr-FR" dirty="0"/>
-          </a:p>
-          <a:p>
-            <a:r>
-              <a:rPr lang="fr-FR" dirty="0"/>
-              <a:t>IGN SAT (WMS)</a:t>
-            </a:r>
-          </a:p>
-          <a:p>
-            <a:r>
-              <a:rPr lang="fr-FR" dirty="0"/>
-              <a:t>https://wxs.ign.fr/essentiels/geoportail/r/wms?SERVICE=WMS&amp;VERSION=1.3.0&amp;REQUEST=GetCapabilities</a:t>
-            </a:r>
-          </a:p>
-          <a:p>
-            <a:endParaRPr lang="fr-FR" dirty="0"/>
-          </a:p>
-          <a:p>
-            <a:r>
-              <a:rPr lang="fr-FR" dirty="0"/>
-              <a:t>Tous les services IGN : https://geoservices.ign.fr/services-web-essentiels</a:t>
-            </a:r>
-          </a:p>
-          <a:p>
-            <a:pPr marL="0" indent="0">
-              <a:buNone/>
-            </a:pPr>
-            <a:endParaRPr lang="fr-FR" dirty="0"/>
-          </a:p>
-          <a:p>
-            <a:r>
-              <a:rPr lang="fr-FR" dirty="0" err="1"/>
-              <a:t>Stamen</a:t>
-            </a:r>
-            <a:r>
-              <a:rPr lang="fr-FR" dirty="0"/>
-              <a:t> (basé sur OSM)</a:t>
-            </a:r>
-          </a:p>
-          <a:p>
-            <a:r>
-              <a:rPr lang="fr-FR" dirty="0"/>
-              <a:t>http://maps.stamen.com/terrain/#14/48.8057/7.8598</a:t>
-            </a:r>
-          </a:p>
-        </p:txBody>
-      </p:sp>
+            <a:r>
+              <a:rPr lang="fr-FR" sz="2400" b="1" dirty="0"/>
+              <a:t>Vecteurs – </a:t>
+            </a:r>
+            <a:r>
+              <a:rPr lang="fr-FR" sz="2400" b="1" dirty="0" err="1"/>
+              <a:t>Geonames</a:t>
+            </a:r>
+            <a:r>
+              <a:rPr lang="fr-FR" sz="2400" b="1" dirty="0"/>
+              <a:t> / </a:t>
+            </a:r>
+            <a:r>
+              <a:rPr lang="fr-FR" sz="2400" b="1" dirty="0" smtClean="0"/>
+              <a:t>GAZETTER</a:t>
+            </a:r>
+            <a:endParaRPr lang="fr-FR" sz="2400" dirty="0" smtClean="0"/>
+          </a:p>
+          <a:p>
+            <a:r>
+              <a:rPr lang="fr-FR" sz="1800" dirty="0" err="1" smtClean="0"/>
+              <a:t>OpenStreetMap</a:t>
+            </a:r>
+            <a:r>
+              <a:rPr lang="fr-FR" sz="1800" dirty="0" smtClean="0"/>
+              <a:t> </a:t>
+            </a:r>
+            <a:r>
+              <a:rPr lang="fr-FR" sz="1800" dirty="0" smtClean="0"/>
+              <a:t>(OSM) met aussi à disposition des fichiers OSM</a:t>
+            </a:r>
+          </a:p>
+          <a:p>
+            <a:r>
+              <a:rPr lang="fr-FR" sz="1800" dirty="0" smtClean="0"/>
+              <a:t>Il s’agit de </a:t>
+            </a:r>
+            <a:r>
+              <a:rPr lang="fr-FR" sz="1800" dirty="0" smtClean="0"/>
+              <a:t>vecteurs </a:t>
+            </a:r>
+            <a:r>
+              <a:rPr lang="fr-FR" sz="1800" dirty="0" smtClean="0"/>
+              <a:t>très complets (et volumineux</a:t>
+            </a:r>
+            <a:r>
+              <a:rPr lang="fr-FR" sz="1800" dirty="0" smtClean="0"/>
+              <a:t>)</a:t>
+            </a:r>
+          </a:p>
+          <a:p>
+            <a:pPr lvl="1"/>
+            <a:r>
+              <a:rPr lang="fr-FR" sz="1600" dirty="0" smtClean="0"/>
+              <a:t>Routes, voies, chemins</a:t>
+            </a:r>
+            <a:endParaRPr lang="fr-FR" sz="1800" dirty="0"/>
+          </a:p>
+          <a:p>
+            <a:pPr lvl="1"/>
+            <a:endParaRPr lang="fr-FR" sz="1600" dirty="0" smtClean="0"/>
+          </a:p>
+        </p:txBody>
+      </p:sp>
+      <p:pic>
+        <p:nvPicPr>
+          <p:cNvPr id="2" name="Image 1"/>
+          <p:cNvPicPr>
+            <a:picLocks noChangeAspect="1"/>
+          </p:cNvPicPr>
+          <p:nvPr/>
+        </p:nvPicPr>
+        <p:blipFill>
+          <a:blip r:embed="rId3"/>
+          <a:stretch>
+            <a:fillRect/>
+          </a:stretch>
+        </p:blipFill>
+        <p:spPr>
+          <a:xfrm>
+            <a:off x="6719886" y="3262039"/>
+            <a:ext cx="5472114" cy="3595961"/>
+          </a:xfrm>
+          <a:prstGeom prst="rect">
+            <a:avLst/>
+          </a:prstGeom>
+          <a:ln>
+            <a:solidFill>
+              <a:schemeClr val="tx1"/>
+            </a:solidFill>
+          </a:ln>
+        </p:spPr>
+      </p:pic>
     </p:spTree>
     <p:extLst>
       <p:ext uri="{BB962C8B-B14F-4D97-AF65-F5344CB8AC3E}">
-        <p14:creationId xmlns:p14="http://schemas.microsoft.com/office/powerpoint/2010/main" val="4189523178"/>
+        <p14:creationId xmlns:p14="http://schemas.microsoft.com/office/powerpoint/2010/main" val="806701879"/>
       </p:ext>
     </p:extLst>
   </p:cSld>
   <p:clrMapOvr>
     <a:masterClrMapping/>
   </p:clrMapOvr>
+  <p:timing>
+    <p:tnLst>
+      <p:par>
+        <p:cTn id="1" dur="indefinite" restart="never" nodeType="tmRoot"/>
+      </p:par>
+    </p:tnLst>
+  </p:timing>
 </p:sld>
 </file>
 
@@ -9235,33 +9849,74 @@
           <a:lstStyle/>
           <a:p>
             <a:r>
+              <a:rPr lang="fr-FR" dirty="0" err="1" smtClean="0"/>
+              <a:t>OpenStreetMap</a:t>
+            </a:r>
+            <a:endParaRPr lang="fr-FR" dirty="0"/>
+          </a:p>
+        </p:txBody>
+      </p:sp>
+      <p:sp>
+        <p:nvSpPr>
+          <p:cNvPr id="7" name="Espace réservé du contenu 6"/>
+          <p:cNvSpPr>
+            <a:spLocks noGrp="1"/>
+          </p:cNvSpPr>
+          <p:nvPr>
+            <p:ph idx="1"/>
+          </p:nvPr>
+        </p:nvSpPr>
+        <p:spPr>
+          <a:xfrm>
+            <a:off x="838200" y="5996686"/>
+            <a:ext cx="10515600" cy="576263"/>
+          </a:xfrm>
+        </p:spPr>
+        <p:txBody>
+          <a:bodyPr>
+            <a:normAutofit fontScale="85000" lnSpcReduction="10000"/>
+          </a:bodyPr>
+          <a:lstStyle/>
+          <a:p>
+            <a:r>
               <a:rPr lang="fr-FR" dirty="0" smtClean="0"/>
-              <a:t>Exporter depuis un serveur de cartes</a:t>
-            </a:r>
+              <a:t>Données OSM (</a:t>
+            </a:r>
+            <a:r>
+              <a:rPr lang="fr-FR" dirty="0"/>
+              <a:t>sélection de zone) : </a:t>
+            </a:r>
+            <a:r>
+              <a:rPr lang="fr-FR" dirty="0">
+                <a:hlinkClick r:id="rId2"/>
+              </a:rPr>
+              <a:t>https://www.openstreetmap.org/export</a:t>
+            </a:r>
+            <a:endParaRPr lang="fr-FR" dirty="0"/>
+          </a:p>
+          <a:p>
             <a:endParaRPr lang="fr-FR" dirty="0"/>
           </a:p>
         </p:txBody>
       </p:sp>
       <p:pic>
         <p:nvPicPr>
-          <p:cNvPr id="8" name="Espace réservé du contenu 7"/>
+          <p:cNvPr id="5" name="Image 4"/>
           <p:cNvPicPr>
-            <a:picLocks noGrp="1" noChangeAspect="1"/>
+            <a:picLocks noChangeAspect="1"/>
           </p:cNvPicPr>
-          <p:nvPr>
-            <p:ph idx="1"/>
-          </p:nvPr>
+          <p:nvPr/>
         </p:nvPicPr>
         <p:blipFill>
-          <a:blip r:embed="rId2"/>
+          <a:blip r:embed="rId3"/>
           <a:stretch>
             <a:fillRect/>
           </a:stretch>
         </p:blipFill>
         <p:spPr>
           <a:xfrm>
-            <a:off x="2779559" y="1446235"/>
-            <a:ext cx="6632881" cy="5411765"/>
+            <a:off x="2609850" y="1690688"/>
+            <a:ext cx="6972198" cy="3948112"/>
           </a:xfrm>
           <a:prstGeom prst="rect">
             <a:avLst/>
@@ -9273,102 +9928,10 @@
           </a:ln>
         </p:spPr>
       </p:pic>
-      <p:sp>
-        <p:nvSpPr>
-          <p:cNvPr id="3" name="Rectangle 2"/>
-          <p:cNvSpPr/>
-          <p:nvPr/>
-        </p:nvSpPr>
-        <p:spPr>
-          <a:xfrm>
-            <a:off x="8685292" y="1887218"/>
-            <a:ext cx="727148" cy="254342"/>
-          </a:xfrm>
-          <a:prstGeom prst="rect">
-            <a:avLst/>
-          </a:prstGeom>
-          <a:noFill/>
-          <a:ln w="38100">
-            <a:solidFill>
-              <a:srgbClr val="FF0000"/>
-            </a:solidFill>
-          </a:ln>
-        </p:spPr>
-        <p:style>
-          <a:lnRef idx="2">
-            <a:schemeClr val="accent1">
-              <a:shade val="50000"/>
-            </a:schemeClr>
-          </a:lnRef>
-          <a:fillRef idx="1">
-            <a:schemeClr val="accent1"/>
-          </a:fillRef>
-          <a:effectRef idx="0">
-            <a:schemeClr val="accent1"/>
-          </a:effectRef>
-          <a:fontRef idx="minor">
-            <a:schemeClr val="lt1"/>
-          </a:fontRef>
-        </p:style>
-        <p:txBody>
-          <a:bodyPr rtlCol="0" anchor="ctr"/>
-          <a:lstStyle/>
-          <a:p>
-            <a:pPr algn="ctr"/>
-            <a:endParaRPr lang="fr-FR" sz="1350"/>
-          </a:p>
-        </p:txBody>
-      </p:sp>
-      <p:sp>
-        <p:nvSpPr>
-          <p:cNvPr id="4" name="Rectangle 3"/>
-          <p:cNvSpPr/>
-          <p:nvPr/>
-        </p:nvSpPr>
-        <p:spPr>
-          <a:xfrm>
-            <a:off x="3362948" y="3843189"/>
-            <a:ext cx="1056929" cy="308928"/>
-          </a:xfrm>
-          <a:prstGeom prst="rect">
-            <a:avLst/>
-          </a:prstGeom>
-          <a:noFill/>
-          <a:ln w="38100">
-            <a:solidFill>
-              <a:srgbClr val="FF0000"/>
-            </a:solidFill>
-          </a:ln>
-        </p:spPr>
-        <p:style>
-          <a:lnRef idx="2">
-            <a:schemeClr val="accent1">
-              <a:shade val="50000"/>
-            </a:schemeClr>
-          </a:lnRef>
-          <a:fillRef idx="1">
-            <a:schemeClr val="accent1"/>
-          </a:fillRef>
-          <a:effectRef idx="0">
-            <a:schemeClr val="accent1"/>
-          </a:effectRef>
-          <a:fontRef idx="minor">
-            <a:schemeClr val="lt1"/>
-          </a:fontRef>
-        </p:style>
-        <p:txBody>
-          <a:bodyPr rtlCol="0" anchor="ctr"/>
-          <a:lstStyle/>
-          <a:p>
-            <a:pPr algn="ctr"/>
-            <a:endParaRPr lang="fr-FR" sz="1350"/>
-          </a:p>
-        </p:txBody>
-      </p:sp>
     </p:spTree>
     <p:extLst>
       <p:ext uri="{BB962C8B-B14F-4D97-AF65-F5344CB8AC3E}">
-        <p14:creationId xmlns:p14="http://schemas.microsoft.com/office/powerpoint/2010/main" val="3619947853"/>
+        <p14:creationId xmlns:p14="http://schemas.microsoft.com/office/powerpoint/2010/main" val="3987615117"/>
       </p:ext>
     </p:extLst>
   </p:cSld>
@@ -9411,8 +9974,87 @@
           <a:lstStyle/>
           <a:p>
             <a:r>
+              <a:rPr lang="fr-FR" dirty="0" err="1" smtClean="0"/>
+              <a:t>OpenStreetMap</a:t>
+            </a:r>
+            <a:endParaRPr lang="fr-FR" dirty="0"/>
+          </a:p>
+        </p:txBody>
+      </p:sp>
+      <p:sp>
+        <p:nvSpPr>
+          <p:cNvPr id="4" name="Espace réservé du contenu 3"/>
+          <p:cNvSpPr>
+            <a:spLocks noGrp="1"/>
+          </p:cNvSpPr>
+          <p:nvPr>
+            <p:ph idx="1"/>
+          </p:nvPr>
+        </p:nvSpPr>
+        <p:spPr>
+          <a:xfrm>
+            <a:off x="838200" y="5562601"/>
+            <a:ext cx="10515600" cy="1100446"/>
+          </a:xfrm>
+        </p:spPr>
+        <p:txBody>
+          <a:bodyPr>
+            <a:normAutofit fontScale="77500" lnSpcReduction="20000"/>
+          </a:bodyPr>
+          <a:lstStyle/>
+          <a:p>
+            <a:r>
+              <a:rPr lang="fr-FR" dirty="0" err="1" smtClean="0"/>
+              <a:t>Donées</a:t>
+            </a:r>
+            <a:r>
               <a:rPr lang="fr-FR" dirty="0" smtClean="0"/>
-              <a:t>Exporter depuis un serveur de cartes</a:t>
+              <a:t> OSM </a:t>
+            </a:r>
+            <a:r>
+              <a:rPr lang="fr-FR" dirty="0"/>
+              <a:t>(par pays/région/département) : </a:t>
+            </a:r>
+            <a:r>
+              <a:rPr lang="fr-FR" dirty="0">
+                <a:hlinkClick r:id="rId2"/>
+              </a:rPr>
+              <a:t>http://download.geofabrik.de</a:t>
+            </a:r>
+            <a:r>
+              <a:rPr lang="fr-FR" dirty="0" smtClean="0">
+                <a:hlinkClick r:id="rId2"/>
+              </a:rPr>
+              <a:t>/</a:t>
+            </a:r>
+            <a:endParaRPr lang="fr-FR" dirty="0" smtClean="0"/>
+          </a:p>
+          <a:p>
+            <a:r>
+              <a:rPr lang="fr-FR" dirty="0" smtClean="0"/>
+              <a:t>Télécharger en .osm.bz2</a:t>
+            </a:r>
+          </a:p>
+          <a:p>
+            <a:r>
+              <a:rPr lang="fr-FR" dirty="0" err="1" smtClean="0"/>
+              <a:t>Dézipper</a:t>
+            </a:r>
+            <a:r>
+              <a:rPr lang="fr-FR" dirty="0" smtClean="0"/>
+              <a:t> pour obtenir le fichier .</a:t>
+            </a:r>
+            <a:r>
+              <a:rPr lang="fr-FR" dirty="0" err="1" smtClean="0"/>
+              <a:t>osm</a:t>
+            </a:r>
+            <a:r>
+              <a:rPr lang="fr-FR" dirty="0"/>
+              <a:t> </a:t>
+            </a:r>
+            <a:r>
+              <a:rPr lang="fr-FR" dirty="0" smtClean="0"/>
+              <a:t>importable</a:t>
             </a:r>
             <a:endParaRPr lang="fr-FR" dirty="0"/>
           </a:p>
@@ -9420,24 +10062,22 @@
       </p:sp>
       <p:pic>
         <p:nvPicPr>
-          <p:cNvPr id="6" name="Espace réservé du contenu 5"/>
+          <p:cNvPr id="6" name="Image 5"/>
           <p:cNvPicPr>
-            <a:picLocks noGrp="1" noChangeAspect="1"/>
+            <a:picLocks noChangeAspect="1"/>
           </p:cNvPicPr>
-          <p:nvPr>
-            <p:ph idx="1"/>
-          </p:nvPr>
+          <p:nvPr/>
         </p:nvPicPr>
         <p:blipFill>
-          <a:blip r:embed="rId2"/>
+          <a:blip r:embed="rId3"/>
           <a:stretch>
             <a:fillRect/>
           </a:stretch>
         </p:blipFill>
         <p:spPr>
           <a:xfrm>
-            <a:off x="2981691" y="1515231"/>
-            <a:ext cx="6228617" cy="5342769"/>
+            <a:off x="2152650" y="1690688"/>
+            <a:ext cx="8077200" cy="3646795"/>
           </a:xfrm>
           <a:prstGeom prst="rect">
             <a:avLst/>
@@ -9452,7 +10092,7 @@
     </p:spTree>
     <p:extLst>
       <p:ext uri="{BB962C8B-B14F-4D97-AF65-F5344CB8AC3E}">
-        <p14:creationId xmlns:p14="http://schemas.microsoft.com/office/powerpoint/2010/main" val="1615496566"/>
+        <p14:creationId xmlns:p14="http://schemas.microsoft.com/office/powerpoint/2010/main" val="1821277557"/>
       </p:ext>
     </p:extLst>
   </p:cSld>
@@ -9495,104 +10135,109 @@
           <a:lstStyle/>
           <a:p>
             <a:r>
+              <a:rPr lang="fr-FR" dirty="0" err="1" smtClean="0"/>
+              <a:t>OpenStreetMap</a:t>
+            </a:r>
+            <a:endParaRPr lang="fr-FR" dirty="0"/>
+          </a:p>
+        </p:txBody>
+      </p:sp>
+      <p:sp>
+        <p:nvSpPr>
+          <p:cNvPr id="3" name="Espace réservé du contenu 2"/>
+          <p:cNvSpPr>
+            <a:spLocks noGrp="1"/>
+          </p:cNvSpPr>
+          <p:nvPr>
+            <p:ph idx="1"/>
+          </p:nvPr>
+        </p:nvSpPr>
+        <p:spPr/>
+        <p:txBody>
+          <a:bodyPr/>
+          <a:lstStyle/>
+          <a:p>
+            <a:r>
               <a:rPr lang="fr-FR" dirty="0" smtClean="0"/>
-              <a:t>Exporter depuis un serveur de cartes</a:t>
-            </a:r>
+              <a:t>Outils de traitement des fichiers OSM (avancé)</a:t>
+            </a:r>
+          </a:p>
+          <a:p>
+            <a:pPr lvl="1"/>
+            <a:r>
+              <a:rPr lang="fr-FR" dirty="0" err="1" smtClean="0"/>
+              <a:t>Osmosis</a:t>
+            </a:r>
+            <a:r>
+              <a:rPr lang="fr-FR" dirty="0"/>
+              <a:t> </a:t>
+            </a:r>
+            <a:r>
+              <a:rPr lang="fr-FR" dirty="0" smtClean="0"/>
+              <a:t>: </a:t>
+            </a:r>
+            <a:r>
+              <a:rPr lang="fr-FR" dirty="0" smtClean="0">
+                <a:hlinkClick r:id="rId2"/>
+              </a:rPr>
+              <a:t>https</a:t>
+            </a:r>
+            <a:r>
+              <a:rPr lang="fr-FR" dirty="0">
+                <a:hlinkClick r:id="rId2"/>
+              </a:rPr>
+              <a:t>://</a:t>
+            </a:r>
+            <a:r>
+              <a:rPr lang="fr-FR" dirty="0" smtClean="0">
+                <a:hlinkClick r:id="rId2"/>
+              </a:rPr>
+              <a:t>wiki.openstreetmap.org/wiki/Osmosis</a:t>
+            </a:r>
+            <a:endParaRPr lang="fr-FR" dirty="0" smtClean="0"/>
+          </a:p>
+          <a:p>
+            <a:pPr lvl="1"/>
+            <a:r>
+              <a:rPr lang="fr-FR" dirty="0" err="1"/>
+              <a:t>OSMembrane</a:t>
+            </a:r>
+            <a:r>
+              <a:rPr lang="fr-FR" dirty="0"/>
+              <a:t> (interface graphique de </a:t>
+            </a:r>
+            <a:r>
+              <a:rPr lang="fr-FR" dirty="0" err="1"/>
+              <a:t>Osmosis</a:t>
+            </a:r>
+            <a:r>
+              <a:rPr lang="fr-FR" dirty="0"/>
+              <a:t>) : </a:t>
+            </a:r>
+            <a:r>
+              <a:rPr lang="fr-FR" dirty="0">
+                <a:hlinkClick r:id="rId3"/>
+              </a:rPr>
+              <a:t>https://</a:t>
+            </a:r>
+            <a:r>
+              <a:rPr lang="fr-FR" dirty="0" smtClean="0">
+                <a:hlinkClick r:id="rId3"/>
+              </a:rPr>
+              <a:t>wiki.openstreetmap.org/wiki/OSMembrane</a:t>
+            </a:r>
+            <a:endParaRPr lang="fr-FR" dirty="0" smtClean="0"/>
+          </a:p>
+          <a:p>
+            <a:pPr lvl="1"/>
             <a:endParaRPr lang="fr-FR" dirty="0"/>
-          </a:p>
-        </p:txBody>
-      </p:sp>
-      <p:sp>
-        <p:nvSpPr>
-          <p:cNvPr id="5" name="Espace réservé du contenu 4"/>
-          <p:cNvSpPr>
-            <a:spLocks noGrp="1"/>
-          </p:cNvSpPr>
-          <p:nvPr>
-            <p:ph idx="1"/>
-          </p:nvPr>
-        </p:nvSpPr>
-        <p:spPr/>
-        <p:txBody>
-          <a:bodyPr/>
-          <a:lstStyle/>
-          <a:p>
-            <a:pPr marL="285750" indent="-285750">
-              <a:buFontTx/>
-              <a:buChar char="-"/>
-            </a:pPr>
-            <a:r>
-              <a:rPr lang="fr-FR" dirty="0"/>
-              <a:t>Afficher dans </a:t>
-            </a:r>
-            <a:r>
-              <a:rPr lang="fr-FR" dirty="0" err="1"/>
-              <a:t>GlobalMapper</a:t>
-            </a:r>
-            <a:r>
-              <a:rPr lang="fr-FR" dirty="0"/>
-              <a:t> la zone voulue</a:t>
-            </a:r>
-          </a:p>
-          <a:p>
-            <a:pPr marL="285750" indent="-285750">
-              <a:buFontTx/>
-              <a:buChar char="-"/>
-            </a:pPr>
-            <a:r>
-              <a:rPr lang="fr-FR" dirty="0"/>
-              <a:t>Clic droit sur la couche -&gt; Couche -&gt; Exporter</a:t>
-            </a:r>
-          </a:p>
-          <a:p>
-            <a:pPr marL="285750" indent="-285750">
-              <a:buFontTx/>
-              <a:buChar char="-"/>
-            </a:pPr>
-            <a:r>
-              <a:rPr lang="fr-FR" dirty="0"/>
-              <a:t>Choisir le format </a:t>
-            </a:r>
-            <a:r>
-              <a:rPr lang="fr-FR" dirty="0" err="1"/>
-              <a:t>GeoTiff</a:t>
-            </a:r>
-            <a:r>
-              <a:rPr lang="fr-FR" dirty="0"/>
-              <a:t> ou ECW</a:t>
-            </a:r>
-          </a:p>
-          <a:p>
-            <a:pPr marL="285750" indent="-285750">
-              <a:buFontTx/>
-              <a:buChar char="-"/>
-            </a:pPr>
-            <a:r>
-              <a:rPr lang="fr-FR" dirty="0"/>
-              <a:t>Dans « limites d’export », cocher « exporter les données visibles à </a:t>
-            </a:r>
-            <a:r>
-              <a:rPr lang="fr-FR" dirty="0" smtClean="0"/>
-              <a:t>l’écran »</a:t>
-            </a:r>
-            <a:endParaRPr lang="fr-FR" dirty="0"/>
-          </a:p>
-          <a:p>
-            <a:pPr marL="285750" indent="-285750">
-              <a:buFontTx/>
-              <a:buChar char="-"/>
-            </a:pPr>
-            <a:r>
-              <a:rPr lang="fr-FR" dirty="0"/>
-              <a:t>L’export peut prendre facilement 30min voire plusieurs heures</a:t>
-            </a:r>
           </a:p>
         </p:txBody>
       </p:sp>
     </p:spTree>
     <p:extLst>
       <p:ext uri="{BB962C8B-B14F-4D97-AF65-F5344CB8AC3E}">
-        <p14:creationId xmlns:p14="http://schemas.microsoft.com/office/powerpoint/2010/main" val="2032598633"/>
+        <p14:creationId xmlns:p14="http://schemas.microsoft.com/office/powerpoint/2010/main" val="3933428850"/>
       </p:ext>
     </p:extLst>
   </p:cSld>
@@ -9635,6 +10280,814 @@
           <a:lstStyle/>
           <a:p>
             <a:r>
+              <a:rPr lang="fr-FR" dirty="0"/>
+              <a:t>Sur internet – </a:t>
+            </a:r>
+            <a:r>
+              <a:rPr lang="fr-FR" dirty="0" err="1"/>
+              <a:t>carto</a:t>
+            </a:r>
+            <a:r>
+              <a:rPr lang="fr-FR" dirty="0"/>
+              <a:t> </a:t>
+            </a:r>
+            <a:r>
+              <a:rPr lang="fr-FR" dirty="0" smtClean="0"/>
+              <a:t>Monde</a:t>
+            </a:r>
+            <a:endParaRPr lang="fr-FR" dirty="0"/>
+          </a:p>
+        </p:txBody>
+      </p:sp>
+      <p:sp>
+        <p:nvSpPr>
+          <p:cNvPr id="5" name="Espace réservé du contenu 4"/>
+          <p:cNvSpPr>
+            <a:spLocks noGrp="1"/>
+          </p:cNvSpPr>
+          <p:nvPr>
+            <p:ph idx="1"/>
+          </p:nvPr>
+        </p:nvSpPr>
+        <p:spPr/>
+        <p:txBody>
+          <a:bodyPr>
+            <a:noAutofit/>
+          </a:bodyPr>
+          <a:lstStyle/>
+          <a:p>
+            <a:pPr marL="0" indent="0">
+              <a:buNone/>
+            </a:pPr>
+            <a:r>
+              <a:rPr lang="fr-FR" b="1" dirty="0" smtClean="0"/>
+              <a:t>Relief</a:t>
+            </a:r>
+            <a:endParaRPr lang="fr-FR" sz="1800" dirty="0"/>
+          </a:p>
+          <a:p>
+            <a:r>
+              <a:rPr lang="fr-FR" sz="1800" dirty="0" smtClean="0"/>
+              <a:t>DTED Europe </a:t>
+            </a:r>
+            <a:r>
+              <a:rPr lang="fr-FR" sz="1800" dirty="0"/>
+              <a:t>: </a:t>
+            </a:r>
+            <a:r>
+              <a:rPr lang="fr-FR" sz="1800" dirty="0">
+                <a:hlinkClick r:id="rId3"/>
+              </a:rPr>
+              <a:t>https://</a:t>
+            </a:r>
+            <a:r>
+              <a:rPr lang="fr-FR" sz="1800" dirty="0" smtClean="0">
+                <a:hlinkClick r:id="rId3"/>
+              </a:rPr>
+              <a:t>land.copernicus.eu/imagery-in-situ/eu-dem/eu-dem-v1.1?tab=download</a:t>
+            </a:r>
+            <a:endParaRPr lang="fr-FR" sz="1800" dirty="0" smtClean="0"/>
+          </a:p>
+          <a:p>
+            <a:endParaRPr lang="fr-FR" sz="1800" dirty="0"/>
+          </a:p>
+          <a:p>
+            <a:endParaRPr lang="fr-FR" sz="1800" dirty="0"/>
+          </a:p>
+        </p:txBody>
+      </p:sp>
+      <p:pic>
+        <p:nvPicPr>
+          <p:cNvPr id="2" name="Image 1"/>
+          <p:cNvPicPr>
+            <a:picLocks noChangeAspect="1"/>
+          </p:cNvPicPr>
+          <p:nvPr/>
+        </p:nvPicPr>
+        <p:blipFill>
+          <a:blip r:embed="rId4"/>
+          <a:stretch>
+            <a:fillRect/>
+          </a:stretch>
+        </p:blipFill>
+        <p:spPr>
+          <a:xfrm>
+            <a:off x="4243386" y="2801144"/>
+            <a:ext cx="6977063" cy="3810000"/>
+          </a:xfrm>
+          <a:prstGeom prst="rect">
+            <a:avLst/>
+          </a:prstGeom>
+          <a:ln>
+            <a:solidFill>
+              <a:schemeClr val="tx1"/>
+            </a:solidFill>
+          </a:ln>
+        </p:spPr>
+      </p:pic>
+    </p:spTree>
+    <p:extLst>
+      <p:ext uri="{BB962C8B-B14F-4D97-AF65-F5344CB8AC3E}">
+        <p14:creationId xmlns:p14="http://schemas.microsoft.com/office/powerpoint/2010/main" val="3514534795"/>
+      </p:ext>
+    </p:extLst>
+  </p:cSld>
+  <p:clrMapOvr>
+    <a:masterClrMapping/>
+  </p:clrMapOvr>
+  <p:timing>
+    <p:tnLst>
+      <p:par>
+        <p:cTn id="1" dur="indefinite" restart="never" nodeType="tmRoot"/>
+      </p:par>
+    </p:tnLst>
+  </p:timing>
+</p:sld>
+</file>
+
+<file path=ppt/slides/slide18.xml><?xml version="1.0" encoding="utf-8"?>
+<p:sld xmlns:a="http://schemas.openxmlformats.org/drawingml/2006/main" xmlns:r="http://schemas.openxmlformats.org/officeDocument/2006/relationships" xmlns:p="http://schemas.openxmlformats.org/presentationml/2006/main">
+  <p:cSld>
+    <p:spTree>
+      <p:nvGrpSpPr>
+        <p:cNvPr id="1" name=""/>
+        <p:cNvGrpSpPr/>
+        <p:nvPr/>
+      </p:nvGrpSpPr>
+      <p:grpSpPr>
+        <a:xfrm>
+          <a:off x="0" y="0"/>
+          <a:ext cx="0" cy="0"/>
+          <a:chOff x="0" y="0"/>
+          <a:chExt cx="0" cy="0"/>
+        </a:xfrm>
+      </p:grpSpPr>
+      <p:sp>
+        <p:nvSpPr>
+          <p:cNvPr id="2" name="Titre 1"/>
+          <p:cNvSpPr>
+            <a:spLocks noGrp="1"/>
+          </p:cNvSpPr>
+          <p:nvPr>
+            <p:ph type="title"/>
+          </p:nvPr>
+        </p:nvSpPr>
+        <p:spPr/>
+        <p:txBody>
+          <a:bodyPr/>
+          <a:lstStyle/>
+          <a:p>
+            <a:r>
+              <a:rPr lang="fr-FR" dirty="0"/>
+              <a:t>Sur internet – </a:t>
+            </a:r>
+            <a:r>
+              <a:rPr lang="fr-FR" dirty="0" err="1"/>
+              <a:t>carto</a:t>
+            </a:r>
+            <a:r>
+              <a:rPr lang="fr-FR" dirty="0"/>
+              <a:t> Monde</a:t>
+            </a:r>
+          </a:p>
+        </p:txBody>
+      </p:sp>
+      <p:sp>
+        <p:nvSpPr>
+          <p:cNvPr id="3" name="Espace réservé du contenu 2"/>
+          <p:cNvSpPr>
+            <a:spLocks noGrp="1"/>
+          </p:cNvSpPr>
+          <p:nvPr>
+            <p:ph idx="1"/>
+          </p:nvPr>
+        </p:nvSpPr>
+        <p:spPr/>
+        <p:txBody>
+          <a:bodyPr>
+            <a:normAutofit/>
+          </a:bodyPr>
+          <a:lstStyle/>
+          <a:p>
+            <a:r>
+              <a:rPr lang="fr-FR" sz="2000" dirty="0"/>
+              <a:t>Application APPEARS (données NASA) </a:t>
+            </a:r>
+            <a:r>
+              <a:rPr lang="fr-FR" sz="2000" dirty="0">
+                <a:hlinkClick r:id="rId2"/>
+              </a:rPr>
+              <a:t>https://appeears.earthdatacloud.nasa.gov/</a:t>
+            </a:r>
+            <a:endParaRPr lang="fr-FR" sz="2000" dirty="0"/>
+          </a:p>
+          <a:p>
+            <a:r>
+              <a:rPr lang="fr-FR" sz="2000" dirty="0" smtClean="0"/>
+              <a:t>Alternative : </a:t>
+            </a:r>
+            <a:r>
+              <a:rPr lang="fr-FR" sz="2000" dirty="0" err="1" smtClean="0"/>
+              <a:t>OpenDEM</a:t>
+            </a:r>
+            <a:r>
+              <a:rPr lang="fr-FR" sz="2000" dirty="0" smtClean="0"/>
+              <a:t> </a:t>
+            </a:r>
+            <a:r>
+              <a:rPr lang="fr-FR" sz="2000" dirty="0"/>
+              <a:t>: </a:t>
+            </a:r>
+            <a:r>
+              <a:rPr lang="fr-FR" sz="2000" dirty="0">
+                <a:hlinkClick r:id="rId3"/>
+              </a:rPr>
+              <a:t>https://www.opendem.info/link_dem.html</a:t>
+            </a:r>
+            <a:endParaRPr lang="fr-FR" sz="2000" dirty="0"/>
+          </a:p>
+          <a:p>
+            <a:endParaRPr lang="fr-FR" sz="2000" dirty="0"/>
+          </a:p>
+        </p:txBody>
+      </p:sp>
+      <p:pic>
+        <p:nvPicPr>
+          <p:cNvPr id="4" name="Image 3"/>
+          <p:cNvPicPr>
+            <a:picLocks noChangeAspect="1"/>
+          </p:cNvPicPr>
+          <p:nvPr/>
+        </p:nvPicPr>
+        <p:blipFill>
+          <a:blip r:embed="rId4"/>
+          <a:stretch>
+            <a:fillRect/>
+          </a:stretch>
+        </p:blipFill>
+        <p:spPr>
+          <a:xfrm>
+            <a:off x="4629150" y="2889868"/>
+            <a:ext cx="6991350" cy="3791919"/>
+          </a:xfrm>
+          <a:prstGeom prst="rect">
+            <a:avLst/>
+          </a:prstGeom>
+          <a:ln>
+            <a:solidFill>
+              <a:schemeClr val="tx1"/>
+            </a:solidFill>
+          </a:ln>
+        </p:spPr>
+      </p:pic>
+    </p:spTree>
+    <p:extLst>
+      <p:ext uri="{BB962C8B-B14F-4D97-AF65-F5344CB8AC3E}">
+        <p14:creationId xmlns:p14="http://schemas.microsoft.com/office/powerpoint/2010/main" val="2836934626"/>
+      </p:ext>
+    </p:extLst>
+  </p:cSld>
+  <p:clrMapOvr>
+    <a:masterClrMapping/>
+  </p:clrMapOvr>
+</p:sld>
+</file>
+
+<file path=ppt/slides/slide19.xml><?xml version="1.0" encoding="utf-8"?>
+<p:sld xmlns:a="http://schemas.openxmlformats.org/drawingml/2006/main" xmlns:r="http://schemas.openxmlformats.org/officeDocument/2006/relationships" xmlns:p="http://schemas.openxmlformats.org/presentationml/2006/main">
+  <p:cSld>
+    <p:spTree>
+      <p:nvGrpSpPr>
+        <p:cNvPr id="1" name=""/>
+        <p:cNvGrpSpPr/>
+        <p:nvPr/>
+      </p:nvGrpSpPr>
+      <p:grpSpPr>
+        <a:xfrm>
+          <a:off x="0" y="0"/>
+          <a:ext cx="0" cy="0"/>
+          <a:chOff x="0" y="0"/>
+          <a:chExt cx="0" cy="0"/>
+        </a:xfrm>
+      </p:grpSpPr>
+      <p:sp>
+        <p:nvSpPr>
+          <p:cNvPr id="4" name="Titre 3"/>
+          <p:cNvSpPr>
+            <a:spLocks noGrp="1"/>
+          </p:cNvSpPr>
+          <p:nvPr>
+            <p:ph type="ctrTitle"/>
+          </p:nvPr>
+        </p:nvSpPr>
+        <p:spPr/>
+        <p:txBody>
+          <a:bodyPr/>
+          <a:lstStyle/>
+          <a:p>
+            <a:r>
+              <a:rPr lang="fr-FR" dirty="0" smtClean="0"/>
+              <a:t>Export depuis </a:t>
+            </a:r>
+            <a:r>
+              <a:rPr lang="fr-FR" dirty="0" err="1" smtClean="0"/>
+              <a:t>GlobalMapper</a:t>
+            </a:r>
+            <a:endParaRPr lang="fr-FR" dirty="0"/>
+          </a:p>
+        </p:txBody>
+      </p:sp>
+      <p:sp>
+        <p:nvSpPr>
+          <p:cNvPr id="5" name="Sous-titre 4"/>
+          <p:cNvSpPr>
+            <a:spLocks noGrp="1"/>
+          </p:cNvSpPr>
+          <p:nvPr>
+            <p:ph type="subTitle" idx="1"/>
+          </p:nvPr>
+        </p:nvSpPr>
+        <p:spPr/>
+        <p:txBody>
+          <a:bodyPr/>
+          <a:lstStyle/>
+          <a:p>
+            <a:endParaRPr lang="fr-FR"/>
+          </a:p>
+        </p:txBody>
+      </p:sp>
+    </p:spTree>
+    <p:extLst>
+      <p:ext uri="{BB962C8B-B14F-4D97-AF65-F5344CB8AC3E}">
+        <p14:creationId xmlns:p14="http://schemas.microsoft.com/office/powerpoint/2010/main" val="3106865206"/>
+      </p:ext>
+    </p:extLst>
+  </p:cSld>
+  <p:clrMapOvr>
+    <a:masterClrMapping/>
+  </p:clrMapOvr>
+</p:sld>
+</file>
+
+<file path=ppt/slides/slide2.xml><?xml version="1.0" encoding="utf-8"?>
+<p:sld xmlns:a="http://schemas.openxmlformats.org/drawingml/2006/main" xmlns:r="http://schemas.openxmlformats.org/officeDocument/2006/relationships" xmlns:p="http://schemas.openxmlformats.org/presentationml/2006/main">
+  <p:cSld>
+    <p:spTree>
+      <p:nvGrpSpPr>
+        <p:cNvPr id="1" name=""/>
+        <p:cNvGrpSpPr/>
+        <p:nvPr/>
+      </p:nvGrpSpPr>
+      <p:grpSpPr>
+        <a:xfrm>
+          <a:off x="0" y="0"/>
+          <a:ext cx="0" cy="0"/>
+          <a:chOff x="0" y="0"/>
+          <a:chExt cx="0" cy="0"/>
+        </a:xfrm>
+      </p:grpSpPr>
+      <p:sp>
+        <p:nvSpPr>
+          <p:cNvPr id="6" name="Titre 5"/>
+          <p:cNvSpPr>
+            <a:spLocks noGrp="1"/>
+          </p:cNvSpPr>
+          <p:nvPr>
+            <p:ph type="title"/>
+          </p:nvPr>
+        </p:nvSpPr>
+        <p:spPr/>
+        <p:txBody>
+          <a:bodyPr/>
+          <a:lstStyle/>
+          <a:p>
+            <a:r>
+              <a:rPr lang="fr-FR" dirty="0" smtClean="0"/>
+              <a:t>Guide : obtenir de la </a:t>
+            </a:r>
+            <a:r>
+              <a:rPr lang="fr-FR" dirty="0" err="1" smtClean="0"/>
+              <a:t>carto</a:t>
+            </a:r>
+            <a:endParaRPr lang="fr-FR" dirty="0"/>
+          </a:p>
+        </p:txBody>
+      </p:sp>
+      <p:sp>
+        <p:nvSpPr>
+          <p:cNvPr id="4" name="Espace réservé du contenu 3"/>
+          <p:cNvSpPr>
+            <a:spLocks noGrp="1"/>
+          </p:cNvSpPr>
+          <p:nvPr>
+            <p:ph idx="1"/>
+          </p:nvPr>
+        </p:nvSpPr>
+        <p:spPr/>
+        <p:txBody>
+          <a:bodyPr>
+            <a:normAutofit/>
+          </a:bodyPr>
+          <a:lstStyle/>
+          <a:p>
+            <a:r>
+              <a:rPr lang="fr-FR" sz="2000" dirty="0" smtClean="0"/>
+              <a:t>Internet</a:t>
+            </a:r>
+          </a:p>
+          <a:p>
+            <a:pPr lvl="1"/>
+            <a:r>
+              <a:rPr lang="fr-FR" sz="1600" dirty="0"/>
+              <a:t>Données </a:t>
+            </a:r>
+            <a:r>
+              <a:rPr lang="fr-FR" sz="1600" dirty="0" err="1"/>
+              <a:t>carto</a:t>
+            </a:r>
+            <a:r>
+              <a:rPr lang="fr-FR" sz="1600" dirty="0"/>
+              <a:t> </a:t>
+            </a:r>
+            <a:r>
+              <a:rPr lang="fr-FR" sz="1600" dirty="0" smtClean="0"/>
+              <a:t>France</a:t>
+            </a:r>
+            <a:endParaRPr lang="fr-FR" sz="1600" dirty="0"/>
+          </a:p>
+          <a:p>
+            <a:pPr lvl="1"/>
+            <a:r>
+              <a:rPr lang="fr-FR" sz="1600" dirty="0"/>
+              <a:t>Données </a:t>
+            </a:r>
+            <a:r>
+              <a:rPr lang="fr-FR" sz="1600" dirty="0" err="1"/>
+              <a:t>carto</a:t>
+            </a:r>
+            <a:r>
+              <a:rPr lang="fr-FR" sz="1600" dirty="0"/>
+              <a:t> </a:t>
+            </a:r>
+            <a:r>
+              <a:rPr lang="fr-FR" sz="1600" dirty="0" smtClean="0"/>
+              <a:t>Monde</a:t>
+            </a:r>
+            <a:endParaRPr lang="fr-FR" sz="1600" dirty="0"/>
+          </a:p>
+          <a:p>
+            <a:pPr lvl="1"/>
+            <a:r>
+              <a:rPr lang="fr-FR" sz="1600" dirty="0"/>
+              <a:t>Utilisation SAS </a:t>
+            </a:r>
+            <a:r>
+              <a:rPr lang="fr-FR" sz="1600" dirty="0" err="1" smtClean="0"/>
+              <a:t>Planet</a:t>
+            </a:r>
+            <a:endParaRPr lang="fr-FR" sz="1600" dirty="0" smtClean="0"/>
+          </a:p>
+          <a:p>
+            <a:pPr lvl="1"/>
+            <a:r>
+              <a:rPr lang="fr-FR" sz="1600" dirty="0" smtClean="0"/>
+              <a:t>Utilisation </a:t>
+            </a:r>
+            <a:r>
+              <a:rPr lang="fr-FR" sz="1600" dirty="0" err="1" smtClean="0"/>
+              <a:t>Maperitive</a:t>
+            </a:r>
+            <a:endParaRPr lang="fr-FR" sz="1600" dirty="0"/>
+          </a:p>
+          <a:p>
+            <a:pPr lvl="1"/>
+            <a:r>
+              <a:rPr lang="fr-FR" sz="1600" dirty="0"/>
+              <a:t>Serveurs de </a:t>
+            </a:r>
+            <a:r>
+              <a:rPr lang="fr-FR" sz="1600" dirty="0" smtClean="0"/>
+              <a:t>carte</a:t>
+            </a:r>
+          </a:p>
+          <a:p>
+            <a:endParaRPr lang="fr-FR" sz="2000" dirty="0"/>
+          </a:p>
+          <a:p>
+            <a:r>
+              <a:rPr lang="fr-FR" sz="2000" dirty="0"/>
+              <a:t>Commande auprès de l’EGI</a:t>
+            </a:r>
+          </a:p>
+          <a:p>
+            <a:pPr lvl="1"/>
+            <a:r>
+              <a:rPr lang="fr-FR" sz="2000" dirty="0"/>
+              <a:t>Papier ou numérique</a:t>
+            </a:r>
+          </a:p>
+          <a:p>
+            <a:endParaRPr lang="fr-FR" sz="2000" dirty="0"/>
+          </a:p>
+          <a:p>
+            <a:r>
+              <a:rPr lang="fr-FR" sz="2000" dirty="0" smtClean="0"/>
+              <a:t>28GG</a:t>
+            </a:r>
+          </a:p>
+          <a:p>
+            <a:pPr lvl="1"/>
+            <a:r>
+              <a:rPr lang="fr-FR" sz="1600" dirty="0" smtClean="0"/>
+              <a:t>Site </a:t>
+            </a:r>
+            <a:r>
+              <a:rPr lang="fr-FR" sz="1600" dirty="0" err="1" smtClean="0"/>
+              <a:t>intradef</a:t>
+            </a:r>
+            <a:endParaRPr lang="fr-FR" sz="1600" dirty="0"/>
+          </a:p>
+          <a:p>
+            <a:pPr lvl="1"/>
+            <a:r>
+              <a:rPr lang="fr-FR" sz="1600" dirty="0" smtClean="0"/>
+              <a:t>CGAO : demande de production</a:t>
+            </a:r>
+            <a:endParaRPr lang="fr-FR" sz="1600" dirty="0"/>
+          </a:p>
+        </p:txBody>
+      </p:sp>
+    </p:spTree>
+    <p:extLst>
+      <p:ext uri="{BB962C8B-B14F-4D97-AF65-F5344CB8AC3E}">
+        <p14:creationId xmlns:p14="http://schemas.microsoft.com/office/powerpoint/2010/main" val="2735672195"/>
+      </p:ext>
+    </p:extLst>
+  </p:cSld>
+  <p:clrMapOvr>
+    <a:masterClrMapping/>
+  </p:clrMapOvr>
+</p:sld>
+</file>
+
+<file path=ppt/slides/slide20.xml><?xml version="1.0" encoding="utf-8"?>
+<p:sld xmlns:a="http://schemas.openxmlformats.org/drawingml/2006/main" xmlns:r="http://schemas.openxmlformats.org/officeDocument/2006/relationships" xmlns:p="http://schemas.openxmlformats.org/presentationml/2006/main">
+  <p:cSld>
+    <p:spTree>
+      <p:nvGrpSpPr>
+        <p:cNvPr id="1" name=""/>
+        <p:cNvGrpSpPr/>
+        <p:nvPr/>
+      </p:nvGrpSpPr>
+      <p:grpSpPr>
+        <a:xfrm>
+          <a:off x="0" y="0"/>
+          <a:ext cx="0" cy="0"/>
+          <a:chOff x="0" y="0"/>
+          <a:chExt cx="0" cy="0"/>
+        </a:xfrm>
+      </p:grpSpPr>
+      <p:sp>
+        <p:nvSpPr>
+          <p:cNvPr id="4" name="Titre 3"/>
+          <p:cNvSpPr>
+            <a:spLocks noGrp="1"/>
+          </p:cNvSpPr>
+          <p:nvPr>
+            <p:ph type="title"/>
+          </p:nvPr>
+        </p:nvSpPr>
+        <p:spPr/>
+        <p:txBody>
+          <a:bodyPr/>
+          <a:lstStyle/>
+          <a:p>
+            <a:r>
+              <a:rPr lang="fr-FR" dirty="0" smtClean="0"/>
+              <a:t>Exporter depuis </a:t>
+            </a:r>
+            <a:r>
+              <a:rPr lang="fr-FR" dirty="0" err="1" smtClean="0"/>
+              <a:t>GlobalMapper</a:t>
+            </a:r>
+            <a:endParaRPr lang="fr-FR" dirty="0"/>
+          </a:p>
+        </p:txBody>
+      </p:sp>
+      <p:sp>
+        <p:nvSpPr>
+          <p:cNvPr id="5" name="Espace réservé du contenu 4"/>
+          <p:cNvSpPr>
+            <a:spLocks noGrp="1"/>
+          </p:cNvSpPr>
+          <p:nvPr>
+            <p:ph idx="1"/>
+          </p:nvPr>
+        </p:nvSpPr>
+        <p:spPr/>
+        <p:txBody>
+          <a:bodyPr>
+            <a:normAutofit fontScale="92500"/>
+          </a:bodyPr>
+          <a:lstStyle/>
+          <a:p>
+            <a:r>
+              <a:rPr lang="fr-FR" dirty="0" smtClean="0"/>
+              <a:t>Connexion à un serveur de carte et export des données affichées</a:t>
+            </a:r>
+          </a:p>
+          <a:p>
+            <a:r>
+              <a:rPr lang="fr-FR" dirty="0" smtClean="0"/>
+              <a:t>Processus très long avec </a:t>
+            </a:r>
+            <a:r>
+              <a:rPr lang="fr-FR" dirty="0" err="1" smtClean="0"/>
+              <a:t>GlobalMapper</a:t>
+            </a:r>
+            <a:endParaRPr lang="fr-FR" dirty="0"/>
+          </a:p>
+          <a:p>
+            <a:endParaRPr lang="fr-FR" dirty="0" smtClean="0"/>
+          </a:p>
+          <a:p>
+            <a:r>
+              <a:rPr lang="fr-FR" dirty="0" smtClean="0"/>
+              <a:t>Serveurs de cartes :</a:t>
+            </a:r>
+            <a:endParaRPr lang="fr-FR" dirty="0"/>
+          </a:p>
+          <a:p>
+            <a:pPr lvl="1"/>
+            <a:r>
+              <a:rPr lang="fr-FR" sz="1700" dirty="0"/>
+              <a:t>IGN CARTO (</a:t>
+            </a:r>
+            <a:r>
+              <a:rPr lang="fr-FR" sz="1700" dirty="0" smtClean="0"/>
+              <a:t>WMTS) : https</a:t>
+            </a:r>
+            <a:r>
+              <a:rPr lang="fr-FR" sz="1700" dirty="0"/>
+              <a:t>://</a:t>
+            </a:r>
+            <a:r>
+              <a:rPr lang="fr-FR" sz="1700" dirty="0" smtClean="0"/>
+              <a:t>wxs.ign.fr/essentiels/geoportail/wmts?SERVICE=WMTS&amp;REQUEST=GetCapabilities</a:t>
+            </a:r>
+            <a:endParaRPr lang="fr-FR" sz="1700" dirty="0"/>
+          </a:p>
+          <a:p>
+            <a:pPr lvl="1"/>
+            <a:r>
+              <a:rPr lang="fr-FR" sz="1700" dirty="0"/>
+              <a:t>IGN SAT (</a:t>
+            </a:r>
+            <a:r>
+              <a:rPr lang="fr-FR" sz="1700" dirty="0" smtClean="0"/>
+              <a:t>WMS) : https</a:t>
+            </a:r>
+            <a:r>
+              <a:rPr lang="fr-FR" sz="1700" dirty="0"/>
+              <a:t>://</a:t>
+            </a:r>
+            <a:r>
+              <a:rPr lang="fr-FR" sz="1700" dirty="0" smtClean="0"/>
+              <a:t>wxs.ign.fr/essentiels/geoportail/r/wms?SERVICE=WMS&amp;VERSION=1.3.0&amp;REQUEST=GetCapabilities</a:t>
+            </a:r>
+            <a:endParaRPr lang="fr-FR" sz="1700" dirty="0"/>
+          </a:p>
+          <a:p>
+            <a:pPr lvl="1"/>
+            <a:r>
+              <a:rPr lang="fr-FR" sz="1700" dirty="0" err="1"/>
+              <a:t>Stamen</a:t>
+            </a:r>
+            <a:r>
+              <a:rPr lang="fr-FR" sz="1700" dirty="0"/>
+              <a:t> (basé sur </a:t>
+            </a:r>
+            <a:r>
+              <a:rPr lang="fr-FR" sz="1700" dirty="0" smtClean="0"/>
+              <a:t>OSM) : </a:t>
+            </a:r>
+            <a:r>
+              <a:rPr lang="fr-FR" sz="1700" dirty="0" smtClean="0">
+                <a:hlinkClick r:id="rId2"/>
+              </a:rPr>
+              <a:t>http</a:t>
+            </a:r>
+            <a:r>
+              <a:rPr lang="fr-FR" sz="1700" dirty="0">
+                <a:hlinkClick r:id="rId2"/>
+              </a:rPr>
+              <a:t>://maps.stamen.com/terrain/#</a:t>
+            </a:r>
+            <a:r>
+              <a:rPr lang="fr-FR" sz="1700" dirty="0" smtClean="0">
+                <a:hlinkClick r:id="rId2"/>
+              </a:rPr>
+              <a:t>14/48.8057/7.8598</a:t>
+            </a:r>
+            <a:endParaRPr lang="fr-FR" sz="1700" dirty="0" smtClean="0"/>
+          </a:p>
+          <a:p>
+            <a:pPr lvl="1"/>
+            <a:r>
+              <a:rPr lang="fr-FR" sz="1700" dirty="0" smtClean="0"/>
+              <a:t>OSM : </a:t>
+            </a:r>
+            <a:r>
+              <a:rPr lang="fr-FR" sz="1700" dirty="0"/>
+              <a:t>https://</a:t>
+            </a:r>
+            <a:r>
+              <a:rPr lang="fr-FR" sz="1700" dirty="0" smtClean="0"/>
+              <a:t>wms.openstreetmap.fr/wms</a:t>
+            </a:r>
+          </a:p>
+          <a:p>
+            <a:endParaRPr lang="fr-FR" dirty="0" smtClean="0"/>
+          </a:p>
+          <a:p>
+            <a:r>
+              <a:rPr lang="fr-FR" dirty="0"/>
+              <a:t>Tous les services IGN : </a:t>
+            </a:r>
+            <a:r>
+              <a:rPr lang="fr-FR" dirty="0">
+                <a:hlinkClick r:id="rId3"/>
+              </a:rPr>
+              <a:t>https://</a:t>
+            </a:r>
+            <a:r>
+              <a:rPr lang="fr-FR" dirty="0" smtClean="0">
+                <a:hlinkClick r:id="rId3"/>
+              </a:rPr>
+              <a:t>geoservices.ign.fr/services-web-essentiels</a:t>
+            </a:r>
+            <a:endParaRPr lang="fr-FR" dirty="0" smtClean="0"/>
+          </a:p>
+          <a:p>
+            <a:pPr marL="0" indent="0">
+              <a:buNone/>
+            </a:pPr>
+            <a:endParaRPr lang="fr-FR" dirty="0"/>
+          </a:p>
+          <a:p>
+            <a:pPr marL="0" indent="0">
+              <a:buNone/>
+            </a:pPr>
+            <a:endParaRPr lang="fr-FR" dirty="0"/>
+          </a:p>
+        </p:txBody>
+      </p:sp>
+    </p:spTree>
+    <p:extLst>
+      <p:ext uri="{BB962C8B-B14F-4D97-AF65-F5344CB8AC3E}">
+        <p14:creationId xmlns:p14="http://schemas.microsoft.com/office/powerpoint/2010/main" val="4189523178"/>
+      </p:ext>
+    </p:extLst>
+  </p:cSld>
+  <p:clrMapOvr>
+    <a:masterClrMapping/>
+  </p:clrMapOvr>
+</p:sld>
+</file>
+
+<file path=ppt/slides/slide21.xml><?xml version="1.0" encoding="utf-8"?>
+<p:sld xmlns:a="http://schemas.openxmlformats.org/drawingml/2006/main" xmlns:r="http://schemas.openxmlformats.org/officeDocument/2006/relationships" xmlns:p="http://schemas.openxmlformats.org/presentationml/2006/main">
+  <p:cSld>
+    <p:spTree>
+      <p:nvGrpSpPr>
+        <p:cNvPr id="1" name=""/>
+        <p:cNvGrpSpPr/>
+        <p:nvPr/>
+      </p:nvGrpSpPr>
+      <p:grpSpPr>
+        <a:xfrm>
+          <a:off x="0" y="0"/>
+          <a:ext cx="0" cy="0"/>
+          <a:chOff x="0" y="0"/>
+          <a:chExt cx="0" cy="0"/>
+        </a:xfrm>
+      </p:grpSpPr>
+      <p:sp>
+        <p:nvSpPr>
+          <p:cNvPr id="4" name="Titre 3"/>
+          <p:cNvSpPr>
+            <a:spLocks noGrp="1"/>
+          </p:cNvSpPr>
+          <p:nvPr>
+            <p:ph type="title"/>
+          </p:nvPr>
+        </p:nvSpPr>
+        <p:spPr/>
+        <p:txBody>
+          <a:bodyPr/>
+          <a:lstStyle/>
+          <a:p>
+            <a:r>
               <a:rPr lang="fr-FR" dirty="0" smtClean="0"/>
               <a:t>Commande auprès de l’EGI</a:t>
             </a:r>
@@ -9706,7 +11159,7 @@
 </p:sld>
 </file>
 
-<file path=ppt/slides/slide18.xml><?xml version="1.0" encoding="utf-8"?>
+<file path=ppt/slides/slide22.xml><?xml version="1.0" encoding="utf-8"?>
 <p:sld xmlns:a="http://schemas.openxmlformats.org/drawingml/2006/main" xmlns:r="http://schemas.openxmlformats.org/officeDocument/2006/relationships" xmlns:p="http://schemas.openxmlformats.org/presentationml/2006/main">
   <p:cSld>
     <p:spTree>
@@ -9940,7 +11393,7 @@
 </p:sld>
 </file>
 
-<file path=ppt/slides/slide19.xml><?xml version="1.0" encoding="utf-8"?>
+<file path=ppt/slides/slide23.xml><?xml version="1.0" encoding="utf-8"?>
 <p:sld xmlns:a="http://schemas.openxmlformats.org/drawingml/2006/main" xmlns:r="http://schemas.openxmlformats.org/officeDocument/2006/relationships" xmlns:p="http://schemas.openxmlformats.org/presentationml/2006/main">
   <p:cSld>
     <p:spTree>
@@ -10128,132 +11581,7 @@
 </p:sld>
 </file>
 
-<file path=ppt/slides/slide2.xml><?xml version="1.0" encoding="utf-8"?>
-<p:sld xmlns:a="http://schemas.openxmlformats.org/drawingml/2006/main" xmlns:r="http://schemas.openxmlformats.org/officeDocument/2006/relationships" xmlns:p="http://schemas.openxmlformats.org/presentationml/2006/main">
-  <p:cSld>
-    <p:spTree>
-      <p:nvGrpSpPr>
-        <p:cNvPr id="1" name=""/>
-        <p:cNvGrpSpPr/>
-        <p:nvPr/>
-      </p:nvGrpSpPr>
-      <p:grpSpPr>
-        <a:xfrm>
-          <a:off x="0" y="0"/>
-          <a:ext cx="0" cy="0"/>
-          <a:chOff x="0" y="0"/>
-          <a:chExt cx="0" cy="0"/>
-        </a:xfrm>
-      </p:grpSpPr>
-      <p:sp>
-        <p:nvSpPr>
-          <p:cNvPr id="6" name="Titre 5"/>
-          <p:cNvSpPr>
-            <a:spLocks noGrp="1"/>
-          </p:cNvSpPr>
-          <p:nvPr>
-            <p:ph type="title"/>
-          </p:nvPr>
-        </p:nvSpPr>
-        <p:spPr/>
-        <p:txBody>
-          <a:bodyPr/>
-          <a:lstStyle/>
-          <a:p>
-            <a:r>
-              <a:rPr lang="fr-FR" dirty="0" smtClean="0"/>
-              <a:t>Guide : obtenir de la </a:t>
-            </a:r>
-            <a:r>
-              <a:rPr lang="fr-FR" dirty="0" err="1" smtClean="0"/>
-              <a:t>carto</a:t>
-            </a:r>
-            <a:endParaRPr lang="fr-FR" dirty="0"/>
-          </a:p>
-        </p:txBody>
-      </p:sp>
-      <p:sp>
-        <p:nvSpPr>
-          <p:cNvPr id="4" name="Espace réservé du contenu 3"/>
-          <p:cNvSpPr>
-            <a:spLocks noGrp="1"/>
-          </p:cNvSpPr>
-          <p:nvPr>
-            <p:ph idx="1"/>
-          </p:nvPr>
-        </p:nvSpPr>
-        <p:spPr/>
-        <p:txBody>
-          <a:bodyPr/>
-          <a:lstStyle/>
-          <a:p>
-            <a:r>
-              <a:rPr lang="fr-FR" sz="2000" dirty="0"/>
-              <a:t>Internet</a:t>
-            </a:r>
-          </a:p>
-          <a:p>
-            <a:endParaRPr lang="fr-FR" sz="2000" dirty="0"/>
-          </a:p>
-          <a:p>
-            <a:r>
-              <a:rPr lang="fr-FR" sz="2000" dirty="0"/>
-              <a:t>Commande auprès de l’EGI</a:t>
-            </a:r>
-          </a:p>
-          <a:p>
-            <a:pPr lvl="1"/>
-            <a:r>
-              <a:rPr lang="fr-FR" sz="2000" dirty="0"/>
-              <a:t>Papier ou numérique</a:t>
-            </a:r>
-          </a:p>
-          <a:p>
-            <a:endParaRPr lang="fr-FR" sz="2000" dirty="0"/>
-          </a:p>
-          <a:p>
-            <a:r>
-              <a:rPr lang="fr-FR" sz="2000" dirty="0"/>
-              <a:t>Site </a:t>
-            </a:r>
-            <a:r>
-              <a:rPr lang="fr-FR" sz="2000" dirty="0" err="1"/>
-              <a:t>intradef</a:t>
-            </a:r>
-            <a:r>
-              <a:rPr lang="fr-FR" sz="2000" dirty="0"/>
-              <a:t> / contact du 28</a:t>
-            </a:r>
-            <a:r>
-              <a:rPr lang="fr-FR" sz="2000" baseline="30000" dirty="0"/>
-              <a:t>e</a:t>
-            </a:r>
-            <a:r>
-              <a:rPr lang="fr-FR" sz="2000" dirty="0"/>
-              <a:t> </a:t>
-            </a:r>
-            <a:r>
-              <a:rPr lang="fr-FR" sz="2000" dirty="0" smtClean="0"/>
-              <a:t>1GG</a:t>
-            </a:r>
-            <a:endParaRPr lang="fr-FR" sz="2000" dirty="0"/>
-          </a:p>
-        </p:txBody>
-      </p:sp>
-    </p:spTree>
-    <p:extLst>
-      <p:ext uri="{BB962C8B-B14F-4D97-AF65-F5344CB8AC3E}">
-        <p14:creationId xmlns:p14="http://schemas.microsoft.com/office/powerpoint/2010/main" val="2735672195"/>
-      </p:ext>
-    </p:extLst>
-  </p:cSld>
-  <p:clrMapOvr>
-    <a:masterClrMapping/>
-  </p:clrMapOvr>
-</p:sld>
-</file>
-
-<file path=ppt/slides/slide20.xml><?xml version="1.0" encoding="utf-8"?>
+<file path=ppt/slides/slide24.xml><?xml version="1.0" encoding="utf-8"?>
 <p:sld xmlns:a="http://schemas.openxmlformats.org/drawingml/2006/main" xmlns:r="http://schemas.openxmlformats.org/officeDocument/2006/relationships" xmlns:p="http://schemas.openxmlformats.org/presentationml/2006/main">
   <p:cSld>
     <p:spTree>
@@ -10440,7 +11768,7 @@
 </p:sld>
 </file>
 
-<file path=ppt/slides/slide21.xml><?xml version="1.0" encoding="utf-8"?>
+<file path=ppt/slides/slide25.xml><?xml version="1.0" encoding="utf-8"?>
 <p:sld xmlns:a="http://schemas.openxmlformats.org/drawingml/2006/main" xmlns:r="http://schemas.openxmlformats.org/officeDocument/2006/relationships" xmlns:p="http://schemas.openxmlformats.org/presentationml/2006/main">
   <p:cSld>
     <p:spTree>
@@ -10520,7 +11848,7 @@
 </p:sld>
 </file>
 
-<file path=ppt/slides/slide22.xml><?xml version="1.0" encoding="utf-8"?>
+<file path=ppt/slides/slide26.xml><?xml version="1.0" encoding="utf-8"?>
 <p:sld xmlns:a="http://schemas.openxmlformats.org/drawingml/2006/main" xmlns:r="http://schemas.openxmlformats.org/officeDocument/2006/relationships" xmlns:p="http://schemas.openxmlformats.org/presentationml/2006/main">
   <p:cSld>
     <p:spTree>
@@ -11840,7 +13168,7 @@
 </p:sld>
 </file>
 
-<file path=ppt/slides/slide23.xml><?xml version="1.0" encoding="utf-8"?>
+<file path=ppt/slides/slide27.xml><?xml version="1.0" encoding="utf-8"?>
 <p:sld xmlns:a="http://schemas.openxmlformats.org/drawingml/2006/main" xmlns:r="http://schemas.openxmlformats.org/officeDocument/2006/relationships" xmlns:p="http://schemas.openxmlformats.org/presentationml/2006/main">
   <p:cSld>
     <p:spTree>
@@ -12229,7 +13557,7 @@
 </p:sld>
 </file>
 
-<file path=ppt/slides/slide24.xml><?xml version="1.0" encoding="utf-8"?>
+<file path=ppt/slides/slide28.xml><?xml version="1.0" encoding="utf-8"?>
 <p:sld xmlns:a="http://schemas.openxmlformats.org/drawingml/2006/main" xmlns:r="http://schemas.openxmlformats.org/officeDocument/2006/relationships" xmlns:p="http://schemas.openxmlformats.org/presentationml/2006/main">
   <p:cSld>
     <p:spTree>
@@ -12419,7 +13747,7 @@
 </p:sld>
 </file>
 
-<file path=ppt/slides/slide25.xml><?xml version="1.0" encoding="utf-8"?>
+<file path=ppt/slides/slide29.xml><?xml version="1.0" encoding="utf-8"?>
 <p:sld xmlns:a="http://schemas.openxmlformats.org/drawingml/2006/main" xmlns:r="http://schemas.openxmlformats.org/officeDocument/2006/relationships" xmlns:p="http://schemas.openxmlformats.org/presentationml/2006/main">
   <p:cSld>
     <p:spTree>
@@ -12522,7 +13850,312 @@
 </p:sld>
 </file>
 
-<file path=ppt/slides/slide26.xml><?xml version="1.0" encoding="utf-8"?>
+<file path=ppt/slides/slide3.xml><?xml version="1.0" encoding="utf-8"?>
+<p:sld xmlns:a="http://schemas.openxmlformats.org/drawingml/2006/main" xmlns:r="http://schemas.openxmlformats.org/officeDocument/2006/relationships" xmlns:p="http://schemas.openxmlformats.org/presentationml/2006/main">
+  <p:cSld>
+    <p:spTree>
+      <p:nvGrpSpPr>
+        <p:cNvPr id="1" name=""/>
+        <p:cNvGrpSpPr/>
+        <p:nvPr/>
+      </p:nvGrpSpPr>
+      <p:grpSpPr>
+        <a:xfrm>
+          <a:off x="0" y="0"/>
+          <a:ext cx="0" cy="0"/>
+          <a:chOff x="0" y="0"/>
+          <a:chExt cx="0" cy="0"/>
+        </a:xfrm>
+      </p:grpSpPr>
+      <p:sp>
+        <p:nvSpPr>
+          <p:cNvPr id="4" name="ZoneTexte 3"/>
+          <p:cNvSpPr txBox="1"/>
+          <p:nvPr/>
+        </p:nvSpPr>
+        <p:spPr>
+          <a:xfrm>
+            <a:off x="1856340" y="3633476"/>
+            <a:ext cx="4120391" cy="369332"/>
+          </a:xfrm>
+          <a:prstGeom prst="rect">
+            <a:avLst/>
+          </a:prstGeom>
+          <a:noFill/>
+        </p:spPr>
+        <p:txBody>
+          <a:bodyPr wrap="square" rtlCol="0">
+            <a:spAutoFit/>
+          </a:bodyPr>
+          <a:lstStyle/>
+          <a:p>
+            <a:pPr marL="285750" indent="-285750">
+              <a:buFontTx/>
+              <a:buChar char="-"/>
+            </a:pPr>
+            <a:endParaRPr lang="fr-FR" dirty="0"/>
+          </a:p>
+        </p:txBody>
+      </p:sp>
+      <p:sp>
+        <p:nvSpPr>
+          <p:cNvPr id="8" name="Titre 4"/>
+          <p:cNvSpPr>
+            <a:spLocks noGrp="1"/>
+          </p:cNvSpPr>
+          <p:nvPr>
+            <p:ph type="title"/>
+          </p:nvPr>
+        </p:nvSpPr>
+        <p:spPr/>
+        <p:txBody>
+          <a:bodyPr/>
+          <a:lstStyle/>
+          <a:p>
+            <a:r>
+              <a:rPr lang="fr-FR" dirty="0"/>
+              <a:t>Sur internet – </a:t>
+            </a:r>
+            <a:r>
+              <a:rPr lang="fr-FR" dirty="0" err="1"/>
+              <a:t>carto</a:t>
+            </a:r>
+            <a:r>
+              <a:rPr lang="fr-FR" dirty="0"/>
+              <a:t> </a:t>
+            </a:r>
+            <a:r>
+              <a:rPr lang="fr-FR" dirty="0" smtClean="0"/>
+              <a:t>France (IGN)</a:t>
+            </a:r>
+            <a:endParaRPr lang="fr-FR" dirty="0"/>
+          </a:p>
+        </p:txBody>
+      </p:sp>
+      <p:sp>
+        <p:nvSpPr>
+          <p:cNvPr id="7" name="Espace réservé du contenu 6"/>
+          <p:cNvSpPr>
+            <a:spLocks noGrp="1"/>
+          </p:cNvSpPr>
+          <p:nvPr>
+            <p:ph idx="1"/>
+          </p:nvPr>
+        </p:nvSpPr>
+        <p:spPr>
+          <a:xfrm>
+            <a:off x="838200" y="1825625"/>
+            <a:ext cx="10515600" cy="4512113"/>
+          </a:xfrm>
+        </p:spPr>
+        <p:txBody>
+          <a:bodyPr>
+            <a:noAutofit/>
+          </a:bodyPr>
+          <a:lstStyle/>
+          <a:p>
+            <a:r>
+              <a:rPr lang="fr-FR" sz="2000" dirty="0"/>
+              <a:t>Images SAT </a:t>
+            </a:r>
+          </a:p>
+          <a:p>
+            <a:pPr lvl="1"/>
+            <a:r>
+              <a:rPr lang="fr-FR" sz="1600" dirty="0" smtClean="0"/>
+              <a:t>Précision 0m20</a:t>
+            </a:r>
+            <a:endParaRPr lang="fr-FR" sz="1600" dirty="0"/>
+          </a:p>
+          <a:p>
+            <a:r>
+              <a:rPr lang="fr-FR" sz="2000" dirty="0"/>
+              <a:t>Cartes scannées </a:t>
+            </a:r>
+          </a:p>
+          <a:p>
+            <a:pPr lvl="1"/>
+            <a:r>
+              <a:rPr lang="fr-FR" sz="1600" dirty="0" smtClean="0"/>
+              <a:t>25K, 50K, 100K, 500K, 100K</a:t>
+            </a:r>
+          </a:p>
+          <a:p>
+            <a:r>
+              <a:rPr lang="fr-FR" sz="2000" dirty="0" smtClean="0"/>
+              <a:t>Plan IGN</a:t>
+            </a:r>
+          </a:p>
+          <a:p>
+            <a:pPr lvl="1"/>
+            <a:r>
+              <a:rPr lang="fr-FR" sz="1600" dirty="0" smtClean="0"/>
+              <a:t>Echelle 8 à 19</a:t>
+            </a:r>
+            <a:endParaRPr lang="fr-FR" sz="1600" dirty="0"/>
+          </a:p>
+          <a:p>
+            <a:r>
+              <a:rPr lang="fr-FR" sz="2000" dirty="0"/>
+              <a:t>Relief</a:t>
+            </a:r>
+          </a:p>
+          <a:p>
+            <a:pPr lvl="1"/>
+            <a:r>
+              <a:rPr lang="fr-FR" sz="1600" dirty="0" smtClean="0"/>
+              <a:t>Précision 1m et 5m</a:t>
+            </a:r>
+            <a:endParaRPr lang="fr-FR" sz="1600" dirty="0"/>
+          </a:p>
+          <a:p>
+            <a:r>
+              <a:rPr lang="fr-FR" sz="2000" dirty="0"/>
+              <a:t>Vecteurs</a:t>
+            </a:r>
+          </a:p>
+          <a:p>
+            <a:pPr lvl="1"/>
+            <a:r>
+              <a:rPr lang="fr-FR" sz="1600" dirty="0"/>
+              <a:t>Localités, routes, cadastre, </a:t>
+            </a:r>
+            <a:r>
+              <a:rPr lang="fr-FR" sz="1600" dirty="0" smtClean="0"/>
+              <a:t>forêts</a:t>
+            </a:r>
+            <a:endParaRPr lang="fr-FR" sz="2000" dirty="0" smtClean="0"/>
+          </a:p>
+          <a:p>
+            <a:pPr marL="0" indent="0">
+              <a:buNone/>
+            </a:pPr>
+            <a:endParaRPr lang="fr-FR" sz="2000" dirty="0" smtClean="0"/>
+          </a:p>
+          <a:p>
+            <a:pPr marL="0" indent="0">
+              <a:buNone/>
+            </a:pPr>
+            <a:endParaRPr lang="fr-FR" sz="2000" dirty="0"/>
+          </a:p>
+          <a:p>
+            <a:r>
+              <a:rPr lang="fr-FR" sz="2000" dirty="0" smtClean="0"/>
+              <a:t>Catalogue </a:t>
+            </a:r>
+            <a:r>
+              <a:rPr lang="fr-FR" sz="2000" dirty="0"/>
+              <a:t>IGN : </a:t>
+            </a:r>
+            <a:r>
+              <a:rPr lang="fr-FR" sz="2000" dirty="0">
+                <a:hlinkClick r:id="rId2"/>
+              </a:rPr>
+              <a:t>https://geoservices.ign.fr/catalogue</a:t>
+            </a:r>
+            <a:endParaRPr lang="fr-FR" sz="2000" dirty="0"/>
+          </a:p>
+          <a:p>
+            <a:r>
+              <a:rPr lang="fr-FR" sz="2000" dirty="0" smtClean="0"/>
+              <a:t>Miroir </a:t>
+            </a:r>
+            <a:r>
+              <a:rPr lang="fr-FR" sz="2000" dirty="0"/>
+              <a:t>: </a:t>
+            </a:r>
+            <a:r>
+              <a:rPr lang="fr-FR" sz="2000" dirty="0">
+                <a:hlinkClick r:id="rId3"/>
+              </a:rPr>
+              <a:t>http://files.opendatarchives.fr/professionnels.ign.fr/</a:t>
+            </a:r>
+            <a:endParaRPr lang="fr-FR" sz="2000" dirty="0"/>
+          </a:p>
+          <a:p>
+            <a:endParaRPr lang="fr-FR" sz="2000" dirty="0"/>
+          </a:p>
+        </p:txBody>
+      </p:sp>
+      <p:pic>
+        <p:nvPicPr>
+          <p:cNvPr id="3" name="Image 2"/>
+          <p:cNvPicPr>
+            <a:picLocks noChangeAspect="1"/>
+          </p:cNvPicPr>
+          <p:nvPr/>
+        </p:nvPicPr>
+        <p:blipFill>
+          <a:blip r:embed="rId4"/>
+          <a:stretch>
+            <a:fillRect/>
+          </a:stretch>
+        </p:blipFill>
+        <p:spPr>
+          <a:xfrm>
+            <a:off x="4650785" y="1451458"/>
+            <a:ext cx="1800225" cy="2114550"/>
+          </a:xfrm>
+          <a:prstGeom prst="rect">
+            <a:avLst/>
+          </a:prstGeom>
+          <a:ln>
+            <a:solidFill>
+              <a:schemeClr val="tx1"/>
+            </a:solidFill>
+          </a:ln>
+        </p:spPr>
+      </p:pic>
+      <p:pic>
+        <p:nvPicPr>
+          <p:cNvPr id="6" name="Image 5"/>
+          <p:cNvPicPr>
+            <a:picLocks noChangeAspect="1"/>
+          </p:cNvPicPr>
+          <p:nvPr/>
+        </p:nvPicPr>
+        <p:blipFill>
+          <a:blip r:embed="rId5"/>
+          <a:stretch>
+            <a:fillRect/>
+          </a:stretch>
+        </p:blipFill>
+        <p:spPr>
+          <a:xfrm>
+            <a:off x="6688149" y="1397624"/>
+            <a:ext cx="4902790" cy="4030447"/>
+          </a:xfrm>
+          <a:prstGeom prst="rect">
+            <a:avLst/>
+          </a:prstGeom>
+          <a:ln>
+            <a:solidFill>
+              <a:schemeClr val="tx1"/>
+            </a:solidFill>
+          </a:ln>
+        </p:spPr>
+      </p:pic>
+    </p:spTree>
+    <p:extLst>
+      <p:ext uri="{BB962C8B-B14F-4D97-AF65-F5344CB8AC3E}">
+        <p14:creationId xmlns:p14="http://schemas.microsoft.com/office/powerpoint/2010/main" val="285450020"/>
+      </p:ext>
+    </p:extLst>
+  </p:cSld>
+  <p:clrMapOvr>
+    <a:masterClrMapping/>
+  </p:clrMapOvr>
+  <p:timing>
+    <p:tnLst>
+      <p:par>
+        <p:cTn id="1" dur="indefinite" restart="never" nodeType="tmRoot"/>
+      </p:par>
+    </p:tnLst>
+  </p:timing>
+</p:sld>
+</file>
+
+<file path=ppt/slides/slide30.xml><?xml version="1.0" encoding="utf-8"?>
 <p:sld xmlns:a="http://schemas.openxmlformats.org/drawingml/2006/main" xmlns:r="http://schemas.openxmlformats.org/officeDocument/2006/relationships" xmlns:p="http://schemas.openxmlformats.org/presentationml/2006/main">
   <p:cSld>
     <p:spTree>
@@ -12639,7 +14272,7 @@
 </p:sld>
 </file>
 
-<file path=ppt/slides/slide27.xml><?xml version="1.0" encoding="utf-8"?>
+<file path=ppt/slides/slide31.xml><?xml version="1.0" encoding="utf-8"?>
 <p:sld xmlns:a="http://schemas.openxmlformats.org/drawingml/2006/main" xmlns:r="http://schemas.openxmlformats.org/officeDocument/2006/relationships" xmlns:p="http://schemas.openxmlformats.org/presentationml/2006/main">
   <p:cSld>
     <p:spTree>
@@ -12753,150 +14386,6 @@
   <p:clrMapOvr>
     <a:masterClrMapping/>
   </p:clrMapOvr>
-</p:sld>
-</file>
-
-<file path=ppt/slides/slide3.xml><?xml version="1.0" encoding="utf-8"?>
-<p:sld xmlns:a="http://schemas.openxmlformats.org/drawingml/2006/main" xmlns:r="http://schemas.openxmlformats.org/officeDocument/2006/relationships" xmlns:p="http://schemas.openxmlformats.org/presentationml/2006/main">
-  <p:cSld>
-    <p:spTree>
-      <p:nvGrpSpPr>
-        <p:cNvPr id="1" name=""/>
-        <p:cNvGrpSpPr/>
-        <p:nvPr/>
-      </p:nvGrpSpPr>
-      <p:grpSpPr>
-        <a:xfrm>
-          <a:off x="0" y="0"/>
-          <a:ext cx="0" cy="0"/>
-          <a:chOff x="0" y="0"/>
-          <a:chExt cx="0" cy="0"/>
-        </a:xfrm>
-      </p:grpSpPr>
-      <p:sp>
-        <p:nvSpPr>
-          <p:cNvPr id="6" name="Titre 3"/>
-          <p:cNvSpPr>
-            <a:spLocks noGrp="1"/>
-          </p:cNvSpPr>
-          <p:nvPr>
-            <p:ph type="title"/>
-          </p:nvPr>
-        </p:nvSpPr>
-        <p:spPr/>
-        <p:txBody>
-          <a:bodyPr/>
-          <a:lstStyle/>
-          <a:p>
-            <a:r>
-              <a:rPr lang="fr-FR" dirty="0" smtClean="0"/>
-              <a:t>Sur internet</a:t>
-            </a:r>
-            <a:endParaRPr lang="fr-FR" dirty="0"/>
-          </a:p>
-        </p:txBody>
-      </p:sp>
-      <p:sp>
-        <p:nvSpPr>
-          <p:cNvPr id="5" name="Espace réservé du contenu 4"/>
-          <p:cNvSpPr>
-            <a:spLocks noGrp="1"/>
-          </p:cNvSpPr>
-          <p:nvPr>
-            <p:ph idx="1"/>
-          </p:nvPr>
-        </p:nvSpPr>
-        <p:spPr/>
-        <p:txBody>
-          <a:bodyPr>
-            <a:normAutofit/>
-          </a:bodyPr>
-          <a:lstStyle/>
-          <a:p>
-            <a:r>
-              <a:rPr lang="fr-FR" sz="2400" dirty="0"/>
-              <a:t>Données </a:t>
-            </a:r>
-            <a:r>
-              <a:rPr lang="fr-FR" sz="2400" dirty="0" err="1"/>
-              <a:t>carto</a:t>
-            </a:r>
-            <a:r>
-              <a:rPr lang="fr-FR" sz="2400" dirty="0"/>
-              <a:t> France</a:t>
-            </a:r>
-          </a:p>
-          <a:p>
-            <a:pPr marL="0" indent="0">
-              <a:buNone/>
-            </a:pPr>
-            <a:endParaRPr lang="fr-FR" sz="2400" dirty="0"/>
-          </a:p>
-          <a:p>
-            <a:r>
-              <a:rPr lang="fr-FR" sz="2400" dirty="0"/>
-              <a:t>Données </a:t>
-            </a:r>
-            <a:r>
-              <a:rPr lang="fr-FR" sz="2400" dirty="0" err="1"/>
-              <a:t>carto</a:t>
-            </a:r>
-            <a:r>
-              <a:rPr lang="fr-FR" sz="2400" dirty="0"/>
-              <a:t> Monde</a:t>
-            </a:r>
-          </a:p>
-          <a:p>
-            <a:pPr marL="0" indent="0">
-              <a:buNone/>
-            </a:pPr>
-            <a:endParaRPr lang="fr-FR" sz="2400" dirty="0"/>
-          </a:p>
-          <a:p>
-            <a:r>
-              <a:rPr lang="fr-FR" sz="2400" dirty="0"/>
-              <a:t>Utilisation SAS </a:t>
-            </a:r>
-            <a:r>
-              <a:rPr lang="fr-FR" sz="2400" dirty="0" err="1" smtClean="0"/>
-              <a:t>Planet</a:t>
-            </a:r>
-            <a:endParaRPr lang="fr-FR" sz="2400" dirty="0"/>
-          </a:p>
-          <a:p>
-            <a:endParaRPr lang="fr-FR" sz="2400" dirty="0"/>
-          </a:p>
-          <a:p>
-            <a:r>
-              <a:rPr lang="fr-FR" sz="2400" dirty="0"/>
-              <a:t>Serveurs de cartes</a:t>
-            </a:r>
-          </a:p>
-          <a:p>
-            <a:endParaRPr lang="fr-FR" sz="2400" dirty="0"/>
-          </a:p>
-          <a:p>
-            <a:endParaRPr lang="fr-FR" sz="2400" dirty="0"/>
-          </a:p>
-        </p:txBody>
-      </p:sp>
-    </p:spTree>
-    <p:extLst>
-      <p:ext uri="{BB962C8B-B14F-4D97-AF65-F5344CB8AC3E}">
-        <p14:creationId xmlns:p14="http://schemas.microsoft.com/office/powerpoint/2010/main" val="3586088280"/>
-      </p:ext>
-    </p:extLst>
-  </p:cSld>
-  <p:clrMapOvr>
-    <a:masterClrMapping/>
-  </p:clrMapOvr>
-  <p:timing>
-    <p:tnLst>
-      <p:par>
-        <p:cTn id="1" dur="indefinite" restart="never" nodeType="tmRoot"/>
-      </p:par>
-    </p:tnLst>
-  </p:timing>
 </p:sld>
 </file>
 
@@ -12934,11 +14423,7 @@
           <a:p>
             <a:r>
               <a:rPr lang="fr-FR" dirty="0" smtClean="0"/>
-              <a:t>Sur </a:t>
-            </a:r>
-            <a:r>
-              <a:rPr lang="fr-FR" dirty="0" smtClean="0"/>
-              <a:t>internet – </a:t>
+              <a:t>Sur internet – </a:t>
             </a:r>
             <a:r>
               <a:rPr lang="fr-FR" dirty="0" err="1" smtClean="0"/>
@@ -12973,64 +14458,48 @@
               <a:buNone/>
             </a:pPr>
             <a:r>
-              <a:rPr lang="fr-FR" sz="1800" dirty="0" smtClean="0"/>
-              <a:t>IGN </a:t>
-            </a:r>
-            <a:r>
-              <a:rPr lang="fr-FR" sz="1800" dirty="0"/>
-              <a:t>– Institut National de l’information </a:t>
-            </a:r>
-            <a:r>
-              <a:rPr lang="fr-FR" sz="1800" dirty="0" err="1"/>
-              <a:t>Geographique</a:t>
-            </a:r>
-            <a:endParaRPr lang="fr-FR" sz="1800" dirty="0"/>
-          </a:p>
-          <a:p>
-            <a:r>
-              <a:rPr lang="fr-FR" sz="1800" dirty="0"/>
-              <a:t>Site : </a:t>
+              <a:rPr lang="fr-FR" sz="2000" dirty="0" smtClean="0"/>
+              <a:t>Autres sources</a:t>
+            </a:r>
+          </a:p>
+          <a:p>
+            <a:pPr marL="0" indent="0">
+              <a:buNone/>
+            </a:pPr>
+            <a:endParaRPr lang="fr-FR" sz="1800" dirty="0" smtClean="0"/>
+          </a:p>
+          <a:p>
+            <a:pPr marL="0" indent="0">
+              <a:buNone/>
+            </a:pPr>
+            <a:r>
+              <a:rPr lang="fr-FR" sz="1800" dirty="0" smtClean="0">
+                <a:hlinkClick r:id="rId2"/>
+              </a:rPr>
+              <a:t>https</a:t>
             </a:r>
             <a:r>
               <a:rPr lang="fr-FR" sz="1800" dirty="0">
                 <a:hlinkClick r:id="rId2"/>
               </a:rPr>
-              <a:t>https://geoservices.ign.fr/documentation/diffusion/telechargement-donnees-libres.html</a:t>
-            </a:r>
-            <a:endParaRPr lang="fr-FR" sz="1800" dirty="0"/>
-          </a:p>
-          <a:p>
+              <a:t>://</a:t>
+            </a:r>
+            <a:r>
+              <a:rPr lang="fr-FR" sz="1800" dirty="0" smtClean="0">
+                <a:hlinkClick r:id="rId2"/>
+              </a:rPr>
+              <a:t>geo.data.gouv.fr</a:t>
+            </a:r>
+            <a:endParaRPr lang="fr-FR" sz="1800" dirty="0" smtClean="0"/>
+          </a:p>
+          <a:p>
+            <a:r>
+              <a:rPr lang="fr-FR" sz="1800" dirty="0" smtClean="0"/>
+              <a:t>Moteur </a:t>
+            </a:r>
             <a:r>
               <a:rPr lang="fr-FR" sz="1800" dirty="0"/>
-              <a:t>Miroir : </a:t>
-            </a:r>
-            <a:r>
-              <a:rPr lang="fr-FR" sz="1800" dirty="0">
-                <a:hlinkClick r:id="rId3"/>
-              </a:rPr>
-              <a:t>http://files.opendatarchives.fr/professionnels.ign.fr/</a:t>
-            </a:r>
-            <a:endParaRPr lang="fr-FR" sz="1800" dirty="0"/>
-          </a:p>
-          <a:p>
-            <a:endParaRPr lang="fr-FR" sz="1800" dirty="0"/>
-          </a:p>
-          <a:p>
-            <a:pPr marL="0" indent="0">
-              <a:buNone/>
-            </a:pPr>
-            <a:r>
-              <a:rPr lang="fr-FR" sz="1800" dirty="0">
-                <a:hlinkClick r:id="rId4"/>
-              </a:rPr>
-              <a:t>https://geo.data.gouv.fr</a:t>
-            </a:r>
-            <a:endParaRPr lang="fr-FR" sz="1800" dirty="0"/>
-          </a:p>
-          <a:p>
-            <a:r>
-              <a:rPr lang="fr-FR" sz="1800" dirty="0"/>
-              <a:t>Moteur de recherche qui recense la </a:t>
+              <a:t>de recherche qui recense la </a:t>
             </a:r>
             <a:r>
               <a:rPr lang="fr-FR" sz="1800" dirty="0" err="1"/>
@@ -13058,23 +14527,38 @@
               <a:buNone/>
             </a:pPr>
             <a:r>
+              <a:rPr lang="fr-FR" sz="1800" dirty="0" smtClean="0">
+                <a:hlinkClick r:id="rId3"/>
+              </a:rPr>
+              <a:t>https</a:t>
+            </a:r>
+            <a:r>
+              <a:rPr lang="fr-FR" sz="1800" dirty="0">
+                <a:hlinkClick r:id="rId3"/>
+              </a:rPr>
+              <a:t>://www.data.gouv.fr/fr/datasets/donnees-sur-les-installations-radioelectriques-de-plus-de-5-watts-1</a:t>
+            </a:r>
+            <a:r>
+              <a:rPr lang="fr-FR" sz="1800" dirty="0" smtClean="0">
+                <a:hlinkClick r:id="rId3"/>
+              </a:rPr>
+              <a:t>/</a:t>
+            </a:r>
+            <a:endParaRPr lang="fr-FR" sz="1800" dirty="0" smtClean="0"/>
+          </a:p>
+          <a:p>
+            <a:pPr marL="0" indent="0">
+              <a:buNone/>
+            </a:pPr>
+            <a:r>
               <a:rPr lang="fr-FR" sz="1800" dirty="0"/>
               <a:t>Emetteurs (tous types) de plus de 5W</a:t>
             </a:r>
           </a:p>
           <a:p>
-            <a:r>
-              <a:rPr lang="fr-FR" sz="1800" dirty="0">
-                <a:hlinkClick r:id="rId5"/>
-              </a:rPr>
-              <a:t>https://www.data.gouv.fr/fr/datasets/donnees-sur-les-installations-radioelectriques-de-plus-de-5-watts-1</a:t>
-            </a:r>
-            <a:r>
-              <a:rPr lang="fr-FR" sz="1800" dirty="0" smtClean="0">
-                <a:hlinkClick r:id="rId5"/>
-              </a:rPr>
-              <a:t>/</a:t>
-            </a:r>
+            <a:pPr marL="0" indent="0">
+              <a:buNone/>
+            </a:pPr>
             <a:endParaRPr lang="fr-FR" sz="1800" dirty="0"/>
           </a:p>
         </p:txBody>
@@ -13116,87 +14600,9 @@
           <a:chExt cx="0" cy="0"/>
         </a:xfrm>
       </p:grpSpPr>
-      <p:pic>
-        <p:nvPicPr>
-          <p:cNvPr id="3" name="Image 2"/>
-          <p:cNvPicPr>
-            <a:picLocks noChangeAspect="1"/>
-          </p:cNvPicPr>
-          <p:nvPr/>
-        </p:nvPicPr>
-        <p:blipFill>
-          <a:blip r:embed="rId2"/>
-          <a:stretch>
-            <a:fillRect/>
-          </a:stretch>
-        </p:blipFill>
-        <p:spPr>
-          <a:xfrm>
-            <a:off x="3568245" y="1298298"/>
-            <a:ext cx="1800225" cy="2114550"/>
-          </a:xfrm>
-          <a:prstGeom prst="rect">
-            <a:avLst/>
-          </a:prstGeom>
-        </p:spPr>
-      </p:pic>
-      <p:pic>
-        <p:nvPicPr>
-          <p:cNvPr id="6" name="Image 5"/>
-          <p:cNvPicPr>
-            <a:picLocks noChangeAspect="1"/>
-          </p:cNvPicPr>
-          <p:nvPr/>
-        </p:nvPicPr>
-        <p:blipFill>
-          <a:blip r:embed="rId3"/>
-          <a:stretch>
-            <a:fillRect/>
-          </a:stretch>
-        </p:blipFill>
-        <p:spPr>
-          <a:xfrm>
-            <a:off x="5520535" y="1298298"/>
-            <a:ext cx="5681200" cy="4670356"/>
-          </a:xfrm>
-          <a:prstGeom prst="rect">
-            <a:avLst/>
-          </a:prstGeom>
-        </p:spPr>
-      </p:pic>
-      <p:sp>
-        <p:nvSpPr>
-          <p:cNvPr id="4" name="ZoneTexte 3"/>
-          <p:cNvSpPr txBox="1"/>
-          <p:nvPr/>
-        </p:nvSpPr>
-        <p:spPr>
-          <a:xfrm>
-            <a:off x="1856340" y="3633476"/>
-            <a:ext cx="4120391" cy="369332"/>
-          </a:xfrm>
-          <a:prstGeom prst="rect">
-            <a:avLst/>
-          </a:prstGeom>
-          <a:noFill/>
-        </p:spPr>
-        <p:txBody>
-          <a:bodyPr wrap="square" rtlCol="0">
-            <a:spAutoFit/>
-          </a:bodyPr>
-          <a:lstStyle/>
-          <a:p>
-            <a:pPr marL="285750" indent="-285750">
-              <a:buFontTx/>
-              <a:buChar char="-"/>
-            </a:pPr>
-            <a:endParaRPr lang="fr-FR" dirty="0"/>
-          </a:p>
-        </p:txBody>
-      </p:sp>
-      <p:sp>
-        <p:nvSpPr>
-          <p:cNvPr id="8" name="Titre 4"/>
+      <p:sp>
+        <p:nvSpPr>
+          <p:cNvPr id="4" name="Titre 3"/>
           <p:cNvSpPr>
             <a:spLocks noGrp="1"/>
           </p:cNvSpPr>
@@ -13223,7 +14629,7 @@
             </a:r>
             <a:r>
               <a:rPr lang="fr-FR" dirty="0" smtClean="0"/>
-              <a:t>France (IGN)</a:t>
+              <a:t>Monde</a:t>
             </a:r>
             <a:endParaRPr lang="fr-FR" dirty="0"/>
           </a:p>
@@ -13231,7 +14637,7 @@
       </p:sp>
       <p:sp>
         <p:nvSpPr>
-          <p:cNvPr id="7" name="Espace réservé du contenu 6"/>
+          <p:cNvPr id="5" name="Espace réservé du contenu 4"/>
           <p:cNvSpPr>
             <a:spLocks noGrp="1"/>
           </p:cNvSpPr>
@@ -13242,164 +14648,7 @@
         <p:spPr/>
         <p:txBody>
           <a:bodyPr>
-            <a:normAutofit/>
-          </a:bodyPr>
-          <a:lstStyle/>
-          <a:p>
-            <a:r>
-              <a:rPr lang="fr-FR" sz="1800" dirty="0"/>
-              <a:t>Images SAT </a:t>
-            </a:r>
-          </a:p>
-          <a:p>
-            <a:pPr lvl="1"/>
-            <a:r>
-              <a:rPr lang="fr-FR" sz="1400" dirty="0"/>
-              <a:t>0m20</a:t>
-            </a:r>
-          </a:p>
-          <a:p>
-            <a:pPr lvl="1"/>
-            <a:endParaRPr lang="fr-FR" sz="1400" dirty="0"/>
-          </a:p>
-          <a:p>
-            <a:r>
-              <a:rPr lang="fr-FR" sz="1800" dirty="0"/>
-              <a:t>Cartes scannées </a:t>
-            </a:r>
-          </a:p>
-          <a:p>
-            <a:pPr lvl="1"/>
-            <a:r>
-              <a:rPr lang="fr-FR" sz="1400" dirty="0"/>
-              <a:t>Échelles 8 à 19</a:t>
-            </a:r>
-          </a:p>
-          <a:p>
-            <a:pPr lvl="1"/>
-            <a:endParaRPr lang="fr-FR" sz="1400" dirty="0"/>
-          </a:p>
-          <a:p>
-            <a:r>
-              <a:rPr lang="fr-FR" sz="1800" dirty="0"/>
-              <a:t>Relief</a:t>
-            </a:r>
-          </a:p>
-          <a:p>
-            <a:pPr lvl="1"/>
-            <a:r>
-              <a:rPr lang="fr-FR" sz="1400" dirty="0"/>
-              <a:t>1m, 5m, 25m</a:t>
-            </a:r>
-          </a:p>
-          <a:p>
-            <a:pPr lvl="1"/>
-            <a:endParaRPr lang="fr-FR" sz="1400" dirty="0"/>
-          </a:p>
-          <a:p>
-            <a:r>
-              <a:rPr lang="fr-FR" sz="1800" dirty="0"/>
-              <a:t>Vecteurs</a:t>
-            </a:r>
-          </a:p>
-          <a:p>
-            <a:pPr lvl="1"/>
-            <a:r>
-              <a:rPr lang="fr-FR" sz="1400" dirty="0"/>
-              <a:t>Localités, routes, cadastre, forêts</a:t>
-            </a:r>
-          </a:p>
-          <a:p>
-            <a:endParaRPr lang="fr-FR" sz="1800" dirty="0"/>
-          </a:p>
-        </p:txBody>
-      </p:sp>
-    </p:spTree>
-    <p:extLst>
-      <p:ext uri="{BB962C8B-B14F-4D97-AF65-F5344CB8AC3E}">
-        <p14:creationId xmlns:p14="http://schemas.microsoft.com/office/powerpoint/2010/main" val="285450020"/>
-      </p:ext>
-    </p:extLst>
-  </p:cSld>
-  <p:clrMapOvr>
-    <a:masterClrMapping/>
-  </p:clrMapOvr>
-  <p:timing>
-    <p:tnLst>
-      <p:par>
-        <p:cTn id="1" dur="indefinite" restart="never" nodeType="tmRoot"/>
-      </p:par>
-    </p:tnLst>
-  </p:timing>
-</p:sld>
-</file>
-
-<file path=ppt/slides/slide6.xml><?xml version="1.0" encoding="utf-8"?>
-<p:sld xmlns:a="http://schemas.openxmlformats.org/drawingml/2006/main" xmlns:r="http://schemas.openxmlformats.org/officeDocument/2006/relationships" xmlns:p="http://schemas.openxmlformats.org/presentationml/2006/main">
-  <p:cSld>
-    <p:spTree>
-      <p:nvGrpSpPr>
-        <p:cNvPr id="1" name=""/>
-        <p:cNvGrpSpPr/>
-        <p:nvPr/>
-      </p:nvGrpSpPr>
-      <p:grpSpPr>
-        <a:xfrm>
-          <a:off x="0" y="0"/>
-          <a:ext cx="0" cy="0"/>
-          <a:chOff x="0" y="0"/>
-          <a:chExt cx="0" cy="0"/>
-        </a:xfrm>
-      </p:grpSpPr>
-      <p:sp>
-        <p:nvSpPr>
-          <p:cNvPr id="4" name="Titre 3"/>
-          <p:cNvSpPr>
-            <a:spLocks noGrp="1"/>
-          </p:cNvSpPr>
-          <p:nvPr>
-            <p:ph type="title"/>
-          </p:nvPr>
-        </p:nvSpPr>
-        <p:spPr/>
-        <p:txBody>
-          <a:bodyPr/>
-          <a:lstStyle/>
-          <a:p>
-            <a:r>
-              <a:rPr lang="fr-FR" dirty="0"/>
-              <a:t>Sur internet – </a:t>
-            </a:r>
-            <a:r>
-              <a:rPr lang="fr-FR" dirty="0" err="1"/>
-              <a:t>carto</a:t>
-            </a:r>
-            <a:r>
-              <a:rPr lang="fr-FR" dirty="0"/>
-              <a:t> </a:t>
-            </a:r>
-            <a:r>
-              <a:rPr lang="fr-FR" dirty="0" smtClean="0"/>
-              <a:t>Monde</a:t>
-            </a:r>
-            <a:endParaRPr lang="fr-FR" dirty="0"/>
-          </a:p>
-        </p:txBody>
-      </p:sp>
-      <p:sp>
-        <p:nvSpPr>
-          <p:cNvPr id="5" name="Espace réservé du contenu 4"/>
-          <p:cNvSpPr>
-            <a:spLocks noGrp="1"/>
-          </p:cNvSpPr>
-          <p:nvPr>
-            <p:ph idx="1"/>
-          </p:nvPr>
-        </p:nvSpPr>
-        <p:spPr/>
-        <p:txBody>
-          <a:bodyPr>
-            <a:normAutofit lnSpcReduction="10000"/>
+            <a:noAutofit/>
           </a:bodyPr>
           <a:lstStyle/>
           <a:p>
@@ -13407,66 +14656,77 @@
               <a:buNone/>
             </a:pPr>
             <a:r>
-              <a:rPr lang="fr-FR" sz="1400" b="1" dirty="0" smtClean="0"/>
-              <a:t>Cartes </a:t>
-            </a:r>
-            <a:r>
-              <a:rPr lang="fr-FR" sz="1400" b="1" dirty="0"/>
-              <a:t>/ Photos SAT :</a:t>
-            </a:r>
-            <a:endParaRPr lang="fr-FR" sz="1400" dirty="0"/>
-          </a:p>
-          <a:p>
-            <a:r>
-              <a:rPr lang="fr-FR" sz="1400" dirty="0"/>
-              <a:t>SASGIS / SAS </a:t>
-            </a:r>
-            <a:r>
-              <a:rPr lang="fr-FR" sz="1400" dirty="0" err="1"/>
+              <a:rPr lang="fr-FR" b="1" dirty="0" smtClean="0"/>
+              <a:t>Images SAT</a:t>
+            </a:r>
+            <a:endParaRPr lang="fr-FR" dirty="0"/>
+          </a:p>
+          <a:p>
+            <a:pPr marL="0" indent="0">
+              <a:buNone/>
+            </a:pPr>
+            <a:endParaRPr lang="fr-FR" dirty="0" smtClean="0"/>
+          </a:p>
+          <a:p>
+            <a:pPr marL="0" indent="0">
+              <a:buNone/>
+            </a:pPr>
+            <a:r>
+              <a:rPr lang="fr-FR" dirty="0" smtClean="0"/>
+              <a:t>SASGIS </a:t>
+            </a:r>
+            <a:r>
+              <a:rPr lang="fr-FR" dirty="0"/>
+              <a:t>/ SAS </a:t>
+            </a:r>
+            <a:r>
+              <a:rPr lang="fr-FR" dirty="0" err="1"/>
               <a:t>Planet</a:t>
             </a:r>
             <a:r>
-              <a:rPr lang="fr-FR" sz="1400" dirty="0"/>
+              <a:rPr lang="fr-FR" dirty="0"/>
               <a:t> : </a:t>
             </a:r>
             <a:r>
-              <a:rPr lang="fr-FR" sz="1400" dirty="0">
+              <a:rPr lang="fr-FR" dirty="0">
                 <a:hlinkClick r:id="rId3"/>
               </a:rPr>
               <a:t>http://www.sasgis.org/download/</a:t>
             </a:r>
-            <a:endParaRPr lang="fr-FR" sz="1400" dirty="0"/>
-          </a:p>
-          <a:p>
-            <a:r>
-              <a:rPr lang="fr-FR" sz="1400" dirty="0"/>
+            <a:endParaRPr lang="fr-FR" dirty="0"/>
+          </a:p>
+          <a:p>
+            <a:pPr lvl="1"/>
+            <a:r>
+              <a:rPr lang="fr-FR" dirty="0"/>
               <a:t>Logiciel de visualisation de la </a:t>
             </a:r>
             <a:r>
-              <a:rPr lang="fr-FR" sz="1400" dirty="0" err="1"/>
+              <a:rPr lang="fr-FR" dirty="0" err="1"/>
               <a:t>carto</a:t>
             </a:r>
             <a:r>
-              <a:rPr lang="fr-FR" sz="1400" dirty="0"/>
+              <a:rPr lang="fr-FR" dirty="0"/>
               <a:t> Google/Bing/OSM/</a:t>
             </a:r>
             <a:r>
-              <a:rPr lang="fr-FR" sz="1400" dirty="0" err="1"/>
+              <a:rPr lang="fr-FR" dirty="0" err="1"/>
               <a:t>etc</a:t>
             </a:r>
-            <a:endParaRPr lang="fr-FR" sz="1400" dirty="0"/>
-          </a:p>
-          <a:p>
-            <a:r>
-              <a:rPr lang="fr-FR" sz="1400" dirty="0"/>
+            <a:endParaRPr lang="fr-FR" dirty="0"/>
+          </a:p>
+          <a:p>
+            <a:pPr lvl="1"/>
+            <a:r>
+              <a:rPr lang="fr-FR" dirty="0"/>
               <a:t>Export de la </a:t>
             </a:r>
             <a:r>
-              <a:rPr lang="fr-FR" sz="1400" dirty="0" err="1"/>
+              <a:rPr lang="fr-FR" dirty="0" err="1"/>
               <a:t>carto</a:t>
             </a:r>
             <a:r>
-              <a:rPr lang="fr-FR" sz="1400" dirty="0"/>
+              <a:rPr lang="fr-FR" dirty="0"/>
               <a:t> affichée</a:t>
             </a:r>
           </a:p>
@@ -13474,128 +14734,7 @@
             <a:pPr marL="0" indent="0">
               <a:buNone/>
             </a:pPr>
-            <a:endParaRPr lang="fr-FR" sz="1400" dirty="0"/>
-          </a:p>
-          <a:p>
-            <a:pPr marL="0" indent="0">
-              <a:buNone/>
-            </a:pPr>
-            <a:r>
-              <a:rPr lang="fr-FR" sz="1400" b="1" dirty="0"/>
-              <a:t>Vecteur</a:t>
-            </a:r>
-          </a:p>
-          <a:p>
-            <a:r>
-              <a:rPr lang="fr-FR" sz="1400" dirty="0" err="1"/>
-              <a:t>Geonames</a:t>
-            </a:r>
-            <a:r>
-              <a:rPr lang="fr-FR" sz="1400" dirty="0"/>
-              <a:t> par pays : </a:t>
-            </a:r>
-            <a:r>
-              <a:rPr lang="fr-FR" sz="1400" dirty="0">
-                <a:hlinkClick r:id="rId4"/>
-              </a:rPr>
-              <a:t>https://geonames.nga.mil/gns/html/namefiles.html</a:t>
-            </a:r>
-            <a:endParaRPr lang="fr-FR" sz="1400" dirty="0"/>
-          </a:p>
-          <a:p>
-            <a:r>
-              <a:rPr lang="fr-FR" sz="1400" dirty="0"/>
-              <a:t>OSM (sélection de zone) : </a:t>
-            </a:r>
-            <a:r>
-              <a:rPr lang="fr-FR" sz="1400" dirty="0">
-                <a:hlinkClick r:id="rId5"/>
-              </a:rPr>
-              <a:t>https://www.openstreetmap.org/export</a:t>
-            </a:r>
-            <a:endParaRPr lang="fr-FR" sz="1400" dirty="0"/>
-          </a:p>
-          <a:p>
-            <a:r>
-              <a:rPr lang="fr-FR" sz="1400" dirty="0"/>
-              <a:t>OSM (par pays/région/département) : </a:t>
-            </a:r>
-            <a:r>
-              <a:rPr lang="fr-FR" sz="1400" dirty="0">
-                <a:hlinkClick r:id="rId6"/>
-              </a:rPr>
-              <a:t>http://download.geofabrik.de/</a:t>
-            </a:r>
-            <a:endParaRPr lang="fr-FR" sz="1400" dirty="0"/>
-          </a:p>
-          <a:p>
-            <a:r>
-              <a:rPr lang="fr-FR" sz="1400" dirty="0" err="1"/>
-              <a:t>CellID</a:t>
-            </a:r>
-            <a:r>
-              <a:rPr lang="fr-FR" sz="1400" dirty="0"/>
-              <a:t> sur le monde : </a:t>
-            </a:r>
-            <a:r>
-              <a:rPr lang="fr-FR" sz="1400" dirty="0">
-                <a:hlinkClick r:id="rId7"/>
-              </a:rPr>
-              <a:t>https://www.opencellid.org/downloads.php</a:t>
-            </a:r>
-            <a:endParaRPr lang="fr-FR" sz="1400" dirty="0"/>
-          </a:p>
-          <a:p>
-            <a:pPr marL="0" indent="0">
-              <a:buNone/>
-            </a:pPr>
-            <a:endParaRPr lang="fr-FR" sz="1400" dirty="0"/>
-          </a:p>
-          <a:p>
-            <a:pPr marL="0" indent="0">
-              <a:buNone/>
-            </a:pPr>
-            <a:r>
-              <a:rPr lang="fr-FR" sz="1400" b="1" dirty="0"/>
-              <a:t>Relief</a:t>
-            </a:r>
-            <a:endParaRPr lang="fr-FR" sz="1400" dirty="0"/>
-          </a:p>
-          <a:p>
-            <a:r>
-              <a:rPr lang="fr-FR" sz="1400" dirty="0"/>
-              <a:t>Application APPEARS (données NASA) </a:t>
-            </a:r>
-            <a:r>
-              <a:rPr lang="fr-FR" sz="1400" dirty="0">
-                <a:hlinkClick r:id="rId8"/>
-              </a:rPr>
-              <a:t>https://lpdaacsvc.cr.usgs.gov/appeears</a:t>
-            </a:r>
-            <a:r>
-              <a:rPr lang="fr-FR" sz="1400" dirty="0"/>
-              <a:t> </a:t>
-            </a:r>
-          </a:p>
-          <a:p>
-            <a:r>
-              <a:rPr lang="fr-FR" sz="1400" dirty="0" err="1"/>
-              <a:t>OpenDEM</a:t>
-            </a:r>
-            <a:r>
-              <a:rPr lang="fr-FR" sz="1400" dirty="0"/>
-              <a:t> : </a:t>
-            </a:r>
-            <a:r>
-              <a:rPr lang="fr-FR" sz="1400" dirty="0">
-                <a:hlinkClick r:id="rId9"/>
-              </a:rPr>
-              <a:t>https://www.opendem.info/link_dem.html</a:t>
-            </a:r>
-            <a:endParaRPr lang="fr-FR" sz="1400" dirty="0"/>
-          </a:p>
-          <a:p>
-            <a:endParaRPr lang="fr-FR" sz="1400" dirty="0"/>
+            <a:endParaRPr lang="fr-FR" dirty="0" smtClean="0"/>
           </a:p>
         </p:txBody>
       </p:sp>
@@ -13619,230 +14758,7 @@
 </p:sld>
 </file>
 
-<file path=ppt/slides/slide7.xml><?xml version="1.0" encoding="utf-8"?>
-<p:sld xmlns:a="http://schemas.openxmlformats.org/drawingml/2006/main" xmlns:r="http://schemas.openxmlformats.org/officeDocument/2006/relationships" xmlns:p="http://schemas.openxmlformats.org/presentationml/2006/main">
-  <p:cSld>
-    <p:spTree>
-      <p:nvGrpSpPr>
-        <p:cNvPr id="1" name=""/>
-        <p:cNvGrpSpPr/>
-        <p:nvPr/>
-      </p:nvGrpSpPr>
-      <p:grpSpPr>
-        <a:xfrm>
-          <a:off x="0" y="0"/>
-          <a:ext cx="0" cy="0"/>
-          <a:chOff x="0" y="0"/>
-          <a:chExt cx="0" cy="0"/>
-        </a:xfrm>
-      </p:grpSpPr>
-      <p:sp>
-        <p:nvSpPr>
-          <p:cNvPr id="4" name="Titre 3"/>
-          <p:cNvSpPr>
-            <a:spLocks noGrp="1"/>
-          </p:cNvSpPr>
-          <p:nvPr>
-            <p:ph type="title"/>
-          </p:nvPr>
-        </p:nvSpPr>
-        <p:spPr/>
-        <p:txBody>
-          <a:bodyPr/>
-          <a:lstStyle/>
-          <a:p>
-            <a:r>
-              <a:rPr lang="fr-FR" dirty="0" err="1" smtClean="0"/>
-              <a:t>OpenStreetMap</a:t>
-            </a:r>
-            <a:r>
-              <a:rPr lang="fr-FR" dirty="0" smtClean="0"/>
-              <a:t> (OSM)</a:t>
-            </a:r>
-            <a:endParaRPr lang="fr-FR" dirty="0"/>
-          </a:p>
-        </p:txBody>
-      </p:sp>
-      <p:sp>
-        <p:nvSpPr>
-          <p:cNvPr id="5" name="Espace réservé du contenu 4"/>
-          <p:cNvSpPr>
-            <a:spLocks noGrp="1"/>
-          </p:cNvSpPr>
-          <p:nvPr>
-            <p:ph idx="1"/>
-          </p:nvPr>
-        </p:nvSpPr>
-        <p:spPr/>
-        <p:txBody>
-          <a:bodyPr>
-            <a:normAutofit/>
-          </a:bodyPr>
-          <a:lstStyle/>
-          <a:p>
-            <a:pPr marL="0" indent="0">
-              <a:buNone/>
-            </a:pPr>
-            <a:r>
-              <a:rPr lang="fr-FR" sz="1400" b="1" u="sng" dirty="0"/>
-              <a:t>Exploiter des données </a:t>
-            </a:r>
-            <a:r>
-              <a:rPr lang="fr-FR" sz="1400" b="1" u="sng" dirty="0" smtClean="0"/>
-              <a:t>OSM</a:t>
-            </a:r>
-            <a:endParaRPr lang="fr-FR" sz="1400" dirty="0"/>
-          </a:p>
-          <a:p>
-            <a:r>
-              <a:rPr lang="fr-FR" sz="1400" dirty="0"/>
-              <a:t>Les données OSM sont souvent fournies avec l’extension .bz2 (compressée)</a:t>
-            </a:r>
-          </a:p>
-          <a:p>
-            <a:r>
-              <a:rPr lang="fr-FR" sz="1400" dirty="0"/>
-              <a:t>Les fichiers .</a:t>
-            </a:r>
-            <a:r>
-              <a:rPr lang="fr-FR" sz="1400" dirty="0" err="1"/>
-              <a:t>osm</a:t>
-            </a:r>
-            <a:r>
-              <a:rPr lang="fr-FR" sz="1400" dirty="0"/>
-              <a:t> sont des fichiers XML directement importable.</a:t>
-            </a:r>
-          </a:p>
-          <a:p>
-            <a:pPr marL="0" indent="0">
-              <a:buNone/>
-            </a:pPr>
-            <a:endParaRPr lang="fr-FR" sz="1400" dirty="0"/>
-          </a:p>
-          <a:p>
-            <a:r>
-              <a:rPr lang="fr-FR" sz="1400" dirty="0"/>
-              <a:t>Les données apparaissent toutes dans une couche.</a:t>
-            </a:r>
-          </a:p>
-          <a:p>
-            <a:r>
-              <a:rPr lang="fr-FR" sz="1400" dirty="0"/>
-              <a:t>Pour y voir plus clair, il faut diviser la couche par thématique.</a:t>
-            </a:r>
-          </a:p>
-          <a:p>
-            <a:endParaRPr lang="fr-FR" sz="1400" dirty="0"/>
-          </a:p>
-          <a:p>
-            <a:r>
-              <a:rPr lang="fr-FR" sz="1400" dirty="0"/>
-              <a:t>Sur la couche OSM, clic droit -&gt; LAYER -&gt; SPLIT</a:t>
-            </a:r>
-          </a:p>
-          <a:p>
-            <a:pPr marL="342900" indent="-342900">
-              <a:buFontTx/>
-              <a:buChar char="-"/>
-            </a:pPr>
-            <a:r>
-              <a:rPr lang="fr-FR" sz="1400" dirty="0"/>
-              <a:t>Découpage classique : choisir « </a:t>
-            </a:r>
-            <a:r>
-              <a:rPr lang="fr-FR" sz="1400" dirty="0" err="1"/>
-              <a:t>Feature</a:t>
-            </a:r>
-            <a:r>
-              <a:rPr lang="fr-FR" sz="1400" dirty="0"/>
-              <a:t> Type »</a:t>
-            </a:r>
-          </a:p>
-          <a:p>
-            <a:pPr marL="342900" indent="-342900">
-              <a:buFontTx/>
-              <a:buChar char="-"/>
-            </a:pPr>
-            <a:r>
-              <a:rPr lang="fr-FR" sz="1400" dirty="0"/>
-              <a:t>Découpage détaillé : choisir « </a:t>
-            </a:r>
-            <a:r>
-              <a:rPr lang="fr-FR" sz="1400" dirty="0" err="1"/>
-              <a:t>Feature</a:t>
-            </a:r>
-            <a:r>
-              <a:rPr lang="fr-FR" sz="1400" dirty="0"/>
-              <a:t> Description »</a:t>
-            </a:r>
-          </a:p>
-          <a:p>
-            <a:endParaRPr lang="fr-FR" sz="1400" dirty="0"/>
-          </a:p>
-          <a:p>
-            <a:r>
-              <a:rPr lang="fr-FR" sz="1400" dirty="0"/>
-              <a:t>La couche OSM est subdivisée en plusieurs couches (building, </a:t>
-            </a:r>
-            <a:r>
-              <a:rPr lang="fr-FR" sz="1400" dirty="0" err="1"/>
-              <a:t>highway</a:t>
-            </a:r>
-            <a:r>
-              <a:rPr lang="fr-FR" sz="1400" dirty="0"/>
-              <a:t>, shopping)</a:t>
-            </a:r>
-          </a:p>
-          <a:p>
-            <a:r>
-              <a:rPr lang="fr-FR" sz="1400" dirty="0"/>
-              <a:t>De nombreux point non classés se retrouvent dans une couche « </a:t>
-            </a:r>
-            <a:r>
-              <a:rPr lang="fr-FR" sz="1400" dirty="0" err="1"/>
-              <a:t>Unknown</a:t>
-            </a:r>
-            <a:r>
-              <a:rPr lang="fr-FR" sz="1400" dirty="0"/>
-              <a:t> Point </a:t>
-            </a:r>
-            <a:r>
-              <a:rPr lang="fr-FR" sz="1400" dirty="0" err="1"/>
-              <a:t>Feature</a:t>
-            </a:r>
-            <a:r>
-              <a:rPr lang="fr-FR" sz="1400" dirty="0"/>
-              <a:t> </a:t>
-            </a:r>
-            <a:r>
-              <a:rPr lang="fr-FR" sz="1400" dirty="0" smtClean="0"/>
-              <a:t>»</a:t>
-            </a:r>
-            <a:endParaRPr lang="fr-FR" sz="1400" dirty="0"/>
-          </a:p>
-        </p:txBody>
-      </p:sp>
-    </p:spTree>
-    <p:extLst>
-      <p:ext uri="{BB962C8B-B14F-4D97-AF65-F5344CB8AC3E}">
-        <p14:creationId xmlns:p14="http://schemas.microsoft.com/office/powerpoint/2010/main" val="624187777"/>
-      </p:ext>
-    </p:extLst>
-  </p:cSld>
-  <p:clrMapOvr>
-    <a:masterClrMapping/>
-  </p:clrMapOvr>
-  <p:timing>
-    <p:tnLst>
-      <p:par>
-        <p:cTn id="1" dur="indefinite" restart="never" nodeType="tmRoot"/>
-      </p:par>
-    </p:tnLst>
-  </p:timing>
-</p:sld>
-</file>
-
-<file path=ppt/slides/slide8.xml><?xml version="1.0" encoding="utf-8"?>
+<file path=ppt/slides/slide6.xml><?xml version="1.0" encoding="utf-8"?>
 <p:sld xmlns:a="http://schemas.openxmlformats.org/drawingml/2006/main" xmlns:r="http://schemas.openxmlformats.org/officeDocument/2006/relationships" xmlns:p="http://schemas.openxmlformats.org/presentationml/2006/main">
   <p:cSld>
     <p:spTree>
@@ -13931,7 +14847,7 @@
           <a:lstStyle/>
           <a:p>
             <a:r>
-              <a:rPr lang="fr-FR" dirty="0"/>
+              <a:rPr lang="fr-FR" dirty="0" smtClean="0"/>
               <a:t>SAS </a:t>
             </a:r>
             <a:r>
@@ -13940,18 +14856,12 @@
             </a:r>
             <a:r>
               <a:rPr lang="fr-FR" dirty="0"/>
-              <a:t> est un logiciel extrêmement pratique : il permet d’afficher de nombreuses sources de </a:t>
-            </a:r>
-            <a:r>
-              <a:rPr lang="fr-FR" dirty="0" err="1"/>
-              <a:t>carto</a:t>
-            </a:r>
-            <a:r>
-              <a:rPr lang="fr-FR" dirty="0"/>
-              <a:t> et de les exporter facilement</a:t>
-            </a:r>
-          </a:p>
-          <a:p>
+              <a:t> </a:t>
+            </a:r>
+            <a:r>
+              <a:rPr lang="fr-FR" dirty="0" smtClean="0"/>
+              <a:t>affiche et exporte des images SAT de plusieurs sources</a:t>
+            </a:r>
             <a:endParaRPr lang="fr-FR" dirty="0"/>
           </a:p>
           <a:p>
@@ -13992,7 +14902,7 @@
 </p:sld>
 </file>
 
-<file path=ppt/slides/slide9.xml><?xml version="1.0" encoding="utf-8"?>
+<file path=ppt/slides/slide7.xml><?xml version="1.0" encoding="utf-8"?>
 <p:sld xmlns:a="http://schemas.openxmlformats.org/drawingml/2006/main" xmlns:r="http://schemas.openxmlformats.org/officeDocument/2006/relationships" xmlns:p="http://schemas.openxmlformats.org/presentationml/2006/main">
   <p:cSld>
     <p:spTree>
@@ -14155,6 +15065,390 @@
   <p:clrMapOvr>
     <a:masterClrMapping/>
   </p:clrMapOvr>
+</p:sld>
+</file>
+
+<file path=ppt/slides/slide8.xml><?xml version="1.0" encoding="utf-8"?>
+<p:sld xmlns:a="http://schemas.openxmlformats.org/drawingml/2006/main" xmlns:r="http://schemas.openxmlformats.org/officeDocument/2006/relationships" xmlns:p="http://schemas.openxmlformats.org/presentationml/2006/main">
+  <p:cSld>
+    <p:spTree>
+      <p:nvGrpSpPr>
+        <p:cNvPr id="1" name=""/>
+        <p:cNvGrpSpPr/>
+        <p:nvPr/>
+      </p:nvGrpSpPr>
+      <p:grpSpPr>
+        <a:xfrm>
+          <a:off x="0" y="0"/>
+          <a:ext cx="0" cy="0"/>
+          <a:chOff x="0" y="0"/>
+          <a:chExt cx="0" cy="0"/>
+        </a:xfrm>
+      </p:grpSpPr>
+      <p:pic>
+        <p:nvPicPr>
+          <p:cNvPr id="2" name="Image 1"/>
+          <p:cNvPicPr>
+            <a:picLocks noChangeAspect="1"/>
+          </p:cNvPicPr>
+          <p:nvPr/>
+        </p:nvPicPr>
+        <p:blipFill rotWithShape="1">
+          <a:blip r:embed="rId2"/>
+          <a:srcRect l="3699" t="1934" r="4458" b="1734"/>
+          <a:stretch/>
+        </p:blipFill>
+        <p:spPr>
+          <a:xfrm>
+            <a:off x="2150036" y="3894083"/>
+            <a:ext cx="3677952" cy="2963918"/>
+          </a:xfrm>
+          <a:prstGeom prst="rect">
+            <a:avLst/>
+          </a:prstGeom>
+          <a:ln>
+            <a:solidFill>
+              <a:schemeClr val="tx1"/>
+            </a:solidFill>
+          </a:ln>
+        </p:spPr>
+      </p:pic>
+      <p:pic>
+        <p:nvPicPr>
+          <p:cNvPr id="4" name="Image 3"/>
+          <p:cNvPicPr>
+            <a:picLocks noChangeAspect="1"/>
+          </p:cNvPicPr>
+          <p:nvPr/>
+        </p:nvPicPr>
+        <p:blipFill>
+          <a:blip r:embed="rId3"/>
+          <a:stretch>
+            <a:fillRect/>
+          </a:stretch>
+        </p:blipFill>
+        <p:spPr>
+          <a:xfrm>
+            <a:off x="6923691" y="3894083"/>
+            <a:ext cx="3744309" cy="2995447"/>
+          </a:xfrm>
+          <a:prstGeom prst="rect">
+            <a:avLst/>
+          </a:prstGeom>
+          <a:ln>
+            <a:solidFill>
+              <a:schemeClr val="tx1"/>
+            </a:solidFill>
+          </a:ln>
+        </p:spPr>
+      </p:pic>
+      <p:sp>
+        <p:nvSpPr>
+          <p:cNvPr id="6" name="Titre 5"/>
+          <p:cNvSpPr>
+            <a:spLocks noGrp="1"/>
+          </p:cNvSpPr>
+          <p:nvPr>
+            <p:ph type="title"/>
+          </p:nvPr>
+        </p:nvSpPr>
+        <p:spPr/>
+        <p:txBody>
+          <a:bodyPr/>
+          <a:lstStyle/>
+          <a:p>
+            <a:r>
+              <a:rPr lang="fr-FR" dirty="0" smtClean="0"/>
+              <a:t>Exporter depuis SAS </a:t>
+            </a:r>
+            <a:r>
+              <a:rPr lang="fr-FR" dirty="0" err="1" smtClean="0"/>
+              <a:t>Planet</a:t>
+            </a:r>
+            <a:endParaRPr lang="fr-FR" dirty="0"/>
+          </a:p>
+        </p:txBody>
+      </p:sp>
+      <p:sp>
+        <p:nvSpPr>
+          <p:cNvPr id="7" name="Espace réservé du contenu 6"/>
+          <p:cNvSpPr>
+            <a:spLocks noGrp="1"/>
+          </p:cNvSpPr>
+          <p:nvPr>
+            <p:ph idx="1"/>
+          </p:nvPr>
+        </p:nvSpPr>
+        <p:spPr/>
+        <p:txBody>
+          <a:bodyPr/>
+          <a:lstStyle/>
+          <a:p>
+            <a:pPr marL="285750" indent="-285750">
+              <a:buFontTx/>
+              <a:buChar char="-"/>
+            </a:pPr>
+            <a:r>
+              <a:rPr lang="fr-FR" sz="2400" dirty="0" smtClean="0"/>
+              <a:t>Après sélection de la zone, la fenêtre « Gestionnaire de sélection » s’ouvre</a:t>
+            </a:r>
+          </a:p>
+          <a:p>
+            <a:pPr marL="285750" indent="-285750">
+              <a:buFontTx/>
+              <a:buChar char="-"/>
+            </a:pPr>
+            <a:r>
+              <a:rPr lang="fr-FR" sz="2400" dirty="0" smtClean="0"/>
+              <a:t>Onglet Télécharger </a:t>
+            </a:r>
+          </a:p>
+          <a:p>
+            <a:pPr marL="742950" lvl="1" indent="-285750">
+              <a:buFontTx/>
+              <a:buChar char="-"/>
+            </a:pPr>
+            <a:r>
+              <a:rPr lang="fr-FR" sz="2000" dirty="0" smtClean="0"/>
+              <a:t>Enregistre en cache les </a:t>
+            </a:r>
+            <a:r>
+              <a:rPr lang="fr-FR" sz="2000" dirty="0"/>
+              <a:t>dalles sur la couche et au niveau de zoom voulus</a:t>
+            </a:r>
+          </a:p>
+          <a:p>
+            <a:pPr marL="285750" indent="-285750">
+              <a:buFontTx/>
+              <a:buChar char="-"/>
+            </a:pPr>
+            <a:r>
+              <a:rPr lang="fr-FR" sz="2400" dirty="0" smtClean="0"/>
+              <a:t>Onglet Assembler</a:t>
+            </a:r>
+          </a:p>
+          <a:p>
+            <a:pPr marL="742950" lvl="1" indent="-285750">
+              <a:buFontTx/>
+              <a:buChar char="-"/>
+            </a:pPr>
+            <a:r>
+              <a:rPr lang="fr-FR" sz="2000" dirty="0" smtClean="0"/>
+              <a:t>Exporte la couche au </a:t>
+            </a:r>
+            <a:r>
+              <a:rPr lang="fr-FR" sz="2000" dirty="0"/>
+              <a:t>zoom </a:t>
+            </a:r>
+            <a:r>
+              <a:rPr lang="fr-FR" sz="2000" dirty="0" smtClean="0"/>
+              <a:t>sélectionné vers </a:t>
+            </a:r>
+            <a:r>
+              <a:rPr lang="fr-FR" sz="2000" dirty="0" smtClean="0"/>
+              <a:t>le </a:t>
+            </a:r>
+            <a:r>
+              <a:rPr lang="fr-FR" sz="2000" smtClean="0"/>
+              <a:t>format choisi</a:t>
+            </a:r>
+            <a:endParaRPr lang="fr-FR" sz="2000" dirty="0"/>
+          </a:p>
+          <a:p>
+            <a:endParaRPr lang="fr-FR" dirty="0"/>
+          </a:p>
+        </p:txBody>
+      </p:sp>
+    </p:spTree>
+    <p:extLst>
+      <p:ext uri="{BB962C8B-B14F-4D97-AF65-F5344CB8AC3E}">
+        <p14:creationId xmlns:p14="http://schemas.microsoft.com/office/powerpoint/2010/main" val="2692379561"/>
+      </p:ext>
+    </p:extLst>
+  </p:cSld>
+  <p:clrMapOvr>
+    <a:masterClrMapping/>
+  </p:clrMapOvr>
+</p:sld>
+</file>
+
+<file path=ppt/slides/slide9.xml><?xml version="1.0" encoding="utf-8"?>
+<p:sld xmlns:a="http://schemas.openxmlformats.org/drawingml/2006/main" xmlns:r="http://schemas.openxmlformats.org/officeDocument/2006/relationships" xmlns:p="http://schemas.openxmlformats.org/presentationml/2006/main">
+  <p:cSld>
+    <p:spTree>
+      <p:nvGrpSpPr>
+        <p:cNvPr id="1" name=""/>
+        <p:cNvGrpSpPr/>
+        <p:nvPr/>
+      </p:nvGrpSpPr>
+      <p:grpSpPr>
+        <a:xfrm>
+          <a:off x="0" y="0"/>
+          <a:ext cx="0" cy="0"/>
+          <a:chOff x="0" y="0"/>
+          <a:chExt cx="0" cy="0"/>
+        </a:xfrm>
+      </p:grpSpPr>
+      <p:sp>
+        <p:nvSpPr>
+          <p:cNvPr id="4" name="Titre 3"/>
+          <p:cNvSpPr>
+            <a:spLocks noGrp="1"/>
+          </p:cNvSpPr>
+          <p:nvPr>
+            <p:ph type="title"/>
+          </p:nvPr>
+        </p:nvSpPr>
+        <p:spPr/>
+        <p:txBody>
+          <a:bodyPr/>
+          <a:lstStyle/>
+          <a:p>
+            <a:r>
+              <a:rPr lang="fr-FR" dirty="0"/>
+              <a:t>Sur internet – </a:t>
+            </a:r>
+            <a:r>
+              <a:rPr lang="fr-FR" dirty="0" err="1"/>
+              <a:t>carto</a:t>
+            </a:r>
+            <a:r>
+              <a:rPr lang="fr-FR" dirty="0"/>
+              <a:t> </a:t>
+            </a:r>
+            <a:r>
+              <a:rPr lang="fr-FR" dirty="0" smtClean="0"/>
+              <a:t>Monde</a:t>
+            </a:r>
+            <a:endParaRPr lang="fr-FR" dirty="0"/>
+          </a:p>
+        </p:txBody>
+      </p:sp>
+      <p:sp>
+        <p:nvSpPr>
+          <p:cNvPr id="5" name="Espace réservé du contenu 4"/>
+          <p:cNvSpPr>
+            <a:spLocks noGrp="1"/>
+          </p:cNvSpPr>
+          <p:nvPr>
+            <p:ph idx="1"/>
+          </p:nvPr>
+        </p:nvSpPr>
+        <p:spPr/>
+        <p:txBody>
+          <a:bodyPr>
+            <a:noAutofit/>
+          </a:bodyPr>
+          <a:lstStyle/>
+          <a:p>
+            <a:pPr marL="0" indent="0">
+              <a:buNone/>
+            </a:pPr>
+            <a:r>
+              <a:rPr lang="fr-FR" b="1" dirty="0" smtClean="0"/>
+              <a:t>Carte </a:t>
+            </a:r>
+            <a:r>
+              <a:rPr lang="fr-FR" b="1" dirty="0" err="1" smtClean="0"/>
+              <a:t>OpenStreetMap</a:t>
+            </a:r>
+            <a:endParaRPr lang="fr-FR" dirty="0"/>
+          </a:p>
+          <a:p>
+            <a:pPr marL="0" indent="0">
+              <a:buNone/>
+            </a:pPr>
+            <a:endParaRPr lang="fr-FR" dirty="0" smtClean="0"/>
+          </a:p>
+          <a:p>
+            <a:pPr marL="0" indent="0">
+              <a:buNone/>
+            </a:pPr>
+            <a:r>
+              <a:rPr lang="fr-FR" dirty="0" err="1" smtClean="0"/>
+              <a:t>Maperitive</a:t>
+            </a:r>
+            <a:r>
+              <a:rPr lang="fr-FR" dirty="0" smtClean="0"/>
+              <a:t> </a:t>
+            </a:r>
+            <a:r>
+              <a:rPr lang="fr-FR" dirty="0"/>
+              <a:t>: </a:t>
+            </a:r>
+            <a:r>
+              <a:rPr lang="fr-FR" dirty="0">
+                <a:hlinkClick r:id="rId3"/>
+              </a:rPr>
+              <a:t>http://maperitive.net</a:t>
+            </a:r>
+            <a:r>
+              <a:rPr lang="fr-FR" dirty="0" smtClean="0">
+                <a:hlinkClick r:id="rId3"/>
+              </a:rPr>
+              <a:t>/</a:t>
+            </a:r>
+            <a:endParaRPr lang="fr-FR" dirty="0"/>
+          </a:p>
+          <a:p>
+            <a:pPr lvl="1"/>
+            <a:r>
+              <a:rPr lang="fr-FR" dirty="0"/>
+              <a:t>Logiciel de visualisation de la </a:t>
+            </a:r>
+            <a:r>
+              <a:rPr lang="fr-FR" dirty="0" err="1"/>
+              <a:t>carto</a:t>
+            </a:r>
+            <a:r>
+              <a:rPr lang="fr-FR" dirty="0"/>
+              <a:t> </a:t>
+            </a:r>
+            <a:endParaRPr lang="fr-FR" dirty="0" smtClean="0"/>
+          </a:p>
+          <a:p>
+            <a:pPr lvl="1"/>
+            <a:r>
+              <a:rPr lang="fr-FR" dirty="0" smtClean="0"/>
+              <a:t>Export </a:t>
+            </a:r>
+            <a:r>
+              <a:rPr lang="fr-FR" dirty="0"/>
+              <a:t>de la </a:t>
+            </a:r>
+            <a:r>
+              <a:rPr lang="fr-FR" dirty="0" err="1"/>
+              <a:t>carto</a:t>
+            </a:r>
+            <a:r>
+              <a:rPr lang="fr-FR" dirty="0"/>
+              <a:t> </a:t>
+            </a:r>
+            <a:r>
+              <a:rPr lang="fr-FR" dirty="0" smtClean="0"/>
+              <a:t>affichée</a:t>
+            </a:r>
+            <a:endParaRPr lang="fr-FR" sz="2000" dirty="0"/>
+          </a:p>
+        </p:txBody>
+      </p:sp>
+    </p:spTree>
+    <p:extLst>
+      <p:ext uri="{BB962C8B-B14F-4D97-AF65-F5344CB8AC3E}">
+        <p14:creationId xmlns:p14="http://schemas.microsoft.com/office/powerpoint/2010/main" val="4150894836"/>
+      </p:ext>
+    </p:extLst>
+  </p:cSld>
+  <p:clrMapOvr>
+    <a:masterClrMapping/>
+  </p:clrMapOvr>
+  <p:timing>
+    <p:tnLst>
+      <p:par>
+        <p:cTn id="1" dur="indefinite" restart="never" nodeType="tmRoot"/>
+      </p:par>
+    </p:tnLst>
+  </p:timing>
 </p:sld>
 </file>
 

--- a/cours/Guide - obtenir des cartes.pptx
+++ b/cours/Guide - obtenir des cartes.pptx
@@ -228,7 +228,7 @@
           <a:p>
             <a:fld id="{5C348F8D-022D-404F-B7E9-2A064090EDFB}" type="datetimeFigureOut">
               <a:rPr lang="fr-FR" smtClean="0"/>
-              <a:t>05/10/2022</a:t>
+              <a:t>24/10/2022</a:t>
             </a:fld>
             <a:endParaRPr lang="fr-FR"/>
           </a:p>
@@ -2785,7 +2785,7 @@
           <a:p>
             <a:fld id="{A74F3EA5-292C-4331-BAB5-A6575F471254}" type="datetimeFigureOut">
               <a:rPr lang="fr-FR" smtClean="0"/>
-              <a:t>05/10/2022</a:t>
+              <a:t>24/10/2022</a:t>
             </a:fld>
             <a:endParaRPr lang="fr-FR"/>
           </a:p>
@@ -2971,7 +2971,7 @@
           <a:p>
             <a:fld id="{A74F3EA5-292C-4331-BAB5-A6575F471254}" type="datetimeFigureOut">
               <a:rPr lang="fr-FR" smtClean="0"/>
-              <a:t>05/10/2022</a:t>
+              <a:t>24/10/2022</a:t>
             </a:fld>
             <a:endParaRPr lang="fr-FR"/>
           </a:p>
@@ -3157,7 +3157,7 @@
           <a:p>
             <a:fld id="{A74F3EA5-292C-4331-BAB5-A6575F471254}" type="datetimeFigureOut">
               <a:rPr lang="fr-FR" smtClean="0"/>
-              <a:t>05/10/2022</a:t>
+              <a:t>24/10/2022</a:t>
             </a:fld>
             <a:endParaRPr lang="fr-FR"/>
           </a:p>
@@ -3349,7 +3349,7 @@
           <a:p>
             <a:fld id="{A74F3EA5-292C-4331-BAB5-A6575F471254}" type="datetimeFigureOut">
               <a:rPr lang="fr-FR" smtClean="0"/>
-              <a:t>05/10/2022</a:t>
+              <a:t>24/10/2022</a:t>
             </a:fld>
             <a:endParaRPr lang="fr-FR"/>
           </a:p>
@@ -3519,7 +3519,7 @@
           <a:p>
             <a:fld id="{A74F3EA5-292C-4331-BAB5-A6575F471254}" type="datetimeFigureOut">
               <a:rPr lang="fr-FR" smtClean="0"/>
-              <a:t>05/10/2022</a:t>
+              <a:t>24/10/2022</a:t>
             </a:fld>
             <a:endParaRPr lang="fr-FR"/>
           </a:p>
@@ -3765,7 +3765,7 @@
           <a:p>
             <a:fld id="{A74F3EA5-292C-4331-BAB5-A6575F471254}" type="datetimeFigureOut">
               <a:rPr lang="fr-FR" smtClean="0"/>
-              <a:t>05/10/2022</a:t>
+              <a:t>24/10/2022</a:t>
             </a:fld>
             <a:endParaRPr lang="fr-FR"/>
           </a:p>
@@ -3997,7 +3997,7 @@
           <a:p>
             <a:fld id="{A74F3EA5-292C-4331-BAB5-A6575F471254}" type="datetimeFigureOut">
               <a:rPr lang="fr-FR" smtClean="0"/>
-              <a:t>05/10/2022</a:t>
+              <a:t>24/10/2022</a:t>
             </a:fld>
             <a:endParaRPr lang="fr-FR"/>
           </a:p>
@@ -4364,7 +4364,7 @@
           <a:p>
             <a:fld id="{A74F3EA5-292C-4331-BAB5-A6575F471254}" type="datetimeFigureOut">
               <a:rPr lang="fr-FR" smtClean="0"/>
-              <a:t>05/10/2022</a:t>
+              <a:t>24/10/2022</a:t>
             </a:fld>
             <a:endParaRPr lang="fr-FR"/>
           </a:p>
@@ -4482,7 +4482,7 @@
           <a:p>
             <a:fld id="{A74F3EA5-292C-4331-BAB5-A6575F471254}" type="datetimeFigureOut">
               <a:rPr lang="fr-FR" smtClean="0"/>
-              <a:t>05/10/2022</a:t>
+              <a:t>24/10/2022</a:t>
             </a:fld>
             <a:endParaRPr lang="fr-FR"/>
           </a:p>
@@ -4577,7 +4577,7 @@
           <a:p>
             <a:fld id="{A74F3EA5-292C-4331-BAB5-A6575F471254}" type="datetimeFigureOut">
               <a:rPr lang="fr-FR" smtClean="0"/>
-              <a:t>05/10/2022</a:t>
+              <a:t>24/10/2022</a:t>
             </a:fld>
             <a:endParaRPr lang="fr-FR"/>
           </a:p>
@@ -4854,7 +4854,7 @@
           <a:p>
             <a:fld id="{A74F3EA5-292C-4331-BAB5-A6575F471254}" type="datetimeFigureOut">
               <a:rPr lang="fr-FR" smtClean="0"/>
-              <a:t>05/10/2022</a:t>
+              <a:t>24/10/2022</a:t>
             </a:fld>
             <a:endParaRPr lang="fr-FR"/>
           </a:p>
@@ -5040,7 +5040,7 @@
           <a:p>
             <a:fld id="{A74F3EA5-292C-4331-BAB5-A6575F471254}" type="datetimeFigureOut">
               <a:rPr lang="fr-FR" smtClean="0"/>
-              <a:t>05/10/2022</a:t>
+              <a:t>24/10/2022</a:t>
             </a:fld>
             <a:endParaRPr lang="fr-FR"/>
           </a:p>
@@ -5297,7 +5297,7 @@
           <a:p>
             <a:fld id="{A74F3EA5-292C-4331-BAB5-A6575F471254}" type="datetimeFigureOut">
               <a:rPr lang="fr-FR" smtClean="0"/>
-              <a:t>05/10/2022</a:t>
+              <a:t>24/10/2022</a:t>
             </a:fld>
             <a:endParaRPr lang="fr-FR"/>
           </a:p>
@@ -5467,7 +5467,7 @@
           <a:p>
             <a:fld id="{A74F3EA5-292C-4331-BAB5-A6575F471254}" type="datetimeFigureOut">
               <a:rPr lang="fr-FR" smtClean="0"/>
-              <a:t>05/10/2022</a:t>
+              <a:t>24/10/2022</a:t>
             </a:fld>
             <a:endParaRPr lang="fr-FR"/>
           </a:p>
@@ -5647,7 +5647,7 @@
           <a:p>
             <a:fld id="{A74F3EA5-292C-4331-BAB5-A6575F471254}" type="datetimeFigureOut">
               <a:rPr lang="fr-FR" smtClean="0"/>
-              <a:t>05/10/2022</a:t>
+              <a:t>24/10/2022</a:t>
             </a:fld>
             <a:endParaRPr lang="fr-FR"/>
           </a:p>
@@ -5899,7 +5899,7 @@
           <a:p>
             <a:fld id="{A74F3EA5-292C-4331-BAB5-A6575F471254}" type="datetimeFigureOut">
               <a:rPr lang="fr-FR" smtClean="0"/>
-              <a:t>05/10/2022</a:t>
+              <a:t>24/10/2022</a:t>
             </a:fld>
             <a:endParaRPr lang="fr-FR"/>
           </a:p>
@@ -6145,7 +6145,7 @@
           <a:p>
             <a:fld id="{A74F3EA5-292C-4331-BAB5-A6575F471254}" type="datetimeFigureOut">
               <a:rPr lang="fr-FR" smtClean="0"/>
-              <a:t>05/10/2022</a:t>
+              <a:t>24/10/2022</a:t>
             </a:fld>
             <a:endParaRPr lang="fr-FR"/>
           </a:p>
@@ -6527,7 +6527,7 @@
           <a:p>
             <a:fld id="{A74F3EA5-292C-4331-BAB5-A6575F471254}" type="datetimeFigureOut">
               <a:rPr lang="fr-FR" smtClean="0"/>
-              <a:t>05/10/2022</a:t>
+              <a:t>24/10/2022</a:t>
             </a:fld>
             <a:endParaRPr lang="fr-FR"/>
           </a:p>
@@ -6653,7 +6653,7 @@
           <a:p>
             <a:fld id="{A74F3EA5-292C-4331-BAB5-A6575F471254}" type="datetimeFigureOut">
               <a:rPr lang="fr-FR" smtClean="0"/>
-              <a:t>05/10/2022</a:t>
+              <a:t>24/10/2022</a:t>
             </a:fld>
             <a:endParaRPr lang="fr-FR"/>
           </a:p>
@@ -6748,7 +6748,7 @@
           <a:p>
             <a:fld id="{A74F3EA5-292C-4331-BAB5-A6575F471254}" type="datetimeFigureOut">
               <a:rPr lang="fr-FR" smtClean="0"/>
-              <a:t>05/10/2022</a:t>
+              <a:t>24/10/2022</a:t>
             </a:fld>
             <a:endParaRPr lang="fr-FR"/>
           </a:p>
@@ -7034,7 +7034,7 @@
           <a:p>
             <a:fld id="{A74F3EA5-292C-4331-BAB5-A6575F471254}" type="datetimeFigureOut">
               <a:rPr lang="fr-FR" smtClean="0"/>
-              <a:t>05/10/2022</a:t>
+              <a:t>24/10/2022</a:t>
             </a:fld>
             <a:endParaRPr lang="fr-FR"/>
           </a:p>
@@ -7296,7 +7296,7 @@
           <a:p>
             <a:fld id="{A74F3EA5-292C-4331-BAB5-A6575F471254}" type="datetimeFigureOut">
               <a:rPr lang="fr-FR" smtClean="0"/>
-              <a:t>05/10/2022</a:t>
+              <a:t>24/10/2022</a:t>
             </a:fld>
             <a:endParaRPr lang="fr-FR"/>
           </a:p>
@@ -7414,7 +7414,7 @@
           <a:p>
             <a:fld id="{A74F3EA5-292C-4331-BAB5-A6575F471254}" type="datetimeFigureOut">
               <a:rPr lang="fr-FR" smtClean="0"/>
-              <a:t>05/10/2022</a:t>
+              <a:t>24/10/2022</a:t>
             </a:fld>
             <a:endParaRPr lang="fr-FR"/>
           </a:p>
@@ -8254,7 +8254,7 @@
           <a:p>
             <a:fld id="{A74F3EA5-292C-4331-BAB5-A6575F471254}" type="datetimeFigureOut">
               <a:rPr lang="fr-FR" smtClean="0"/>
-              <a:t>05/10/2022</a:t>
+              <a:t>24/10/2022</a:t>
             </a:fld>
             <a:endParaRPr lang="fr-FR"/>
           </a:p>
@@ -9576,7 +9576,7 @@
           <a:graphicData uri="http://schemas.openxmlformats.org/presentationml/2006/ole">
             <mc:AlternateContent xmlns:mc="http://schemas.openxmlformats.org/markup-compatibility/2006">
               <mc:Choice xmlns:v="urn:schemas-microsoft-com:vml" Requires="v">
-                <p:oleObj spid="_x0000_s2061" name="Image bitmap" r:id="rId7" imgW="2209680" imgH="2324160" progId="Paint.Picture">
+                <p:oleObj spid="_x0000_s2067" name="Image bitmap" r:id="rId7" imgW="2209680" imgH="2324160" progId="Paint.Picture">
                   <p:embed/>
                 </p:oleObj>
               </mc:Choice>
@@ -9728,29 +9728,13 @@
             </a:r>
             <a:r>
               <a:rPr lang="fr-FR" sz="1800" dirty="0" smtClean="0"/>
-              <a:t> </a:t>
-            </a:r>
+              <a:t> (OSM) met aussi à disposition des fichiers OSM</a:t>
+            </a:r>
+          </a:p>
+          <a:p>
             <a:r>
               <a:rPr lang="fr-FR" sz="1800" dirty="0" smtClean="0"/>
-              <a:t>(OSM) met aussi à disposition des fichiers OSM</a:t>
-            </a:r>
-          </a:p>
-          <a:p>
-            <a:r>
-              <a:rPr lang="fr-FR" sz="1800" dirty="0" smtClean="0"/>
-              <a:t>Il s’agit de </a:t>
-            </a:r>
-            <a:r>
-              <a:rPr lang="fr-FR" sz="1800" dirty="0" smtClean="0"/>
-              <a:t>vecteurs </a:t>
-            </a:r>
-            <a:r>
-              <a:rPr lang="fr-FR" sz="1800" dirty="0" smtClean="0"/>
-              <a:t>très complets (et volumineux</a:t>
-            </a:r>
-            <a:r>
-              <a:rPr lang="fr-FR" sz="1800" dirty="0" smtClean="0"/>
-              <a:t>)</a:t>
+              <a:t>Il s’agit de vecteurs très complets (et volumineux)</a:t>
             </a:r>
           </a:p>
           <a:p>
@@ -10470,44 +10454,121 @@
           <a:lstStyle/>
           <a:p>
             <a:r>
-              <a:rPr lang="fr-FR" sz="2000" dirty="0"/>
-              <a:t>Application APPEARS (données NASA) </a:t>
-            </a:r>
-            <a:r>
-              <a:rPr lang="fr-FR" sz="2000" dirty="0">
+              <a:rPr lang="fr-FR" sz="2400" dirty="0"/>
+              <a:t>Application </a:t>
+            </a:r>
+            <a:r>
+              <a:rPr lang="fr-FR" sz="2400" dirty="0" smtClean="0"/>
+              <a:t>APPEARS</a:t>
+            </a:r>
+          </a:p>
+          <a:p>
+            <a:pPr lvl="1"/>
+            <a:r>
+              <a:rPr lang="fr-FR" sz="1800" dirty="0" smtClean="0">
                 <a:hlinkClick r:id="rId2"/>
               </a:rPr>
-              <a:t>https://appeears.earthdatacloud.nasa.gov/</a:t>
-            </a:r>
-            <a:endParaRPr lang="fr-FR" sz="2000" dirty="0"/>
-          </a:p>
-          <a:p>
-            <a:r>
-              <a:rPr lang="fr-FR" sz="2000" dirty="0" smtClean="0"/>
-              <a:t>Alternative : </a:t>
-            </a:r>
-            <a:r>
-              <a:rPr lang="fr-FR" sz="2000" dirty="0" err="1" smtClean="0"/>
+              <a:t>https</a:t>
+            </a:r>
+            <a:r>
+              <a:rPr lang="fr-FR" sz="1800" dirty="0">
+                <a:hlinkClick r:id="rId2"/>
+              </a:rPr>
+              <a:t>://appeears.earthdatacloud.nasa.gov</a:t>
+            </a:r>
+            <a:r>
+              <a:rPr lang="fr-FR" sz="1800" dirty="0" smtClean="0">
+                <a:hlinkClick r:id="rId2"/>
+              </a:rPr>
+              <a:t>/</a:t>
+            </a:r>
+            <a:endParaRPr lang="fr-FR" sz="1800" dirty="0" smtClean="0"/>
+          </a:p>
+          <a:p>
+            <a:pPr lvl="1"/>
+            <a:r>
+              <a:rPr lang="fr-FR" sz="1800" dirty="0" smtClean="0"/>
+              <a:t>Sélection de zone à exporter</a:t>
+            </a:r>
+          </a:p>
+          <a:p>
+            <a:pPr lvl="1"/>
+            <a:r>
+              <a:rPr lang="fr-FR" sz="1800" dirty="0" smtClean="0"/>
+              <a:t>Couvre la planète</a:t>
+            </a:r>
+            <a:endParaRPr lang="fr-FR" sz="1800" dirty="0"/>
+          </a:p>
+          <a:p>
+            <a:endParaRPr lang="fr-FR" sz="2400" dirty="0" smtClean="0"/>
+          </a:p>
+          <a:p>
+            <a:r>
+              <a:rPr lang="fr-FR" sz="2400" dirty="0" err="1" smtClean="0"/>
               <a:t>OpenDEM</a:t>
             </a:r>
-            <a:r>
-              <a:rPr lang="fr-FR" sz="2000" dirty="0" smtClean="0"/>
-              <a:t> </a:t>
-            </a:r>
-            <a:r>
-              <a:rPr lang="fr-FR" sz="2000" dirty="0"/>
-              <a:t>: </a:t>
-            </a:r>
-            <a:r>
-              <a:rPr lang="fr-FR" sz="2000" dirty="0">
+            <a:endParaRPr lang="fr-FR" sz="2400" dirty="0"/>
+          </a:p>
+          <a:p>
+            <a:pPr lvl="1"/>
+            <a:r>
+              <a:rPr lang="fr-FR" sz="1800" dirty="0" smtClean="0">
                 <a:hlinkClick r:id="rId3"/>
               </a:rPr>
-              <a:t>https://www.opendem.info/link_dem.html</a:t>
-            </a:r>
-            <a:endParaRPr lang="fr-FR" sz="2000" dirty="0"/>
-          </a:p>
-          <a:p>
-            <a:endParaRPr lang="fr-FR" sz="2000" dirty="0"/>
+              <a:t>https</a:t>
+            </a:r>
+            <a:r>
+              <a:rPr lang="fr-FR" sz="1800" dirty="0">
+                <a:hlinkClick r:id="rId3"/>
+              </a:rPr>
+              <a:t>://</a:t>
+            </a:r>
+            <a:r>
+              <a:rPr lang="fr-FR" sz="1800" dirty="0" smtClean="0">
+                <a:hlinkClick r:id="rId3"/>
+              </a:rPr>
+              <a:t>www.opendem.info/link_dem.html</a:t>
+            </a:r>
+            <a:endParaRPr lang="fr-FR" sz="1800" dirty="0" smtClean="0"/>
+          </a:p>
+          <a:p>
+            <a:pPr lvl="1"/>
+            <a:r>
+              <a:rPr lang="fr-FR" sz="1800" dirty="0" smtClean="0"/>
+              <a:t>Tuiles </a:t>
+            </a:r>
+            <a:r>
+              <a:rPr lang="fr-FR" sz="1800" dirty="0" err="1" smtClean="0"/>
+              <a:t>pré-fabriquées</a:t>
+            </a:r>
+            <a:endParaRPr lang="fr-FR" sz="1800" dirty="0" smtClean="0"/>
+          </a:p>
+          <a:p>
+            <a:pPr lvl="1"/>
+            <a:r>
+              <a:rPr lang="fr-FR" sz="1800" dirty="0" smtClean="0"/>
+              <a:t>Couvre des zones étendues </a:t>
+            </a:r>
+            <a:r>
+              <a:rPr lang="fr-FR" sz="1800" smtClean="0"/>
+              <a:t>(Europe</a:t>
+            </a:r>
+            <a:r>
+              <a:rPr lang="fr-FR" sz="1800" dirty="0" smtClean="0"/>
+              <a:t>, </a:t>
+            </a:r>
+            <a:r>
+              <a:rPr lang="fr-FR" sz="1800" dirty="0" err="1" smtClean="0"/>
+              <a:t>etc</a:t>
+            </a:r>
+            <a:r>
+              <a:rPr lang="fr-FR" sz="1800" dirty="0" smtClean="0"/>
+              <a:t>)</a:t>
+            </a:r>
+            <a:endParaRPr lang="fr-FR" sz="1800" dirty="0"/>
+          </a:p>
+          <a:p>
+            <a:endParaRPr lang="fr-FR" sz="2400" dirty="0"/>
           </a:p>
         </p:txBody>
       </p:sp>
@@ -10527,8 +10588,8 @@
         </p:blipFill>
         <p:spPr>
           <a:xfrm>
-            <a:off x="4629150" y="2889868"/>
-            <a:ext cx="6991350" cy="3791919"/>
+            <a:off x="6032567" y="3517290"/>
+            <a:ext cx="6159433" cy="3340710"/>
           </a:xfrm>
           <a:prstGeom prst="rect">
             <a:avLst/>
@@ -15242,11 +15303,7 @@
             </a:r>
             <a:r>
               <a:rPr lang="fr-FR" sz="2000" dirty="0" smtClean="0"/>
-              <a:t>sélectionné vers </a:t>
-            </a:r>
-            <a:r>
-              <a:rPr lang="fr-FR" sz="2000" dirty="0" smtClean="0"/>
-              <a:t>le </a:t>
+              <a:t>sélectionné vers le </a:t>
             </a:r>
             <a:r>
               <a:rPr lang="fr-FR" sz="2000" smtClean="0"/>

--- a/cours/Guide - obtenir des cartes.pptx
+++ b/cours/Guide - obtenir des cartes.pptx
@@ -6,7 +6,7 @@
     <p:sldMasterId id="2147483687" r:id="rId2"/>
   </p:sldMasterIdLst>
   <p:notesMasterIdLst>
-    <p:notesMasterId r:id="rId34"/>
+    <p:notesMasterId r:id="rId38"/>
   </p:notesMasterIdLst>
   <p:sldIdLst>
     <p:sldId id="276" r:id="rId3"/>
@@ -40,6 +40,10 @@
     <p:sldId id="295" r:id="rId31"/>
     <p:sldId id="265" r:id="rId32"/>
     <p:sldId id="292" r:id="rId33"/>
+    <p:sldId id="313" r:id="rId34"/>
+    <p:sldId id="314" r:id="rId35"/>
+    <p:sldId id="315" r:id="rId36"/>
+    <p:sldId id="316" r:id="rId37"/>
   </p:sldIdLst>
   <p:sldSz cx="12192000" cy="6858000"/>
   <p:notesSz cx="6858000" cy="9144000"/>
@@ -228,7 +232,7 @@
           <a:p>
             <a:fld id="{5C348F8D-022D-404F-B7E9-2A064090EDFB}" type="datetimeFigureOut">
               <a:rPr lang="fr-FR" smtClean="0"/>
-              <a:t>24/10/2022</a:t>
+              <a:t>26/05/2023</a:t>
             </a:fld>
             <a:endParaRPr lang="fr-FR"/>
           </a:p>
@@ -2785,7 +2789,7 @@
           <a:p>
             <a:fld id="{A74F3EA5-292C-4331-BAB5-A6575F471254}" type="datetimeFigureOut">
               <a:rPr lang="fr-FR" smtClean="0"/>
-              <a:t>24/10/2022</a:t>
+              <a:t>26/05/2023</a:t>
             </a:fld>
             <a:endParaRPr lang="fr-FR"/>
           </a:p>
@@ -2971,7 +2975,7 @@
           <a:p>
             <a:fld id="{A74F3EA5-292C-4331-BAB5-A6575F471254}" type="datetimeFigureOut">
               <a:rPr lang="fr-FR" smtClean="0"/>
-              <a:t>24/10/2022</a:t>
+              <a:t>26/05/2023</a:t>
             </a:fld>
             <a:endParaRPr lang="fr-FR"/>
           </a:p>
@@ -3157,7 +3161,7 @@
           <a:p>
             <a:fld id="{A74F3EA5-292C-4331-BAB5-A6575F471254}" type="datetimeFigureOut">
               <a:rPr lang="fr-FR" smtClean="0"/>
-              <a:t>24/10/2022</a:t>
+              <a:t>26/05/2023</a:t>
             </a:fld>
             <a:endParaRPr lang="fr-FR"/>
           </a:p>
@@ -3349,7 +3353,7 @@
           <a:p>
             <a:fld id="{A74F3EA5-292C-4331-BAB5-A6575F471254}" type="datetimeFigureOut">
               <a:rPr lang="fr-FR" smtClean="0"/>
-              <a:t>24/10/2022</a:t>
+              <a:t>26/05/2023</a:t>
             </a:fld>
             <a:endParaRPr lang="fr-FR"/>
           </a:p>
@@ -3519,7 +3523,7 @@
           <a:p>
             <a:fld id="{A74F3EA5-292C-4331-BAB5-A6575F471254}" type="datetimeFigureOut">
               <a:rPr lang="fr-FR" smtClean="0"/>
-              <a:t>24/10/2022</a:t>
+              <a:t>26/05/2023</a:t>
             </a:fld>
             <a:endParaRPr lang="fr-FR"/>
           </a:p>
@@ -3765,7 +3769,7 @@
           <a:p>
             <a:fld id="{A74F3EA5-292C-4331-BAB5-A6575F471254}" type="datetimeFigureOut">
               <a:rPr lang="fr-FR" smtClean="0"/>
-              <a:t>24/10/2022</a:t>
+              <a:t>26/05/2023</a:t>
             </a:fld>
             <a:endParaRPr lang="fr-FR"/>
           </a:p>
@@ -3997,7 +4001,7 @@
           <a:p>
             <a:fld id="{A74F3EA5-292C-4331-BAB5-A6575F471254}" type="datetimeFigureOut">
               <a:rPr lang="fr-FR" smtClean="0"/>
-              <a:t>24/10/2022</a:t>
+              <a:t>26/05/2023</a:t>
             </a:fld>
             <a:endParaRPr lang="fr-FR"/>
           </a:p>
@@ -4364,7 +4368,7 @@
           <a:p>
             <a:fld id="{A74F3EA5-292C-4331-BAB5-A6575F471254}" type="datetimeFigureOut">
               <a:rPr lang="fr-FR" smtClean="0"/>
-              <a:t>24/10/2022</a:t>
+              <a:t>26/05/2023</a:t>
             </a:fld>
             <a:endParaRPr lang="fr-FR"/>
           </a:p>
@@ -4482,7 +4486,7 @@
           <a:p>
             <a:fld id="{A74F3EA5-292C-4331-BAB5-A6575F471254}" type="datetimeFigureOut">
               <a:rPr lang="fr-FR" smtClean="0"/>
-              <a:t>24/10/2022</a:t>
+              <a:t>26/05/2023</a:t>
             </a:fld>
             <a:endParaRPr lang="fr-FR"/>
           </a:p>
@@ -4577,7 +4581,7 @@
           <a:p>
             <a:fld id="{A74F3EA5-292C-4331-BAB5-A6575F471254}" type="datetimeFigureOut">
               <a:rPr lang="fr-FR" smtClean="0"/>
-              <a:t>24/10/2022</a:t>
+              <a:t>26/05/2023</a:t>
             </a:fld>
             <a:endParaRPr lang="fr-FR"/>
           </a:p>
@@ -4854,7 +4858,7 @@
           <a:p>
             <a:fld id="{A74F3EA5-292C-4331-BAB5-A6575F471254}" type="datetimeFigureOut">
               <a:rPr lang="fr-FR" smtClean="0"/>
-              <a:t>24/10/2022</a:t>
+              <a:t>26/05/2023</a:t>
             </a:fld>
             <a:endParaRPr lang="fr-FR"/>
           </a:p>
@@ -5040,7 +5044,7 @@
           <a:p>
             <a:fld id="{A74F3EA5-292C-4331-BAB5-A6575F471254}" type="datetimeFigureOut">
               <a:rPr lang="fr-FR" smtClean="0"/>
-              <a:t>24/10/2022</a:t>
+              <a:t>26/05/2023</a:t>
             </a:fld>
             <a:endParaRPr lang="fr-FR"/>
           </a:p>
@@ -5297,7 +5301,7 @@
           <a:p>
             <a:fld id="{A74F3EA5-292C-4331-BAB5-A6575F471254}" type="datetimeFigureOut">
               <a:rPr lang="fr-FR" smtClean="0"/>
-              <a:t>24/10/2022</a:t>
+              <a:t>26/05/2023</a:t>
             </a:fld>
             <a:endParaRPr lang="fr-FR"/>
           </a:p>
@@ -5467,7 +5471,7 @@
           <a:p>
             <a:fld id="{A74F3EA5-292C-4331-BAB5-A6575F471254}" type="datetimeFigureOut">
               <a:rPr lang="fr-FR" smtClean="0"/>
-              <a:t>24/10/2022</a:t>
+              <a:t>26/05/2023</a:t>
             </a:fld>
             <a:endParaRPr lang="fr-FR"/>
           </a:p>
@@ -5647,7 +5651,7 @@
           <a:p>
             <a:fld id="{A74F3EA5-292C-4331-BAB5-A6575F471254}" type="datetimeFigureOut">
               <a:rPr lang="fr-FR" smtClean="0"/>
-              <a:t>24/10/2022</a:t>
+              <a:t>26/05/2023</a:t>
             </a:fld>
             <a:endParaRPr lang="fr-FR"/>
           </a:p>
@@ -5899,7 +5903,7 @@
           <a:p>
             <a:fld id="{A74F3EA5-292C-4331-BAB5-A6575F471254}" type="datetimeFigureOut">
               <a:rPr lang="fr-FR" smtClean="0"/>
-              <a:t>24/10/2022</a:t>
+              <a:t>26/05/2023</a:t>
             </a:fld>
             <a:endParaRPr lang="fr-FR"/>
           </a:p>
@@ -6145,7 +6149,7 @@
           <a:p>
             <a:fld id="{A74F3EA5-292C-4331-BAB5-A6575F471254}" type="datetimeFigureOut">
               <a:rPr lang="fr-FR" smtClean="0"/>
-              <a:t>24/10/2022</a:t>
+              <a:t>26/05/2023</a:t>
             </a:fld>
             <a:endParaRPr lang="fr-FR"/>
           </a:p>
@@ -6527,7 +6531,7 @@
           <a:p>
             <a:fld id="{A74F3EA5-292C-4331-BAB5-A6575F471254}" type="datetimeFigureOut">
               <a:rPr lang="fr-FR" smtClean="0"/>
-              <a:t>24/10/2022</a:t>
+              <a:t>26/05/2023</a:t>
             </a:fld>
             <a:endParaRPr lang="fr-FR"/>
           </a:p>
@@ -6653,7 +6657,7 @@
           <a:p>
             <a:fld id="{A74F3EA5-292C-4331-BAB5-A6575F471254}" type="datetimeFigureOut">
               <a:rPr lang="fr-FR" smtClean="0"/>
-              <a:t>24/10/2022</a:t>
+              <a:t>26/05/2023</a:t>
             </a:fld>
             <a:endParaRPr lang="fr-FR"/>
           </a:p>
@@ -6748,7 +6752,7 @@
           <a:p>
             <a:fld id="{A74F3EA5-292C-4331-BAB5-A6575F471254}" type="datetimeFigureOut">
               <a:rPr lang="fr-FR" smtClean="0"/>
-              <a:t>24/10/2022</a:t>
+              <a:t>26/05/2023</a:t>
             </a:fld>
             <a:endParaRPr lang="fr-FR"/>
           </a:p>
@@ -7034,7 +7038,7 @@
           <a:p>
             <a:fld id="{A74F3EA5-292C-4331-BAB5-A6575F471254}" type="datetimeFigureOut">
               <a:rPr lang="fr-FR" smtClean="0"/>
-              <a:t>24/10/2022</a:t>
+              <a:t>26/05/2023</a:t>
             </a:fld>
             <a:endParaRPr lang="fr-FR"/>
           </a:p>
@@ -7296,7 +7300,7 @@
           <a:p>
             <a:fld id="{A74F3EA5-292C-4331-BAB5-A6575F471254}" type="datetimeFigureOut">
               <a:rPr lang="fr-FR" smtClean="0"/>
-              <a:t>24/10/2022</a:t>
+              <a:t>26/05/2023</a:t>
             </a:fld>
             <a:endParaRPr lang="fr-FR"/>
           </a:p>
@@ -7414,7 +7418,7 @@
           <a:p>
             <a:fld id="{A74F3EA5-292C-4331-BAB5-A6575F471254}" type="datetimeFigureOut">
               <a:rPr lang="fr-FR" smtClean="0"/>
-              <a:t>24/10/2022</a:t>
+              <a:t>26/05/2023</a:t>
             </a:fld>
             <a:endParaRPr lang="fr-FR"/>
           </a:p>
@@ -8254,7 +8258,7 @@
           <a:p>
             <a:fld id="{A74F3EA5-292C-4331-BAB5-A6575F471254}" type="datetimeFigureOut">
               <a:rPr lang="fr-FR" smtClean="0"/>
-              <a:t>24/10/2022</a:t>
+              <a:t>26/05/2023</a:t>
             </a:fld>
             <a:endParaRPr lang="fr-FR"/>
           </a:p>
@@ -9285,7 +9289,15 @@
             </a:r>
             <a:r>
               <a:rPr lang="fr-FR" sz="2000" dirty="0"/>
-              <a:t>=14 </a:t>
+              <a:t>=</a:t>
+            </a:r>
+            <a:r>
+              <a:rPr lang="fr-FR" sz="2000" b="1" dirty="0"/>
+              <a:t>14</a:t>
+            </a:r>
+            <a:r>
+              <a:rPr lang="fr-FR" sz="2000" dirty="0"/>
+              <a:t> </a:t>
             </a:r>
             <a:r>
               <a:rPr lang="fr-FR" sz="2000" dirty="0" err="1"/>
@@ -9293,7 +9305,11 @@
             </a:r>
             <a:r>
               <a:rPr lang="fr-FR" sz="2000" dirty="0"/>
-              <a:t>=17</a:t>
+              <a:t>=</a:t>
+            </a:r>
+            <a:r>
+              <a:rPr lang="fr-FR" sz="2000" b="1" dirty="0"/>
+              <a:t>17</a:t>
             </a:r>
           </a:p>
           <a:p>
@@ -9576,7 +9592,7 @@
           <a:graphicData uri="http://schemas.openxmlformats.org/presentationml/2006/ole">
             <mc:AlternateContent xmlns:mc="http://schemas.openxmlformats.org/markup-compatibility/2006">
               <mc:Choice xmlns:v="urn:schemas-microsoft-com:vml" Requires="v">
-                <p:oleObj spid="_x0000_s2067" name="Image bitmap" r:id="rId7" imgW="2209680" imgH="2324160" progId="Paint.Picture">
+                <p:oleObj spid="_x0000_s2082" name="Image bitmap" r:id="rId7" imgW="2209680" imgH="2324160" progId="Paint.Picture">
                   <p:embed/>
                 </p:oleObj>
               </mc:Choice>
@@ -9741,7 +9757,42 @@
             <a:pPr lvl="1"/>
             <a:r>
               <a:rPr lang="fr-FR" sz="1600" dirty="0" smtClean="0"/>
-              <a:t>Routes, voies, chemins</a:t>
+              <a:t>Routes, chemins</a:t>
+            </a:r>
+          </a:p>
+          <a:p>
+            <a:pPr lvl="1"/>
+            <a:r>
+              <a:rPr lang="fr-FR" sz="1600" dirty="0" smtClean="0"/>
+              <a:t>Points d’eau</a:t>
+            </a:r>
+          </a:p>
+          <a:p>
+            <a:pPr lvl="1"/>
+            <a:r>
+              <a:rPr lang="fr-FR" sz="1600" dirty="0" smtClean="0"/>
+              <a:t>Rues, numéros de maisons</a:t>
+            </a:r>
+          </a:p>
+          <a:p>
+            <a:pPr lvl="1"/>
+            <a:r>
+              <a:rPr lang="fr-FR" sz="1600" dirty="0" smtClean="0"/>
+              <a:t>Voies ferrés</a:t>
+            </a:r>
+          </a:p>
+          <a:p>
+            <a:pPr lvl="1"/>
+            <a:r>
+              <a:rPr lang="fr-FR" sz="1600" dirty="0" smtClean="0"/>
+              <a:t>Zones ; boisées, militaires, paroissiales</a:t>
+            </a:r>
+          </a:p>
+          <a:p>
+            <a:pPr lvl="1"/>
+            <a:r>
+              <a:rPr lang="fr-FR" sz="1600" dirty="0" smtClean="0"/>
+              <a:t>Points particuliers</a:t>
             </a:r>
             <a:endParaRPr lang="fr-FR" sz="1800" dirty="0"/>
           </a:p>
@@ -10547,15 +10598,7 @@
             <a:pPr lvl="1"/>
             <a:r>
               <a:rPr lang="fr-FR" sz="1800" dirty="0" smtClean="0"/>
-              <a:t>Couvre des zones étendues </a:t>
-            </a:r>
-            <a:r>
-              <a:rPr lang="fr-FR" sz="1800" smtClean="0"/>
-              <a:t>(Europe</a:t>
-            </a:r>
-            <a:r>
-              <a:rPr lang="fr-FR" sz="1800" dirty="0" smtClean="0"/>
-              <a:t>, </a:t>
+              <a:t>Couvre des zones étendues (Europe, </a:t>
             </a:r>
             <a:r>
               <a:rPr lang="fr-FR" sz="1800" dirty="0" err="1" smtClean="0"/>
@@ -10565,7 +10608,29 @@
               <a:rPr lang="fr-FR" sz="1800" dirty="0" smtClean="0"/>
               <a:t>)</a:t>
             </a:r>
+          </a:p>
+          <a:p>
+            <a:pPr lvl="1"/>
+            <a:r>
+              <a:rPr lang="fr-FR" sz="1800" dirty="0">
+                <a:hlinkClick r:id="rId4"/>
+              </a:rPr>
+              <a:t>https://</a:t>
+            </a:r>
+            <a:r>
+              <a:rPr lang="fr-FR" sz="1800" dirty="0" smtClean="0">
+                <a:hlinkClick r:id="rId4"/>
+              </a:rPr>
+              <a:t>www.imagico.de/map/demsearch.php</a:t>
+            </a:r>
+            <a:endParaRPr lang="fr-FR" sz="1800" dirty="0" smtClean="0"/>
+          </a:p>
+          <a:p>
+            <a:pPr lvl="1"/>
             <a:endParaRPr lang="fr-FR" sz="1800" dirty="0"/>
+          </a:p>
+          <a:p>
+            <a:endParaRPr lang="fr-FR" sz="2400" dirty="0" smtClean="0"/>
           </a:p>
           <a:p>
             <a:endParaRPr lang="fr-FR" sz="2400" dirty="0"/>
@@ -10581,7 +10646,7 @@
           <p:nvPr/>
         </p:nvPicPr>
         <p:blipFill>
-          <a:blip r:embed="rId4"/>
+          <a:blip r:embed="rId5"/>
           <a:stretch>
             <a:fillRect/>
           </a:stretch>
@@ -10744,10 +10809,15 @@
             <p:ph idx="1"/>
           </p:nvPr>
         </p:nvSpPr>
-        <p:spPr/>
+        <p:spPr>
+          <a:xfrm>
+            <a:off x="838200" y="1825624"/>
+            <a:ext cx="10515600" cy="4780449"/>
+          </a:xfrm>
+        </p:spPr>
         <p:txBody>
           <a:bodyPr>
-            <a:normAutofit/>
+            <a:normAutofit fontScale="92500" lnSpcReduction="20000"/>
           </a:bodyPr>
           <a:lstStyle/>
           <a:p>
@@ -10873,6 +10943,34 @@
             <a:r>
               <a:rPr lang="fr-FR" sz="1600" dirty="0" smtClean="0"/>
               <a:t>CGAO : demande de production</a:t>
+            </a:r>
+          </a:p>
+          <a:p>
+            <a:pPr lvl="1"/>
+            <a:endParaRPr lang="fr-FR" sz="1600" dirty="0"/>
+          </a:p>
+          <a:p>
+            <a:r>
+              <a:rPr lang="fr-FR" sz="2000" dirty="0" err="1" smtClean="0"/>
+              <a:t>Carto</a:t>
+            </a:r>
+            <a:r>
+              <a:rPr lang="fr-FR" sz="2000" dirty="0" smtClean="0"/>
+              <a:t> pour capteur</a:t>
+            </a:r>
+          </a:p>
+          <a:p>
+            <a:pPr lvl="1"/>
+            <a:r>
+              <a:rPr lang="fr-FR" sz="1600" dirty="0" smtClean="0"/>
+              <a:t>R3 VIPER</a:t>
+            </a:r>
+          </a:p>
+          <a:p>
+            <a:pPr lvl="1"/>
+            <a:r>
+              <a:rPr lang="fr-FR" sz="1600" dirty="0" smtClean="0"/>
+              <a:t>DECODIO</a:t>
             </a:r>
             <a:endParaRPr lang="fr-FR" sz="1600" dirty="0"/>
           </a:p>
@@ -14038,7 +14136,7 @@
             <a:pPr lvl="1"/>
             <a:r>
               <a:rPr lang="fr-FR" sz="1600" dirty="0" smtClean="0"/>
-              <a:t>25K, 50K, 100K, 500K, 100K</a:t>
+              <a:t>25K, 50K, 100K, 500K, 1M</a:t>
             </a:r>
           </a:p>
           <a:p>
@@ -14051,7 +14149,7 @@
             <a:pPr lvl="1"/>
             <a:r>
               <a:rPr lang="fr-FR" sz="1600" dirty="0" smtClean="0"/>
-              <a:t>Echelle 8 à 19</a:t>
+              <a:t>Zoom 8 à 19</a:t>
             </a:r>
             <a:endParaRPr lang="fr-FR" sz="1600" dirty="0"/>
           </a:p>
@@ -14365,7 +14463,6 @@
           <a:bodyPr/>
           <a:lstStyle/>
           <a:p>
-            <a:pPr algn="ctr"/>
             <a:r>
               <a:rPr lang="fr-FR" dirty="0"/>
               <a:t>Contact CGAO - 28 GG</a:t>
@@ -14441,6 +14538,857 @@
     <p:extLst>
       <p:ext uri="{BB962C8B-B14F-4D97-AF65-F5344CB8AC3E}">
         <p14:creationId xmlns:p14="http://schemas.microsoft.com/office/powerpoint/2010/main" val="1385587866"/>
+      </p:ext>
+    </p:extLst>
+  </p:cSld>
+  <p:clrMapOvr>
+    <a:masterClrMapping/>
+  </p:clrMapOvr>
+</p:sld>
+</file>
+
+<file path=ppt/slides/slide32.xml><?xml version="1.0" encoding="utf-8"?>
+<p:sld xmlns:a="http://schemas.openxmlformats.org/drawingml/2006/main" xmlns:r="http://schemas.openxmlformats.org/officeDocument/2006/relationships" xmlns:p="http://schemas.openxmlformats.org/presentationml/2006/main">
+  <p:cSld>
+    <p:spTree>
+      <p:nvGrpSpPr>
+        <p:cNvPr id="1" name=""/>
+        <p:cNvGrpSpPr/>
+        <p:nvPr/>
+      </p:nvGrpSpPr>
+      <p:grpSpPr>
+        <a:xfrm>
+          <a:off x="0" y="0"/>
+          <a:ext cx="0" cy="0"/>
+          <a:chOff x="0" y="0"/>
+          <a:chExt cx="0" cy="0"/>
+        </a:xfrm>
+      </p:grpSpPr>
+      <p:sp>
+        <p:nvSpPr>
+          <p:cNvPr id="2" name="Titre 1"/>
+          <p:cNvSpPr>
+            <a:spLocks noGrp="1"/>
+          </p:cNvSpPr>
+          <p:nvPr>
+            <p:ph type="title"/>
+          </p:nvPr>
+        </p:nvSpPr>
+        <p:spPr/>
+        <p:txBody>
+          <a:bodyPr/>
+          <a:lstStyle/>
+          <a:p>
+            <a:r>
+              <a:rPr lang="fr-FR" dirty="0" err="1" smtClean="0"/>
+              <a:t>Carto</a:t>
+            </a:r>
+            <a:r>
+              <a:rPr lang="fr-FR" dirty="0" smtClean="0"/>
+              <a:t> capteur</a:t>
+            </a:r>
+            <a:endParaRPr lang="fr-FR" dirty="0"/>
+          </a:p>
+        </p:txBody>
+      </p:sp>
+      <p:sp>
+        <p:nvSpPr>
+          <p:cNvPr id="3" name="Espace réservé du contenu 2"/>
+          <p:cNvSpPr>
+            <a:spLocks noGrp="1"/>
+          </p:cNvSpPr>
+          <p:nvPr>
+            <p:ph idx="1"/>
+          </p:nvPr>
+        </p:nvSpPr>
+        <p:spPr/>
+        <p:txBody>
+          <a:bodyPr/>
+          <a:lstStyle/>
+          <a:p>
+            <a:r>
+              <a:rPr lang="fr-FR" dirty="0" smtClean="0"/>
+              <a:t>R3 VIPER</a:t>
+            </a:r>
+          </a:p>
+          <a:p>
+            <a:endParaRPr lang="fr-FR" dirty="0"/>
+          </a:p>
+          <a:p>
+            <a:r>
+              <a:rPr lang="fr-FR" dirty="0" smtClean="0"/>
+              <a:t>DECODIO</a:t>
+            </a:r>
+            <a:endParaRPr lang="fr-FR" dirty="0"/>
+          </a:p>
+        </p:txBody>
+      </p:sp>
+    </p:spTree>
+    <p:extLst>
+      <p:ext uri="{BB962C8B-B14F-4D97-AF65-F5344CB8AC3E}">
+        <p14:creationId xmlns:p14="http://schemas.microsoft.com/office/powerpoint/2010/main" val="3433638306"/>
+      </p:ext>
+    </p:extLst>
+  </p:cSld>
+  <p:clrMapOvr>
+    <a:masterClrMapping/>
+  </p:clrMapOvr>
+</p:sld>
+</file>
+
+<file path=ppt/slides/slide33.xml><?xml version="1.0" encoding="utf-8"?>
+<p:sld xmlns:a="http://schemas.openxmlformats.org/drawingml/2006/main" xmlns:r="http://schemas.openxmlformats.org/officeDocument/2006/relationships" xmlns:p="http://schemas.openxmlformats.org/presentationml/2006/main">
+  <p:cSld>
+    <p:spTree>
+      <p:nvGrpSpPr>
+        <p:cNvPr id="1" name=""/>
+        <p:cNvGrpSpPr/>
+        <p:nvPr/>
+      </p:nvGrpSpPr>
+      <p:grpSpPr>
+        <a:xfrm>
+          <a:off x="0" y="0"/>
+          <a:ext cx="0" cy="0"/>
+          <a:chOff x="0" y="0"/>
+          <a:chExt cx="0" cy="0"/>
+        </a:xfrm>
+      </p:grpSpPr>
+      <p:sp>
+        <p:nvSpPr>
+          <p:cNvPr id="2" name="Titre 1"/>
+          <p:cNvSpPr>
+            <a:spLocks noGrp="1"/>
+          </p:cNvSpPr>
+          <p:nvPr>
+            <p:ph type="title"/>
+          </p:nvPr>
+        </p:nvSpPr>
+        <p:spPr/>
+        <p:txBody>
+          <a:bodyPr/>
+          <a:lstStyle/>
+          <a:p>
+            <a:r>
+              <a:rPr lang="fr-FR" dirty="0" err="1" smtClean="0"/>
+              <a:t>Carto</a:t>
+            </a:r>
+            <a:r>
+              <a:rPr lang="fr-FR" dirty="0" smtClean="0"/>
+              <a:t> capteur – R3</a:t>
+            </a:r>
+            <a:endParaRPr lang="fr-FR" dirty="0"/>
+          </a:p>
+        </p:txBody>
+      </p:sp>
+      <p:sp>
+        <p:nvSpPr>
+          <p:cNvPr id="3" name="Espace réservé du contenu 2"/>
+          <p:cNvSpPr>
+            <a:spLocks noGrp="1"/>
+          </p:cNvSpPr>
+          <p:nvPr>
+            <p:ph idx="1"/>
+          </p:nvPr>
+        </p:nvSpPr>
+        <p:spPr>
+          <a:xfrm>
+            <a:off x="838200" y="1825624"/>
+            <a:ext cx="10515600" cy="4743127"/>
+          </a:xfrm>
+        </p:spPr>
+        <p:txBody>
+          <a:bodyPr>
+            <a:normAutofit fontScale="92500" lnSpcReduction="20000"/>
+          </a:bodyPr>
+          <a:lstStyle/>
+          <a:p>
+            <a:r>
+              <a:rPr lang="fr-FR" sz="2600" dirty="0" smtClean="0"/>
+              <a:t>La </a:t>
+            </a:r>
+            <a:r>
+              <a:rPr lang="fr-FR" sz="2600" dirty="0" err="1" smtClean="0"/>
+              <a:t>carto</a:t>
+            </a:r>
+            <a:r>
+              <a:rPr lang="fr-FR" sz="2600" dirty="0" smtClean="0"/>
+              <a:t> doit être au format GEOTIFF avec projection </a:t>
+            </a:r>
+            <a:r>
+              <a:rPr lang="fr-FR" sz="2600" dirty="0" err="1" smtClean="0"/>
+              <a:t>geographic</a:t>
+            </a:r>
+            <a:r>
+              <a:rPr lang="fr-FR" sz="2600" dirty="0" smtClean="0"/>
+              <a:t> / WGS84</a:t>
+            </a:r>
+          </a:p>
+          <a:p>
+            <a:endParaRPr lang="fr-FR" sz="2600" dirty="0" smtClean="0"/>
+          </a:p>
+          <a:p>
+            <a:r>
+              <a:rPr lang="fr-FR" sz="2600" dirty="0" smtClean="0"/>
+              <a:t>N’importe </a:t>
+            </a:r>
+            <a:r>
+              <a:rPr lang="fr-FR" sz="2600" dirty="0" smtClean="0"/>
+              <a:t>quelle </a:t>
+            </a:r>
+            <a:r>
+              <a:rPr lang="fr-FR" sz="2600" dirty="0" err="1" smtClean="0"/>
+              <a:t>carto</a:t>
+            </a:r>
+            <a:r>
+              <a:rPr lang="fr-FR" sz="2600" dirty="0" smtClean="0"/>
+              <a:t> peut être convertie dans le bon format via </a:t>
+            </a:r>
+            <a:r>
+              <a:rPr lang="fr-FR" sz="2600" dirty="0" err="1" smtClean="0"/>
+              <a:t>Globalmapper</a:t>
+            </a:r>
+            <a:r>
+              <a:rPr lang="fr-FR" sz="2600" dirty="0" smtClean="0"/>
+              <a:t> :</a:t>
+            </a:r>
+          </a:p>
+          <a:p>
+            <a:pPr lvl="1"/>
+            <a:r>
+              <a:rPr lang="fr-FR" dirty="0" smtClean="0"/>
+              <a:t>Ouvrir une nouvelle fenêtre </a:t>
+            </a:r>
+            <a:r>
+              <a:rPr lang="fr-FR" dirty="0" err="1" smtClean="0"/>
+              <a:t>Globalmapper</a:t>
+            </a:r>
+            <a:r>
+              <a:rPr lang="fr-FR" dirty="0" smtClean="0"/>
+              <a:t> vide</a:t>
+            </a:r>
+          </a:p>
+          <a:p>
+            <a:pPr lvl="1"/>
+            <a:r>
+              <a:rPr lang="fr-FR" dirty="0" smtClean="0"/>
+              <a:t>Importer la carte voulue</a:t>
+            </a:r>
+          </a:p>
+          <a:p>
+            <a:pPr lvl="1"/>
+            <a:r>
+              <a:rPr lang="fr-FR" dirty="0" smtClean="0"/>
+              <a:t>Outil configuration -&gt; Menu projection -&gt; projection</a:t>
+            </a:r>
+          </a:p>
+          <a:p>
+            <a:pPr lvl="1"/>
+            <a:r>
+              <a:rPr lang="fr-FR" dirty="0" smtClean="0"/>
+              <a:t>Choisir la projection </a:t>
+            </a:r>
+            <a:r>
+              <a:rPr lang="fr-FR" b="1" dirty="0" err="1" smtClean="0"/>
+              <a:t>Geographic</a:t>
+            </a:r>
+            <a:r>
+              <a:rPr lang="fr-FR" b="1" dirty="0" smtClean="0"/>
+              <a:t> (latitude/longitude)</a:t>
+            </a:r>
+            <a:r>
+              <a:rPr lang="fr-FR" dirty="0" smtClean="0"/>
+              <a:t> et le </a:t>
+            </a:r>
+            <a:r>
+              <a:rPr lang="fr-FR" dirty="0" err="1" smtClean="0"/>
+              <a:t>datum</a:t>
+            </a:r>
+            <a:r>
+              <a:rPr lang="fr-FR" dirty="0" smtClean="0"/>
+              <a:t> </a:t>
+            </a:r>
+            <a:r>
+              <a:rPr lang="fr-FR" b="1" dirty="0" smtClean="0"/>
+              <a:t>WGS84</a:t>
+            </a:r>
+            <a:endParaRPr lang="fr-FR" dirty="0" smtClean="0"/>
+          </a:p>
+          <a:p>
+            <a:pPr lvl="1"/>
+            <a:r>
+              <a:rPr lang="fr-FR" dirty="0" smtClean="0"/>
+              <a:t>Fermer la fenêtre avec « </a:t>
+            </a:r>
+            <a:r>
+              <a:rPr lang="fr-FR" b="1" dirty="0" smtClean="0"/>
+              <a:t>ok</a:t>
+            </a:r>
+            <a:r>
+              <a:rPr lang="fr-FR" dirty="0" smtClean="0"/>
+              <a:t> »</a:t>
+            </a:r>
+          </a:p>
+          <a:p>
+            <a:endParaRPr lang="fr-FR" dirty="0" smtClean="0"/>
+          </a:p>
+          <a:p>
+            <a:r>
+              <a:rPr lang="fr-FR" dirty="0" smtClean="0"/>
+              <a:t>La </a:t>
+            </a:r>
+            <a:r>
+              <a:rPr lang="fr-FR" dirty="0" err="1" smtClean="0"/>
+              <a:t>carto</a:t>
+            </a:r>
+            <a:r>
+              <a:rPr lang="fr-FR" dirty="0" smtClean="0"/>
+              <a:t> doit maintenant être exportée en GEOTIFF</a:t>
+            </a:r>
+          </a:p>
+          <a:p>
+            <a:pPr lvl="1"/>
+            <a:r>
+              <a:rPr lang="fr-FR" dirty="0"/>
+              <a:t>Clic droit sur la couche -&gt; </a:t>
+            </a:r>
+            <a:r>
+              <a:rPr lang="fr-FR" b="1" dirty="0" smtClean="0"/>
+              <a:t>LAYER</a:t>
+            </a:r>
+            <a:r>
+              <a:rPr lang="fr-FR" dirty="0" smtClean="0"/>
+              <a:t> -&gt; </a:t>
+            </a:r>
+            <a:r>
+              <a:rPr lang="fr-FR" b="1" dirty="0" smtClean="0"/>
+              <a:t>EXPORT</a:t>
+            </a:r>
+            <a:endParaRPr lang="fr-FR" dirty="0" smtClean="0"/>
+          </a:p>
+          <a:p>
+            <a:pPr lvl="1"/>
+            <a:r>
+              <a:rPr lang="fr-FR" dirty="0" smtClean="0"/>
+              <a:t>Choisir le format </a:t>
+            </a:r>
+            <a:r>
+              <a:rPr lang="fr-FR" b="1" dirty="0" smtClean="0"/>
+              <a:t>GEOTIFF</a:t>
+            </a:r>
+            <a:endParaRPr lang="fr-FR" dirty="0" smtClean="0"/>
+          </a:p>
+          <a:p>
+            <a:pPr lvl="1"/>
+            <a:r>
+              <a:rPr lang="fr-FR" dirty="0" smtClean="0"/>
+              <a:t>Valider avec « </a:t>
+            </a:r>
+            <a:r>
+              <a:rPr lang="fr-FR" b="1" dirty="0" smtClean="0"/>
+              <a:t>ok</a:t>
+            </a:r>
+            <a:r>
+              <a:rPr lang="fr-FR" dirty="0" smtClean="0"/>
+              <a:t> »</a:t>
+            </a:r>
+            <a:endParaRPr lang="fr-FR" dirty="0"/>
+          </a:p>
+          <a:p>
+            <a:pPr lvl="1"/>
+            <a:r>
+              <a:rPr lang="fr-FR" dirty="0" smtClean="0"/>
+              <a:t>Enregistrer le fichier</a:t>
+            </a:r>
+          </a:p>
+        </p:txBody>
+      </p:sp>
+    </p:spTree>
+    <p:extLst>
+      <p:ext uri="{BB962C8B-B14F-4D97-AF65-F5344CB8AC3E}">
+        <p14:creationId xmlns:p14="http://schemas.microsoft.com/office/powerpoint/2010/main" val="272769680"/>
+      </p:ext>
+    </p:extLst>
+  </p:cSld>
+  <p:clrMapOvr>
+    <a:masterClrMapping/>
+  </p:clrMapOvr>
+</p:sld>
+</file>
+
+<file path=ppt/slides/slide34.xml><?xml version="1.0" encoding="utf-8"?>
+<p:sld xmlns:a="http://schemas.openxmlformats.org/drawingml/2006/main" xmlns:r="http://schemas.openxmlformats.org/officeDocument/2006/relationships" xmlns:p="http://schemas.openxmlformats.org/presentationml/2006/main">
+  <p:cSld>
+    <p:spTree>
+      <p:nvGrpSpPr>
+        <p:cNvPr id="1" name=""/>
+        <p:cNvGrpSpPr/>
+        <p:nvPr/>
+      </p:nvGrpSpPr>
+      <p:grpSpPr>
+        <a:xfrm>
+          <a:off x="0" y="0"/>
+          <a:ext cx="0" cy="0"/>
+          <a:chOff x="0" y="0"/>
+          <a:chExt cx="0" cy="0"/>
+        </a:xfrm>
+      </p:grpSpPr>
+      <p:sp>
+        <p:nvSpPr>
+          <p:cNvPr id="2" name="Titre 1"/>
+          <p:cNvSpPr>
+            <a:spLocks noGrp="1"/>
+          </p:cNvSpPr>
+          <p:nvPr>
+            <p:ph type="title"/>
+          </p:nvPr>
+        </p:nvSpPr>
+        <p:spPr/>
+        <p:txBody>
+          <a:bodyPr/>
+          <a:lstStyle/>
+          <a:p>
+            <a:r>
+              <a:rPr lang="fr-FR" dirty="0" err="1" smtClean="0"/>
+              <a:t>Carto</a:t>
+            </a:r>
+            <a:r>
+              <a:rPr lang="fr-FR" dirty="0" smtClean="0"/>
+              <a:t> capteur – DECODIO</a:t>
+            </a:r>
+            <a:endParaRPr lang="fr-FR" dirty="0"/>
+          </a:p>
+        </p:txBody>
+      </p:sp>
+      <p:sp>
+        <p:nvSpPr>
+          <p:cNvPr id="3" name="Espace réservé du contenu 2"/>
+          <p:cNvSpPr>
+            <a:spLocks noGrp="1"/>
+          </p:cNvSpPr>
+          <p:nvPr>
+            <p:ph idx="1"/>
+          </p:nvPr>
+        </p:nvSpPr>
+        <p:spPr>
+          <a:xfrm>
+            <a:off x="838200" y="1825624"/>
+            <a:ext cx="10515600" cy="4743127"/>
+          </a:xfrm>
+        </p:spPr>
+        <p:txBody>
+          <a:bodyPr>
+            <a:normAutofit/>
+          </a:bodyPr>
+          <a:lstStyle/>
+          <a:p>
+            <a:r>
+              <a:rPr lang="fr-FR" sz="2400" dirty="0" smtClean="0"/>
+              <a:t>Deux options :</a:t>
+            </a:r>
+          </a:p>
+          <a:p>
+            <a:pPr lvl="1"/>
+            <a:r>
+              <a:rPr lang="fr-FR" sz="2000" dirty="0" smtClean="0"/>
+              <a:t>Télécharger et créer le </a:t>
+            </a:r>
+            <a:r>
+              <a:rPr lang="fr-FR" sz="2000" dirty="0" err="1" smtClean="0"/>
+              <a:t>map</a:t>
+            </a:r>
+            <a:r>
+              <a:rPr lang="fr-FR" sz="2000" dirty="0"/>
+              <a:t> cache avec </a:t>
+            </a:r>
+            <a:r>
+              <a:rPr lang="fr-FR" sz="2000" b="1" dirty="0"/>
+              <a:t>map_cache_downloader_v1</a:t>
+            </a:r>
+            <a:endParaRPr lang="fr-FR" sz="2000" b="1" dirty="0" smtClean="0"/>
+          </a:p>
+          <a:p>
+            <a:pPr lvl="1"/>
+            <a:r>
+              <a:rPr lang="fr-FR" sz="2000" dirty="0" smtClean="0"/>
+              <a:t>Utiliser de la </a:t>
+            </a:r>
+            <a:r>
+              <a:rPr lang="fr-FR" sz="2000" dirty="0" err="1" smtClean="0"/>
+              <a:t>carto</a:t>
+            </a:r>
+            <a:r>
+              <a:rPr lang="fr-FR" sz="2000" dirty="0" smtClean="0"/>
+              <a:t> existante et créer un </a:t>
+            </a:r>
+            <a:r>
+              <a:rPr lang="fr-FR" sz="2000" dirty="0"/>
+              <a:t>cache avec </a:t>
+            </a:r>
+            <a:r>
+              <a:rPr lang="fr-FR" sz="2000" b="1" dirty="0" smtClean="0"/>
+              <a:t>map_cache_creator_v7</a:t>
+            </a:r>
+            <a:endParaRPr lang="fr-FR" sz="2400" dirty="0" smtClean="0"/>
+          </a:p>
+          <a:p>
+            <a:pPr marL="0" indent="0">
+              <a:buNone/>
+            </a:pPr>
+            <a:endParaRPr lang="fr-FR" sz="2400" b="1" dirty="0" smtClean="0"/>
+          </a:p>
+          <a:p>
+            <a:r>
+              <a:rPr lang="fr-FR" sz="2400" dirty="0"/>
+              <a:t>Télécharger et créer le </a:t>
+            </a:r>
+            <a:r>
+              <a:rPr lang="fr-FR" sz="2400" dirty="0" err="1"/>
+              <a:t>map</a:t>
+            </a:r>
+            <a:r>
+              <a:rPr lang="fr-FR" sz="2400" dirty="0"/>
+              <a:t> </a:t>
+            </a:r>
+            <a:r>
+              <a:rPr lang="fr-FR" sz="2400" dirty="0" smtClean="0"/>
+              <a:t>cache :</a:t>
+            </a:r>
+          </a:p>
+          <a:p>
+            <a:pPr lvl="1"/>
+            <a:r>
+              <a:rPr lang="fr-FR" sz="2000" dirty="0"/>
+              <a:t>Lancer </a:t>
+            </a:r>
+            <a:r>
+              <a:rPr lang="fr-FR" sz="2000" b="1" dirty="0" smtClean="0"/>
+              <a:t>map_cache_downloader_v1</a:t>
+            </a:r>
+          </a:p>
+          <a:p>
+            <a:pPr lvl="1"/>
+            <a:r>
+              <a:rPr lang="fr-FR" sz="2000" dirty="0" smtClean="0"/>
+              <a:t>Saisir « n » pour créer le cache, « y » pour seulement télécharger</a:t>
+            </a:r>
+          </a:p>
+          <a:p>
+            <a:pPr lvl="1"/>
+            <a:r>
+              <a:rPr lang="fr-FR" sz="2000" dirty="0" smtClean="0"/>
+              <a:t>Choisir la source</a:t>
+            </a:r>
+          </a:p>
+          <a:p>
+            <a:pPr lvl="1"/>
+            <a:r>
+              <a:rPr lang="fr-FR" sz="2000" dirty="0" smtClean="0"/>
+              <a:t>Saisir les coordonnées du point supérieur gauche : YY.YYYY,XX.XXXX</a:t>
+            </a:r>
+          </a:p>
+          <a:p>
+            <a:pPr lvl="1"/>
+            <a:r>
+              <a:rPr lang="fr-FR" sz="2000" dirty="0"/>
+              <a:t>Saisir les coordonnées du point </a:t>
+            </a:r>
+            <a:r>
+              <a:rPr lang="fr-FR" sz="2000" dirty="0" smtClean="0"/>
+              <a:t>inférieur droit : </a:t>
+            </a:r>
+            <a:r>
+              <a:rPr lang="fr-FR" sz="2000" dirty="0"/>
+              <a:t>YY.YYYY,XX.XXXX</a:t>
+            </a:r>
+          </a:p>
+          <a:p>
+            <a:pPr lvl="1"/>
+            <a:endParaRPr lang="fr-FR" sz="2000" dirty="0" smtClean="0"/>
+          </a:p>
+          <a:p>
+            <a:pPr lvl="1"/>
+            <a:endParaRPr lang="fr-FR" sz="2000" dirty="0" smtClean="0"/>
+          </a:p>
+        </p:txBody>
+      </p:sp>
+    </p:spTree>
+    <p:extLst>
+      <p:ext uri="{BB962C8B-B14F-4D97-AF65-F5344CB8AC3E}">
+        <p14:creationId xmlns:p14="http://schemas.microsoft.com/office/powerpoint/2010/main" val="2575404936"/>
+      </p:ext>
+    </p:extLst>
+  </p:cSld>
+  <p:clrMapOvr>
+    <a:masterClrMapping/>
+  </p:clrMapOvr>
+</p:sld>
+</file>
+
+<file path=ppt/slides/slide35.xml><?xml version="1.0" encoding="utf-8"?>
+<p:sld xmlns:a="http://schemas.openxmlformats.org/drawingml/2006/main" xmlns:r="http://schemas.openxmlformats.org/officeDocument/2006/relationships" xmlns:p="http://schemas.openxmlformats.org/presentationml/2006/main">
+  <p:cSld>
+    <p:spTree>
+      <p:nvGrpSpPr>
+        <p:cNvPr id="1" name=""/>
+        <p:cNvGrpSpPr/>
+        <p:nvPr/>
+      </p:nvGrpSpPr>
+      <p:grpSpPr>
+        <a:xfrm>
+          <a:off x="0" y="0"/>
+          <a:ext cx="0" cy="0"/>
+          <a:chOff x="0" y="0"/>
+          <a:chExt cx="0" cy="0"/>
+        </a:xfrm>
+      </p:grpSpPr>
+      <p:sp>
+        <p:nvSpPr>
+          <p:cNvPr id="2" name="Titre 1"/>
+          <p:cNvSpPr>
+            <a:spLocks noGrp="1"/>
+          </p:cNvSpPr>
+          <p:nvPr>
+            <p:ph type="title"/>
+          </p:nvPr>
+        </p:nvSpPr>
+        <p:spPr/>
+        <p:txBody>
+          <a:bodyPr/>
+          <a:lstStyle/>
+          <a:p>
+            <a:r>
+              <a:rPr lang="fr-FR" dirty="0" err="1"/>
+              <a:t>Carto</a:t>
+            </a:r>
+            <a:r>
+              <a:rPr lang="fr-FR" dirty="0"/>
+              <a:t> capteur – DECODIO</a:t>
+            </a:r>
+          </a:p>
+        </p:txBody>
+      </p:sp>
+      <p:sp>
+        <p:nvSpPr>
+          <p:cNvPr id="3" name="Espace réservé du contenu 2"/>
+          <p:cNvSpPr>
+            <a:spLocks noGrp="1"/>
+          </p:cNvSpPr>
+          <p:nvPr>
+            <p:ph idx="1"/>
+          </p:nvPr>
+        </p:nvSpPr>
+        <p:spPr/>
+        <p:txBody>
+          <a:bodyPr>
+            <a:normAutofit fontScale="85000" lnSpcReduction="20000"/>
+          </a:bodyPr>
+          <a:lstStyle/>
+          <a:p>
+            <a:r>
+              <a:rPr lang="fr-FR" dirty="0"/>
+              <a:t>Utiliser de la </a:t>
+            </a:r>
+            <a:r>
+              <a:rPr lang="fr-FR" dirty="0" err="1"/>
+              <a:t>carto</a:t>
+            </a:r>
+            <a:r>
+              <a:rPr lang="fr-FR" dirty="0"/>
+              <a:t> existante et créer un </a:t>
+            </a:r>
+            <a:r>
+              <a:rPr lang="fr-FR" dirty="0" smtClean="0"/>
+              <a:t>cache</a:t>
+            </a:r>
+            <a:endParaRPr lang="fr-FR" dirty="0" smtClean="0"/>
+          </a:p>
+          <a:p>
+            <a:pPr lvl="1"/>
+            <a:endParaRPr lang="fr-FR" dirty="0" smtClean="0"/>
+          </a:p>
+          <a:p>
+            <a:pPr lvl="1"/>
+            <a:r>
+              <a:rPr lang="fr-FR" dirty="0" smtClean="0"/>
+              <a:t>N’importe </a:t>
+            </a:r>
+            <a:r>
+              <a:rPr lang="fr-FR" dirty="0"/>
+              <a:t>quelle </a:t>
+            </a:r>
+            <a:r>
+              <a:rPr lang="fr-FR" dirty="0" err="1"/>
+              <a:t>carto</a:t>
+            </a:r>
+            <a:r>
+              <a:rPr lang="fr-FR" dirty="0"/>
+              <a:t> existante peut être convertie au format nécessaire à la création du cache, via </a:t>
+            </a:r>
+            <a:r>
+              <a:rPr lang="fr-FR" dirty="0" err="1" smtClean="0"/>
+              <a:t>globalmapper</a:t>
+            </a:r>
+            <a:endParaRPr lang="fr-FR" dirty="0" smtClean="0"/>
+          </a:p>
+          <a:p>
+            <a:pPr lvl="1"/>
+            <a:endParaRPr lang="fr-FR" dirty="0"/>
+          </a:p>
+          <a:p>
+            <a:pPr lvl="1"/>
+            <a:r>
+              <a:rPr lang="fr-FR" dirty="0" smtClean="0"/>
+              <a:t>Convertir </a:t>
+            </a:r>
+            <a:r>
+              <a:rPr lang="fr-FR" dirty="0" smtClean="0"/>
+              <a:t>une carte existante en tuiles</a:t>
+            </a:r>
+          </a:p>
+          <a:p>
+            <a:pPr lvl="2"/>
+            <a:r>
+              <a:rPr lang="fr-FR" dirty="0" smtClean="0"/>
+              <a:t>Importer la carte voulue</a:t>
+            </a:r>
+          </a:p>
+          <a:p>
+            <a:pPr lvl="2"/>
+            <a:r>
+              <a:rPr lang="fr-FR" dirty="0" smtClean="0"/>
+              <a:t>Clic </a:t>
+            </a:r>
+            <a:r>
+              <a:rPr lang="fr-FR" dirty="0"/>
+              <a:t>droit </a:t>
+            </a:r>
+            <a:r>
+              <a:rPr lang="fr-FR" dirty="0" smtClean="0"/>
+              <a:t>sur la couche -&gt; LAYER -&gt; EXPORT</a:t>
+            </a:r>
+          </a:p>
+          <a:p>
+            <a:pPr lvl="2"/>
+            <a:r>
+              <a:rPr lang="fr-FR" dirty="0" smtClean="0"/>
+              <a:t>Choisir le format </a:t>
+            </a:r>
+            <a:r>
+              <a:rPr lang="fr-FR" b="1" dirty="0" smtClean="0"/>
+              <a:t>OSM (</a:t>
+            </a:r>
+            <a:r>
+              <a:rPr lang="fr-FR" b="1" dirty="0" err="1" smtClean="0"/>
+              <a:t>OpenStreetMap</a:t>
+            </a:r>
+            <a:r>
+              <a:rPr lang="fr-FR" b="1" dirty="0" smtClean="0"/>
+              <a:t>) </a:t>
+            </a:r>
+            <a:r>
+              <a:rPr lang="fr-FR" b="1" dirty="0" err="1" smtClean="0"/>
+              <a:t>Tiles</a:t>
+            </a:r>
+            <a:endParaRPr lang="fr-FR" dirty="0" smtClean="0"/>
+          </a:p>
+          <a:p>
+            <a:pPr lvl="2"/>
+            <a:r>
+              <a:rPr lang="fr-FR" dirty="0" smtClean="0"/>
+              <a:t>Définir le nombre de niveau de zoom souhaité</a:t>
+            </a:r>
+          </a:p>
+          <a:p>
+            <a:pPr lvl="2"/>
+            <a:r>
+              <a:rPr lang="fr-FR" dirty="0" smtClean="0"/>
+              <a:t>Valider avec « </a:t>
+            </a:r>
+            <a:r>
+              <a:rPr lang="fr-FR" b="1" dirty="0" smtClean="0"/>
+              <a:t>ok</a:t>
+            </a:r>
+            <a:r>
+              <a:rPr lang="fr-FR" dirty="0" smtClean="0"/>
+              <a:t> </a:t>
+            </a:r>
+            <a:r>
+              <a:rPr lang="fr-FR" dirty="0" smtClean="0"/>
+              <a:t>»</a:t>
+            </a:r>
+            <a:endParaRPr lang="fr-FR" dirty="0"/>
+          </a:p>
+          <a:p>
+            <a:pPr lvl="2"/>
+            <a:endParaRPr lang="fr-FR" dirty="0" smtClean="0"/>
+          </a:p>
+          <a:p>
+            <a:pPr lvl="1"/>
+            <a:r>
+              <a:rPr lang="fr-FR" dirty="0" smtClean="0"/>
+              <a:t>Création du fichier cache</a:t>
+            </a:r>
+          </a:p>
+          <a:p>
+            <a:pPr lvl="2"/>
+            <a:r>
+              <a:rPr lang="fr-FR" dirty="0" smtClean="0"/>
+              <a:t>Couper-coller les </a:t>
+            </a:r>
+            <a:r>
+              <a:rPr lang="fr-FR" dirty="0" smtClean="0"/>
+              <a:t>dossiers tuiles dans </a:t>
+            </a:r>
+            <a:r>
+              <a:rPr lang="fr-FR" dirty="0" smtClean="0"/>
+              <a:t>le dossier </a:t>
+            </a:r>
+            <a:r>
+              <a:rPr lang="fr-FR" dirty="0"/>
+              <a:t>de l’outil </a:t>
+            </a:r>
+            <a:r>
+              <a:rPr lang="fr-FR" b="1" dirty="0" smtClean="0"/>
+              <a:t>map_cache_creator_v7</a:t>
+            </a:r>
+          </a:p>
+          <a:p>
+            <a:pPr lvl="2"/>
+            <a:r>
+              <a:rPr lang="fr-FR" dirty="0" smtClean="0"/>
+              <a:t>Entrer un nom (</a:t>
+            </a:r>
+            <a:r>
+              <a:rPr lang="fr-FR" b="1" dirty="0" smtClean="0"/>
+              <a:t>à retenir</a:t>
+            </a:r>
+            <a:r>
+              <a:rPr lang="fr-FR" dirty="0" smtClean="0"/>
+              <a:t>) pour cette carte</a:t>
+            </a:r>
+          </a:p>
+          <a:p>
+            <a:pPr lvl="2"/>
+            <a:r>
+              <a:rPr lang="fr-FR" dirty="0"/>
+              <a:t>Récupérer le fichier </a:t>
+            </a:r>
+            <a:r>
+              <a:rPr lang="fr-FR" b="1" dirty="0" err="1" smtClean="0"/>
+              <a:t>map_cache.db</a:t>
+            </a:r>
+            <a:r>
+              <a:rPr lang="fr-FR" dirty="0" smtClean="0"/>
+              <a:t> créé dans le même dossier</a:t>
+            </a:r>
+            <a:endParaRPr lang="fr-FR" dirty="0"/>
+          </a:p>
+        </p:txBody>
+      </p:sp>
+    </p:spTree>
+    <p:extLst>
+      <p:ext uri="{BB962C8B-B14F-4D97-AF65-F5344CB8AC3E}">
+        <p14:creationId xmlns:p14="http://schemas.microsoft.com/office/powerpoint/2010/main" val="2622391989"/>
       </p:ext>
     </p:extLst>
   </p:cSld>
